--- a/вкр/дипломная_презентация.pptx
+++ b/вкр/дипломная_презентация.pptx
@@ -3,53 +3,53 @@
 <p:presentation xmlns:a="http://schemas.openxmlformats.org/drawingml/2006/main" xmlns:r="http://schemas.openxmlformats.org/officeDocument/2006/relationships" xmlns:p="http://schemas.openxmlformats.org/presentationml/2006/main" autoCompressPictures="0">
   <p:sldMasterIdLst>
     <p:sldMasterId id="2147483648" r:id="rId1"/>
-    <p:sldMasterId id="2147483660" r:id="rId3"/>
+    <p:sldMasterId id="2147483660" r:id="rId2"/>
   </p:sldMasterIdLst>
   <p:notesMasterIdLst>
-    <p:notesMasterId r:id="rId6"/>
+    <p:notesMasterId r:id="rId44"/>
   </p:notesMasterIdLst>
   <p:sldIdLst>
-    <p:sldId id="257" r:id="rId4"/>
-    <p:sldId id="262" r:id="rId5"/>
-    <p:sldId id="284" r:id="rId7"/>
-    <p:sldId id="285" r:id="rId8"/>
-    <p:sldId id="357" r:id="rId9"/>
-    <p:sldId id="288" r:id="rId10"/>
-    <p:sldId id="303" r:id="rId11"/>
-    <p:sldId id="304" r:id="rId12"/>
-    <p:sldId id="305" r:id="rId13"/>
-    <p:sldId id="306" r:id="rId14"/>
-    <p:sldId id="299" r:id="rId15"/>
-    <p:sldId id="300" r:id="rId16"/>
-    <p:sldId id="301" r:id="rId17"/>
-    <p:sldId id="302" r:id="rId18"/>
-    <p:sldId id="307" r:id="rId19"/>
-    <p:sldId id="308" r:id="rId20"/>
-    <p:sldId id="309" r:id="rId21"/>
-    <p:sldId id="358" r:id="rId22"/>
-    <p:sldId id="322" r:id="rId23"/>
-    <p:sldId id="323" r:id="rId24"/>
-    <p:sldId id="324" r:id="rId25"/>
-    <p:sldId id="325" r:id="rId26"/>
-    <p:sldId id="326" r:id="rId27"/>
-    <p:sldId id="327" r:id="rId28"/>
-    <p:sldId id="329" r:id="rId29"/>
-    <p:sldId id="328" r:id="rId30"/>
-    <p:sldId id="359" r:id="rId31"/>
-    <p:sldId id="310" r:id="rId32"/>
-    <p:sldId id="311" r:id="rId33"/>
-    <p:sldId id="312" r:id="rId34"/>
-    <p:sldId id="313" r:id="rId35"/>
-    <p:sldId id="314" r:id="rId36"/>
-    <p:sldId id="315" r:id="rId37"/>
-    <p:sldId id="316" r:id="rId38"/>
-    <p:sldId id="317" r:id="rId39"/>
-    <p:sldId id="318" r:id="rId40"/>
-    <p:sldId id="319" r:id="rId41"/>
-    <p:sldId id="320" r:id="rId42"/>
-    <p:sldId id="321" r:id="rId43"/>
-    <p:sldId id="360" r:id="rId44"/>
-    <p:sldId id="274" r:id="rId45"/>
+    <p:sldId id="257" r:id="rId3"/>
+    <p:sldId id="262" r:id="rId4"/>
+    <p:sldId id="284" r:id="rId5"/>
+    <p:sldId id="285" r:id="rId6"/>
+    <p:sldId id="357" r:id="rId7"/>
+    <p:sldId id="288" r:id="rId8"/>
+    <p:sldId id="303" r:id="rId9"/>
+    <p:sldId id="304" r:id="rId10"/>
+    <p:sldId id="305" r:id="rId11"/>
+    <p:sldId id="306" r:id="rId12"/>
+    <p:sldId id="299" r:id="rId13"/>
+    <p:sldId id="300" r:id="rId14"/>
+    <p:sldId id="301" r:id="rId15"/>
+    <p:sldId id="302" r:id="rId16"/>
+    <p:sldId id="307" r:id="rId17"/>
+    <p:sldId id="308" r:id="rId18"/>
+    <p:sldId id="309" r:id="rId19"/>
+    <p:sldId id="358" r:id="rId20"/>
+    <p:sldId id="322" r:id="rId21"/>
+    <p:sldId id="323" r:id="rId22"/>
+    <p:sldId id="324" r:id="rId23"/>
+    <p:sldId id="325" r:id="rId24"/>
+    <p:sldId id="326" r:id="rId25"/>
+    <p:sldId id="327" r:id="rId26"/>
+    <p:sldId id="329" r:id="rId27"/>
+    <p:sldId id="328" r:id="rId28"/>
+    <p:sldId id="359" r:id="rId29"/>
+    <p:sldId id="310" r:id="rId30"/>
+    <p:sldId id="311" r:id="rId31"/>
+    <p:sldId id="312" r:id="rId32"/>
+    <p:sldId id="313" r:id="rId33"/>
+    <p:sldId id="314" r:id="rId34"/>
+    <p:sldId id="315" r:id="rId35"/>
+    <p:sldId id="316" r:id="rId36"/>
+    <p:sldId id="317" r:id="rId37"/>
+    <p:sldId id="318" r:id="rId38"/>
+    <p:sldId id="319" r:id="rId39"/>
+    <p:sldId id="320" r:id="rId40"/>
+    <p:sldId id="321" r:id="rId41"/>
+    <p:sldId id="360" r:id="rId42"/>
+    <p:sldId id="274" r:id="rId43"/>
   </p:sldIdLst>
   <p:sldSz cx="12192000" cy="6858000"/>
   <p:notesSz cx="6858000" cy="9144000"/>
@@ -254,6 +254,7 @@
           <a:p>
             <a:fld id="{68408054-2A81-F643-8DF3-484F1BCF7124}" type="datetimeFigureOut">
               <a:rPr lang="ru-RU" smtClean="0"/>
+              <a:t>17.06.2024</a:t>
             </a:fld>
             <a:endParaRPr lang="ru-RU"/>
           </a:p>
@@ -320,7 +321,6 @@
               <a:rPr lang="ru-RU"/>
               <a:t>Образец текста</a:t>
             </a:r>
-            <a:endParaRPr lang="ru-RU"/>
           </a:p>
           <a:p>
             <a:pPr lvl="1"/>
@@ -328,7 +328,6 @@
               <a:rPr lang="ru-RU"/>
               <a:t>Второй уровень</a:t>
             </a:r>
-            <a:endParaRPr lang="ru-RU"/>
           </a:p>
           <a:p>
             <a:pPr lvl="2"/>
@@ -336,7 +335,6 @@
               <a:rPr lang="ru-RU"/>
               <a:t>Третий уровень</a:t>
             </a:r>
-            <a:endParaRPr lang="ru-RU"/>
           </a:p>
           <a:p>
             <a:pPr lvl="3"/>
@@ -344,7 +342,6 @@
               <a:rPr lang="ru-RU"/>
               <a:t>Четвертый уровень</a:t>
             </a:r>
-            <a:endParaRPr lang="ru-RU"/>
           </a:p>
           <a:p>
             <a:pPr lvl="4"/>
@@ -352,7 +349,6 @@
               <a:rPr lang="ru-RU"/>
               <a:t>Пятый уровень</a:t>
             </a:r>
-            <a:endParaRPr lang="ru-RU"/>
           </a:p>
         </p:txBody>
       </p:sp>
@@ -416,6 +412,7 @@
           <a:p>
             <a:fld id="{0F02595E-CCE3-3147-8332-818853E6143F}" type="slidenum">
               <a:rPr lang="ru-RU" smtClean="0"/>
+              <a:t>‹#›</a:t>
             </a:fld>
             <a:endParaRPr lang="ru-RU"/>
           </a:p>
@@ -528,12 +525,19 @@
         <p:cNvGrpSpPr/>
         <p:nvPr/>
       </p:nvGrpSpPr>
-      <p:grpSpPr/>
+      <p:grpSpPr>
+        <a:xfrm>
+          <a:off x="0" y="0"/>
+          <a:ext cx="0" cy="0"/>
+          <a:chOff x="0" y="0"/>
+          <a:chExt cx="0" cy="0"/>
+        </a:xfrm>
+      </p:grpSpPr>
       <p:sp>
         <p:nvSpPr>
           <p:cNvPr id="2" name="Замещающий образ слайда 1"/>
           <p:cNvSpPr>
-            <a:spLocks noGrp="1"/>
+            <a:spLocks noGrp="1" noRot="1" noChangeAspect="1"/>
           </p:cNvSpPr>
           <p:nvPr>
             <p:ph type="sldImg" idx="2"/>
@@ -554,12 +558,12 @@
         <p:spPr/>
         <p:txBody>
           <a:bodyPr/>
+          <a:lstStyle/>
           <a:p>
             <a:r>
               <a:rPr lang="ru-RU" altLang="en-US"/>
               <a:t>Автоматизированная система научных исследований</a:t>
             </a:r>
-            <a:endParaRPr lang="ru-RU" altLang="en-US"/>
           </a:p>
         </p:txBody>
       </p:sp>
@@ -623,7 +627,6 @@
               <a:rPr lang="ru-RU" altLang="en-US"/>
               <a:t>предоставляет множество встроенных виджетов (встроенных элементов управления), благодаря чему в большинстве случаев нет необходимости писать их самому. Мною были использованы следующие виджеты.</a:t>
             </a:r>
-            <a:endParaRPr lang="ru-RU" altLang="en-US"/>
           </a:p>
         </p:txBody>
       </p:sp>
@@ -763,7 +766,6 @@
               <a:rPr lang="ru-RU" altLang="ru-RU"/>
               <a:t>Хранитель</a:t>
             </a:r>
-            <a:endParaRPr lang="ru-RU" altLang="ru-RU"/>
           </a:p>
         </p:txBody>
       </p:sp>
@@ -820,7 +822,6 @@
               <a:rPr lang="ru-RU"/>
               <a:t>Образец заголовка</a:t>
             </a:r>
-            <a:endParaRPr lang="ru-RU"/>
           </a:p>
         </p:txBody>
       </p:sp>
@@ -885,7 +886,6 @@
               <a:rPr lang="ru-RU"/>
               <a:t>Образец подзаголовка</a:t>
             </a:r>
-            <a:endParaRPr lang="ru-RU"/>
           </a:p>
         </p:txBody>
       </p:sp>
@@ -906,6 +906,7 @@
           <a:p>
             <a:fld id="{193BAB95-8DA7-460B-B00A-7037C8394FB0}" type="datetime1">
               <a:rPr lang="en-US" smtClean="0"/>
+              <a:t>6/17/2024</a:t>
             </a:fld>
             <a:endParaRPr lang="en-US" dirty="0"/>
           </a:p>
@@ -955,6 +956,7 @@
           <a:p>
             <a:fld id="{11A71338-8BA2-4C79-A6C5-5A8E30081D0C}" type="slidenum">
               <a:rPr lang="en-US" smtClean="0"/>
+              <a:t>‹#›</a:t>
             </a:fld>
             <a:endParaRPr lang="en-US" dirty="0"/>
           </a:p>
@@ -1005,7 +1007,6 @@
               <a:rPr lang="ru-RU"/>
               <a:t>Образец заголовка</a:t>
             </a:r>
-            <a:endParaRPr lang="ru-RU"/>
           </a:p>
         </p:txBody>
       </p:sp>
@@ -1029,7 +1030,6 @@
               <a:rPr lang="ru-RU"/>
               <a:t>Образец текста</a:t>
             </a:r>
-            <a:endParaRPr lang="ru-RU"/>
           </a:p>
           <a:p>
             <a:pPr lvl="1"/>
@@ -1037,7 +1037,6 @@
               <a:rPr lang="ru-RU"/>
               <a:t>Второй уровень</a:t>
             </a:r>
-            <a:endParaRPr lang="ru-RU"/>
           </a:p>
           <a:p>
             <a:pPr lvl="2"/>
@@ -1045,7 +1044,6 @@
               <a:rPr lang="ru-RU"/>
               <a:t>Третий уровень</a:t>
             </a:r>
-            <a:endParaRPr lang="ru-RU"/>
           </a:p>
           <a:p>
             <a:pPr lvl="3"/>
@@ -1053,7 +1051,6 @@
               <a:rPr lang="ru-RU"/>
               <a:t>Четвертый уровень</a:t>
             </a:r>
-            <a:endParaRPr lang="ru-RU"/>
           </a:p>
           <a:p>
             <a:pPr lvl="4"/>
@@ -1061,7 +1058,6 @@
               <a:rPr lang="ru-RU"/>
               <a:t>Пятый уровень</a:t>
             </a:r>
-            <a:endParaRPr lang="ru-RU"/>
           </a:p>
         </p:txBody>
       </p:sp>
@@ -1082,6 +1078,7 @@
           <a:p>
             <a:fld id="{193BAB95-8DA7-460B-B00A-7037C8394FB0}" type="datetime1">
               <a:rPr lang="en-US" smtClean="0"/>
+              <a:t>6/17/2024</a:t>
             </a:fld>
             <a:endParaRPr lang="en-US" dirty="0"/>
           </a:p>
@@ -1131,6 +1128,7 @@
           <a:p>
             <a:fld id="{11A71338-8BA2-4C79-A6C5-5A8E30081D0C}" type="slidenum">
               <a:rPr lang="en-US" smtClean="0"/>
+              <a:t>‹#›</a:t>
             </a:fld>
             <a:endParaRPr lang="en-US" dirty="0"/>
           </a:p>
@@ -1186,7 +1184,6 @@
               <a:rPr lang="ru-RU"/>
               <a:t>Образец заголовка</a:t>
             </a:r>
-            <a:endParaRPr lang="ru-RU"/>
           </a:p>
         </p:txBody>
       </p:sp>
@@ -1215,7 +1212,6 @@
               <a:rPr lang="ru-RU"/>
               <a:t>Образец текста</a:t>
             </a:r>
-            <a:endParaRPr lang="ru-RU"/>
           </a:p>
           <a:p>
             <a:pPr lvl="1"/>
@@ -1223,7 +1219,6 @@
               <a:rPr lang="ru-RU"/>
               <a:t>Второй уровень</a:t>
             </a:r>
-            <a:endParaRPr lang="ru-RU"/>
           </a:p>
           <a:p>
             <a:pPr lvl="2"/>
@@ -1231,7 +1226,6 @@
               <a:rPr lang="ru-RU"/>
               <a:t>Третий уровень</a:t>
             </a:r>
-            <a:endParaRPr lang="ru-RU"/>
           </a:p>
           <a:p>
             <a:pPr lvl="3"/>
@@ -1239,7 +1233,6 @@
               <a:rPr lang="ru-RU"/>
               <a:t>Четвертый уровень</a:t>
             </a:r>
-            <a:endParaRPr lang="ru-RU"/>
           </a:p>
           <a:p>
             <a:pPr lvl="4"/>
@@ -1247,7 +1240,6 @@
               <a:rPr lang="ru-RU"/>
               <a:t>Пятый уровень</a:t>
             </a:r>
-            <a:endParaRPr lang="ru-RU"/>
           </a:p>
         </p:txBody>
       </p:sp>
@@ -1268,6 +1260,7 @@
           <a:p>
             <a:fld id="{193BAB95-8DA7-460B-B00A-7037C8394FB0}" type="datetime1">
               <a:rPr lang="en-US" smtClean="0"/>
+              <a:t>6/17/2024</a:t>
             </a:fld>
             <a:endParaRPr lang="en-US" dirty="0"/>
           </a:p>
@@ -1317,6 +1310,7 @@
           <a:p>
             <a:fld id="{11A71338-8BA2-4C79-A6C5-5A8E30081D0C}" type="slidenum">
               <a:rPr lang="en-US" smtClean="0"/>
+              <a:t>‹#›</a:t>
             </a:fld>
             <a:endParaRPr lang="en-US" dirty="0"/>
           </a:p>
@@ -1376,7 +1370,6 @@
               <a:rPr lang="ru-RU"/>
               <a:t>Образец заголовка</a:t>
             </a:r>
-            <a:endParaRPr lang="ru-RU"/>
           </a:p>
         </p:txBody>
       </p:sp>
@@ -1441,7 +1434,6 @@
               <a:rPr lang="ru-RU"/>
               <a:t>Образец подзаголовка</a:t>
             </a:r>
-            <a:endParaRPr lang="ru-RU"/>
           </a:p>
         </p:txBody>
       </p:sp>
@@ -1462,6 +1454,7 @@
           <a:p>
             <a:fld id="{193BAB95-8DA7-460B-B00A-7037C8394FB0}" type="datetime1">
               <a:rPr lang="en-US" smtClean="0"/>
+              <a:t>6/17/2024</a:t>
             </a:fld>
             <a:endParaRPr lang="en-US" dirty="0"/>
           </a:p>
@@ -1511,6 +1504,7 @@
           <a:p>
             <a:fld id="{11A71338-8BA2-4C79-A6C5-5A8E30081D0C}" type="slidenum">
               <a:rPr lang="en-US" smtClean="0"/>
+              <a:t>‹#›</a:t>
             </a:fld>
             <a:endParaRPr lang="en-US" dirty="0"/>
           </a:p>
@@ -1561,7 +1555,6 @@
               <a:rPr lang="ru-RU"/>
               <a:t>Образец заголовка</a:t>
             </a:r>
-            <a:endParaRPr lang="ru-RU"/>
           </a:p>
         </p:txBody>
       </p:sp>
@@ -1585,7 +1578,6 @@
               <a:rPr lang="ru-RU"/>
               <a:t>Образец текста</a:t>
             </a:r>
-            <a:endParaRPr lang="ru-RU"/>
           </a:p>
           <a:p>
             <a:pPr lvl="1"/>
@@ -1593,7 +1585,6 @@
               <a:rPr lang="ru-RU"/>
               <a:t>Второй уровень</a:t>
             </a:r>
-            <a:endParaRPr lang="ru-RU"/>
           </a:p>
           <a:p>
             <a:pPr lvl="2"/>
@@ -1601,7 +1592,6 @@
               <a:rPr lang="ru-RU"/>
               <a:t>Третий уровень</a:t>
             </a:r>
-            <a:endParaRPr lang="ru-RU"/>
           </a:p>
           <a:p>
             <a:pPr lvl="3"/>
@@ -1609,7 +1599,6 @@
               <a:rPr lang="ru-RU"/>
               <a:t>Четвертый уровень</a:t>
             </a:r>
-            <a:endParaRPr lang="ru-RU"/>
           </a:p>
           <a:p>
             <a:pPr lvl="4"/>
@@ -1617,7 +1606,6 @@
               <a:rPr lang="ru-RU"/>
               <a:t>Пятый уровень</a:t>
             </a:r>
-            <a:endParaRPr lang="ru-RU"/>
           </a:p>
         </p:txBody>
       </p:sp>
@@ -1638,6 +1626,7 @@
           <a:p>
             <a:fld id="{193BAB95-8DA7-460B-B00A-7037C8394FB0}" type="datetime1">
               <a:rPr lang="en-US" smtClean="0"/>
+              <a:t>6/17/2024</a:t>
             </a:fld>
             <a:endParaRPr lang="en-US" dirty="0"/>
           </a:p>
@@ -1687,6 +1676,7 @@
           <a:p>
             <a:fld id="{11A71338-8BA2-4C79-A6C5-5A8E30081D0C}" type="slidenum">
               <a:rPr lang="en-US" smtClean="0"/>
+              <a:t>‹#›</a:t>
             </a:fld>
             <a:endParaRPr lang="en-US" dirty="0"/>
           </a:p>
@@ -1746,7 +1736,6 @@
               <a:rPr lang="ru-RU"/>
               <a:t>Образец заголовка</a:t>
             </a:r>
-            <a:endParaRPr lang="ru-RU"/>
           </a:p>
         </p:txBody>
       </p:sp>
@@ -1866,7 +1855,6 @@
               <a:rPr lang="ru-RU"/>
               <a:t>Образец текста</a:t>
             </a:r>
-            <a:endParaRPr lang="ru-RU"/>
           </a:p>
         </p:txBody>
       </p:sp>
@@ -1887,6 +1875,7 @@
           <a:p>
             <a:fld id="{193BAB95-8DA7-460B-B00A-7037C8394FB0}" type="datetime1">
               <a:rPr lang="en-US" smtClean="0"/>
+              <a:t>6/17/2024</a:t>
             </a:fld>
             <a:endParaRPr lang="en-US" dirty="0"/>
           </a:p>
@@ -1936,6 +1925,7 @@
           <a:p>
             <a:fld id="{11A71338-8BA2-4C79-A6C5-5A8E30081D0C}" type="slidenum">
               <a:rPr lang="en-US" smtClean="0"/>
+              <a:t>‹#›</a:t>
             </a:fld>
             <a:endParaRPr lang="en-US" dirty="0"/>
           </a:p>
@@ -1986,7 +1976,6 @@
               <a:rPr lang="ru-RU"/>
               <a:t>Образец заголовка</a:t>
             </a:r>
-            <a:endParaRPr lang="ru-RU"/>
           </a:p>
         </p:txBody>
       </p:sp>
@@ -2015,7 +2004,6 @@
               <a:rPr lang="ru-RU"/>
               <a:t>Образец текста</a:t>
             </a:r>
-            <a:endParaRPr lang="ru-RU"/>
           </a:p>
           <a:p>
             <a:pPr lvl="1"/>
@@ -2023,7 +2011,6 @@
               <a:rPr lang="ru-RU"/>
               <a:t>Второй уровень</a:t>
             </a:r>
-            <a:endParaRPr lang="ru-RU"/>
           </a:p>
           <a:p>
             <a:pPr lvl="2"/>
@@ -2031,7 +2018,6 @@
               <a:rPr lang="ru-RU"/>
               <a:t>Третий уровень</a:t>
             </a:r>
-            <a:endParaRPr lang="ru-RU"/>
           </a:p>
           <a:p>
             <a:pPr lvl="3"/>
@@ -2039,7 +2025,6 @@
               <a:rPr lang="ru-RU"/>
               <a:t>Четвертый уровень</a:t>
             </a:r>
-            <a:endParaRPr lang="ru-RU"/>
           </a:p>
           <a:p>
             <a:pPr lvl="4"/>
@@ -2047,7 +2032,6 @@
               <a:rPr lang="ru-RU"/>
               <a:t>Пятый уровень</a:t>
             </a:r>
-            <a:endParaRPr lang="ru-RU"/>
           </a:p>
         </p:txBody>
       </p:sp>
@@ -2076,7 +2060,6 @@
               <a:rPr lang="ru-RU"/>
               <a:t>Образец текста</a:t>
             </a:r>
-            <a:endParaRPr lang="ru-RU"/>
           </a:p>
           <a:p>
             <a:pPr lvl="1"/>
@@ -2084,7 +2067,6 @@
               <a:rPr lang="ru-RU"/>
               <a:t>Второй уровень</a:t>
             </a:r>
-            <a:endParaRPr lang="ru-RU"/>
           </a:p>
           <a:p>
             <a:pPr lvl="2"/>
@@ -2092,7 +2074,6 @@
               <a:rPr lang="ru-RU"/>
               <a:t>Третий уровень</a:t>
             </a:r>
-            <a:endParaRPr lang="ru-RU"/>
           </a:p>
           <a:p>
             <a:pPr lvl="3"/>
@@ -2100,7 +2081,6 @@
               <a:rPr lang="ru-RU"/>
               <a:t>Четвертый уровень</a:t>
             </a:r>
-            <a:endParaRPr lang="ru-RU"/>
           </a:p>
           <a:p>
             <a:pPr lvl="4"/>
@@ -2108,7 +2088,6 @@
               <a:rPr lang="ru-RU"/>
               <a:t>Пятый уровень</a:t>
             </a:r>
-            <a:endParaRPr lang="ru-RU"/>
           </a:p>
         </p:txBody>
       </p:sp>
@@ -2129,6 +2108,7 @@
           <a:p>
             <a:fld id="{193BAB95-8DA7-460B-B00A-7037C8394FB0}" type="datetime1">
               <a:rPr lang="en-US" smtClean="0"/>
+              <a:t>6/17/2024</a:t>
             </a:fld>
             <a:endParaRPr lang="en-US" dirty="0"/>
           </a:p>
@@ -2178,6 +2158,7 @@
           <a:p>
             <a:fld id="{11A71338-8BA2-4C79-A6C5-5A8E30081D0C}" type="slidenum">
               <a:rPr lang="en-US" smtClean="0"/>
+              <a:t>‹#›</a:t>
             </a:fld>
             <a:endParaRPr lang="en-US" dirty="0"/>
           </a:p>
@@ -2233,7 +2214,6 @@
               <a:rPr lang="ru-RU"/>
               <a:t>Образец заголовка</a:t>
             </a:r>
-            <a:endParaRPr lang="ru-RU"/>
           </a:p>
         </p:txBody>
       </p:sp>
@@ -2299,7 +2279,6 @@
               <a:rPr lang="ru-RU"/>
               <a:t>Образец текста</a:t>
             </a:r>
-            <a:endParaRPr lang="ru-RU"/>
           </a:p>
         </p:txBody>
       </p:sp>
@@ -2328,7 +2307,6 @@
               <a:rPr lang="ru-RU"/>
               <a:t>Образец текста</a:t>
             </a:r>
-            <a:endParaRPr lang="ru-RU"/>
           </a:p>
           <a:p>
             <a:pPr lvl="1"/>
@@ -2336,7 +2314,6 @@
               <a:rPr lang="ru-RU"/>
               <a:t>Второй уровень</a:t>
             </a:r>
-            <a:endParaRPr lang="ru-RU"/>
           </a:p>
           <a:p>
             <a:pPr lvl="2"/>
@@ -2344,7 +2321,6 @@
               <a:rPr lang="ru-RU"/>
               <a:t>Третий уровень</a:t>
             </a:r>
-            <a:endParaRPr lang="ru-RU"/>
           </a:p>
           <a:p>
             <a:pPr lvl="3"/>
@@ -2352,7 +2328,6 @@
               <a:rPr lang="ru-RU"/>
               <a:t>Четвертый уровень</a:t>
             </a:r>
-            <a:endParaRPr lang="ru-RU"/>
           </a:p>
           <a:p>
             <a:pPr lvl="4"/>
@@ -2360,7 +2335,6 @@
               <a:rPr lang="ru-RU"/>
               <a:t>Пятый уровень</a:t>
             </a:r>
-            <a:endParaRPr lang="ru-RU"/>
           </a:p>
         </p:txBody>
       </p:sp>
@@ -2426,7 +2400,6 @@
               <a:rPr lang="ru-RU"/>
               <a:t>Образец текста</a:t>
             </a:r>
-            <a:endParaRPr lang="ru-RU"/>
           </a:p>
         </p:txBody>
       </p:sp>
@@ -2455,7 +2428,6 @@
               <a:rPr lang="ru-RU"/>
               <a:t>Образец текста</a:t>
             </a:r>
-            <a:endParaRPr lang="ru-RU"/>
           </a:p>
           <a:p>
             <a:pPr lvl="1"/>
@@ -2463,7 +2435,6 @@
               <a:rPr lang="ru-RU"/>
               <a:t>Второй уровень</a:t>
             </a:r>
-            <a:endParaRPr lang="ru-RU"/>
           </a:p>
           <a:p>
             <a:pPr lvl="2"/>
@@ -2471,7 +2442,6 @@
               <a:rPr lang="ru-RU"/>
               <a:t>Третий уровень</a:t>
             </a:r>
-            <a:endParaRPr lang="ru-RU"/>
           </a:p>
           <a:p>
             <a:pPr lvl="3"/>
@@ -2479,7 +2449,6 @@
               <a:rPr lang="ru-RU"/>
               <a:t>Четвертый уровень</a:t>
             </a:r>
-            <a:endParaRPr lang="ru-RU"/>
           </a:p>
           <a:p>
             <a:pPr lvl="4"/>
@@ -2487,7 +2456,6 @@
               <a:rPr lang="ru-RU"/>
               <a:t>Пятый уровень</a:t>
             </a:r>
-            <a:endParaRPr lang="ru-RU"/>
           </a:p>
         </p:txBody>
       </p:sp>
@@ -2508,6 +2476,7 @@
           <a:p>
             <a:fld id="{193BAB95-8DA7-460B-B00A-7037C8394FB0}" type="datetime1">
               <a:rPr lang="en-US" smtClean="0"/>
+              <a:t>6/17/2024</a:t>
             </a:fld>
             <a:endParaRPr lang="en-US" dirty="0"/>
           </a:p>
@@ -2557,6 +2526,7 @@
           <a:p>
             <a:fld id="{11A71338-8BA2-4C79-A6C5-5A8E30081D0C}" type="slidenum">
               <a:rPr lang="en-US" smtClean="0"/>
+              <a:t>‹#›</a:t>
             </a:fld>
             <a:endParaRPr lang="en-US" dirty="0"/>
           </a:p>
@@ -2607,7 +2577,6 @@
               <a:rPr lang="ru-RU"/>
               <a:t>Образец заголовка</a:t>
             </a:r>
-            <a:endParaRPr lang="ru-RU"/>
           </a:p>
         </p:txBody>
       </p:sp>
@@ -2628,6 +2597,7 @@
           <a:p>
             <a:fld id="{193BAB95-8DA7-460B-B00A-7037C8394FB0}" type="datetime1">
               <a:rPr lang="en-US" smtClean="0"/>
+              <a:t>6/17/2024</a:t>
             </a:fld>
             <a:endParaRPr lang="en-US" dirty="0"/>
           </a:p>
@@ -2677,6 +2647,7 @@
           <a:p>
             <a:fld id="{11A71338-8BA2-4C79-A6C5-5A8E30081D0C}" type="slidenum">
               <a:rPr lang="en-US" smtClean="0"/>
+              <a:t>‹#›</a:t>
             </a:fld>
             <a:endParaRPr lang="en-US" dirty="0"/>
           </a:p>
@@ -2725,6 +2696,7 @@
           <a:p>
             <a:fld id="{193BAB95-8DA7-460B-B00A-7037C8394FB0}" type="datetime1">
               <a:rPr lang="en-US" smtClean="0"/>
+              <a:t>6/17/2024</a:t>
             </a:fld>
             <a:endParaRPr lang="en-US" dirty="0"/>
           </a:p>
@@ -2774,6 +2746,7 @@
           <a:p>
             <a:fld id="{11A71338-8BA2-4C79-A6C5-5A8E30081D0C}" type="slidenum">
               <a:rPr lang="en-US" smtClean="0"/>
+              <a:t>‹#›</a:t>
             </a:fld>
             <a:endParaRPr lang="en-US" dirty="0"/>
           </a:p>
@@ -2833,7 +2806,6 @@
               <a:rPr lang="ru-RU"/>
               <a:t>Образец заголовка</a:t>
             </a:r>
-            <a:endParaRPr lang="ru-RU"/>
           </a:p>
         </p:txBody>
       </p:sp>
@@ -2890,7 +2862,6 @@
               <a:rPr lang="ru-RU"/>
               <a:t>Образец текста</a:t>
             </a:r>
-            <a:endParaRPr lang="ru-RU"/>
           </a:p>
           <a:p>
             <a:pPr lvl="1"/>
@@ -2898,7 +2869,6 @@
               <a:rPr lang="ru-RU"/>
               <a:t>Второй уровень</a:t>
             </a:r>
-            <a:endParaRPr lang="ru-RU"/>
           </a:p>
           <a:p>
             <a:pPr lvl="2"/>
@@ -2906,7 +2876,6 @@
               <a:rPr lang="ru-RU"/>
               <a:t>Третий уровень</a:t>
             </a:r>
-            <a:endParaRPr lang="ru-RU"/>
           </a:p>
           <a:p>
             <a:pPr lvl="3"/>
@@ -2914,7 +2883,6 @@
               <a:rPr lang="ru-RU"/>
               <a:t>Четвертый уровень</a:t>
             </a:r>
-            <a:endParaRPr lang="ru-RU"/>
           </a:p>
           <a:p>
             <a:pPr lvl="4"/>
@@ -2922,7 +2890,6 @@
               <a:rPr lang="ru-RU"/>
               <a:t>Пятый уровень</a:t>
             </a:r>
-            <a:endParaRPr lang="ru-RU"/>
           </a:p>
         </p:txBody>
       </p:sp>
@@ -2988,7 +2955,6 @@
               <a:rPr lang="ru-RU"/>
               <a:t>Образец текста</a:t>
             </a:r>
-            <a:endParaRPr lang="ru-RU"/>
           </a:p>
         </p:txBody>
       </p:sp>
@@ -3009,6 +2975,7 @@
           <a:p>
             <a:fld id="{193BAB95-8DA7-460B-B00A-7037C8394FB0}" type="datetime1">
               <a:rPr lang="en-US" smtClean="0"/>
+              <a:t>6/17/2024</a:t>
             </a:fld>
             <a:endParaRPr lang="en-US" dirty="0"/>
           </a:p>
@@ -3058,6 +3025,7 @@
           <a:p>
             <a:fld id="{11A71338-8BA2-4C79-A6C5-5A8E30081D0C}" type="slidenum">
               <a:rPr lang="en-US" smtClean="0"/>
+              <a:t>‹#›</a:t>
             </a:fld>
             <a:endParaRPr lang="en-US" dirty="0"/>
           </a:p>
@@ -3108,7 +3076,6 @@
               <a:rPr lang="ru-RU"/>
               <a:t>Образец заголовка</a:t>
             </a:r>
-            <a:endParaRPr lang="ru-RU"/>
           </a:p>
         </p:txBody>
       </p:sp>
@@ -3132,7 +3099,6 @@
               <a:rPr lang="ru-RU"/>
               <a:t>Образец текста</a:t>
             </a:r>
-            <a:endParaRPr lang="ru-RU"/>
           </a:p>
           <a:p>
             <a:pPr lvl="1"/>
@@ -3140,7 +3106,6 @@
               <a:rPr lang="ru-RU"/>
               <a:t>Второй уровень</a:t>
             </a:r>
-            <a:endParaRPr lang="ru-RU"/>
           </a:p>
           <a:p>
             <a:pPr lvl="2"/>
@@ -3148,7 +3113,6 @@
               <a:rPr lang="ru-RU"/>
               <a:t>Третий уровень</a:t>
             </a:r>
-            <a:endParaRPr lang="ru-RU"/>
           </a:p>
           <a:p>
             <a:pPr lvl="3"/>
@@ -3156,7 +3120,6 @@
               <a:rPr lang="ru-RU"/>
               <a:t>Четвертый уровень</a:t>
             </a:r>
-            <a:endParaRPr lang="ru-RU"/>
           </a:p>
           <a:p>
             <a:pPr lvl="4"/>
@@ -3164,7 +3127,6 @@
               <a:rPr lang="ru-RU"/>
               <a:t>Пятый уровень</a:t>
             </a:r>
-            <a:endParaRPr lang="ru-RU"/>
           </a:p>
         </p:txBody>
       </p:sp>
@@ -3185,6 +3147,7 @@
           <a:p>
             <a:fld id="{193BAB95-8DA7-460B-B00A-7037C8394FB0}" type="datetime1">
               <a:rPr lang="en-US" smtClean="0"/>
+              <a:t>6/17/2024</a:t>
             </a:fld>
             <a:endParaRPr lang="en-US" dirty="0"/>
           </a:p>
@@ -3234,6 +3197,7 @@
           <a:p>
             <a:fld id="{11A71338-8BA2-4C79-A6C5-5A8E30081D0C}" type="slidenum">
               <a:rPr lang="en-US" smtClean="0"/>
+              <a:t>‹#›</a:t>
             </a:fld>
             <a:endParaRPr lang="en-US" dirty="0"/>
           </a:p>
@@ -3293,7 +3257,6 @@
               <a:rPr lang="ru-RU"/>
               <a:t>Образец заголовка</a:t>
             </a:r>
-            <a:endParaRPr lang="ru-RU"/>
           </a:p>
         </p:txBody>
       </p:sp>
@@ -3420,7 +3383,6 @@
               <a:rPr lang="ru-RU"/>
               <a:t>Образец текста</a:t>
             </a:r>
-            <a:endParaRPr lang="ru-RU"/>
           </a:p>
         </p:txBody>
       </p:sp>
@@ -3441,6 +3403,7 @@
           <a:p>
             <a:fld id="{193BAB95-8DA7-460B-B00A-7037C8394FB0}" type="datetime1">
               <a:rPr lang="en-US" smtClean="0"/>
+              <a:t>6/17/2024</a:t>
             </a:fld>
             <a:endParaRPr lang="en-US" dirty="0"/>
           </a:p>
@@ -3490,6 +3453,7 @@
           <a:p>
             <a:fld id="{11A71338-8BA2-4C79-A6C5-5A8E30081D0C}" type="slidenum">
               <a:rPr lang="en-US" smtClean="0"/>
+              <a:t>‹#›</a:t>
             </a:fld>
             <a:endParaRPr lang="en-US" dirty="0"/>
           </a:p>
@@ -3540,7 +3504,6 @@
               <a:rPr lang="ru-RU"/>
               <a:t>Образец заголовка</a:t>
             </a:r>
-            <a:endParaRPr lang="ru-RU"/>
           </a:p>
         </p:txBody>
       </p:sp>
@@ -3564,7 +3527,6 @@
               <a:rPr lang="ru-RU"/>
               <a:t>Образец текста</a:t>
             </a:r>
-            <a:endParaRPr lang="ru-RU"/>
           </a:p>
           <a:p>
             <a:pPr lvl="1"/>
@@ -3572,7 +3534,6 @@
               <a:rPr lang="ru-RU"/>
               <a:t>Второй уровень</a:t>
             </a:r>
-            <a:endParaRPr lang="ru-RU"/>
           </a:p>
           <a:p>
             <a:pPr lvl="2"/>
@@ -3580,7 +3541,6 @@
               <a:rPr lang="ru-RU"/>
               <a:t>Третий уровень</a:t>
             </a:r>
-            <a:endParaRPr lang="ru-RU"/>
           </a:p>
           <a:p>
             <a:pPr lvl="3"/>
@@ -3588,7 +3548,6 @@
               <a:rPr lang="ru-RU"/>
               <a:t>Четвертый уровень</a:t>
             </a:r>
-            <a:endParaRPr lang="ru-RU"/>
           </a:p>
           <a:p>
             <a:pPr lvl="4"/>
@@ -3596,7 +3555,6 @@
               <a:rPr lang="ru-RU"/>
               <a:t>Пятый уровень</a:t>
             </a:r>
-            <a:endParaRPr lang="ru-RU"/>
           </a:p>
         </p:txBody>
       </p:sp>
@@ -3617,6 +3575,7 @@
           <a:p>
             <a:fld id="{193BAB95-8DA7-460B-B00A-7037C8394FB0}" type="datetime1">
               <a:rPr lang="en-US" smtClean="0"/>
+              <a:t>6/17/2024</a:t>
             </a:fld>
             <a:endParaRPr lang="en-US" dirty="0"/>
           </a:p>
@@ -3666,6 +3625,7 @@
           <a:p>
             <a:fld id="{11A71338-8BA2-4C79-A6C5-5A8E30081D0C}" type="slidenum">
               <a:rPr lang="en-US" smtClean="0"/>
+              <a:t>‹#›</a:t>
             </a:fld>
             <a:endParaRPr lang="en-US" dirty="0"/>
           </a:p>
@@ -3721,7 +3681,6 @@
               <a:rPr lang="ru-RU"/>
               <a:t>Образец заголовка</a:t>
             </a:r>
-            <a:endParaRPr lang="ru-RU"/>
           </a:p>
         </p:txBody>
       </p:sp>
@@ -3750,7 +3709,6 @@
               <a:rPr lang="ru-RU"/>
               <a:t>Образец текста</a:t>
             </a:r>
-            <a:endParaRPr lang="ru-RU"/>
           </a:p>
           <a:p>
             <a:pPr lvl="1"/>
@@ -3758,7 +3716,6 @@
               <a:rPr lang="ru-RU"/>
               <a:t>Второй уровень</a:t>
             </a:r>
-            <a:endParaRPr lang="ru-RU"/>
           </a:p>
           <a:p>
             <a:pPr lvl="2"/>
@@ -3766,7 +3723,6 @@
               <a:rPr lang="ru-RU"/>
               <a:t>Третий уровень</a:t>
             </a:r>
-            <a:endParaRPr lang="ru-RU"/>
           </a:p>
           <a:p>
             <a:pPr lvl="3"/>
@@ -3774,7 +3730,6 @@
               <a:rPr lang="ru-RU"/>
               <a:t>Четвертый уровень</a:t>
             </a:r>
-            <a:endParaRPr lang="ru-RU"/>
           </a:p>
           <a:p>
             <a:pPr lvl="4"/>
@@ -3782,7 +3737,6 @@
               <a:rPr lang="ru-RU"/>
               <a:t>Пятый уровень</a:t>
             </a:r>
-            <a:endParaRPr lang="ru-RU"/>
           </a:p>
         </p:txBody>
       </p:sp>
@@ -3803,6 +3757,7 @@
           <a:p>
             <a:fld id="{193BAB95-8DA7-460B-B00A-7037C8394FB0}" type="datetime1">
               <a:rPr lang="en-US" smtClean="0"/>
+              <a:t>6/17/2024</a:t>
             </a:fld>
             <a:endParaRPr lang="en-US" dirty="0"/>
           </a:p>
@@ -3852,6 +3807,7 @@
           <a:p>
             <a:fld id="{11A71338-8BA2-4C79-A6C5-5A8E30081D0C}" type="slidenum">
               <a:rPr lang="en-US" smtClean="0"/>
+              <a:t>‹#›</a:t>
             </a:fld>
             <a:endParaRPr lang="en-US" dirty="0"/>
           </a:p>
@@ -3911,7 +3867,6 @@
               <a:rPr lang="ru-RU"/>
               <a:t>Образец заголовка</a:t>
             </a:r>
-            <a:endParaRPr lang="ru-RU"/>
           </a:p>
         </p:txBody>
       </p:sp>
@@ -4031,7 +3986,6 @@
               <a:rPr lang="ru-RU"/>
               <a:t>Образец текста</a:t>
             </a:r>
-            <a:endParaRPr lang="ru-RU"/>
           </a:p>
         </p:txBody>
       </p:sp>
@@ -4052,6 +4006,7 @@
           <a:p>
             <a:fld id="{193BAB95-8DA7-460B-B00A-7037C8394FB0}" type="datetime1">
               <a:rPr lang="en-US" smtClean="0"/>
+              <a:t>6/17/2024</a:t>
             </a:fld>
             <a:endParaRPr lang="en-US" dirty="0"/>
           </a:p>
@@ -4101,6 +4056,7 @@
           <a:p>
             <a:fld id="{11A71338-8BA2-4C79-A6C5-5A8E30081D0C}" type="slidenum">
               <a:rPr lang="en-US" smtClean="0"/>
+              <a:t>‹#›</a:t>
             </a:fld>
             <a:endParaRPr lang="en-US" dirty="0"/>
           </a:p>
@@ -4151,7 +4107,6 @@
               <a:rPr lang="ru-RU"/>
               <a:t>Образец заголовка</a:t>
             </a:r>
-            <a:endParaRPr lang="ru-RU"/>
           </a:p>
         </p:txBody>
       </p:sp>
@@ -4180,7 +4135,6 @@
               <a:rPr lang="ru-RU"/>
               <a:t>Образец текста</a:t>
             </a:r>
-            <a:endParaRPr lang="ru-RU"/>
           </a:p>
           <a:p>
             <a:pPr lvl="1"/>
@@ -4188,7 +4142,6 @@
               <a:rPr lang="ru-RU"/>
               <a:t>Второй уровень</a:t>
             </a:r>
-            <a:endParaRPr lang="ru-RU"/>
           </a:p>
           <a:p>
             <a:pPr lvl="2"/>
@@ -4196,7 +4149,6 @@
               <a:rPr lang="ru-RU"/>
               <a:t>Третий уровень</a:t>
             </a:r>
-            <a:endParaRPr lang="ru-RU"/>
           </a:p>
           <a:p>
             <a:pPr lvl="3"/>
@@ -4204,7 +4156,6 @@
               <a:rPr lang="ru-RU"/>
               <a:t>Четвертый уровень</a:t>
             </a:r>
-            <a:endParaRPr lang="ru-RU"/>
           </a:p>
           <a:p>
             <a:pPr lvl="4"/>
@@ -4212,7 +4163,6 @@
               <a:rPr lang="ru-RU"/>
               <a:t>Пятый уровень</a:t>
             </a:r>
-            <a:endParaRPr lang="ru-RU"/>
           </a:p>
         </p:txBody>
       </p:sp>
@@ -4241,7 +4191,6 @@
               <a:rPr lang="ru-RU"/>
               <a:t>Образец текста</a:t>
             </a:r>
-            <a:endParaRPr lang="ru-RU"/>
           </a:p>
           <a:p>
             <a:pPr lvl="1"/>
@@ -4249,7 +4198,6 @@
               <a:rPr lang="ru-RU"/>
               <a:t>Второй уровень</a:t>
             </a:r>
-            <a:endParaRPr lang="ru-RU"/>
           </a:p>
           <a:p>
             <a:pPr lvl="2"/>
@@ -4257,7 +4205,6 @@
               <a:rPr lang="ru-RU"/>
               <a:t>Третий уровень</a:t>
             </a:r>
-            <a:endParaRPr lang="ru-RU"/>
           </a:p>
           <a:p>
             <a:pPr lvl="3"/>
@@ -4265,7 +4212,6 @@
               <a:rPr lang="ru-RU"/>
               <a:t>Четвертый уровень</a:t>
             </a:r>
-            <a:endParaRPr lang="ru-RU"/>
           </a:p>
           <a:p>
             <a:pPr lvl="4"/>
@@ -4273,7 +4219,6 @@
               <a:rPr lang="ru-RU"/>
               <a:t>Пятый уровень</a:t>
             </a:r>
-            <a:endParaRPr lang="ru-RU"/>
           </a:p>
         </p:txBody>
       </p:sp>
@@ -4294,6 +4239,7 @@
           <a:p>
             <a:fld id="{193BAB95-8DA7-460B-B00A-7037C8394FB0}" type="datetime1">
               <a:rPr lang="en-US" smtClean="0"/>
+              <a:t>6/17/2024</a:t>
             </a:fld>
             <a:endParaRPr lang="en-US" dirty="0"/>
           </a:p>
@@ -4343,6 +4289,7 @@
           <a:p>
             <a:fld id="{11A71338-8BA2-4C79-A6C5-5A8E30081D0C}" type="slidenum">
               <a:rPr lang="en-US" smtClean="0"/>
+              <a:t>‹#›</a:t>
             </a:fld>
             <a:endParaRPr lang="en-US" dirty="0"/>
           </a:p>
@@ -4398,7 +4345,6 @@
               <a:rPr lang="ru-RU"/>
               <a:t>Образец заголовка</a:t>
             </a:r>
-            <a:endParaRPr lang="ru-RU"/>
           </a:p>
         </p:txBody>
       </p:sp>
@@ -4464,7 +4410,6 @@
               <a:rPr lang="ru-RU"/>
               <a:t>Образец текста</a:t>
             </a:r>
-            <a:endParaRPr lang="ru-RU"/>
           </a:p>
         </p:txBody>
       </p:sp>
@@ -4493,7 +4438,6 @@
               <a:rPr lang="ru-RU"/>
               <a:t>Образец текста</a:t>
             </a:r>
-            <a:endParaRPr lang="ru-RU"/>
           </a:p>
           <a:p>
             <a:pPr lvl="1"/>
@@ -4501,7 +4445,6 @@
               <a:rPr lang="ru-RU"/>
               <a:t>Второй уровень</a:t>
             </a:r>
-            <a:endParaRPr lang="ru-RU"/>
           </a:p>
           <a:p>
             <a:pPr lvl="2"/>
@@ -4509,7 +4452,6 @@
               <a:rPr lang="ru-RU"/>
               <a:t>Третий уровень</a:t>
             </a:r>
-            <a:endParaRPr lang="ru-RU"/>
           </a:p>
           <a:p>
             <a:pPr lvl="3"/>
@@ -4517,7 +4459,6 @@
               <a:rPr lang="ru-RU"/>
               <a:t>Четвертый уровень</a:t>
             </a:r>
-            <a:endParaRPr lang="ru-RU"/>
           </a:p>
           <a:p>
             <a:pPr lvl="4"/>
@@ -4525,7 +4466,6 @@
               <a:rPr lang="ru-RU"/>
               <a:t>Пятый уровень</a:t>
             </a:r>
-            <a:endParaRPr lang="ru-RU"/>
           </a:p>
         </p:txBody>
       </p:sp>
@@ -4591,7 +4531,6 @@
               <a:rPr lang="ru-RU"/>
               <a:t>Образец текста</a:t>
             </a:r>
-            <a:endParaRPr lang="ru-RU"/>
           </a:p>
         </p:txBody>
       </p:sp>
@@ -4620,7 +4559,6 @@
               <a:rPr lang="ru-RU"/>
               <a:t>Образец текста</a:t>
             </a:r>
-            <a:endParaRPr lang="ru-RU"/>
           </a:p>
           <a:p>
             <a:pPr lvl="1"/>
@@ -4628,7 +4566,6 @@
               <a:rPr lang="ru-RU"/>
               <a:t>Второй уровень</a:t>
             </a:r>
-            <a:endParaRPr lang="ru-RU"/>
           </a:p>
           <a:p>
             <a:pPr lvl="2"/>
@@ -4636,7 +4573,6 @@
               <a:rPr lang="ru-RU"/>
               <a:t>Третий уровень</a:t>
             </a:r>
-            <a:endParaRPr lang="ru-RU"/>
           </a:p>
           <a:p>
             <a:pPr lvl="3"/>
@@ -4644,7 +4580,6 @@
               <a:rPr lang="ru-RU"/>
               <a:t>Четвертый уровень</a:t>
             </a:r>
-            <a:endParaRPr lang="ru-RU"/>
           </a:p>
           <a:p>
             <a:pPr lvl="4"/>
@@ -4652,7 +4587,6 @@
               <a:rPr lang="ru-RU"/>
               <a:t>Пятый уровень</a:t>
             </a:r>
-            <a:endParaRPr lang="ru-RU"/>
           </a:p>
         </p:txBody>
       </p:sp>
@@ -4673,6 +4607,7 @@
           <a:p>
             <a:fld id="{193BAB95-8DA7-460B-B00A-7037C8394FB0}" type="datetime1">
               <a:rPr lang="en-US" smtClean="0"/>
+              <a:t>6/17/2024</a:t>
             </a:fld>
             <a:endParaRPr lang="en-US" dirty="0"/>
           </a:p>
@@ -4722,6 +4657,7 @@
           <a:p>
             <a:fld id="{11A71338-8BA2-4C79-A6C5-5A8E30081D0C}" type="slidenum">
               <a:rPr lang="en-US" smtClean="0"/>
+              <a:t>‹#›</a:t>
             </a:fld>
             <a:endParaRPr lang="en-US" dirty="0"/>
           </a:p>
@@ -4772,7 +4708,6 @@
               <a:rPr lang="ru-RU"/>
               <a:t>Образец заголовка</a:t>
             </a:r>
-            <a:endParaRPr lang="ru-RU"/>
           </a:p>
         </p:txBody>
       </p:sp>
@@ -4793,6 +4728,7 @@
           <a:p>
             <a:fld id="{193BAB95-8DA7-460B-B00A-7037C8394FB0}" type="datetime1">
               <a:rPr lang="en-US" smtClean="0"/>
+              <a:t>6/17/2024</a:t>
             </a:fld>
             <a:endParaRPr lang="en-US" dirty="0"/>
           </a:p>
@@ -4842,6 +4778,7 @@
           <a:p>
             <a:fld id="{11A71338-8BA2-4C79-A6C5-5A8E30081D0C}" type="slidenum">
               <a:rPr lang="en-US" smtClean="0"/>
+              <a:t>‹#›</a:t>
             </a:fld>
             <a:endParaRPr lang="en-US" dirty="0"/>
           </a:p>
@@ -4890,6 +4827,7 @@
           <a:p>
             <a:fld id="{193BAB95-8DA7-460B-B00A-7037C8394FB0}" type="datetime1">
               <a:rPr lang="en-US" smtClean="0"/>
+              <a:t>6/17/2024</a:t>
             </a:fld>
             <a:endParaRPr lang="en-US" dirty="0"/>
           </a:p>
@@ -4939,6 +4877,7 @@
           <a:p>
             <a:fld id="{11A71338-8BA2-4C79-A6C5-5A8E30081D0C}" type="slidenum">
               <a:rPr lang="en-US" smtClean="0"/>
+              <a:t>‹#›</a:t>
             </a:fld>
             <a:endParaRPr lang="en-US" dirty="0"/>
           </a:p>
@@ -4998,7 +4937,6 @@
               <a:rPr lang="ru-RU"/>
               <a:t>Образец заголовка</a:t>
             </a:r>
-            <a:endParaRPr lang="ru-RU"/>
           </a:p>
         </p:txBody>
       </p:sp>
@@ -5055,7 +4993,6 @@
               <a:rPr lang="ru-RU"/>
               <a:t>Образец текста</a:t>
             </a:r>
-            <a:endParaRPr lang="ru-RU"/>
           </a:p>
           <a:p>
             <a:pPr lvl="1"/>
@@ -5063,7 +5000,6 @@
               <a:rPr lang="ru-RU"/>
               <a:t>Второй уровень</a:t>
             </a:r>
-            <a:endParaRPr lang="ru-RU"/>
           </a:p>
           <a:p>
             <a:pPr lvl="2"/>
@@ -5071,7 +5007,6 @@
               <a:rPr lang="ru-RU"/>
               <a:t>Третий уровень</a:t>
             </a:r>
-            <a:endParaRPr lang="ru-RU"/>
           </a:p>
           <a:p>
             <a:pPr lvl="3"/>
@@ -5079,7 +5014,6 @@
               <a:rPr lang="ru-RU"/>
               <a:t>Четвертый уровень</a:t>
             </a:r>
-            <a:endParaRPr lang="ru-RU"/>
           </a:p>
           <a:p>
             <a:pPr lvl="4"/>
@@ -5087,7 +5021,6 @@
               <a:rPr lang="ru-RU"/>
               <a:t>Пятый уровень</a:t>
             </a:r>
-            <a:endParaRPr lang="ru-RU"/>
           </a:p>
         </p:txBody>
       </p:sp>
@@ -5153,7 +5086,6 @@
               <a:rPr lang="ru-RU"/>
               <a:t>Образец текста</a:t>
             </a:r>
-            <a:endParaRPr lang="ru-RU"/>
           </a:p>
         </p:txBody>
       </p:sp>
@@ -5174,6 +5106,7 @@
           <a:p>
             <a:fld id="{193BAB95-8DA7-460B-B00A-7037C8394FB0}" type="datetime1">
               <a:rPr lang="en-US" smtClean="0"/>
+              <a:t>6/17/2024</a:t>
             </a:fld>
             <a:endParaRPr lang="en-US" dirty="0"/>
           </a:p>
@@ -5223,6 +5156,7 @@
           <a:p>
             <a:fld id="{11A71338-8BA2-4C79-A6C5-5A8E30081D0C}" type="slidenum">
               <a:rPr lang="en-US" smtClean="0"/>
+              <a:t>‹#›</a:t>
             </a:fld>
             <a:endParaRPr lang="en-US" dirty="0"/>
           </a:p>
@@ -5282,7 +5216,6 @@
               <a:rPr lang="ru-RU"/>
               <a:t>Образец заголовка</a:t>
             </a:r>
-            <a:endParaRPr lang="ru-RU"/>
           </a:p>
         </p:txBody>
       </p:sp>
@@ -5409,7 +5342,6 @@
               <a:rPr lang="ru-RU"/>
               <a:t>Образец текста</a:t>
             </a:r>
-            <a:endParaRPr lang="ru-RU"/>
           </a:p>
         </p:txBody>
       </p:sp>
@@ -5430,6 +5362,7 @@
           <a:p>
             <a:fld id="{193BAB95-8DA7-460B-B00A-7037C8394FB0}" type="datetime1">
               <a:rPr lang="en-US" smtClean="0"/>
+              <a:t>6/17/2024</a:t>
             </a:fld>
             <a:endParaRPr lang="en-US" dirty="0"/>
           </a:p>
@@ -5479,6 +5412,7 @@
           <a:p>
             <a:fld id="{11A71338-8BA2-4C79-A6C5-5A8E30081D0C}" type="slidenum">
               <a:rPr lang="en-US" smtClean="0"/>
+              <a:t>‹#›</a:t>
             </a:fld>
             <a:endParaRPr lang="en-US" dirty="0"/>
           </a:p>
@@ -5544,7 +5478,6 @@
               <a:rPr lang="ru-RU"/>
               <a:t>Образец заголовка</a:t>
             </a:r>
-            <a:endParaRPr lang="ru-RU"/>
           </a:p>
         </p:txBody>
       </p:sp>
@@ -5578,7 +5511,6 @@
               <a:rPr lang="ru-RU"/>
               <a:t>Образец текста</a:t>
             </a:r>
-            <a:endParaRPr lang="ru-RU"/>
           </a:p>
           <a:p>
             <a:pPr lvl="1"/>
@@ -5586,7 +5518,6 @@
               <a:rPr lang="ru-RU"/>
               <a:t>Второй уровень</a:t>
             </a:r>
-            <a:endParaRPr lang="ru-RU"/>
           </a:p>
           <a:p>
             <a:pPr lvl="2"/>
@@ -5594,7 +5525,6 @@
               <a:rPr lang="ru-RU"/>
               <a:t>Третий уровень</a:t>
             </a:r>
-            <a:endParaRPr lang="ru-RU"/>
           </a:p>
           <a:p>
             <a:pPr lvl="3"/>
@@ -5602,7 +5532,6 @@
               <a:rPr lang="ru-RU"/>
               <a:t>Четвертый уровень</a:t>
             </a:r>
-            <a:endParaRPr lang="ru-RU"/>
           </a:p>
           <a:p>
             <a:pPr lvl="4"/>
@@ -5610,7 +5539,6 @@
               <a:rPr lang="ru-RU"/>
               <a:t>Пятый уровень</a:t>
             </a:r>
-            <a:endParaRPr lang="ru-RU"/>
           </a:p>
         </p:txBody>
       </p:sp>
@@ -5649,6 +5577,7 @@
           <a:p>
             <a:fld id="{193BAB95-8DA7-460B-B00A-7037C8394FB0}" type="datetime1">
               <a:rPr lang="en-US" smtClean="0"/>
+              <a:t>6/17/2024</a:t>
             </a:fld>
             <a:endParaRPr lang="en-US" dirty="0"/>
           </a:p>
@@ -5734,6 +5663,7 @@
           <a:p>
             <a:fld id="{11A71338-8BA2-4C79-A6C5-5A8E30081D0C}" type="slidenum">
               <a:rPr lang="en-US" smtClean="0"/>
+              <a:t>‹#›</a:t>
             </a:fld>
             <a:endParaRPr lang="en-US" dirty="0"/>
           </a:p>
@@ -6090,7 +6020,6 @@
               <a:rPr lang="ru-RU"/>
               <a:t>Образец заголовка</a:t>
             </a:r>
-            <a:endParaRPr lang="ru-RU"/>
           </a:p>
         </p:txBody>
       </p:sp>
@@ -6124,7 +6053,6 @@
               <a:rPr lang="ru-RU"/>
               <a:t>Образец текста</a:t>
             </a:r>
-            <a:endParaRPr lang="ru-RU"/>
           </a:p>
           <a:p>
             <a:pPr lvl="1"/>
@@ -6132,7 +6060,6 @@
               <a:rPr lang="ru-RU"/>
               <a:t>Второй уровень</a:t>
             </a:r>
-            <a:endParaRPr lang="ru-RU"/>
           </a:p>
           <a:p>
             <a:pPr lvl="2"/>
@@ -6140,7 +6067,6 @@
               <a:rPr lang="ru-RU"/>
               <a:t>Третий уровень</a:t>
             </a:r>
-            <a:endParaRPr lang="ru-RU"/>
           </a:p>
           <a:p>
             <a:pPr lvl="3"/>
@@ -6148,7 +6074,6 @@
               <a:rPr lang="ru-RU"/>
               <a:t>Четвертый уровень</a:t>
             </a:r>
-            <a:endParaRPr lang="ru-RU"/>
           </a:p>
           <a:p>
             <a:pPr lvl="4"/>
@@ -6156,7 +6081,6 @@
               <a:rPr lang="ru-RU"/>
               <a:t>Пятый уровень</a:t>
             </a:r>
-            <a:endParaRPr lang="ru-RU"/>
           </a:p>
         </p:txBody>
       </p:sp>
@@ -6195,6 +6119,7 @@
           <a:p>
             <a:fld id="{193BAB95-8DA7-460B-B00A-7037C8394FB0}" type="datetime1">
               <a:rPr lang="en-US" smtClean="0"/>
+              <a:t>6/17/2024</a:t>
             </a:fld>
             <a:endParaRPr lang="en-US" dirty="0"/>
           </a:p>
@@ -6280,6 +6205,7 @@
           <a:p>
             <a:fld id="{11A71338-8BA2-4C79-A6C5-5A8E30081D0C}" type="slidenum">
               <a:rPr lang="en-US" smtClean="0"/>
+              <a:t>‹#›</a:t>
             </a:fld>
             <a:endParaRPr lang="en-US" dirty="0"/>
           </a:p>
@@ -6759,7 +6685,7 @@
           <p:nvPr/>
         </p:nvPicPr>
         <p:blipFill>
-          <a:blip r:embed="rId1"/>
+          <a:blip r:embed="rId3"/>
           <a:srcRect l="72" r="72"/>
           <a:stretch>
             <a:fillRect/>
@@ -6830,7 +6756,7 @@
           <p:nvPr/>
         </p:nvPicPr>
         <p:blipFill>
-          <a:blip r:embed="rId2"/>
+          <a:blip r:embed="rId4"/>
           <a:stretch>
             <a:fillRect/>
           </a:stretch>
@@ -6877,13 +6803,6 @@
               </a:rPr>
               <a:t>СИСТЕМА АНАЛИЗА И МОДЕЛИРОВАНИЯ СЦЕНАРИЕВ РАБОТЫ МОБИЛЬНОЙ СЕТИ</a:t>
             </a:r>
-            <a:endParaRPr lang="ru-RU" sz="4000" b="1" dirty="0">
-              <a:solidFill>
-                <a:schemeClr val="bg1"/>
-              </a:solidFill>
-              <a:latin typeface="Arial" panose="020B0604020202020204" pitchFamily="34" charset="0"/>
-              <a:cs typeface="Arial" panose="020B0604020202020204" pitchFamily="34" charset="0"/>
-            </a:endParaRPr>
           </a:p>
         </p:txBody>
       </p:sp>
@@ -7086,6 +7005,20 @@
           </a:p>
           <a:p>
             <a:pPr indent="0" algn="l" fontAlgn="auto"/>
+            <a:r>
+              <a:rPr lang="ru-RU" sz="1600" dirty="0">
+                <a:ln w="3175">
+                  <a:noFill/>
+                </a:ln>
+                <a:solidFill>
+                  <a:schemeClr val="bg1"/>
+                </a:solidFill>
+                <a:latin typeface="Arial" panose="020B0604020202020204" pitchFamily="34" charset="0"/>
+                <a:cs typeface="Arial" panose="020B0604020202020204" pitchFamily="34" charset="0"/>
+                <a:sym typeface="+mn-ea"/>
+              </a:rPr>
+              <a:t/>
+            </a:r>
             <a:br>
               <a:rPr lang="ru-RU" sz="1600" dirty="0">
                 <a:ln w="3175">
@@ -7113,17 +7046,6 @@
               </a:rPr>
               <a:t>Научный руководитель: Шапошников Д.Е.</a:t>
             </a:r>
-            <a:endParaRPr lang="ru-RU" sz="1600" dirty="0">
-              <a:ln w="3175">
-                <a:noFill/>
-              </a:ln>
-              <a:solidFill>
-                <a:schemeClr val="bg1"/>
-              </a:solidFill>
-              <a:latin typeface="Arial" panose="020B0604020202020204" pitchFamily="34" charset="0"/>
-              <a:cs typeface="Arial" panose="020B0604020202020204" pitchFamily="34" charset="0"/>
-              <a:sym typeface="+mn-ea"/>
-            </a:endParaRPr>
           </a:p>
         </p:txBody>
       </p:sp>
@@ -7160,13 +7082,6 @@
               </a:rPr>
               <a:t>2024</a:t>
             </a:r>
-            <a:endParaRPr lang="ru-RU" sz="2000" dirty="0">
-              <a:solidFill>
-                <a:schemeClr val="bg1"/>
-              </a:solidFill>
-              <a:latin typeface="Arial" panose="020B0604020202020204" pitchFamily="34" charset="0"/>
-              <a:cs typeface="Arial" panose="020B0604020202020204" pitchFamily="34" charset="0"/>
-            </a:endParaRPr>
           </a:p>
         </p:txBody>
       </p:sp>
@@ -7176,7 +7091,7 @@
           <p:cNvCxnSpPr/>
           <p:nvPr>
             <p:custDataLst>
-              <p:tags r:id="rId3"/>
+              <p:tags r:id="rId1"/>
             </p:custDataLst>
           </p:nvPr>
         </p:nvCxnSpPr>
@@ -7214,6 +7129,13 @@
   <p:clrMapOvr>
     <a:masterClrMapping/>
   </p:clrMapOvr>
+  <p:timing>
+    <p:tnLst>
+      <p:par>
+        <p:cTn id="1" dur="indefinite" restart="never" nodeType="tmRoot"/>
+      </p:par>
+    </p:tnLst>
+  </p:timing>
 </p:sld>
 </file>
 
@@ -7266,13 +7188,6 @@
               </a:rPr>
               <a:t>06.2024</a:t>
             </a:r>
-            <a:endParaRPr lang="ru-RU" sz="1400" dirty="0">
-              <a:solidFill>
-                <a:srgbClr val="FA4012"/>
-              </a:solidFill>
-              <a:latin typeface="Arial" panose="020B0604020202020204" pitchFamily="34" charset="0"/>
-              <a:cs typeface="Arial" panose="020B0604020202020204" pitchFamily="34" charset="0"/>
-            </a:endParaRPr>
           </a:p>
         </p:txBody>
       </p:sp>
@@ -7375,10 +7290,6 @@
               </a:rPr>
               <a:t>Вторая страница приложения: используемые виджеты</a:t>
             </a:r>
-            <a:endParaRPr lang="ru-RU" b="1" dirty="0">
-              <a:latin typeface="Arial" panose="020B0604020202020204" pitchFamily="34" charset="0"/>
-              <a:cs typeface="Arial" panose="020B0604020202020204" pitchFamily="34" charset="0"/>
-            </a:endParaRPr>
           </a:p>
         </p:txBody>
       </p:sp>
@@ -7542,7 +7453,7 @@
           <p:nvPr/>
         </p:nvPicPr>
         <p:blipFill>
-          <a:blip r:embed="rId1"/>
+          <a:blip r:embed="rId5"/>
           <a:stretch>
             <a:fillRect/>
           </a:stretch>
@@ -7560,6 +7471,147 @@
       <p:sp>
         <p:nvSpPr>
           <p:cNvPr id="10" name="TextBox 1"/>
+          <p:cNvSpPr txBox="1"/>
+          <p:nvPr>
+            <p:custDataLst>
+              <p:tags r:id="rId1"/>
+            </p:custDataLst>
+          </p:nvPr>
+        </p:nvSpPr>
+        <p:spPr>
+          <a:xfrm>
+            <a:off x="375285" y="1492250"/>
+            <a:ext cx="9317990" cy="645160"/>
+          </a:xfrm>
+          <a:prstGeom prst="rect">
+            <a:avLst/>
+          </a:prstGeom>
+          <a:noFill/>
+        </p:spPr>
+        <p:txBody>
+          <a:bodyPr wrap="square" rtlCol="0">
+            <a:spAutoFit/>
+          </a:bodyPr>
+          <a:lstStyle/>
+          <a:p>
+            <a:r>
+              <a:rPr lang="ru-RU" sz="3600" b="1" dirty="0">
+                <a:solidFill>
+                  <a:srgbClr val="FA4012"/>
+                </a:solidFill>
+                <a:latin typeface="Arial" panose="020B0604020202020204" pitchFamily="34" charset="0"/>
+                <a:cs typeface="Arial" panose="020B0604020202020204" pitchFamily="34" charset="0"/>
+              </a:rPr>
+              <a:t>ПОЛЬЗОВАТЕЛЬСКИЙ ИНТЕРФЕЙС</a:t>
+            </a:r>
+          </a:p>
+        </p:txBody>
+      </p:sp>
+      <p:sp>
+        <p:nvSpPr>
+          <p:cNvPr id="14" name="Текстовое поле 13"/>
+          <p:cNvSpPr txBox="1"/>
+          <p:nvPr/>
+        </p:nvSpPr>
+        <p:spPr>
+          <a:xfrm>
+            <a:off x="9513570" y="2414270"/>
+            <a:ext cx="2479040" cy="1350010"/>
+          </a:xfrm>
+          <a:prstGeom prst="rect">
+            <a:avLst/>
+          </a:prstGeom>
+        </p:spPr>
+        <p:txBody>
+          <a:bodyPr>
+            <a:noAutofit/>
+          </a:bodyPr>
+          <a:lstStyle/>
+          <a:p>
+            <a:pPr marL="342900" indent="-342900" algn="just" defTabSz="266700">
+              <a:spcAft>
+                <a:spcPct val="0"/>
+              </a:spcAft>
+              <a:buAutoNum type="arabicPeriod"/>
+            </a:pPr>
+            <a:r>
+              <a:rPr sz="1600">
+                <a:latin typeface="Arial" panose="020B0604020202020204" pitchFamily="34" charset="0"/>
+                <a:ea typeface="SimSun" panose="02010600030101010101" pitchFamily="2" charset="-122"/>
+                <a:cs typeface="Arial" panose="020B0604020202020204" pitchFamily="34" charset="0"/>
+              </a:rPr>
+              <a:t>QStandardItem</a:t>
+            </a:r>
+          </a:p>
+          <a:p>
+            <a:pPr marL="342900" indent="-342900" algn="just" defTabSz="266700">
+              <a:spcAft>
+                <a:spcPct val="0"/>
+              </a:spcAft>
+              <a:buAutoNum type="arabicPeriod"/>
+            </a:pPr>
+            <a:r>
+              <a:rPr sz="1600">
+                <a:latin typeface="Arial" panose="020B0604020202020204" pitchFamily="34" charset="0"/>
+                <a:ea typeface="SimSun" panose="02010600030101010101" pitchFamily="2" charset="-122"/>
+                <a:cs typeface="Arial" panose="020B0604020202020204" pitchFamily="34" charset="0"/>
+              </a:rPr>
+              <a:t>QListView</a:t>
+            </a:r>
+          </a:p>
+          <a:p>
+            <a:pPr marL="342900" indent="-342900" algn="just" defTabSz="266700">
+              <a:spcAft>
+                <a:spcPct val="0"/>
+              </a:spcAft>
+              <a:buAutoNum type="arabicPeriod"/>
+            </a:pPr>
+            <a:r>
+              <a:rPr lang="en-US" sz="1600">
+                <a:latin typeface="Arial" panose="020B0604020202020204" pitchFamily="34" charset="0"/>
+                <a:ea typeface="SimSun" panose="02010600030101010101" pitchFamily="2" charset="-122"/>
+                <a:cs typeface="Arial" panose="020B0604020202020204" pitchFamily="34" charset="0"/>
+              </a:rPr>
+              <a:t>BlockFieldWidget</a:t>
+            </a:r>
+          </a:p>
+          <a:p>
+            <a:pPr marL="342900" indent="-342900" algn="just" defTabSz="266700">
+              <a:spcAft>
+                <a:spcPct val="0"/>
+              </a:spcAft>
+              <a:buAutoNum type="arabicPeriod"/>
+            </a:pPr>
+            <a:r>
+              <a:rPr lang="en-US" sz="1600">
+                <a:latin typeface="Arial" panose="020B0604020202020204" pitchFamily="34" charset="0"/>
+                <a:ea typeface="SimSun" panose="02010600030101010101" pitchFamily="2" charset="-122"/>
+                <a:cs typeface="Arial" panose="020B0604020202020204" pitchFamily="34" charset="0"/>
+              </a:rPr>
+              <a:t>BlockWidget</a:t>
+            </a:r>
+          </a:p>
+          <a:p>
+            <a:pPr marL="342900" indent="-342900" algn="just" defTabSz="266700">
+              <a:spcAft>
+                <a:spcPct val="0"/>
+              </a:spcAft>
+              <a:buAutoNum type="arabicPeriod"/>
+            </a:pPr>
+            <a:r>
+              <a:rPr lang="en-US" sz="1600">
+                <a:latin typeface="Arial" panose="020B0604020202020204" pitchFamily="34" charset="0"/>
+                <a:ea typeface="SimSun" panose="02010600030101010101" pitchFamily="2" charset="-122"/>
+                <a:cs typeface="Arial" panose="020B0604020202020204" pitchFamily="34" charset="0"/>
+              </a:rPr>
+              <a:t>ConnectNodeWidget</a:t>
+            </a:r>
+          </a:p>
+        </p:txBody>
+      </p:sp>
+      <p:sp>
+        <p:nvSpPr>
+          <p:cNvPr id="8" name="TextBox 11"/>
           <p:cNvSpPr txBox="1"/>
           <p:nvPr>
             <p:custDataLst>
@@ -7569,179 +7621,6 @@
         </p:nvSpPr>
         <p:spPr>
           <a:xfrm>
-            <a:off x="375285" y="1492250"/>
-            <a:ext cx="9317990" cy="645160"/>
-          </a:xfrm>
-          <a:prstGeom prst="rect">
-            <a:avLst/>
-          </a:prstGeom>
-          <a:noFill/>
-        </p:spPr>
-        <p:txBody>
-          <a:bodyPr wrap="square" rtlCol="0">
-            <a:spAutoFit/>
-          </a:bodyPr>
-          <a:lstStyle/>
-          <a:p>
-            <a:r>
-              <a:rPr lang="ru-RU" sz="3600" b="1" dirty="0">
-                <a:solidFill>
-                  <a:srgbClr val="FA4012"/>
-                </a:solidFill>
-                <a:latin typeface="Arial" panose="020B0604020202020204" pitchFamily="34" charset="0"/>
-                <a:cs typeface="Arial" panose="020B0604020202020204" pitchFamily="34" charset="0"/>
-              </a:rPr>
-              <a:t>ПОЛЬЗОВАТЕЛЬСКИЙ ИНТЕРФЕЙС</a:t>
-            </a:r>
-            <a:endParaRPr lang="ru-RU" sz="3600" b="1" dirty="0">
-              <a:solidFill>
-                <a:srgbClr val="FA4012"/>
-              </a:solidFill>
-              <a:latin typeface="Arial" panose="020B0604020202020204" pitchFamily="34" charset="0"/>
-              <a:cs typeface="Arial" panose="020B0604020202020204" pitchFamily="34" charset="0"/>
-            </a:endParaRPr>
-          </a:p>
-        </p:txBody>
-      </p:sp>
-      <p:sp>
-        <p:nvSpPr>
-          <p:cNvPr id="14" name="Текстовое поле 13"/>
-          <p:cNvSpPr txBox="1"/>
-          <p:nvPr/>
-        </p:nvSpPr>
-        <p:spPr>
-          <a:xfrm>
-            <a:off x="9513570" y="2414270"/>
-            <a:ext cx="2479040" cy="1350010"/>
-          </a:xfrm>
-          <a:prstGeom prst="rect">
-            <a:avLst/>
-          </a:prstGeom>
-        </p:spPr>
-        <p:txBody>
-          <a:bodyPr>
-            <a:noAutofit/>
-          </a:bodyPr>
-          <a:lstStyle/>
-          <a:p>
-            <a:pPr marL="342900" indent="-342900" algn="just" defTabSz="266700">
-              <a:spcAft>
-                <a:spcPct val="0"/>
-              </a:spcAft>
-              <a:buAutoNum type="arabicPeriod"/>
-            </a:pPr>
-            <a:r>
-              <a:rPr sz="1600">
-                <a:latin typeface="Arial" panose="020B0604020202020204" pitchFamily="34" charset="0"/>
-                <a:ea typeface="SimSun" panose="02010600030101010101" pitchFamily="2" charset="-122"/>
-                <a:cs typeface="Arial" panose="020B0604020202020204" pitchFamily="34" charset="0"/>
-              </a:rPr>
-              <a:t>QStandardItem</a:t>
-            </a:r>
-            <a:endParaRPr sz="1600">
-              <a:latin typeface="Arial" panose="020B0604020202020204" pitchFamily="34" charset="0"/>
-              <a:ea typeface="SimSun" panose="02010600030101010101" pitchFamily="2" charset="-122"/>
-              <a:cs typeface="Arial" panose="020B0604020202020204" pitchFamily="34" charset="0"/>
-            </a:endParaRPr>
-          </a:p>
-          <a:p>
-            <a:pPr marL="342900" indent="-342900" algn="just" defTabSz="266700">
-              <a:spcAft>
-                <a:spcPct val="0"/>
-              </a:spcAft>
-              <a:buAutoNum type="arabicPeriod"/>
-            </a:pPr>
-            <a:r>
-              <a:rPr sz="1600">
-                <a:latin typeface="Arial" panose="020B0604020202020204" pitchFamily="34" charset="0"/>
-                <a:ea typeface="SimSun" panose="02010600030101010101" pitchFamily="2" charset="-122"/>
-                <a:cs typeface="Arial" panose="020B0604020202020204" pitchFamily="34" charset="0"/>
-              </a:rPr>
-              <a:t>QListView</a:t>
-            </a:r>
-            <a:endParaRPr sz="1600">
-              <a:latin typeface="Arial" panose="020B0604020202020204" pitchFamily="34" charset="0"/>
-              <a:ea typeface="SimSun" panose="02010600030101010101" pitchFamily="2" charset="-122"/>
-              <a:cs typeface="Arial" panose="020B0604020202020204" pitchFamily="34" charset="0"/>
-            </a:endParaRPr>
-          </a:p>
-          <a:p>
-            <a:pPr marL="342900" indent="-342900" algn="just" defTabSz="266700">
-              <a:spcAft>
-                <a:spcPct val="0"/>
-              </a:spcAft>
-              <a:buAutoNum type="arabicPeriod"/>
-            </a:pPr>
-            <a:r>
-              <a:rPr lang="en-US" sz="1600">
-                <a:latin typeface="Arial" panose="020B0604020202020204" pitchFamily="34" charset="0"/>
-                <a:ea typeface="SimSun" panose="02010600030101010101" pitchFamily="2" charset="-122"/>
-                <a:cs typeface="Arial" panose="020B0604020202020204" pitchFamily="34" charset="0"/>
-              </a:rPr>
-              <a:t>BlockFieldWidget</a:t>
-            </a:r>
-            <a:endParaRPr lang="en-US" sz="1600">
-              <a:latin typeface="Arial" panose="020B0604020202020204" pitchFamily="34" charset="0"/>
-              <a:ea typeface="SimSun" panose="02010600030101010101" pitchFamily="2" charset="-122"/>
-              <a:cs typeface="Arial" panose="020B0604020202020204" pitchFamily="34" charset="0"/>
-            </a:endParaRPr>
-          </a:p>
-          <a:p>
-            <a:pPr marL="342900" indent="-342900" algn="just" defTabSz="266700">
-              <a:spcAft>
-                <a:spcPct val="0"/>
-              </a:spcAft>
-              <a:buAutoNum type="arabicPeriod"/>
-            </a:pPr>
-            <a:r>
-              <a:rPr lang="en-US" sz="1600">
-                <a:latin typeface="Arial" panose="020B0604020202020204" pitchFamily="34" charset="0"/>
-                <a:ea typeface="SimSun" panose="02010600030101010101" pitchFamily="2" charset="-122"/>
-                <a:cs typeface="Arial" panose="020B0604020202020204" pitchFamily="34" charset="0"/>
-              </a:rPr>
-              <a:t>BlockWidget</a:t>
-            </a:r>
-            <a:endParaRPr lang="en-US" sz="1600">
-              <a:latin typeface="Arial" panose="020B0604020202020204" pitchFamily="34" charset="0"/>
-              <a:ea typeface="SimSun" panose="02010600030101010101" pitchFamily="2" charset="-122"/>
-              <a:cs typeface="Arial" panose="020B0604020202020204" pitchFamily="34" charset="0"/>
-            </a:endParaRPr>
-          </a:p>
-          <a:p>
-            <a:pPr marL="342900" indent="-342900" algn="just" defTabSz="266700">
-              <a:spcAft>
-                <a:spcPct val="0"/>
-              </a:spcAft>
-              <a:buAutoNum type="arabicPeriod"/>
-            </a:pPr>
-            <a:r>
-              <a:rPr lang="en-US" sz="1600">
-                <a:latin typeface="Arial" panose="020B0604020202020204" pitchFamily="34" charset="0"/>
-                <a:ea typeface="SimSun" panose="02010600030101010101" pitchFamily="2" charset="-122"/>
-                <a:cs typeface="Arial" panose="020B0604020202020204" pitchFamily="34" charset="0"/>
-              </a:rPr>
-              <a:t>ConnectNodeWidget</a:t>
-            </a:r>
-            <a:endParaRPr lang="en-US" sz="1600">
-              <a:latin typeface="Arial" panose="020B0604020202020204" pitchFamily="34" charset="0"/>
-              <a:ea typeface="SimSun" panose="02010600030101010101" pitchFamily="2" charset="-122"/>
-              <a:cs typeface="Arial" panose="020B0604020202020204" pitchFamily="34" charset="0"/>
-            </a:endParaRPr>
-          </a:p>
-        </p:txBody>
-      </p:sp>
-      <p:sp>
-        <p:nvSpPr>
-          <p:cNvPr id="8" name="TextBox 11"/>
-          <p:cNvSpPr txBox="1"/>
-          <p:nvPr>
-            <p:custDataLst>
-              <p:tags r:id="rId3"/>
-            </p:custDataLst>
-          </p:nvPr>
-        </p:nvSpPr>
-        <p:spPr>
-          <a:xfrm>
             <a:off x="11496040" y="6314440"/>
             <a:ext cx="479425" cy="306705"/>
           </a:xfrm>
@@ -7767,13 +7646,6 @@
               </a:rPr>
               <a:t>10</a:t>
             </a:r>
-            <a:endParaRPr lang="ru-RU" sz="1400" dirty="0">
-              <a:solidFill>
-                <a:srgbClr val="173C90"/>
-              </a:solidFill>
-              <a:latin typeface="Arial" panose="020B0604020202020204" pitchFamily="34" charset="0"/>
-              <a:cs typeface="Arial" panose="020B0604020202020204" pitchFamily="34" charset="0"/>
-            </a:endParaRPr>
           </a:p>
         </p:txBody>
       </p:sp>
@@ -7786,12 +7658,12 @@
           <p:nvPr>
             <p:ph idx="1"/>
             <p:custDataLst>
-              <p:tags r:id="rId4"/>
+              <p:tags r:id="rId3"/>
             </p:custDataLst>
           </p:nvPr>
         </p:nvPicPr>
         <p:blipFill>
-          <a:blip r:embed="rId5"/>
+          <a:blip r:embed="rId6"/>
           <a:stretch>
             <a:fillRect/>
           </a:stretch>
@@ -7843,14 +7715,6 @@
               </a:rPr>
               <a:t>Система анализа и моделирования сценариев работы мобильной сети</a:t>
             </a:r>
-            <a:endParaRPr lang="ru-RU" sz="1200" b="1" dirty="0">
-              <a:solidFill>
-                <a:schemeClr val="tx1"/>
-              </a:solidFill>
-              <a:latin typeface="Arial" panose="020B0604020202020204" pitchFamily="34" charset="0"/>
-              <a:cs typeface="Arial" panose="020B0604020202020204" pitchFamily="34" charset="0"/>
-              <a:sym typeface="+mn-ea"/>
-            </a:endParaRPr>
           </a:p>
         </p:txBody>
       </p:sp>
@@ -7886,13 +7750,6 @@
               </a:rPr>
               <a:t>Пользовательский интерфейс</a:t>
             </a:r>
-            <a:endParaRPr lang="ru-RU" sz="1200" dirty="0">
-              <a:solidFill>
-                <a:srgbClr val="173C90"/>
-              </a:solidFill>
-              <a:latin typeface="Arial" panose="020B0604020202020204" pitchFamily="34" charset="0"/>
-              <a:cs typeface="Arial" panose="020B0604020202020204" pitchFamily="34" charset="0"/>
-            </a:endParaRPr>
           </a:p>
         </p:txBody>
       </p:sp>
@@ -7901,6 +7758,13 @@
   <p:clrMapOvr>
     <a:masterClrMapping/>
   </p:clrMapOvr>
+  <p:timing>
+    <p:tnLst>
+      <p:par>
+        <p:cTn id="1" dur="indefinite" restart="never" nodeType="tmRoot"/>
+      </p:par>
+    </p:tnLst>
+  </p:timing>
 </p:sld>
 </file>
 
@@ -7953,13 +7817,6 @@
               </a:rPr>
               <a:t>06.2024</a:t>
             </a:r>
-            <a:endParaRPr lang="ru-RU" sz="1400" dirty="0">
-              <a:solidFill>
-                <a:srgbClr val="FA4012"/>
-              </a:solidFill>
-              <a:latin typeface="Arial" panose="020B0604020202020204" pitchFamily="34" charset="0"/>
-              <a:cs typeface="Arial" panose="020B0604020202020204" pitchFamily="34" charset="0"/>
-            </a:endParaRPr>
           </a:p>
         </p:txBody>
       </p:sp>
@@ -7996,13 +7853,6 @@
               </a:rPr>
               <a:t>11</a:t>
             </a:r>
-            <a:endParaRPr lang="ru-RU" sz="1400" dirty="0">
-              <a:solidFill>
-                <a:srgbClr val="173C90"/>
-              </a:solidFill>
-              <a:latin typeface="Arial" panose="020B0604020202020204" pitchFamily="34" charset="0"/>
-              <a:cs typeface="Arial" panose="020B0604020202020204" pitchFamily="34" charset="0"/>
-            </a:endParaRPr>
           </a:p>
         </p:txBody>
       </p:sp>
@@ -8074,14 +7924,6 @@
               </a:rPr>
               <a:t>Система анализа и моделирования сценариев работы мобильной сети</a:t>
             </a:r>
-            <a:endParaRPr lang="ru-RU" sz="1200" b="1" dirty="0">
-              <a:solidFill>
-                <a:schemeClr val="tx1"/>
-              </a:solidFill>
-              <a:latin typeface="Arial" panose="020B0604020202020204" pitchFamily="34" charset="0"/>
-              <a:cs typeface="Arial" panose="020B0604020202020204" pitchFamily="34" charset="0"/>
-              <a:sym typeface="+mn-ea"/>
-            </a:endParaRPr>
           </a:p>
         </p:txBody>
       </p:sp>
@@ -8117,13 +7959,6 @@
               </a:rPr>
               <a:t>Пользовательский интерфейс</a:t>
             </a:r>
-            <a:endParaRPr lang="ru-RU" sz="1200" dirty="0">
-              <a:solidFill>
-                <a:srgbClr val="173C90"/>
-              </a:solidFill>
-              <a:latin typeface="Arial" panose="020B0604020202020204" pitchFamily="34" charset="0"/>
-              <a:cs typeface="Arial" panose="020B0604020202020204" pitchFamily="34" charset="0"/>
-            </a:endParaRPr>
           </a:p>
         </p:txBody>
       </p:sp>
@@ -8275,13 +8110,6 @@
               </a:rPr>
               <a:t>ПОЛЬЗОВАТЕЛЬСКИЙ ИНТЕРФЕЙС</a:t>
             </a:r>
-            <a:endParaRPr lang="ru-RU" sz="3600" b="1" dirty="0">
-              <a:solidFill>
-                <a:srgbClr val="FA4012"/>
-              </a:solidFill>
-              <a:latin typeface="Arial" panose="020B0604020202020204" pitchFamily="34" charset="0"/>
-              <a:cs typeface="Arial" panose="020B0604020202020204" pitchFamily="34" charset="0"/>
-            </a:endParaRPr>
           </a:p>
         </p:txBody>
       </p:sp>
@@ -8368,10 +8196,6 @@
               </a:rPr>
               <a:t>Модели:</a:t>
             </a:r>
-            <a:endParaRPr lang="ru-RU" dirty="0">
-              <a:latin typeface="Arial" panose="020B0604020202020204" pitchFamily="34" charset="0"/>
-              <a:cs typeface="Arial" panose="020B0604020202020204" pitchFamily="34" charset="0"/>
-            </a:endParaRPr>
           </a:p>
           <a:p>
             <a:pPr marL="285750" indent="-285750" fontAlgn="auto">
@@ -8412,10 +8236,6 @@
               </a:rPr>
               <a:t> </a:t>
             </a:r>
-            <a:endParaRPr lang="ru-RU" dirty="0">
-              <a:latin typeface="Arial" panose="020B0604020202020204" pitchFamily="34" charset="0"/>
-              <a:cs typeface="Arial" panose="020B0604020202020204" pitchFamily="34" charset="0"/>
-            </a:endParaRPr>
           </a:p>
           <a:p>
             <a:pPr marL="285750" indent="-285750" fontAlgn="auto">
@@ -8435,10 +8255,6 @@
               </a:rPr>
               <a:t>SelectionModel хранит выбранные блоки и связи</a:t>
             </a:r>
-            <a:endParaRPr lang="ru-RU" dirty="0">
-              <a:latin typeface="Arial" panose="020B0604020202020204" pitchFamily="34" charset="0"/>
-              <a:cs typeface="Arial" panose="020B0604020202020204" pitchFamily="34" charset="0"/>
-            </a:endParaRPr>
           </a:p>
           <a:p>
             <a:pPr marL="285750" indent="-285750" fontAlgn="auto">
@@ -8458,10 +8274,6 @@
               </a:rPr>
               <a:t>PhantomLineModel хранит начало и конец рисуемой стрелки</a:t>
             </a:r>
-            <a:endParaRPr lang="ru-RU" dirty="0">
-              <a:latin typeface="Arial" panose="020B0604020202020204" pitchFamily="34" charset="0"/>
-              <a:cs typeface="Arial" panose="020B0604020202020204" pitchFamily="34" charset="0"/>
-            </a:endParaRPr>
           </a:p>
           <a:p>
             <a:pPr marL="285750" indent="-285750" fontAlgn="auto">
@@ -8481,10 +8293,6 @@
               </a:rPr>
               <a:t>PhantomRectangleModel хранит прямоугольник выделения</a:t>
             </a:r>
-            <a:endParaRPr lang="ru-RU" dirty="0">
-              <a:latin typeface="Arial" panose="020B0604020202020204" pitchFamily="34" charset="0"/>
-              <a:cs typeface="Arial" panose="020B0604020202020204" pitchFamily="34" charset="0"/>
-            </a:endParaRPr>
           </a:p>
         </p:txBody>
       </p:sp>
@@ -8497,7 +8305,7 @@
           <p:nvPr/>
         </p:nvPicPr>
         <p:blipFill>
-          <a:blip r:embed="rId1"/>
+          <a:blip r:embed="rId4"/>
           <a:stretch>
             <a:fillRect/>
           </a:stretch>
@@ -8521,12 +8329,12 @@
           <p:nvPr>
             <p:ph idx="1"/>
             <p:custDataLst>
-              <p:tags r:id="rId2"/>
+              <p:tags r:id="rId1"/>
             </p:custDataLst>
           </p:nvPr>
         </p:nvPicPr>
         <p:blipFill>
-          <a:blip r:embed="rId3"/>
+          <a:blip r:embed="rId5"/>
           <a:stretch>
             <a:fillRect/>
           </a:stretch>
@@ -8694,6 +8502,13 @@
   <p:clrMapOvr>
     <a:masterClrMapping/>
   </p:clrMapOvr>
+  <p:timing>
+    <p:tnLst>
+      <p:par>
+        <p:cTn id="1" dur="indefinite" restart="never" nodeType="tmRoot"/>
+      </p:par>
+    </p:tnLst>
+  </p:timing>
 </p:sld>
 </file>
 
@@ -8746,13 +8561,6 @@
               </a:rPr>
               <a:t>06.2024</a:t>
             </a:r>
-            <a:endParaRPr lang="ru-RU" sz="1400" dirty="0">
-              <a:solidFill>
-                <a:srgbClr val="FA4012"/>
-              </a:solidFill>
-              <a:latin typeface="Arial" panose="020B0604020202020204" pitchFamily="34" charset="0"/>
-              <a:cs typeface="Arial" panose="020B0604020202020204" pitchFamily="34" charset="0"/>
-            </a:endParaRPr>
           </a:p>
         </p:txBody>
       </p:sp>
@@ -8789,13 +8597,6 @@
               </a:rPr>
               <a:t>12</a:t>
             </a:r>
-            <a:endParaRPr lang="ru-RU" sz="1400" dirty="0">
-              <a:solidFill>
-                <a:srgbClr val="173C90"/>
-              </a:solidFill>
-              <a:latin typeface="Arial" panose="020B0604020202020204" pitchFamily="34" charset="0"/>
-              <a:cs typeface="Arial" panose="020B0604020202020204" pitchFamily="34" charset="0"/>
-            </a:endParaRPr>
           </a:p>
         </p:txBody>
       </p:sp>
@@ -8867,14 +8668,6 @@
               </a:rPr>
               <a:t>Система анализа и моделирования сценариев работы мобильной сети</a:t>
             </a:r>
-            <a:endParaRPr lang="ru-RU" sz="1200" b="1" dirty="0">
-              <a:solidFill>
-                <a:schemeClr val="tx1"/>
-              </a:solidFill>
-              <a:latin typeface="Arial" panose="020B0604020202020204" pitchFamily="34" charset="0"/>
-              <a:cs typeface="Arial" panose="020B0604020202020204" pitchFamily="34" charset="0"/>
-              <a:sym typeface="+mn-ea"/>
-            </a:endParaRPr>
           </a:p>
         </p:txBody>
       </p:sp>
@@ -8910,13 +8703,6 @@
               </a:rPr>
               <a:t>Пользовательский интерфейс</a:t>
             </a:r>
-            <a:endParaRPr lang="ru-RU" sz="1200" dirty="0">
-              <a:solidFill>
-                <a:srgbClr val="173C90"/>
-              </a:solidFill>
-              <a:latin typeface="Arial" panose="020B0604020202020204" pitchFamily="34" charset="0"/>
-              <a:cs typeface="Arial" panose="020B0604020202020204" pitchFamily="34" charset="0"/>
-            </a:endParaRPr>
           </a:p>
         </p:txBody>
       </p:sp>
@@ -9068,13 +8854,6 @@
               </a:rPr>
               <a:t>ПОЛЬЗОВАТЕЛЬСКИЙ ИНТЕРФЕЙС</a:t>
             </a:r>
-            <a:endParaRPr lang="ru-RU" sz="3600" b="1" dirty="0">
-              <a:solidFill>
-                <a:srgbClr val="FA4012"/>
-              </a:solidFill>
-              <a:latin typeface="Arial" panose="020B0604020202020204" pitchFamily="34" charset="0"/>
-              <a:cs typeface="Arial" panose="020B0604020202020204" pitchFamily="34" charset="0"/>
-            </a:endParaRPr>
           </a:p>
         </p:txBody>
       </p:sp>
@@ -9107,10 +8886,6 @@
               </a:rPr>
               <a:t>Паттерн Observer. Пример из архитектуры</a:t>
             </a:r>
-            <a:endParaRPr lang="ru-RU" b="1" dirty="0">
-              <a:latin typeface="Arial" panose="020B0604020202020204" pitchFamily="34" charset="0"/>
-              <a:cs typeface="Arial" panose="020B0604020202020204" pitchFamily="34" charset="0"/>
-            </a:endParaRPr>
           </a:p>
         </p:txBody>
       </p:sp>
@@ -9153,10 +8928,6 @@
               </a:rPr>
               <a:t>Модели изменяются действующим Контроллером и уведомляют о своих изменениях Представление событиями.</a:t>
             </a:r>
-            <a:endParaRPr lang="ru-RU" dirty="0">
-              <a:latin typeface="Arial" panose="020B0604020202020204" pitchFamily="34" charset="0"/>
-              <a:cs typeface="Arial" panose="020B0604020202020204" pitchFamily="34" charset="0"/>
-            </a:endParaRPr>
           </a:p>
           <a:p>
             <a:pPr indent="0" fontAlgn="auto">
@@ -9176,10 +8947,6 @@
               </a:rPr>
               <a:t>События:</a:t>
             </a:r>
-            <a:endParaRPr lang="ru-RU" dirty="0">
-              <a:latin typeface="Arial" panose="020B0604020202020204" pitchFamily="34" charset="0"/>
-              <a:cs typeface="Arial" panose="020B0604020202020204" pitchFamily="34" charset="0"/>
-            </a:endParaRPr>
           </a:p>
           <a:p>
             <a:pPr marL="342900" indent="-342900" fontAlgn="auto">
@@ -9199,10 +8966,6 @@
               </a:rPr>
               <a:t>AddBlockEvent добавление блока</a:t>
             </a:r>
-            <a:endParaRPr lang="ru-RU" dirty="0">
-              <a:latin typeface="Arial" panose="020B0604020202020204" pitchFamily="34" charset="0"/>
-              <a:cs typeface="Arial" panose="020B0604020202020204" pitchFamily="34" charset="0"/>
-            </a:endParaRPr>
           </a:p>
           <a:p>
             <a:pPr marL="342900" indent="-342900" fontAlgn="auto">
@@ -9222,10 +8985,6 @@
               </a:rPr>
               <a:t>RemoveBlockEvent удаление блока</a:t>
             </a:r>
-            <a:endParaRPr lang="ru-RU" dirty="0">
-              <a:latin typeface="Arial" panose="020B0604020202020204" pitchFamily="34" charset="0"/>
-              <a:cs typeface="Arial" panose="020B0604020202020204" pitchFamily="34" charset="0"/>
-            </a:endParaRPr>
           </a:p>
           <a:p>
             <a:pPr marL="342900" indent="-342900" fontAlgn="auto">
@@ -9245,10 +9004,6 @@
               </a:rPr>
               <a:t>UpdateBlockEvent изменение данных блока (например, позиции)</a:t>
             </a:r>
-            <a:endParaRPr lang="ru-RU" dirty="0">
-              <a:latin typeface="Arial" panose="020B0604020202020204" pitchFamily="34" charset="0"/>
-              <a:cs typeface="Arial" panose="020B0604020202020204" pitchFamily="34" charset="0"/>
-            </a:endParaRPr>
           </a:p>
         </p:txBody>
       </p:sp>
@@ -9261,7 +9016,7 @@
           <p:nvPr/>
         </p:nvPicPr>
         <p:blipFill>
-          <a:blip r:embed="rId1"/>
+          <a:blip r:embed="rId3"/>
           <a:stretch>
             <a:fillRect/>
           </a:stretch>
@@ -9285,12 +9040,12 @@
           <p:nvPr>
             <p:ph idx="1"/>
             <p:custDataLst>
-              <p:tags r:id="rId2"/>
+              <p:tags r:id="rId1"/>
             </p:custDataLst>
           </p:nvPr>
         </p:nvPicPr>
         <p:blipFill>
-          <a:blip r:embed="rId3"/>
+          <a:blip r:embed="rId4"/>
           <a:stretch>
             <a:fillRect/>
           </a:stretch>
@@ -9377,11 +9132,6 @@
               </a:rPr>
               <a:t>5.   ChangeController сменить контроллер на один из трёх</a:t>
             </a:r>
-            <a:endParaRPr lang="ru-RU" dirty="0">
-              <a:latin typeface="Arial" panose="020B0604020202020204" pitchFamily="34" charset="0"/>
-              <a:cs typeface="Arial" panose="020B0604020202020204" pitchFamily="34" charset="0"/>
-              <a:sym typeface="+mn-ea"/>
-            </a:endParaRPr>
           </a:p>
           <a:p>
             <a:pPr indent="0" algn="l" fontAlgn="auto">
@@ -9430,11 +9180,6 @@
               </a:rPr>
               <a:t>7.   ChangeActiveNodeUpdateEvent нужно «показать» узел (при наведении на него и др.)</a:t>
             </a:r>
-            <a:endParaRPr lang="ru-RU" dirty="0">
-              <a:latin typeface="Arial" panose="020B0604020202020204" pitchFamily="34" charset="0"/>
-              <a:cs typeface="Arial" panose="020B0604020202020204" pitchFamily="34" charset="0"/>
-              <a:sym typeface="+mn-ea"/>
-            </a:endParaRPr>
           </a:p>
         </p:txBody>
       </p:sp>
@@ -9443,6 +9188,13 @@
   <p:clrMapOvr>
     <a:masterClrMapping/>
   </p:clrMapOvr>
+  <p:timing>
+    <p:tnLst>
+      <p:par>
+        <p:cTn id="1" dur="indefinite" restart="never" nodeType="tmRoot"/>
+      </p:par>
+    </p:tnLst>
+  </p:timing>
 </p:sld>
 </file>
 
@@ -9495,13 +9247,6 @@
               </a:rPr>
               <a:t>06.2024</a:t>
             </a:r>
-            <a:endParaRPr lang="ru-RU" sz="1400" dirty="0">
-              <a:solidFill>
-                <a:srgbClr val="FA4012"/>
-              </a:solidFill>
-              <a:latin typeface="Arial" panose="020B0604020202020204" pitchFamily="34" charset="0"/>
-              <a:cs typeface="Arial" panose="020B0604020202020204" pitchFamily="34" charset="0"/>
-            </a:endParaRPr>
           </a:p>
         </p:txBody>
       </p:sp>
@@ -9538,13 +9283,6 @@
               </a:rPr>
               <a:t>13</a:t>
             </a:r>
-            <a:endParaRPr lang="ru-RU" sz="1400" dirty="0">
-              <a:solidFill>
-                <a:srgbClr val="173C90"/>
-              </a:solidFill>
-              <a:latin typeface="Arial" panose="020B0604020202020204" pitchFamily="34" charset="0"/>
-              <a:cs typeface="Arial" panose="020B0604020202020204" pitchFamily="34" charset="0"/>
-            </a:endParaRPr>
           </a:p>
         </p:txBody>
       </p:sp>
@@ -9616,14 +9354,6 @@
               </a:rPr>
               <a:t>Система анализа и моделирования сценариев работы мобильной сети</a:t>
             </a:r>
-            <a:endParaRPr lang="ru-RU" sz="1200" b="1" dirty="0">
-              <a:solidFill>
-                <a:schemeClr val="tx1"/>
-              </a:solidFill>
-              <a:latin typeface="Arial" panose="020B0604020202020204" pitchFamily="34" charset="0"/>
-              <a:cs typeface="Arial" panose="020B0604020202020204" pitchFamily="34" charset="0"/>
-              <a:sym typeface="+mn-ea"/>
-            </a:endParaRPr>
           </a:p>
         </p:txBody>
       </p:sp>
@@ -9659,13 +9389,6 @@
               </a:rPr>
               <a:t>Пользовательский интерфейс</a:t>
             </a:r>
-            <a:endParaRPr lang="ru-RU" sz="1200" dirty="0">
-              <a:solidFill>
-                <a:srgbClr val="173C90"/>
-              </a:solidFill>
-              <a:latin typeface="Arial" panose="020B0604020202020204" pitchFamily="34" charset="0"/>
-              <a:cs typeface="Arial" panose="020B0604020202020204" pitchFamily="34" charset="0"/>
-            </a:endParaRPr>
           </a:p>
         </p:txBody>
       </p:sp>
@@ -9817,13 +9540,6 @@
               </a:rPr>
               <a:t>ПОЛЬЗОВАТЕЛЬСКИЙ ИНТЕРФЕЙС</a:t>
             </a:r>
-            <a:endParaRPr lang="ru-RU" sz="3600" b="1" dirty="0">
-              <a:solidFill>
-                <a:srgbClr val="FA4012"/>
-              </a:solidFill>
-              <a:latin typeface="Arial" panose="020B0604020202020204" pitchFamily="34" charset="0"/>
-              <a:cs typeface="Arial" panose="020B0604020202020204" pitchFamily="34" charset="0"/>
-            </a:endParaRPr>
           </a:p>
         </p:txBody>
       </p:sp>
@@ -9856,10 +9572,6 @@
               </a:rPr>
               <a:t>Применение View-Model-Delegate классов Qt в архитектуре</a:t>
             </a:r>
-            <a:endParaRPr lang="ru-RU" b="1" dirty="0">
-              <a:latin typeface="Arial" panose="020B0604020202020204" pitchFamily="34" charset="0"/>
-              <a:cs typeface="Arial" panose="020B0604020202020204" pitchFamily="34" charset="0"/>
-            </a:endParaRPr>
           </a:p>
         </p:txBody>
       </p:sp>
@@ -9909,10 +9621,6 @@
               </a:rPr>
               <a:t>QTableView</a:t>
             </a:r>
-            <a:endParaRPr lang="en-US" dirty="0">
-              <a:latin typeface="Arial" panose="020B0604020202020204" pitchFamily="34" charset="0"/>
-              <a:cs typeface="Arial" panose="020B0604020202020204" pitchFamily="34" charset="0"/>
-            </a:endParaRPr>
           </a:p>
           <a:p>
             <a:pPr indent="0" fontAlgn="auto">
@@ -9939,10 +9647,6 @@
               </a:rPr>
               <a:t>QStandardItemModel</a:t>
             </a:r>
-            <a:endParaRPr lang="en-US" altLang="en-US" dirty="0">
-              <a:latin typeface="Arial" panose="020B0604020202020204" pitchFamily="34" charset="0"/>
-              <a:cs typeface="Arial" panose="020B0604020202020204" pitchFamily="34" charset="0"/>
-            </a:endParaRPr>
           </a:p>
           <a:p>
             <a:pPr indent="0" fontAlgn="auto">
@@ -10004,10 +9708,6 @@
               </a:rPr>
               <a:t>тэгов и их атрибутов и показывать текст ошибки</a:t>
             </a:r>
-            <a:endParaRPr lang="ru-RU" altLang="ru-RU" dirty="0">
-              <a:latin typeface="Arial" panose="020B0604020202020204" pitchFamily="34" charset="0"/>
-              <a:cs typeface="Arial" panose="020B0604020202020204" pitchFamily="34" charset="0"/>
-            </a:endParaRPr>
           </a:p>
         </p:txBody>
       </p:sp>
@@ -10020,7 +9720,7 @@
           <p:nvPr/>
         </p:nvPicPr>
         <p:blipFill>
-          <a:blip r:embed="rId1"/>
+          <a:blip r:embed="rId3"/>
           <a:stretch>
             <a:fillRect/>
           </a:stretch>
@@ -10044,12 +9744,12 @@
           <p:nvPr>
             <p:ph idx="1"/>
             <p:custDataLst>
-              <p:tags r:id="rId2"/>
+              <p:tags r:id="rId1"/>
             </p:custDataLst>
           </p:nvPr>
         </p:nvPicPr>
         <p:blipFill>
-          <a:blip r:embed="rId3"/>
+          <a:blip r:embed="rId4"/>
           <a:stretch>
             <a:fillRect/>
           </a:stretch>
@@ -10073,6 +9773,13 @@
   <p:clrMapOvr>
     <a:masterClrMapping/>
   </p:clrMapOvr>
+  <p:timing>
+    <p:tnLst>
+      <p:par>
+        <p:cTn id="1" dur="indefinite" restart="never" nodeType="tmRoot"/>
+      </p:par>
+    </p:tnLst>
+  </p:timing>
 </p:sld>
 </file>
 
@@ -10125,13 +9832,6 @@
               </a:rPr>
               <a:t>06.2024</a:t>
             </a:r>
-            <a:endParaRPr lang="ru-RU" sz="1400" dirty="0">
-              <a:solidFill>
-                <a:srgbClr val="FA4012"/>
-              </a:solidFill>
-              <a:latin typeface="Arial" panose="020B0604020202020204" pitchFamily="34" charset="0"/>
-              <a:cs typeface="Arial" panose="020B0604020202020204" pitchFamily="34" charset="0"/>
-            </a:endParaRPr>
           </a:p>
         </p:txBody>
       </p:sp>
@@ -10168,13 +9868,6 @@
               </a:rPr>
               <a:t>14</a:t>
             </a:r>
-            <a:endParaRPr lang="ru-RU" sz="1400" dirty="0">
-              <a:solidFill>
-                <a:srgbClr val="173C90"/>
-              </a:solidFill>
-              <a:latin typeface="Arial" panose="020B0604020202020204" pitchFamily="34" charset="0"/>
-              <a:cs typeface="Arial" panose="020B0604020202020204" pitchFamily="34" charset="0"/>
-            </a:endParaRPr>
           </a:p>
         </p:txBody>
       </p:sp>
@@ -10246,14 +9939,6 @@
               </a:rPr>
               <a:t>Система анализа и моделирования сценариев работы мобильной сети</a:t>
             </a:r>
-            <a:endParaRPr lang="ru-RU" sz="1200" b="1" dirty="0">
-              <a:solidFill>
-                <a:schemeClr val="tx1"/>
-              </a:solidFill>
-              <a:latin typeface="Arial" panose="020B0604020202020204" pitchFamily="34" charset="0"/>
-              <a:cs typeface="Arial" panose="020B0604020202020204" pitchFamily="34" charset="0"/>
-              <a:sym typeface="+mn-ea"/>
-            </a:endParaRPr>
           </a:p>
         </p:txBody>
       </p:sp>
@@ -10289,13 +9974,6 @@
               </a:rPr>
               <a:t>Пользовательский интерфейс</a:t>
             </a:r>
-            <a:endParaRPr lang="ru-RU" sz="1200" dirty="0">
-              <a:solidFill>
-                <a:srgbClr val="173C90"/>
-              </a:solidFill>
-              <a:latin typeface="Arial" panose="020B0604020202020204" pitchFamily="34" charset="0"/>
-              <a:cs typeface="Arial" panose="020B0604020202020204" pitchFamily="34" charset="0"/>
-            </a:endParaRPr>
           </a:p>
         </p:txBody>
       </p:sp>
@@ -10447,13 +10125,6 @@
               </a:rPr>
               <a:t>ПОЛЬЗОВАТЕЛЬСКИЙ ИНТЕРФЕЙС</a:t>
             </a:r>
-            <a:endParaRPr lang="ru-RU" sz="3600" b="1" dirty="0">
-              <a:solidFill>
-                <a:srgbClr val="FA4012"/>
-              </a:solidFill>
-              <a:latin typeface="Arial" panose="020B0604020202020204" pitchFamily="34" charset="0"/>
-              <a:cs typeface="Arial" panose="020B0604020202020204" pitchFamily="34" charset="0"/>
-            </a:endParaRPr>
           </a:p>
         </p:txBody>
       </p:sp>
@@ -10486,10 +10157,6 @@
               </a:rPr>
               <a:t>Система идентификации блоков и узлов</a:t>
             </a:r>
-            <a:endParaRPr lang="ru-RU" b="1" dirty="0">
-              <a:latin typeface="Arial" panose="020B0604020202020204" pitchFamily="34" charset="0"/>
-              <a:cs typeface="Arial" panose="020B0604020202020204" pitchFamily="34" charset="0"/>
-            </a:endParaRPr>
           </a:p>
         </p:txBody>
       </p:sp>
@@ -10547,10 +10214,6 @@
               </a:rPr>
               <a:t>вектор целых неотрицательных чисел, который формируется следующим образом:</a:t>
             </a:r>
-            <a:endParaRPr lang="ru-RU" dirty="0">
-              <a:latin typeface="Arial" panose="020B0604020202020204" pitchFamily="34" charset="0"/>
-              <a:cs typeface="Arial" panose="020B0604020202020204" pitchFamily="34" charset="0"/>
-            </a:endParaRPr>
           </a:p>
           <a:p>
             <a:pPr marL="285750" indent="-285750" fontAlgn="auto">
@@ -10570,10 +10233,6 @@
               </a:rPr>
               <a:t>существуют родительский (блок) и дочерние объекты (два узла связи);</a:t>
             </a:r>
-            <a:endParaRPr lang="ru-RU" dirty="0">
-              <a:latin typeface="Arial" panose="020B0604020202020204" pitchFamily="34" charset="0"/>
-              <a:cs typeface="Arial" panose="020B0604020202020204" pitchFamily="34" charset="0"/>
-            </a:endParaRPr>
           </a:p>
           <a:p>
             <a:pPr marL="285750" indent="-285750" fontAlgn="auto">
@@ -10607,10 +10266,6 @@
               </a:rPr>
               <a:t>, последующий – {1} и так далее.</a:t>
             </a:r>
-            <a:endParaRPr lang="ru-RU" dirty="0">
-              <a:latin typeface="Arial" panose="020B0604020202020204" pitchFamily="34" charset="0"/>
-              <a:cs typeface="Arial" panose="020B0604020202020204" pitchFamily="34" charset="0"/>
-            </a:endParaRPr>
           </a:p>
           <a:p>
             <a:pPr marL="285750" indent="-285750" fontAlgn="auto">
@@ -10661,10 +10316,6 @@
               </a:rPr>
               <a:t>Класс Id содержит такой вектор. </a:t>
             </a:r>
-            <a:endParaRPr lang="ru-RU" dirty="0">
-              <a:latin typeface="Arial" panose="020B0604020202020204" pitchFamily="34" charset="0"/>
-              <a:cs typeface="Arial" panose="020B0604020202020204" pitchFamily="34" charset="0"/>
-            </a:endParaRPr>
           </a:p>
           <a:p>
             <a:pPr indent="0" fontAlgn="auto">
@@ -10684,10 +10335,6 @@
               </a:rPr>
               <a:t>Раздачей этих идентификаторов занимается специальный класс NameMaker, который инициализирует имя для каждого нового блока при его создании в FieldModel.</a:t>
             </a:r>
-            <a:endParaRPr lang="ru-RU" dirty="0">
-              <a:latin typeface="Arial" panose="020B0604020202020204" pitchFamily="34" charset="0"/>
-              <a:cs typeface="Arial" panose="020B0604020202020204" pitchFamily="34" charset="0"/>
-            </a:endParaRPr>
           </a:p>
         </p:txBody>
       </p:sp>
@@ -10700,7 +10347,7 @@
           <p:nvPr/>
         </p:nvPicPr>
         <p:blipFill>
-          <a:blip r:embed="rId1"/>
+          <a:blip r:embed="rId2"/>
           <a:stretch>
             <a:fillRect/>
           </a:stretch>
@@ -10720,6 +10367,13 @@
   <p:clrMapOvr>
     <a:masterClrMapping/>
   </p:clrMapOvr>
+  <p:timing>
+    <p:tnLst>
+      <p:par>
+        <p:cTn id="1" dur="indefinite" restart="never" nodeType="tmRoot"/>
+      </p:par>
+    </p:tnLst>
+  </p:timing>
 </p:sld>
 </file>
 
@@ -10772,13 +10426,6 @@
               </a:rPr>
               <a:t>06.2024</a:t>
             </a:r>
-            <a:endParaRPr lang="ru-RU" sz="1400" dirty="0">
-              <a:solidFill>
-                <a:srgbClr val="FA4012"/>
-              </a:solidFill>
-              <a:latin typeface="Arial" panose="020B0604020202020204" pitchFamily="34" charset="0"/>
-              <a:cs typeface="Arial" panose="020B0604020202020204" pitchFamily="34" charset="0"/>
-            </a:endParaRPr>
           </a:p>
         </p:txBody>
       </p:sp>
@@ -10815,13 +10462,6 @@
               </a:rPr>
               <a:t>15</a:t>
             </a:r>
-            <a:endParaRPr lang="ru-RU" sz="1400" dirty="0">
-              <a:solidFill>
-                <a:srgbClr val="173C90"/>
-              </a:solidFill>
-              <a:latin typeface="Arial" panose="020B0604020202020204" pitchFamily="34" charset="0"/>
-              <a:cs typeface="Arial" panose="020B0604020202020204" pitchFamily="34" charset="0"/>
-            </a:endParaRPr>
           </a:p>
         </p:txBody>
       </p:sp>
@@ -10893,14 +10533,6 @@
               </a:rPr>
               <a:t>Система анализа и моделирования сценариев работы мобильной сети</a:t>
             </a:r>
-            <a:endParaRPr lang="ru-RU" sz="1200" b="1" dirty="0">
-              <a:solidFill>
-                <a:schemeClr val="tx1"/>
-              </a:solidFill>
-              <a:latin typeface="Arial" panose="020B0604020202020204" pitchFamily="34" charset="0"/>
-              <a:cs typeface="Arial" panose="020B0604020202020204" pitchFamily="34" charset="0"/>
-              <a:sym typeface="+mn-ea"/>
-            </a:endParaRPr>
           </a:p>
         </p:txBody>
       </p:sp>
@@ -10936,13 +10568,6 @@
               </a:rPr>
               <a:t>Пользовательский интерфейс</a:t>
             </a:r>
-            <a:endParaRPr lang="ru-RU" sz="1200" dirty="0">
-              <a:solidFill>
-                <a:srgbClr val="173C90"/>
-              </a:solidFill>
-              <a:latin typeface="Arial" panose="020B0604020202020204" pitchFamily="34" charset="0"/>
-              <a:cs typeface="Arial" panose="020B0604020202020204" pitchFamily="34" charset="0"/>
-            </a:endParaRPr>
           </a:p>
         </p:txBody>
       </p:sp>
@@ -11094,13 +10719,6 @@
               </a:rPr>
               <a:t>ПОЛЬЗОВАТЕЛЬСКИЙ ИНТЕРФЕЙС</a:t>
             </a:r>
-            <a:endParaRPr lang="ru-RU" sz="3600" b="1" dirty="0">
-              <a:solidFill>
-                <a:srgbClr val="FA4012"/>
-              </a:solidFill>
-              <a:latin typeface="Arial" panose="020B0604020202020204" pitchFamily="34" charset="0"/>
-              <a:cs typeface="Arial" panose="020B0604020202020204" pitchFamily="34" charset="0"/>
-            </a:endParaRPr>
           </a:p>
         </p:txBody>
       </p:sp>
@@ -11133,10 +10751,6 @@
               </a:rPr>
               <a:t>Паттерн Command. Пример из архитектуры</a:t>
             </a:r>
-            <a:endParaRPr lang="ru-RU" b="1" dirty="0">
-              <a:latin typeface="Arial" panose="020B0604020202020204" pitchFamily="34" charset="0"/>
-              <a:cs typeface="Arial" panose="020B0604020202020204" pitchFamily="34" charset="0"/>
-            </a:endParaRPr>
           </a:p>
         </p:txBody>
       </p:sp>
@@ -11149,7 +10763,7 @@
           <p:nvPr/>
         </p:nvPicPr>
         <p:blipFill>
-          <a:blip r:embed="rId1"/>
+          <a:blip r:embed="rId3"/>
           <a:stretch>
             <a:fillRect/>
           </a:stretch>
@@ -11173,12 +10787,12 @@
           <p:nvPr>
             <p:ph idx="1"/>
             <p:custDataLst>
-              <p:tags r:id="rId2"/>
+              <p:tags r:id="rId1"/>
             </p:custDataLst>
           </p:nvPr>
         </p:nvPicPr>
         <p:blipFill>
-          <a:blip r:embed="rId3"/>
+          <a:blip r:embed="rId4"/>
           <a:stretch>
             <a:fillRect/>
           </a:stretch>
@@ -11236,10 +10850,6 @@
               </a:rPr>
               <a:t>Инициатор: CommandManager. </a:t>
             </a:r>
-            <a:endParaRPr lang="ru-RU" sz="1600" dirty="0">
-              <a:latin typeface="Arial" panose="020B0604020202020204" pitchFamily="34" charset="0"/>
-              <a:cs typeface="Arial" panose="020B0604020202020204" pitchFamily="34" charset="0"/>
-            </a:endParaRPr>
           </a:p>
           <a:p>
             <a:pPr indent="0" fontAlgn="auto">
@@ -11259,10 +10869,6 @@
               </a:rPr>
               <a:t>Клиент: MainWindow, BlockFieldWidget и QLineEditDelegate. </a:t>
             </a:r>
-            <a:endParaRPr lang="ru-RU" sz="1600" dirty="0">
-              <a:latin typeface="Arial" panose="020B0604020202020204" pitchFamily="34" charset="0"/>
-              <a:cs typeface="Arial" panose="020B0604020202020204" pitchFamily="34" charset="0"/>
-            </a:endParaRPr>
           </a:p>
           <a:p>
             <a:pPr indent="0" fontAlgn="auto">
@@ -11282,10 +10888,6 @@
               </a:rPr>
               <a:t>Получатели: модели QTreeView и QTableView и модели FieldModel и SelectionModel.</a:t>
             </a:r>
-            <a:endParaRPr lang="ru-RU" sz="1600" dirty="0">
-              <a:latin typeface="Arial" panose="020B0604020202020204" pitchFamily="34" charset="0"/>
-              <a:cs typeface="Arial" panose="020B0604020202020204" pitchFamily="34" charset="0"/>
-            </a:endParaRPr>
           </a:p>
           <a:p>
             <a:pPr indent="0" fontAlgn="auto">
@@ -11305,10 +10907,6 @@
               </a:rPr>
               <a:t>Команды:</a:t>
             </a:r>
-            <a:endParaRPr lang="ru-RU" sz="1600" dirty="0">
-              <a:latin typeface="Arial" panose="020B0604020202020204" pitchFamily="34" charset="0"/>
-              <a:cs typeface="Arial" panose="020B0604020202020204" pitchFamily="34" charset="0"/>
-            </a:endParaRPr>
           </a:p>
           <a:p>
             <a:pPr marL="342900" indent="-342900" fontAlgn="auto">
@@ -11328,10 +10926,6 @@
               </a:rPr>
               <a:t>AddChildTagCommand – добавление дочернего тэга.</a:t>
             </a:r>
-            <a:endParaRPr lang="ru-RU" sz="1600" dirty="0">
-              <a:latin typeface="Arial" panose="020B0604020202020204" pitchFamily="34" charset="0"/>
-              <a:cs typeface="Arial" panose="020B0604020202020204" pitchFamily="34" charset="0"/>
-            </a:endParaRPr>
           </a:p>
           <a:p>
             <a:pPr marL="342900" indent="-342900" fontAlgn="auto">
@@ -11351,10 +10945,6 @@
               </a:rPr>
               <a:t>AddTagCommand – добавление тэга того же уровня.</a:t>
             </a:r>
-            <a:endParaRPr lang="ru-RU" sz="1600" dirty="0">
-              <a:latin typeface="Arial" panose="020B0604020202020204" pitchFamily="34" charset="0"/>
-              <a:cs typeface="Arial" panose="020B0604020202020204" pitchFamily="34" charset="0"/>
-            </a:endParaRPr>
           </a:p>
           <a:p>
             <a:pPr marL="342900" indent="-342900" fontAlgn="auto">
@@ -11374,10 +10964,6 @@
               </a:rPr>
               <a:t>RemoveTagCommand – удаление выделенного тэга.</a:t>
             </a:r>
-            <a:endParaRPr lang="ru-RU" sz="1600" dirty="0">
-              <a:latin typeface="Arial" panose="020B0604020202020204" pitchFamily="34" charset="0"/>
-              <a:cs typeface="Arial" panose="020B0604020202020204" pitchFamily="34" charset="0"/>
-            </a:endParaRPr>
           </a:p>
           <a:p>
             <a:pPr marL="342900" indent="-342900" fontAlgn="auto">
@@ -11397,10 +10983,6 @@
               </a:rPr>
               <a:t>AttrTextChangedCommand – изменение текста атрибута.</a:t>
             </a:r>
-            <a:endParaRPr lang="ru-RU" sz="1600" dirty="0">
-              <a:latin typeface="Arial" panose="020B0604020202020204" pitchFamily="34" charset="0"/>
-              <a:cs typeface="Arial" panose="020B0604020202020204" pitchFamily="34" charset="0"/>
-            </a:endParaRPr>
           </a:p>
           <a:p>
             <a:pPr marL="342900" indent="-342900" fontAlgn="auto">
@@ -11420,10 +11002,6 @@
               </a:rPr>
               <a:t>TagTextChangedCommand – изменение текста тэга.</a:t>
             </a:r>
-            <a:endParaRPr lang="ru-RU" sz="1600" dirty="0">
-              <a:latin typeface="Arial" panose="020B0604020202020204" pitchFamily="34" charset="0"/>
-              <a:cs typeface="Arial" panose="020B0604020202020204" pitchFamily="34" charset="0"/>
-            </a:endParaRPr>
           </a:p>
           <a:p>
             <a:pPr marL="342900" indent="-342900" fontAlgn="auto">
@@ -11443,10 +11021,6 @@
               </a:rPr>
               <a:t>AddAttributeCommand – добавление нового атрибута.</a:t>
             </a:r>
-            <a:endParaRPr lang="ru-RU" sz="1600" dirty="0">
-              <a:latin typeface="Arial" panose="020B0604020202020204" pitchFamily="34" charset="0"/>
-              <a:cs typeface="Arial" panose="020B0604020202020204" pitchFamily="34" charset="0"/>
-            </a:endParaRPr>
           </a:p>
           <a:p>
             <a:pPr marL="342900" indent="-342900" fontAlgn="auto">
@@ -11466,10 +11040,6 @@
               </a:rPr>
               <a:t>RemoveAttributeCommand – удаление выделенного атрибута.</a:t>
             </a:r>
-            <a:endParaRPr lang="ru-RU" sz="1600" dirty="0">
-              <a:latin typeface="Arial" panose="020B0604020202020204" pitchFamily="34" charset="0"/>
-              <a:cs typeface="Arial" panose="020B0604020202020204" pitchFamily="34" charset="0"/>
-            </a:endParaRPr>
           </a:p>
           <a:p>
             <a:pPr marL="342900" indent="-342900" fontAlgn="auto">
@@ -11489,10 +11059,6 @@
               </a:rPr>
               <a:t>AddBlockCommand – добавление блока.</a:t>
             </a:r>
-            <a:endParaRPr lang="ru-RU" sz="1600" dirty="0">
-              <a:latin typeface="Arial" panose="020B0604020202020204" pitchFamily="34" charset="0"/>
-              <a:cs typeface="Arial" panose="020B0604020202020204" pitchFamily="34" charset="0"/>
-            </a:endParaRPr>
           </a:p>
           <a:p>
             <a:pPr marL="342900" indent="-342900" fontAlgn="auto">
@@ -11512,10 +11078,6 @@
               </a:rPr>
               <a:t>AddConnectionCommand – добавление соединения.</a:t>
             </a:r>
-            <a:endParaRPr lang="ru-RU" sz="1600" dirty="0">
-              <a:latin typeface="Arial" panose="020B0604020202020204" pitchFamily="34" charset="0"/>
-              <a:cs typeface="Arial" panose="020B0604020202020204" pitchFamily="34" charset="0"/>
-            </a:endParaRPr>
           </a:p>
           <a:p>
             <a:pPr marL="342900" indent="-342900" fontAlgn="auto">
@@ -11599,11 +11161,6 @@
               </a:rPr>
               <a:t>11.  MoveBlockCommand – передвижение блока.</a:t>
             </a:r>
-            <a:endParaRPr lang="ru-RU" sz="1600" dirty="0">
-              <a:latin typeface="Arial" panose="020B0604020202020204" pitchFamily="34" charset="0"/>
-              <a:cs typeface="Arial" panose="020B0604020202020204" pitchFamily="34" charset="0"/>
-              <a:sym typeface="+mn-ea"/>
-            </a:endParaRPr>
           </a:p>
           <a:p>
             <a:pPr indent="0" fontAlgn="auto">
@@ -11637,6 +11194,13 @@
   <p:clrMapOvr>
     <a:masterClrMapping/>
   </p:clrMapOvr>
+  <p:timing>
+    <p:tnLst>
+      <p:par>
+        <p:cTn id="1" dur="indefinite" restart="never" nodeType="tmRoot"/>
+      </p:par>
+    </p:tnLst>
+  </p:timing>
 </p:sld>
 </file>
 
@@ -11689,13 +11253,6 @@
               </a:rPr>
               <a:t>06.2024</a:t>
             </a:r>
-            <a:endParaRPr lang="ru-RU" sz="1400" dirty="0">
-              <a:solidFill>
-                <a:srgbClr val="FA4012"/>
-              </a:solidFill>
-              <a:latin typeface="Arial" panose="020B0604020202020204" pitchFamily="34" charset="0"/>
-              <a:cs typeface="Arial" panose="020B0604020202020204" pitchFamily="34" charset="0"/>
-            </a:endParaRPr>
           </a:p>
         </p:txBody>
       </p:sp>
@@ -11732,13 +11289,6 @@
               </a:rPr>
               <a:t>16</a:t>
             </a:r>
-            <a:endParaRPr lang="ru-RU" sz="1400" dirty="0">
-              <a:solidFill>
-                <a:srgbClr val="173C90"/>
-              </a:solidFill>
-              <a:latin typeface="Arial" panose="020B0604020202020204" pitchFamily="34" charset="0"/>
-              <a:cs typeface="Arial" panose="020B0604020202020204" pitchFamily="34" charset="0"/>
-            </a:endParaRPr>
           </a:p>
         </p:txBody>
       </p:sp>
@@ -11810,14 +11360,6 @@
               </a:rPr>
               <a:t>Система анализа и моделирования сценариев работы мобильной сети</a:t>
             </a:r>
-            <a:endParaRPr lang="ru-RU" sz="1200" b="1" dirty="0">
-              <a:solidFill>
-                <a:schemeClr val="tx1"/>
-              </a:solidFill>
-              <a:latin typeface="Arial" panose="020B0604020202020204" pitchFamily="34" charset="0"/>
-              <a:cs typeface="Arial" panose="020B0604020202020204" pitchFamily="34" charset="0"/>
-              <a:sym typeface="+mn-ea"/>
-            </a:endParaRPr>
           </a:p>
         </p:txBody>
       </p:sp>
@@ -11853,13 +11395,6 @@
               </a:rPr>
               <a:t>Пользовательский интерфейс</a:t>
             </a:r>
-            <a:endParaRPr lang="ru-RU" sz="1200" dirty="0">
-              <a:solidFill>
-                <a:srgbClr val="173C90"/>
-              </a:solidFill>
-              <a:latin typeface="Arial" panose="020B0604020202020204" pitchFamily="34" charset="0"/>
-              <a:cs typeface="Arial" panose="020B0604020202020204" pitchFamily="34" charset="0"/>
-            </a:endParaRPr>
           </a:p>
         </p:txBody>
       </p:sp>
@@ -12011,13 +11546,6 @@
               </a:rPr>
               <a:t>ПОЛЬЗОВАТЕЛЬСКИЙ ИНТЕРФЕЙС</a:t>
             </a:r>
-            <a:endParaRPr lang="ru-RU" sz="3600" b="1" dirty="0">
-              <a:solidFill>
-                <a:srgbClr val="FA4012"/>
-              </a:solidFill>
-              <a:latin typeface="Arial" panose="020B0604020202020204" pitchFamily="34" charset="0"/>
-              <a:cs typeface="Arial" panose="020B0604020202020204" pitchFamily="34" charset="0"/>
-            </a:endParaRPr>
           </a:p>
         </p:txBody>
       </p:sp>
@@ -12050,10 +11578,6 @@
               </a:rPr>
               <a:t>Паттерн Memento. Пример из архитектуры</a:t>
             </a:r>
-            <a:endParaRPr lang="ru-RU" b="1" dirty="0">
-              <a:latin typeface="Arial" panose="020B0604020202020204" pitchFamily="34" charset="0"/>
-              <a:cs typeface="Arial" panose="020B0604020202020204" pitchFamily="34" charset="0"/>
-            </a:endParaRPr>
           </a:p>
         </p:txBody>
       </p:sp>
@@ -12154,7 +11678,7 @@
           <p:nvPr/>
         </p:nvPicPr>
         <p:blipFill>
-          <a:blip r:embed="rId1"/>
+          <a:blip r:embed="rId4"/>
           <a:stretch>
             <a:fillRect/>
           </a:stretch>
@@ -12178,12 +11702,12 @@
           <p:nvPr>
             <p:ph idx="1"/>
             <p:custDataLst>
-              <p:tags r:id="rId2"/>
+              <p:tags r:id="rId1"/>
             </p:custDataLst>
           </p:nvPr>
         </p:nvPicPr>
         <p:blipFill>
-          <a:blip r:embed="rId3"/>
+          <a:blip r:embed="rId5"/>
           <a:stretch>
             <a:fillRect/>
           </a:stretch>
@@ -12354,11 +11878,6 @@
               </a:rPr>
               <a:t> и устанавливает из него приватные, но доступные для модели, данные.</a:t>
             </a:r>
-            <a:endParaRPr lang="ru-RU" altLang="en-US" dirty="0">
-              <a:latin typeface="Arial" panose="020B0604020202020204" pitchFamily="34" charset="0"/>
-              <a:cs typeface="Arial" panose="020B0604020202020204" pitchFamily="34" charset="0"/>
-              <a:sym typeface="+mn-ea"/>
-            </a:endParaRPr>
           </a:p>
         </p:txBody>
       </p:sp>
@@ -12367,6 +11886,13 @@
   <p:clrMapOvr>
     <a:masterClrMapping/>
   </p:clrMapOvr>
+  <p:timing>
+    <p:tnLst>
+      <p:par>
+        <p:cTn id="1" dur="indefinite" restart="never" nodeType="tmRoot"/>
+      </p:par>
+    </p:tnLst>
+  </p:timing>
 </p:sld>
 </file>
 
@@ -12419,13 +11945,6 @@
               </a:rPr>
               <a:t>06.2024</a:t>
             </a:r>
-            <a:endParaRPr lang="ru-RU" sz="1400" dirty="0">
-              <a:solidFill>
-                <a:srgbClr val="FA4012"/>
-              </a:solidFill>
-              <a:latin typeface="Arial" panose="020B0604020202020204" pitchFamily="34" charset="0"/>
-              <a:cs typeface="Arial" panose="020B0604020202020204" pitchFamily="34" charset="0"/>
-            </a:endParaRPr>
           </a:p>
         </p:txBody>
       </p:sp>
@@ -12462,13 +11981,6 @@
               </a:rPr>
               <a:t>17</a:t>
             </a:r>
-            <a:endParaRPr lang="ru-RU" sz="1400" dirty="0">
-              <a:solidFill>
-                <a:srgbClr val="173C90"/>
-              </a:solidFill>
-              <a:latin typeface="Arial" panose="020B0604020202020204" pitchFamily="34" charset="0"/>
-              <a:cs typeface="Arial" panose="020B0604020202020204" pitchFamily="34" charset="0"/>
-            </a:endParaRPr>
           </a:p>
         </p:txBody>
       </p:sp>
@@ -12540,14 +12052,6 @@
               </a:rPr>
               <a:t>Система анализа и моделирования сценариев работы мобильной сети</a:t>
             </a:r>
-            <a:endParaRPr lang="ru-RU" sz="1200" b="1" dirty="0">
-              <a:solidFill>
-                <a:schemeClr val="tx1"/>
-              </a:solidFill>
-              <a:latin typeface="Arial" panose="020B0604020202020204" pitchFamily="34" charset="0"/>
-              <a:cs typeface="Arial" panose="020B0604020202020204" pitchFamily="34" charset="0"/>
-              <a:sym typeface="+mn-ea"/>
-            </a:endParaRPr>
           </a:p>
         </p:txBody>
       </p:sp>
@@ -12583,13 +12087,6 @@
               </a:rPr>
               <a:t>Пользовательский интерфейс</a:t>
             </a:r>
-            <a:endParaRPr lang="ru-RU" sz="1200" dirty="0">
-              <a:solidFill>
-                <a:srgbClr val="173C90"/>
-              </a:solidFill>
-              <a:latin typeface="Arial" panose="020B0604020202020204" pitchFamily="34" charset="0"/>
-              <a:cs typeface="Arial" panose="020B0604020202020204" pitchFamily="34" charset="0"/>
-            </a:endParaRPr>
           </a:p>
         </p:txBody>
       </p:sp>
@@ -12741,13 +12238,6 @@
               </a:rPr>
               <a:t>ПОЛЬЗОВАТЕЛЬСКИЙ ИНТЕРФЕЙС</a:t>
             </a:r>
-            <a:endParaRPr lang="ru-RU" sz="3600" b="1" dirty="0">
-              <a:solidFill>
-                <a:srgbClr val="FA4012"/>
-              </a:solidFill>
-              <a:latin typeface="Arial" panose="020B0604020202020204" pitchFamily="34" charset="0"/>
-              <a:cs typeface="Arial" panose="020B0604020202020204" pitchFamily="34" charset="0"/>
-            </a:endParaRPr>
           </a:p>
         </p:txBody>
       </p:sp>
@@ -12780,10 +12270,6 @@
               </a:rPr>
               <a:t>Результат</a:t>
             </a:r>
-            <a:endParaRPr lang="ru-RU" b="1" dirty="0">
-              <a:latin typeface="Arial" panose="020B0604020202020204" pitchFamily="34" charset="0"/>
-              <a:cs typeface="Arial" panose="020B0604020202020204" pitchFamily="34" charset="0"/>
-            </a:endParaRPr>
           </a:p>
         </p:txBody>
       </p:sp>
@@ -12826,10 +12312,6 @@
               </a:rPr>
               <a:t>Разработано визуальное приложение для работы с системой анализа и моделирования сценариев работы мобильной сети. </a:t>
             </a:r>
-            <a:endParaRPr lang="ru-RU" dirty="0">
-              <a:latin typeface="Arial" panose="020B0604020202020204" pitchFamily="34" charset="0"/>
-              <a:cs typeface="Arial" panose="020B0604020202020204" pitchFamily="34" charset="0"/>
-            </a:endParaRPr>
           </a:p>
           <a:p>
             <a:pPr indent="0" fontAlgn="auto">
@@ -12849,10 +12331,6 @@
               </a:rPr>
               <a:t>Также мой проект в конце концов был удачно совмещён с проектом моего коллеги, Тычинина Алексея Андреевича по разработке подсистемы управления расчётом эксперимента.</a:t>
             </a:r>
-            <a:endParaRPr lang="ru-RU" dirty="0">
-              <a:latin typeface="Arial" panose="020B0604020202020204" pitchFamily="34" charset="0"/>
-              <a:cs typeface="Arial" panose="020B0604020202020204" pitchFamily="34" charset="0"/>
-            </a:endParaRPr>
           </a:p>
           <a:p>
             <a:pPr indent="0" fontAlgn="auto">
@@ -12876,7 +12354,7 @@
               <a:rPr lang="ru-RU" dirty="0">
                 <a:latin typeface="Arial" panose="020B0604020202020204" pitchFamily="34" charset="0"/>
                 <a:cs typeface="Arial" panose="020B0604020202020204" pitchFamily="34" charset="0"/>
-                <a:hlinkClick r:id="rId1" tooltip="" action="ppaction://hlinkfile"/>
+                <a:hlinkClick r:id="rId2" action="ppaction://hlinkfile"/>
               </a:rPr>
               <a:t>https://</a:t>
             </a:r>
@@ -12884,7 +12362,7 @@
               <a:rPr lang="en-US" dirty="0">
                 <a:latin typeface="Arial" panose="020B0604020202020204" pitchFamily="34" charset="0"/>
                 <a:cs typeface="Arial" panose="020B0604020202020204" pitchFamily="34" charset="0"/>
-                <a:hlinkClick r:id="rId1" tooltip="" action="ppaction://hlinkfile"/>
+                <a:hlinkClick r:id="rId2" action="ppaction://hlinkfile"/>
               </a:rPr>
               <a:t>github</a:t>
             </a:r>
@@ -12892,7 +12370,7 @@
               <a:rPr lang="ru-RU" dirty="0">
                 <a:latin typeface="Arial" panose="020B0604020202020204" pitchFamily="34" charset="0"/>
                 <a:cs typeface="Arial" panose="020B0604020202020204" pitchFamily="34" charset="0"/>
-                <a:hlinkClick r:id="rId1" tooltip="" action="ppaction://hlinkfile"/>
+                <a:hlinkClick r:id="rId2" action="ppaction://hlinkfile"/>
               </a:rPr>
               <a:t>.com/Lawyar/ecsms/tree/master/applications/ecsms</a:t>
             </a:r>
@@ -12903,10 +12381,6 @@
               </a:rPr>
               <a:t>.</a:t>
             </a:r>
-            <a:endParaRPr lang="ru-RU" dirty="0">
-              <a:latin typeface="Arial" panose="020B0604020202020204" pitchFamily="34" charset="0"/>
-              <a:cs typeface="Arial" panose="020B0604020202020204" pitchFamily="34" charset="0"/>
-            </a:endParaRPr>
           </a:p>
         </p:txBody>
       </p:sp>
@@ -12919,7 +12393,7 @@
           <p:nvPr/>
         </p:nvPicPr>
         <p:blipFill>
-          <a:blip r:embed="rId2"/>
+          <a:blip r:embed="rId3"/>
           <a:stretch>
             <a:fillRect/>
           </a:stretch>
@@ -12939,6 +12413,13 @@
   <p:clrMapOvr>
     <a:masterClrMapping/>
   </p:clrMapOvr>
+  <p:timing>
+    <p:tnLst>
+      <p:par>
+        <p:cTn id="1" dur="indefinite" restart="never" nodeType="tmRoot"/>
+      </p:par>
+    </p:tnLst>
+  </p:timing>
 </p:sld>
 </file>
 
@@ -13033,7 +12514,7 @@
           <p:nvPr/>
         </p:nvPicPr>
         <p:blipFill rotWithShape="1">
-          <a:blip r:embed="rId1"/>
+          <a:blip r:embed="rId2"/>
           <a:srcRect l="15597" t="9327" r="40179"/>
           <a:stretch>
             <a:fillRect/>
@@ -13061,7 +12542,7 @@
           <p:nvPr/>
         </p:nvPicPr>
         <p:blipFill rotWithShape="1">
-          <a:blip r:embed="rId2"/>
+          <a:blip r:embed="rId3"/>
           <a:srcRect l="825" r="1545" b="59892"/>
           <a:stretch>
             <a:fillRect/>
@@ -13121,7 +12602,7 @@
           <p:nvPr/>
         </p:nvPicPr>
         <p:blipFill>
-          <a:blip r:embed="rId3"/>
+          <a:blip r:embed="rId4"/>
           <a:stretch>
             <a:fillRect/>
           </a:stretch>
@@ -13156,6 +12637,7 @@
           <a:bodyPr wrap="square" rtlCol="0" anchor="t">
             <a:noAutofit/>
           </a:bodyPr>
+          <a:lstStyle/>
           <a:p>
             <a:pPr algn="ctr"/>
             <a:r>
@@ -13200,6 +12682,7 @@
           <a:bodyPr wrap="square" rtlCol="0" anchor="t">
             <a:spAutoFit/>
           </a:bodyPr>
+          <a:lstStyle/>
           <a:p>
             <a:r>
               <a:rPr lang="ru-RU" sz="2400" dirty="0">
@@ -13234,6 +12717,13 @@
   <p:clrMapOvr>
     <a:masterClrMapping/>
   </p:clrMapOvr>
+  <p:timing>
+    <p:tnLst>
+      <p:par>
+        <p:cTn id="1" dur="indefinite" restart="never" nodeType="tmRoot"/>
+      </p:par>
+    </p:tnLst>
+  </p:timing>
 </p:sld>
 </file>
 
@@ -13286,56 +12776,6 @@
               </a:rPr>
               <a:t>06.2024</a:t>
             </a:r>
-            <a:endParaRPr lang="ru-RU" sz="1400" dirty="0">
-              <a:solidFill>
-                <a:srgbClr val="FA4012"/>
-              </a:solidFill>
-              <a:latin typeface="Arial" panose="020B0604020202020204" pitchFamily="34" charset="0"/>
-              <a:cs typeface="Arial" panose="020B0604020202020204" pitchFamily="34" charset="0"/>
-            </a:endParaRPr>
-          </a:p>
-        </p:txBody>
-      </p:sp>
-      <p:sp>
-        <p:nvSpPr>
-          <p:cNvPr id="12" name="TextBox 11"/>
-          <p:cNvSpPr txBox="1"/>
-          <p:nvPr/>
-        </p:nvSpPr>
-        <p:spPr>
-          <a:xfrm>
-            <a:off x="11579307" y="6314419"/>
-            <a:ext cx="422193" cy="307777"/>
-          </a:xfrm>
-          <a:prstGeom prst="rect">
-            <a:avLst/>
-          </a:prstGeom>
-          <a:noFill/>
-        </p:spPr>
-        <p:txBody>
-          <a:bodyPr wrap="square" rtlCol="0">
-            <a:spAutoFit/>
-          </a:bodyPr>
-          <a:lstStyle/>
-          <a:p>
-            <a:pPr algn="ctr"/>
-            <a:r>
-              <a:rPr lang="ru-RU" sz="1400" dirty="0">
-                <a:solidFill>
-                  <a:srgbClr val="173C90"/>
-                </a:solidFill>
-                <a:latin typeface="Arial" panose="020B0604020202020204" pitchFamily="34" charset="0"/>
-                <a:cs typeface="Arial" panose="020B0604020202020204" pitchFamily="34" charset="0"/>
-              </a:rPr>
-              <a:t>18</a:t>
-            </a:r>
-            <a:endParaRPr lang="ru-RU" sz="1400" dirty="0">
-              <a:solidFill>
-                <a:srgbClr val="173C90"/>
-              </a:solidFill>
-              <a:latin typeface="Arial" panose="020B0604020202020204" pitchFamily="34" charset="0"/>
-              <a:cs typeface="Arial" panose="020B0604020202020204" pitchFamily="34" charset="0"/>
-            </a:endParaRPr>
           </a:p>
         </p:txBody>
       </p:sp>
@@ -13407,14 +12847,6 @@
               </a:rPr>
               <a:t>Система анализа и моделирования сценариев работы мобильной сети</a:t>
             </a:r>
-            <a:endParaRPr lang="ru-RU" sz="1200" b="1" dirty="0">
-              <a:solidFill>
-                <a:schemeClr val="tx1"/>
-              </a:solidFill>
-              <a:latin typeface="Arial" panose="020B0604020202020204" pitchFamily="34" charset="0"/>
-              <a:cs typeface="Arial" panose="020B0604020202020204" pitchFamily="34" charset="0"/>
-              <a:sym typeface="+mn-ea"/>
-            </a:endParaRPr>
           </a:p>
         </p:txBody>
       </p:sp>
@@ -13450,13 +12882,6 @@
               </a:rPr>
               <a:t>Подсистема управления расчётом эксперимента</a:t>
             </a:r>
-            <a:endParaRPr lang="ru-RU" sz="1200" dirty="0">
-              <a:solidFill>
-                <a:srgbClr val="173C90"/>
-              </a:solidFill>
-              <a:latin typeface="Arial" panose="020B0604020202020204" pitchFamily="34" charset="0"/>
-              <a:cs typeface="Arial" panose="020B0604020202020204" pitchFamily="34" charset="0"/>
-            </a:endParaRPr>
           </a:p>
         </p:txBody>
       </p:sp>
@@ -13647,10 +13072,6 @@
               </a:rPr>
               <a:t>Функциональные требования</a:t>
             </a:r>
-            <a:endParaRPr lang="ru-RU" b="1" dirty="0">
-              <a:latin typeface="Arial" panose="020B0604020202020204" pitchFamily="34" charset="0"/>
-              <a:cs typeface="Arial" panose="020B0604020202020204" pitchFamily="34" charset="0"/>
-            </a:endParaRPr>
           </a:p>
         </p:txBody>
       </p:sp>
@@ -13693,10 +13114,6 @@
               </a:rPr>
               <a:t>Предоставление интерфейса для реализации пользовательских стадий;</a:t>
             </a:r>
-            <a:endParaRPr lang="ru-RU" dirty="0">
-              <a:latin typeface="Arial" panose="020B0604020202020204" pitchFamily="34" charset="0"/>
-              <a:cs typeface="Arial" panose="020B0604020202020204" pitchFamily="34" charset="0"/>
-            </a:endParaRPr>
           </a:p>
           <a:p>
             <a:pPr marL="342900" indent="-342900" fontAlgn="auto">
@@ -13716,10 +13133,6 @@
               </a:rPr>
               <a:t>Возможность установления соединения между производителем и потребителем в отношении один ко многим;</a:t>
             </a:r>
-            <a:endParaRPr lang="ru-RU" dirty="0">
-              <a:latin typeface="Arial" panose="020B0604020202020204" pitchFamily="34" charset="0"/>
-              <a:cs typeface="Arial" panose="020B0604020202020204" pitchFamily="34" charset="0"/>
-            </a:endParaRPr>
           </a:p>
           <a:p>
             <a:pPr marL="342900" indent="-342900" fontAlgn="auto">
@@ -13753,10 +13166,6 @@
               </a:rPr>
               <a:t> подготовленные стадии;</a:t>
             </a:r>
-            <a:endParaRPr lang="ru-RU" dirty="0">
-              <a:latin typeface="Arial" panose="020B0604020202020204" pitchFamily="34" charset="0"/>
-              <a:cs typeface="Arial" panose="020B0604020202020204" pitchFamily="34" charset="0"/>
-            </a:endParaRPr>
           </a:p>
           <a:p>
             <a:pPr marL="342900" indent="-342900" fontAlgn="auto">
@@ -13790,10 +13199,6 @@
               </a:rPr>
               <a:t>;</a:t>
             </a:r>
-            <a:endParaRPr lang="ru-RU" dirty="0">
-              <a:latin typeface="Arial" panose="020B0604020202020204" pitchFamily="34" charset="0"/>
-              <a:cs typeface="Arial" panose="020B0604020202020204" pitchFamily="34" charset="0"/>
-            </a:endParaRPr>
           </a:p>
           <a:p>
             <a:pPr marL="342900" indent="-342900" fontAlgn="auto">
@@ -13813,10 +13218,6 @@
               </a:rPr>
               <a:t>Предоставление класса для получения списка всех возможных стадий и их конструирования;</a:t>
             </a:r>
-            <a:endParaRPr lang="ru-RU" dirty="0">
-              <a:latin typeface="Arial" panose="020B0604020202020204" pitchFamily="34" charset="0"/>
-              <a:cs typeface="Arial" panose="020B0604020202020204" pitchFamily="34" charset="0"/>
-            </a:endParaRPr>
           </a:p>
           <a:p>
             <a:pPr marL="342900" indent="-342900" fontAlgn="auto">
@@ -13864,10 +13265,6 @@
               </a:rPr>
               <a:t>файла;</a:t>
             </a:r>
-            <a:endParaRPr lang="ru-RU" dirty="0">
-              <a:latin typeface="Arial" panose="020B0604020202020204" pitchFamily="34" charset="0"/>
-              <a:cs typeface="Arial" panose="020B0604020202020204" pitchFamily="34" charset="0"/>
-            </a:endParaRPr>
           </a:p>
           <a:p>
             <a:pPr marL="342900" indent="-342900" fontAlgn="auto">
@@ -13915,10 +13312,6 @@
               </a:rPr>
               <a:t>файл.</a:t>
             </a:r>
-            <a:endParaRPr lang="ru-RU" dirty="0">
-              <a:latin typeface="Arial" panose="020B0604020202020204" pitchFamily="34" charset="0"/>
-              <a:cs typeface="Arial" panose="020B0604020202020204" pitchFamily="34" charset="0"/>
-            </a:endParaRPr>
           </a:p>
         </p:txBody>
       </p:sp>
@@ -13931,7 +13324,7 @@
           <p:nvPr/>
         </p:nvPicPr>
         <p:blipFill>
-          <a:blip r:embed="rId1"/>
+          <a:blip r:embed="rId2"/>
           <a:stretch>
             <a:fillRect/>
           </a:stretch>
@@ -13946,11 +13339,71 @@
           </a:prstGeom>
         </p:spPr>
       </p:pic>
+      <p:sp>
+        <p:nvSpPr>
+          <p:cNvPr id="14" name="TextBox 13"/>
+          <p:cNvSpPr txBox="1"/>
+          <p:nvPr/>
+        </p:nvSpPr>
+        <p:spPr>
+          <a:xfrm>
+            <a:off x="11496040" y="6314440"/>
+            <a:ext cx="479425" cy="306705"/>
+          </a:xfrm>
+          <a:prstGeom prst="rect">
+            <a:avLst/>
+          </a:prstGeom>
+          <a:noFill/>
+        </p:spPr>
+        <p:txBody>
+          <a:bodyPr wrap="square" rtlCol="0">
+            <a:spAutoFit/>
+          </a:bodyPr>
+          <a:lstStyle/>
+          <a:p>
+            <a:pPr algn="ctr"/>
+            <a:r>
+              <a:rPr lang="ru-RU" sz="1400" dirty="0" smtClean="0">
+                <a:solidFill>
+                  <a:srgbClr val="173C90"/>
+                </a:solidFill>
+                <a:latin typeface="Arial" panose="020B0604020202020204" pitchFamily="34" charset="0"/>
+                <a:cs typeface="Arial" panose="020B0604020202020204" pitchFamily="34" charset="0"/>
+              </a:rPr>
+              <a:t>1</a:t>
+            </a:r>
+            <a:r>
+              <a:rPr lang="en-US" sz="1400" dirty="0" smtClean="0">
+                <a:solidFill>
+                  <a:srgbClr val="173C90"/>
+                </a:solidFill>
+                <a:latin typeface="Arial" panose="020B0604020202020204" pitchFamily="34" charset="0"/>
+                <a:cs typeface="Arial" panose="020B0604020202020204" pitchFamily="34" charset="0"/>
+              </a:rPr>
+              <a:t>9</a:t>
+            </a:r>
+            <a:endParaRPr lang="ru-RU" sz="1400" dirty="0">
+              <a:solidFill>
+                <a:srgbClr val="173C90"/>
+              </a:solidFill>
+              <a:latin typeface="Arial" panose="020B0604020202020204" pitchFamily="34" charset="0"/>
+              <a:cs typeface="Arial" panose="020B0604020202020204" pitchFamily="34" charset="0"/>
+            </a:endParaRPr>
+          </a:p>
+        </p:txBody>
+      </p:sp>
     </p:spTree>
   </p:cSld>
   <p:clrMapOvr>
     <a:masterClrMapping/>
   </p:clrMapOvr>
+  <p:timing>
+    <p:tnLst>
+      <p:par>
+        <p:cTn id="1" dur="indefinite" restart="never" nodeType="tmRoot"/>
+      </p:par>
+    </p:tnLst>
+  </p:timing>
 </p:sld>
 </file>
 
@@ -14003,13 +13456,6 @@
               </a:rPr>
               <a:t>06.2024</a:t>
             </a:r>
-            <a:endParaRPr lang="ru-RU" sz="1400" dirty="0">
-              <a:solidFill>
-                <a:srgbClr val="FA4012"/>
-              </a:solidFill>
-              <a:latin typeface="Arial" panose="020B0604020202020204" pitchFamily="34" charset="0"/>
-              <a:cs typeface="Arial" panose="020B0604020202020204" pitchFamily="34" charset="0"/>
-            </a:endParaRPr>
           </a:p>
         </p:txBody>
       </p:sp>
@@ -14046,13 +13492,6 @@
               </a:rPr>
               <a:t>2</a:t>
             </a:r>
-            <a:endParaRPr lang="ru-RU" sz="1400" dirty="0">
-              <a:solidFill>
-                <a:srgbClr val="173C90"/>
-              </a:solidFill>
-              <a:latin typeface="Arial" panose="020B0604020202020204" pitchFamily="34" charset="0"/>
-              <a:cs typeface="Arial" panose="020B0604020202020204" pitchFamily="34" charset="0"/>
-            </a:endParaRPr>
           </a:p>
         </p:txBody>
       </p:sp>
@@ -14124,14 +13563,6 @@
               </a:rPr>
               <a:t>Система анализа и моделирования сценариев работы мобильной сети</a:t>
             </a:r>
-            <a:endParaRPr lang="ru-RU" sz="1200" b="1" dirty="0">
-              <a:solidFill>
-                <a:schemeClr val="tx1"/>
-              </a:solidFill>
-              <a:latin typeface="Arial" panose="020B0604020202020204" pitchFamily="34" charset="0"/>
-              <a:cs typeface="Arial" panose="020B0604020202020204" pitchFamily="34" charset="0"/>
-              <a:sym typeface="+mn-ea"/>
-            </a:endParaRPr>
           </a:p>
         </p:txBody>
       </p:sp>
@@ -14167,13 +13598,6 @@
               </a:rPr>
               <a:t>АСНИ</a:t>
             </a:r>
-            <a:endParaRPr lang="ru-RU" sz="1200" dirty="0">
-              <a:solidFill>
-                <a:srgbClr val="173C90"/>
-              </a:solidFill>
-              <a:latin typeface="Arial" panose="020B0604020202020204" pitchFamily="34" charset="0"/>
-              <a:cs typeface="Arial" panose="020B0604020202020204" pitchFamily="34" charset="0"/>
-            </a:endParaRPr>
           </a:p>
         </p:txBody>
       </p:sp>
@@ -14325,13 +13749,6 @@
               </a:rPr>
               <a:t>АСНИ</a:t>
             </a:r>
-            <a:endParaRPr lang="ru-RU" sz="3600" b="1" dirty="0">
-              <a:solidFill>
-                <a:srgbClr val="FA4012"/>
-              </a:solidFill>
-              <a:latin typeface="Arial" panose="020B0604020202020204" pitchFamily="34" charset="0"/>
-              <a:cs typeface="Arial" panose="020B0604020202020204" pitchFamily="34" charset="0"/>
-            </a:endParaRPr>
           </a:p>
         </p:txBody>
       </p:sp>
@@ -14388,10 +13805,6 @@
               </a:rPr>
               <a:t>это программно-аппаратный комплекс, использующий вычислительную технику в своей основе и предназначенный для проведения исследований практически в любой сфере науки.</a:t>
             </a:r>
-            <a:endParaRPr lang="ru-RU" dirty="0">
-              <a:latin typeface="Arial" panose="020B0604020202020204" pitchFamily="34" charset="0"/>
-              <a:cs typeface="Arial" panose="020B0604020202020204" pitchFamily="34" charset="0"/>
-            </a:endParaRPr>
           </a:p>
         </p:txBody>
       </p:sp>
@@ -14428,10 +13841,6 @@
               </a:rPr>
               <a:t>Возможности АСНИ:</a:t>
             </a:r>
-            <a:endParaRPr lang="ru-RU" dirty="0">
-              <a:latin typeface="Arial" panose="020B0604020202020204" pitchFamily="34" charset="0"/>
-              <a:cs typeface="Arial" panose="020B0604020202020204" pitchFamily="34" charset="0"/>
-            </a:endParaRPr>
           </a:p>
           <a:p>
             <a:pPr indent="0">
@@ -14455,10 +13864,6 @@
               </a:rPr>
               <a:t>математическое моделирование реальных объектов и исследование их взаимодействия,</a:t>
             </a:r>
-            <a:endParaRPr lang="ru-RU" dirty="0">
-              <a:latin typeface="Arial" panose="020B0604020202020204" pitchFamily="34" charset="0"/>
-              <a:cs typeface="Arial" panose="020B0604020202020204" pitchFamily="34" charset="0"/>
-            </a:endParaRPr>
           </a:p>
           <a:p>
             <a:pPr marL="171450" indent="-171450">
@@ -14482,10 +13887,6 @@
               </a:rPr>
               <a:t>управление распределёнными системами для проведения исследований,</a:t>
             </a:r>
-            <a:endParaRPr lang="ru-RU" dirty="0">
-              <a:latin typeface="Arial" panose="020B0604020202020204" pitchFamily="34" charset="0"/>
-              <a:cs typeface="Arial" panose="020B0604020202020204" pitchFamily="34" charset="0"/>
-            </a:endParaRPr>
           </a:p>
           <a:p>
             <a:pPr marL="171450" indent="-171450">
@@ -14509,10 +13910,6 @@
               </a:rPr>
               <a:t>качественная обработка данных, хранение и передача, анализирование,</a:t>
             </a:r>
-            <a:endParaRPr lang="ru-RU" dirty="0">
-              <a:latin typeface="Arial" panose="020B0604020202020204" pitchFamily="34" charset="0"/>
-              <a:cs typeface="Arial" panose="020B0604020202020204" pitchFamily="34" charset="0"/>
-            </a:endParaRPr>
           </a:p>
           <a:p>
             <a:pPr marL="171450" indent="-171450">
@@ -14536,10 +13933,6 @@
               </a:rPr>
               <a:t>поддержка пользовательского интерфейса</a:t>
             </a:r>
-            <a:endParaRPr lang="ru-RU" dirty="0">
-              <a:latin typeface="Arial" panose="020B0604020202020204" pitchFamily="34" charset="0"/>
-              <a:cs typeface="Arial" panose="020B0604020202020204" pitchFamily="34" charset="0"/>
-            </a:endParaRPr>
           </a:p>
           <a:p>
             <a:pPr indent="0" algn="l">
@@ -14563,10 +13956,6 @@
               </a:rPr>
               <a:t>и многое другое</a:t>
             </a:r>
-            <a:endParaRPr lang="ru-RU" dirty="0">
-              <a:latin typeface="Arial" panose="020B0604020202020204" pitchFamily="34" charset="0"/>
-              <a:cs typeface="Arial" panose="020B0604020202020204" pitchFamily="34" charset="0"/>
-            </a:endParaRPr>
           </a:p>
         </p:txBody>
       </p:sp>
@@ -14579,7 +13968,7 @@
           <p:nvPr/>
         </p:nvPicPr>
         <p:blipFill>
-          <a:blip r:embed="rId1"/>
+          <a:blip r:embed="rId3"/>
           <a:stretch>
             <a:fillRect/>
           </a:stretch>
@@ -14599,6 +13988,13 @@
   <p:clrMapOvr>
     <a:masterClrMapping/>
   </p:clrMapOvr>
+  <p:timing>
+    <p:tnLst>
+      <p:par>
+        <p:cTn id="1" dur="indefinite" restart="never" nodeType="tmRoot"/>
+      </p:par>
+    </p:tnLst>
+  </p:timing>
 </p:sld>
 </file>
 
@@ -14651,56 +14047,6 @@
               </a:rPr>
               <a:t>06.2024</a:t>
             </a:r>
-            <a:endParaRPr lang="ru-RU" sz="1400" dirty="0">
-              <a:solidFill>
-                <a:srgbClr val="FA4012"/>
-              </a:solidFill>
-              <a:latin typeface="Arial" panose="020B0604020202020204" pitchFamily="34" charset="0"/>
-              <a:cs typeface="Arial" panose="020B0604020202020204" pitchFamily="34" charset="0"/>
-            </a:endParaRPr>
-          </a:p>
-        </p:txBody>
-      </p:sp>
-      <p:sp>
-        <p:nvSpPr>
-          <p:cNvPr id="12" name="TextBox 11"/>
-          <p:cNvSpPr txBox="1"/>
-          <p:nvPr/>
-        </p:nvSpPr>
-        <p:spPr>
-          <a:xfrm>
-            <a:off x="11579307" y="6314419"/>
-            <a:ext cx="387024" cy="307777"/>
-          </a:xfrm>
-          <a:prstGeom prst="rect">
-            <a:avLst/>
-          </a:prstGeom>
-          <a:noFill/>
-        </p:spPr>
-        <p:txBody>
-          <a:bodyPr wrap="square" rtlCol="0">
-            <a:spAutoFit/>
-          </a:bodyPr>
-          <a:lstStyle/>
-          <a:p>
-            <a:pPr algn="ctr"/>
-            <a:r>
-              <a:rPr lang="ru-RU" sz="1400" dirty="0">
-                <a:solidFill>
-                  <a:srgbClr val="173C90"/>
-                </a:solidFill>
-                <a:latin typeface="Arial" panose="020B0604020202020204" pitchFamily="34" charset="0"/>
-                <a:cs typeface="Arial" panose="020B0604020202020204" pitchFamily="34" charset="0"/>
-              </a:rPr>
-              <a:t>19</a:t>
-            </a:r>
-            <a:endParaRPr lang="ru-RU" sz="1400" dirty="0">
-              <a:solidFill>
-                <a:srgbClr val="173C90"/>
-              </a:solidFill>
-              <a:latin typeface="Arial" panose="020B0604020202020204" pitchFamily="34" charset="0"/>
-              <a:cs typeface="Arial" panose="020B0604020202020204" pitchFamily="34" charset="0"/>
-            </a:endParaRPr>
           </a:p>
         </p:txBody>
       </p:sp>
@@ -14772,14 +14118,6 @@
               </a:rPr>
               <a:t>Система анализа и моделирования сценариев работы мобильной сети</a:t>
             </a:r>
-            <a:endParaRPr lang="ru-RU" sz="1200" b="1" dirty="0">
-              <a:solidFill>
-                <a:schemeClr val="tx1"/>
-              </a:solidFill>
-              <a:latin typeface="Arial" panose="020B0604020202020204" pitchFamily="34" charset="0"/>
-              <a:cs typeface="Arial" panose="020B0604020202020204" pitchFamily="34" charset="0"/>
-              <a:sym typeface="+mn-ea"/>
-            </a:endParaRPr>
           </a:p>
         </p:txBody>
       </p:sp>
@@ -14815,13 +14153,6 @@
               </a:rPr>
               <a:t>Подсистема управления расчётом эксперимента</a:t>
             </a:r>
-            <a:endParaRPr lang="ru-RU" sz="1200" dirty="0">
-              <a:solidFill>
-                <a:srgbClr val="173C90"/>
-              </a:solidFill>
-              <a:latin typeface="Arial" panose="020B0604020202020204" pitchFamily="34" charset="0"/>
-              <a:cs typeface="Arial" panose="020B0604020202020204" pitchFamily="34" charset="0"/>
-            </a:endParaRPr>
           </a:p>
         </p:txBody>
       </p:sp>
@@ -15026,10 +14357,6 @@
               </a:rPr>
               <a:t>и соединений</a:t>
             </a:r>
-            <a:endParaRPr lang="ru-RU" b="1" dirty="0">
-              <a:latin typeface="Arial" panose="020B0604020202020204" pitchFamily="34" charset="0"/>
-              <a:cs typeface="Arial" panose="020B0604020202020204" pitchFamily="34" charset="0"/>
-            </a:endParaRPr>
           </a:p>
         </p:txBody>
       </p:sp>
@@ -15079,7 +14406,7 @@
           <p:nvPr/>
         </p:nvPicPr>
         <p:blipFill>
-          <a:blip r:embed="rId1"/>
+          <a:blip r:embed="rId2"/>
           <a:stretch>
             <a:fillRect/>
           </a:stretch>
@@ -15103,7 +14430,7 @@
           <p:nvPr/>
         </p:nvPicPr>
         <p:blipFill>
-          <a:blip r:embed="rId2"/>
+          <a:blip r:embed="rId3"/>
           <a:stretch>
             <a:fillRect/>
           </a:stretch>
@@ -15118,11 +14445,61 @@
           </a:prstGeom>
         </p:spPr>
       </p:pic>
+      <p:sp>
+        <p:nvSpPr>
+          <p:cNvPr id="15" name="TextBox 14"/>
+          <p:cNvSpPr txBox="1"/>
+          <p:nvPr/>
+        </p:nvSpPr>
+        <p:spPr>
+          <a:xfrm>
+            <a:off x="11496040" y="6314440"/>
+            <a:ext cx="479425" cy="306705"/>
+          </a:xfrm>
+          <a:prstGeom prst="rect">
+            <a:avLst/>
+          </a:prstGeom>
+          <a:noFill/>
+        </p:spPr>
+        <p:txBody>
+          <a:bodyPr wrap="square" rtlCol="0">
+            <a:spAutoFit/>
+          </a:bodyPr>
+          <a:lstStyle/>
+          <a:p>
+            <a:pPr algn="ctr"/>
+            <a:r>
+              <a:rPr lang="en-US" sz="1400" dirty="0" smtClean="0">
+                <a:solidFill>
+                  <a:srgbClr val="173C90"/>
+                </a:solidFill>
+                <a:latin typeface="Arial" panose="020B0604020202020204" pitchFamily="34" charset="0"/>
+                <a:cs typeface="Arial" panose="020B0604020202020204" pitchFamily="34" charset="0"/>
+              </a:rPr>
+              <a:t>20</a:t>
+            </a:r>
+            <a:endParaRPr lang="ru-RU" sz="1400" dirty="0">
+              <a:solidFill>
+                <a:srgbClr val="173C90"/>
+              </a:solidFill>
+              <a:latin typeface="Arial" panose="020B0604020202020204" pitchFamily="34" charset="0"/>
+              <a:cs typeface="Arial" panose="020B0604020202020204" pitchFamily="34" charset="0"/>
+            </a:endParaRPr>
+          </a:p>
+        </p:txBody>
+      </p:sp>
     </p:spTree>
   </p:cSld>
   <p:clrMapOvr>
     <a:masterClrMapping/>
   </p:clrMapOvr>
+  <p:timing>
+    <p:tnLst>
+      <p:par>
+        <p:cTn id="1" dur="indefinite" restart="never" nodeType="tmRoot"/>
+      </p:par>
+    </p:tnLst>
+  </p:timing>
 </p:sld>
 </file>
 
@@ -15175,56 +14552,6 @@
               </a:rPr>
               <a:t>06.2024</a:t>
             </a:r>
-            <a:endParaRPr lang="ru-RU" sz="1400" dirty="0">
-              <a:solidFill>
-                <a:srgbClr val="FA4012"/>
-              </a:solidFill>
-              <a:latin typeface="Arial" panose="020B0604020202020204" pitchFamily="34" charset="0"/>
-              <a:cs typeface="Arial" panose="020B0604020202020204" pitchFamily="34" charset="0"/>
-            </a:endParaRPr>
-          </a:p>
-        </p:txBody>
-      </p:sp>
-      <p:sp>
-        <p:nvSpPr>
-          <p:cNvPr id="12" name="TextBox 11"/>
-          <p:cNvSpPr txBox="1"/>
-          <p:nvPr/>
-        </p:nvSpPr>
-        <p:spPr>
-          <a:xfrm>
-            <a:off x="11579307" y="6314419"/>
-            <a:ext cx="395816" cy="307777"/>
-          </a:xfrm>
-          <a:prstGeom prst="rect">
-            <a:avLst/>
-          </a:prstGeom>
-          <a:noFill/>
-        </p:spPr>
-        <p:txBody>
-          <a:bodyPr wrap="square" rtlCol="0">
-            <a:spAutoFit/>
-          </a:bodyPr>
-          <a:lstStyle/>
-          <a:p>
-            <a:pPr algn="ctr"/>
-            <a:r>
-              <a:rPr lang="ru-RU" sz="1400" dirty="0">
-                <a:solidFill>
-                  <a:srgbClr val="173C90"/>
-                </a:solidFill>
-                <a:latin typeface="Arial" panose="020B0604020202020204" pitchFamily="34" charset="0"/>
-                <a:cs typeface="Arial" panose="020B0604020202020204" pitchFamily="34" charset="0"/>
-              </a:rPr>
-              <a:t>20</a:t>
-            </a:r>
-            <a:endParaRPr lang="ru-RU" sz="1400" dirty="0">
-              <a:solidFill>
-                <a:srgbClr val="173C90"/>
-              </a:solidFill>
-              <a:latin typeface="Arial" panose="020B0604020202020204" pitchFamily="34" charset="0"/>
-              <a:cs typeface="Arial" panose="020B0604020202020204" pitchFamily="34" charset="0"/>
-            </a:endParaRPr>
           </a:p>
         </p:txBody>
       </p:sp>
@@ -15296,14 +14623,6 @@
               </a:rPr>
               <a:t>Система анализа и моделирования сценариев работы мобильной сети</a:t>
             </a:r>
-            <a:endParaRPr lang="ru-RU" sz="1200" b="1" dirty="0">
-              <a:solidFill>
-                <a:schemeClr val="tx1"/>
-              </a:solidFill>
-              <a:latin typeface="Arial" panose="020B0604020202020204" pitchFamily="34" charset="0"/>
-              <a:cs typeface="Arial" panose="020B0604020202020204" pitchFamily="34" charset="0"/>
-              <a:sym typeface="+mn-ea"/>
-            </a:endParaRPr>
           </a:p>
         </p:txBody>
       </p:sp>
@@ -15339,13 +14658,6 @@
               </a:rPr>
               <a:t>Подсистема управления расчётом эксперимента</a:t>
             </a:r>
-            <a:endParaRPr lang="ru-RU" sz="1200" dirty="0">
-              <a:solidFill>
-                <a:srgbClr val="173C90"/>
-              </a:solidFill>
-              <a:latin typeface="Arial" panose="020B0604020202020204" pitchFamily="34" charset="0"/>
-              <a:cs typeface="Arial" panose="020B0604020202020204" pitchFamily="34" charset="0"/>
-            </a:endParaRPr>
           </a:p>
         </p:txBody>
       </p:sp>
@@ -15596,7 +14908,7 @@
           <p:nvPr/>
         </p:nvPicPr>
         <p:blipFill>
-          <a:blip r:embed="rId1"/>
+          <a:blip r:embed="rId2"/>
           <a:stretch>
             <a:fillRect/>
           </a:stretch>
@@ -15618,7 +14930,7 @@
           <p:nvPr/>
         </p:nvPicPr>
         <p:blipFill>
-          <a:blip r:embed="rId2"/>
+          <a:blip r:embed="rId3"/>
           <a:stretch>
             <a:fillRect/>
           </a:stretch>
@@ -15633,11 +14945,61 @@
           </a:prstGeom>
         </p:spPr>
       </p:pic>
+      <p:sp>
+        <p:nvSpPr>
+          <p:cNvPr id="17" name="TextBox 16"/>
+          <p:cNvSpPr txBox="1"/>
+          <p:nvPr/>
+        </p:nvSpPr>
+        <p:spPr>
+          <a:xfrm>
+            <a:off x="11496040" y="6314440"/>
+            <a:ext cx="479425" cy="306705"/>
+          </a:xfrm>
+          <a:prstGeom prst="rect">
+            <a:avLst/>
+          </a:prstGeom>
+          <a:noFill/>
+        </p:spPr>
+        <p:txBody>
+          <a:bodyPr wrap="square" rtlCol="0">
+            <a:spAutoFit/>
+          </a:bodyPr>
+          <a:lstStyle/>
+          <a:p>
+            <a:pPr algn="ctr"/>
+            <a:r>
+              <a:rPr lang="en-US" sz="1400" dirty="0" smtClean="0">
+                <a:solidFill>
+                  <a:srgbClr val="173C90"/>
+                </a:solidFill>
+                <a:latin typeface="Arial" panose="020B0604020202020204" pitchFamily="34" charset="0"/>
+                <a:cs typeface="Arial" panose="020B0604020202020204" pitchFamily="34" charset="0"/>
+              </a:rPr>
+              <a:t>21</a:t>
+            </a:r>
+            <a:endParaRPr lang="ru-RU" sz="1400" dirty="0">
+              <a:solidFill>
+                <a:srgbClr val="173C90"/>
+              </a:solidFill>
+              <a:latin typeface="Arial" panose="020B0604020202020204" pitchFamily="34" charset="0"/>
+              <a:cs typeface="Arial" panose="020B0604020202020204" pitchFamily="34" charset="0"/>
+            </a:endParaRPr>
+          </a:p>
+        </p:txBody>
+      </p:sp>
     </p:spTree>
   </p:cSld>
   <p:clrMapOvr>
     <a:masterClrMapping/>
   </p:clrMapOvr>
+  <p:timing>
+    <p:tnLst>
+      <p:par>
+        <p:cTn id="1" dur="indefinite" restart="never" nodeType="tmRoot"/>
+      </p:par>
+    </p:tnLst>
+  </p:timing>
 </p:sld>
 </file>
 
@@ -15690,56 +15052,6 @@
               </a:rPr>
               <a:t>06.2024</a:t>
             </a:r>
-            <a:endParaRPr lang="ru-RU" sz="1400" dirty="0">
-              <a:solidFill>
-                <a:srgbClr val="FA4012"/>
-              </a:solidFill>
-              <a:latin typeface="Arial" panose="020B0604020202020204" pitchFamily="34" charset="0"/>
-              <a:cs typeface="Arial" panose="020B0604020202020204" pitchFamily="34" charset="0"/>
-            </a:endParaRPr>
-          </a:p>
-        </p:txBody>
-      </p:sp>
-      <p:sp>
-        <p:nvSpPr>
-          <p:cNvPr id="12" name="TextBox 11"/>
-          <p:cNvSpPr txBox="1"/>
-          <p:nvPr/>
-        </p:nvSpPr>
-        <p:spPr>
-          <a:xfrm>
-            <a:off x="11579307" y="6314419"/>
-            <a:ext cx="395816" cy="307777"/>
-          </a:xfrm>
-          <a:prstGeom prst="rect">
-            <a:avLst/>
-          </a:prstGeom>
-          <a:noFill/>
-        </p:spPr>
-        <p:txBody>
-          <a:bodyPr wrap="square" rtlCol="0">
-            <a:spAutoFit/>
-          </a:bodyPr>
-          <a:lstStyle/>
-          <a:p>
-            <a:pPr algn="ctr"/>
-            <a:r>
-              <a:rPr lang="ru-RU" sz="1400" dirty="0">
-                <a:solidFill>
-                  <a:srgbClr val="173C90"/>
-                </a:solidFill>
-                <a:latin typeface="Arial" panose="020B0604020202020204" pitchFamily="34" charset="0"/>
-                <a:cs typeface="Arial" panose="020B0604020202020204" pitchFamily="34" charset="0"/>
-              </a:rPr>
-              <a:t>21</a:t>
-            </a:r>
-            <a:endParaRPr lang="ru-RU" sz="1400" dirty="0">
-              <a:solidFill>
-                <a:srgbClr val="173C90"/>
-              </a:solidFill>
-              <a:latin typeface="Arial" panose="020B0604020202020204" pitchFamily="34" charset="0"/>
-              <a:cs typeface="Arial" panose="020B0604020202020204" pitchFamily="34" charset="0"/>
-            </a:endParaRPr>
           </a:p>
         </p:txBody>
       </p:sp>
@@ -15811,14 +15123,6 @@
               </a:rPr>
               <a:t>Система анализа и моделирования сценариев работы мобильной сети</a:t>
             </a:r>
-            <a:endParaRPr lang="ru-RU" sz="1200" b="1" dirty="0">
-              <a:solidFill>
-                <a:schemeClr val="tx1"/>
-              </a:solidFill>
-              <a:latin typeface="Arial" panose="020B0604020202020204" pitchFamily="34" charset="0"/>
-              <a:cs typeface="Arial" panose="020B0604020202020204" pitchFamily="34" charset="0"/>
-              <a:sym typeface="+mn-ea"/>
-            </a:endParaRPr>
           </a:p>
         </p:txBody>
       </p:sp>
@@ -15854,13 +15158,6 @@
               </a:rPr>
               <a:t>Подсистема управления расчётом эксперимента</a:t>
             </a:r>
-            <a:endParaRPr lang="ru-RU" sz="1200" dirty="0">
-              <a:solidFill>
-                <a:srgbClr val="173C90"/>
-              </a:solidFill>
-              <a:latin typeface="Arial" panose="020B0604020202020204" pitchFamily="34" charset="0"/>
-              <a:cs typeface="Arial" panose="020B0604020202020204" pitchFamily="34" charset="0"/>
-            </a:endParaRPr>
           </a:p>
         </p:txBody>
       </p:sp>
@@ -16116,10 +15413,6 @@
               </a:rPr>
               <a:t>:</a:t>
             </a:r>
-            <a:endParaRPr lang="ru-RU" dirty="0">
-              <a:latin typeface="Arial" panose="020B0604020202020204" pitchFamily="34" charset="0"/>
-              <a:cs typeface="Arial" panose="020B0604020202020204" pitchFamily="34" charset="0"/>
-            </a:endParaRPr>
           </a:p>
           <a:p>
             <a:pPr marL="342900" indent="-342900" fontAlgn="auto">
@@ -16208,10 +15501,6 @@
               </a:rPr>
               <a:t>;</a:t>
             </a:r>
-            <a:endParaRPr lang="ru-RU" dirty="0">
-              <a:latin typeface="Arial" panose="020B0604020202020204" pitchFamily="34" charset="0"/>
-              <a:cs typeface="Arial" panose="020B0604020202020204" pitchFamily="34" charset="0"/>
-            </a:endParaRPr>
           </a:p>
           <a:p>
             <a:pPr marL="342900" indent="-342900" fontAlgn="auto">
@@ -16251,10 +15540,6 @@
               </a:rPr>
               <a:t>регистрируют стадии в реестре для дальнейшего конструирования стадии с использованием переданной пользовательской функции;</a:t>
             </a:r>
-            <a:endParaRPr lang="ru-RU" dirty="0">
-              <a:latin typeface="Arial" panose="020B0604020202020204" pitchFamily="34" charset="0"/>
-              <a:cs typeface="Arial" panose="020B0604020202020204" pitchFamily="34" charset="0"/>
-            </a:endParaRPr>
           </a:p>
           <a:p>
             <a:pPr marL="342900" indent="-342900" fontAlgn="auto">
@@ -16392,10 +15677,6 @@
               </a:rPr>
               <a:t>key;</a:t>
             </a:r>
-            <a:endParaRPr lang="en-US" dirty="0">
-              <a:latin typeface="Arial" panose="020B0604020202020204" pitchFamily="34" charset="0"/>
-              <a:cs typeface="Arial" panose="020B0604020202020204" pitchFamily="34" charset="0"/>
-            </a:endParaRPr>
           </a:p>
           <a:p>
             <a:pPr marL="342900" indent="-342900" fontAlgn="auto">
@@ -16484,10 +15765,6 @@
               </a:rPr>
               <a:t>имя стадии, которая должна быть сконструирована;</a:t>
             </a:r>
-            <a:endParaRPr lang="ru-RU" dirty="0">
-              <a:latin typeface="Arial" panose="020B0604020202020204" pitchFamily="34" charset="0"/>
-              <a:cs typeface="Arial" panose="020B0604020202020204" pitchFamily="34" charset="0"/>
-            </a:endParaRPr>
           </a:p>
         </p:txBody>
       </p:sp>
@@ -16500,7 +15777,7 @@
           <p:nvPr/>
         </p:nvPicPr>
         <p:blipFill>
-          <a:blip r:embed="rId1"/>
+          <a:blip r:embed="rId2"/>
           <a:stretch>
             <a:fillRect/>
           </a:stretch>
@@ -16515,11 +15792,61 @@
           </a:prstGeom>
         </p:spPr>
       </p:pic>
+      <p:sp>
+        <p:nvSpPr>
+          <p:cNvPr id="14" name="TextBox 13"/>
+          <p:cNvSpPr txBox="1"/>
+          <p:nvPr/>
+        </p:nvSpPr>
+        <p:spPr>
+          <a:xfrm>
+            <a:off x="11496040" y="6314440"/>
+            <a:ext cx="479425" cy="306705"/>
+          </a:xfrm>
+          <a:prstGeom prst="rect">
+            <a:avLst/>
+          </a:prstGeom>
+          <a:noFill/>
+        </p:spPr>
+        <p:txBody>
+          <a:bodyPr wrap="square" rtlCol="0">
+            <a:spAutoFit/>
+          </a:bodyPr>
+          <a:lstStyle/>
+          <a:p>
+            <a:pPr algn="ctr"/>
+            <a:r>
+              <a:rPr lang="en-US" sz="1400" dirty="0" smtClean="0">
+                <a:solidFill>
+                  <a:srgbClr val="173C90"/>
+                </a:solidFill>
+                <a:latin typeface="Arial" panose="020B0604020202020204" pitchFamily="34" charset="0"/>
+                <a:cs typeface="Arial" panose="020B0604020202020204" pitchFamily="34" charset="0"/>
+              </a:rPr>
+              <a:t>22</a:t>
+            </a:r>
+            <a:endParaRPr lang="ru-RU" sz="1400" dirty="0">
+              <a:solidFill>
+                <a:srgbClr val="173C90"/>
+              </a:solidFill>
+              <a:latin typeface="Arial" panose="020B0604020202020204" pitchFamily="34" charset="0"/>
+              <a:cs typeface="Arial" panose="020B0604020202020204" pitchFamily="34" charset="0"/>
+            </a:endParaRPr>
+          </a:p>
+        </p:txBody>
+      </p:sp>
     </p:spTree>
   </p:cSld>
   <p:clrMapOvr>
     <a:masterClrMapping/>
   </p:clrMapOvr>
+  <p:timing>
+    <p:tnLst>
+      <p:par>
+        <p:cTn id="1" dur="indefinite" restart="never" nodeType="tmRoot"/>
+      </p:par>
+    </p:tnLst>
+  </p:timing>
 </p:sld>
 </file>
 
@@ -16572,56 +15899,6 @@
               </a:rPr>
               <a:t>06.2024</a:t>
             </a:r>
-            <a:endParaRPr lang="ru-RU" sz="1400" dirty="0">
-              <a:solidFill>
-                <a:srgbClr val="FA4012"/>
-              </a:solidFill>
-              <a:latin typeface="Arial" panose="020B0604020202020204" pitchFamily="34" charset="0"/>
-              <a:cs typeface="Arial" panose="020B0604020202020204" pitchFamily="34" charset="0"/>
-            </a:endParaRPr>
-          </a:p>
-        </p:txBody>
-      </p:sp>
-      <p:sp>
-        <p:nvSpPr>
-          <p:cNvPr id="12" name="TextBox 11"/>
-          <p:cNvSpPr txBox="1"/>
-          <p:nvPr/>
-        </p:nvSpPr>
-        <p:spPr>
-          <a:xfrm>
-            <a:off x="11579307" y="6314419"/>
-            <a:ext cx="395816" cy="307777"/>
-          </a:xfrm>
-          <a:prstGeom prst="rect">
-            <a:avLst/>
-          </a:prstGeom>
-          <a:noFill/>
-        </p:spPr>
-        <p:txBody>
-          <a:bodyPr wrap="square" rtlCol="0">
-            <a:spAutoFit/>
-          </a:bodyPr>
-          <a:lstStyle/>
-          <a:p>
-            <a:pPr algn="ctr"/>
-            <a:r>
-              <a:rPr lang="ru-RU" sz="1400" dirty="0">
-                <a:solidFill>
-                  <a:srgbClr val="173C90"/>
-                </a:solidFill>
-                <a:latin typeface="Arial" panose="020B0604020202020204" pitchFamily="34" charset="0"/>
-                <a:cs typeface="Arial" panose="020B0604020202020204" pitchFamily="34" charset="0"/>
-              </a:rPr>
-              <a:t>22</a:t>
-            </a:r>
-            <a:endParaRPr lang="ru-RU" sz="1400" dirty="0">
-              <a:solidFill>
-                <a:srgbClr val="173C90"/>
-              </a:solidFill>
-              <a:latin typeface="Arial" panose="020B0604020202020204" pitchFamily="34" charset="0"/>
-              <a:cs typeface="Arial" panose="020B0604020202020204" pitchFamily="34" charset="0"/>
-            </a:endParaRPr>
           </a:p>
         </p:txBody>
       </p:sp>
@@ -16693,14 +15970,6 @@
               </a:rPr>
               <a:t>Система анализа и моделирования сценариев работы мобильной сети</a:t>
             </a:r>
-            <a:endParaRPr lang="ru-RU" sz="1200" b="1" dirty="0">
-              <a:solidFill>
-                <a:schemeClr val="tx1"/>
-              </a:solidFill>
-              <a:latin typeface="Arial" panose="020B0604020202020204" pitchFamily="34" charset="0"/>
-              <a:cs typeface="Arial" panose="020B0604020202020204" pitchFamily="34" charset="0"/>
-              <a:sym typeface="+mn-ea"/>
-            </a:endParaRPr>
           </a:p>
         </p:txBody>
       </p:sp>
@@ -16736,13 +16005,6 @@
               </a:rPr>
               <a:t>Подсистема управления расчётом эксперимента</a:t>
             </a:r>
-            <a:endParaRPr lang="ru-RU" sz="1200" dirty="0">
-              <a:solidFill>
-                <a:srgbClr val="173C90"/>
-              </a:solidFill>
-              <a:latin typeface="Arial" panose="020B0604020202020204" pitchFamily="34" charset="0"/>
-              <a:cs typeface="Arial" panose="020B0604020202020204" pitchFamily="34" charset="0"/>
-            </a:endParaRPr>
           </a:p>
         </p:txBody>
       </p:sp>
@@ -17012,10 +16274,6 @@
               </a:rPr>
               <a:t>возвращает список имен зарегистрированных стадий;</a:t>
             </a:r>
-            <a:endParaRPr lang="ru-RU" dirty="0">
-              <a:latin typeface="Arial" panose="020B0604020202020204" pitchFamily="34" charset="0"/>
-              <a:cs typeface="Arial" panose="020B0604020202020204" pitchFamily="34" charset="0"/>
-            </a:endParaRPr>
           </a:p>
           <a:p>
             <a:pPr fontAlgn="auto">
@@ -17075,10 +16333,6 @@
               </a:rPr>
               <a:t>key;</a:t>
             </a:r>
-            <a:endParaRPr lang="en-US" dirty="0">
-              <a:latin typeface="Arial" panose="020B0604020202020204" pitchFamily="34" charset="0"/>
-              <a:cs typeface="Arial" panose="020B0604020202020204" pitchFamily="34" charset="0"/>
-            </a:endParaRPr>
           </a:p>
           <a:p>
             <a:pPr fontAlgn="auto">
@@ -17124,10 +16378,6 @@
               </a:rPr>
               <a:t>для получения ссылки на сконструированный объект стадии.</a:t>
             </a:r>
-            <a:endParaRPr lang="ru-RU" dirty="0">
-              <a:latin typeface="Arial" panose="020B0604020202020204" pitchFamily="34" charset="0"/>
-              <a:cs typeface="Arial" panose="020B0604020202020204" pitchFamily="34" charset="0"/>
-            </a:endParaRPr>
           </a:p>
         </p:txBody>
       </p:sp>
@@ -17140,7 +16390,7 @@
           <p:nvPr/>
         </p:nvPicPr>
         <p:blipFill>
-          <a:blip r:embed="rId1"/>
+          <a:blip r:embed="rId2"/>
           <a:stretch>
             <a:fillRect/>
           </a:stretch>
@@ -17155,11 +16405,61 @@
           </a:prstGeom>
         </p:spPr>
       </p:pic>
+      <p:sp>
+        <p:nvSpPr>
+          <p:cNvPr id="14" name="TextBox 13"/>
+          <p:cNvSpPr txBox="1"/>
+          <p:nvPr/>
+        </p:nvSpPr>
+        <p:spPr>
+          <a:xfrm>
+            <a:off x="11496040" y="6314440"/>
+            <a:ext cx="479425" cy="306705"/>
+          </a:xfrm>
+          <a:prstGeom prst="rect">
+            <a:avLst/>
+          </a:prstGeom>
+          <a:noFill/>
+        </p:spPr>
+        <p:txBody>
+          <a:bodyPr wrap="square" rtlCol="0">
+            <a:spAutoFit/>
+          </a:bodyPr>
+          <a:lstStyle/>
+          <a:p>
+            <a:pPr algn="ctr"/>
+            <a:r>
+              <a:rPr lang="en-US" sz="1400" dirty="0" smtClean="0">
+                <a:solidFill>
+                  <a:srgbClr val="173C90"/>
+                </a:solidFill>
+                <a:latin typeface="Arial" panose="020B0604020202020204" pitchFamily="34" charset="0"/>
+                <a:cs typeface="Arial" panose="020B0604020202020204" pitchFamily="34" charset="0"/>
+              </a:rPr>
+              <a:t>23</a:t>
+            </a:r>
+            <a:endParaRPr lang="ru-RU" sz="1400" dirty="0">
+              <a:solidFill>
+                <a:srgbClr val="173C90"/>
+              </a:solidFill>
+              <a:latin typeface="Arial" panose="020B0604020202020204" pitchFamily="34" charset="0"/>
+              <a:cs typeface="Arial" panose="020B0604020202020204" pitchFamily="34" charset="0"/>
+            </a:endParaRPr>
+          </a:p>
+        </p:txBody>
+      </p:sp>
     </p:spTree>
   </p:cSld>
   <p:clrMapOvr>
     <a:masterClrMapping/>
   </p:clrMapOvr>
+  <p:timing>
+    <p:tnLst>
+      <p:par>
+        <p:cTn id="1" dur="indefinite" restart="never" nodeType="tmRoot"/>
+      </p:par>
+    </p:tnLst>
+  </p:timing>
 </p:sld>
 </file>
 
@@ -17212,56 +16512,6 @@
               </a:rPr>
               <a:t>06.2024</a:t>
             </a:r>
-            <a:endParaRPr lang="ru-RU" sz="1400" dirty="0">
-              <a:solidFill>
-                <a:srgbClr val="FA4012"/>
-              </a:solidFill>
-              <a:latin typeface="Arial" panose="020B0604020202020204" pitchFamily="34" charset="0"/>
-              <a:cs typeface="Arial" panose="020B0604020202020204" pitchFamily="34" charset="0"/>
-            </a:endParaRPr>
-          </a:p>
-        </p:txBody>
-      </p:sp>
-      <p:sp>
-        <p:nvSpPr>
-          <p:cNvPr id="12" name="TextBox 11"/>
-          <p:cNvSpPr txBox="1"/>
-          <p:nvPr/>
-        </p:nvSpPr>
-        <p:spPr>
-          <a:xfrm>
-            <a:off x="11579307" y="6314419"/>
-            <a:ext cx="395816" cy="307777"/>
-          </a:xfrm>
-          <a:prstGeom prst="rect">
-            <a:avLst/>
-          </a:prstGeom>
-          <a:noFill/>
-        </p:spPr>
-        <p:txBody>
-          <a:bodyPr wrap="square" rtlCol="0">
-            <a:spAutoFit/>
-          </a:bodyPr>
-          <a:lstStyle/>
-          <a:p>
-            <a:pPr algn="ctr"/>
-            <a:r>
-              <a:rPr lang="ru-RU" sz="1400" dirty="0">
-                <a:solidFill>
-                  <a:srgbClr val="173C90"/>
-                </a:solidFill>
-                <a:latin typeface="Arial" panose="020B0604020202020204" pitchFamily="34" charset="0"/>
-                <a:cs typeface="Arial" panose="020B0604020202020204" pitchFamily="34" charset="0"/>
-              </a:rPr>
-              <a:t>23</a:t>
-            </a:r>
-            <a:endParaRPr lang="ru-RU" sz="1400" dirty="0">
-              <a:solidFill>
-                <a:srgbClr val="173C90"/>
-              </a:solidFill>
-              <a:latin typeface="Arial" panose="020B0604020202020204" pitchFamily="34" charset="0"/>
-              <a:cs typeface="Arial" panose="020B0604020202020204" pitchFamily="34" charset="0"/>
-            </a:endParaRPr>
           </a:p>
         </p:txBody>
       </p:sp>
@@ -17333,14 +16583,6 @@
               </a:rPr>
               <a:t>Система анализа и моделирования сценариев работы мобильной сети</a:t>
             </a:r>
-            <a:endParaRPr lang="ru-RU" sz="1200" b="1" dirty="0">
-              <a:solidFill>
-                <a:schemeClr val="tx1"/>
-              </a:solidFill>
-              <a:latin typeface="Arial" panose="020B0604020202020204" pitchFamily="34" charset="0"/>
-              <a:cs typeface="Arial" panose="020B0604020202020204" pitchFamily="34" charset="0"/>
-              <a:sym typeface="+mn-ea"/>
-            </a:endParaRPr>
           </a:p>
         </p:txBody>
       </p:sp>
@@ -17376,13 +16618,6 @@
               </a:rPr>
               <a:t>Подсистема управления расчётом эксперимента</a:t>
             </a:r>
-            <a:endParaRPr lang="ru-RU" sz="1200" dirty="0">
-              <a:solidFill>
-                <a:srgbClr val="173C90"/>
-              </a:solidFill>
-              <a:latin typeface="Arial" panose="020B0604020202020204" pitchFamily="34" charset="0"/>
-              <a:cs typeface="Arial" panose="020B0604020202020204" pitchFamily="34" charset="0"/>
-            </a:endParaRPr>
           </a:p>
         </p:txBody>
       </p:sp>
@@ -17601,10 +16836,6 @@
               </a:rPr>
               <a:t>представлении</a:t>
             </a:r>
-            <a:endParaRPr lang="ru-RU" b="1" dirty="0">
-              <a:latin typeface="Arial" panose="020B0604020202020204" pitchFamily="34" charset="0"/>
-              <a:cs typeface="Arial" panose="020B0604020202020204" pitchFamily="34" charset="0"/>
-            </a:endParaRPr>
           </a:p>
         </p:txBody>
       </p:sp>
@@ -17666,10 +16897,6 @@
               </a:rPr>
               <a:t>файле должна содержать следующие поля:</a:t>
             </a:r>
-            <a:endParaRPr lang="ru-RU" dirty="0">
-              <a:latin typeface="Arial" panose="020B0604020202020204" pitchFamily="34" charset="0"/>
-              <a:cs typeface="Arial" panose="020B0604020202020204" pitchFamily="34" charset="0"/>
-            </a:endParaRPr>
           </a:p>
           <a:p>
             <a:pPr marL="342900" indent="-342900" fontAlgn="auto">
@@ -17688,10 +16915,6 @@
               </a:rPr>
               <a:t>Имя стадии;</a:t>
             </a:r>
-            <a:endParaRPr lang="ru-RU" dirty="0">
-              <a:latin typeface="Arial" panose="020B0604020202020204" pitchFamily="34" charset="0"/>
-              <a:cs typeface="Arial" panose="020B0604020202020204" pitchFamily="34" charset="0"/>
-            </a:endParaRPr>
           </a:p>
           <a:p>
             <a:pPr marL="342900" indent="-342900" fontAlgn="auto">
@@ -17710,10 +16933,6 @@
               </a:rPr>
               <a:t>Уникальный идентификатор стадии;</a:t>
             </a:r>
-            <a:endParaRPr lang="ru-RU" dirty="0">
-              <a:latin typeface="Arial" panose="020B0604020202020204" pitchFamily="34" charset="0"/>
-              <a:cs typeface="Arial" panose="020B0604020202020204" pitchFamily="34" charset="0"/>
-            </a:endParaRPr>
           </a:p>
           <a:p>
             <a:pPr marL="342900" indent="-342900" fontAlgn="auto">
@@ -17732,10 +16951,6 @@
               </a:rPr>
               <a:t>Тип стадии.</a:t>
             </a:r>
-            <a:endParaRPr lang="ru-RU" dirty="0">
-              <a:latin typeface="Arial" panose="020B0604020202020204" pitchFamily="34" charset="0"/>
-              <a:cs typeface="Arial" panose="020B0604020202020204" pitchFamily="34" charset="0"/>
-            </a:endParaRPr>
           </a:p>
           <a:p>
             <a:pPr fontAlgn="auto">
@@ -17753,10 +16968,6 @@
               </a:rPr>
               <a:t>Для стадии потребителя дополнительно должны быть указаны 2 поля:</a:t>
             </a:r>
-            <a:endParaRPr lang="ru-RU" dirty="0">
-              <a:latin typeface="Arial" panose="020B0604020202020204" pitchFamily="34" charset="0"/>
-              <a:cs typeface="Arial" panose="020B0604020202020204" pitchFamily="34" charset="0"/>
-            </a:endParaRPr>
           </a:p>
           <a:p>
             <a:pPr marL="342900" indent="-342900" fontAlgn="auto">
@@ -17775,10 +16986,6 @@
               </a:rPr>
               <a:t>Стратегия потребления данных;</a:t>
             </a:r>
-            <a:endParaRPr lang="ru-RU" dirty="0">
-              <a:latin typeface="Arial" panose="020B0604020202020204" pitchFamily="34" charset="0"/>
-              <a:cs typeface="Arial" panose="020B0604020202020204" pitchFamily="34" charset="0"/>
-            </a:endParaRPr>
           </a:p>
           <a:p>
             <a:pPr marL="342900" indent="-342900" fontAlgn="auto">
@@ -17797,10 +17004,6 @@
               </a:rPr>
               <a:t>Идентификатор стадии, данные из которой будут потребляться.</a:t>
             </a:r>
-            <a:endParaRPr lang="ru-RU" dirty="0">
-              <a:latin typeface="Arial" panose="020B0604020202020204" pitchFamily="34" charset="0"/>
-              <a:cs typeface="Arial" panose="020B0604020202020204" pitchFamily="34" charset="0"/>
-            </a:endParaRPr>
           </a:p>
         </p:txBody>
       </p:sp>
@@ -17813,7 +17016,7 @@
           <p:nvPr/>
         </p:nvPicPr>
         <p:blipFill>
-          <a:blip r:embed="rId1"/>
+          <a:blip r:embed="rId2"/>
           <a:stretch>
             <a:fillRect/>
           </a:stretch>
@@ -17828,11 +17031,61 @@
           </a:prstGeom>
         </p:spPr>
       </p:pic>
+      <p:sp>
+        <p:nvSpPr>
+          <p:cNvPr id="14" name="TextBox 13"/>
+          <p:cNvSpPr txBox="1"/>
+          <p:nvPr/>
+        </p:nvSpPr>
+        <p:spPr>
+          <a:xfrm>
+            <a:off x="11496040" y="6314440"/>
+            <a:ext cx="479425" cy="306705"/>
+          </a:xfrm>
+          <a:prstGeom prst="rect">
+            <a:avLst/>
+          </a:prstGeom>
+          <a:noFill/>
+        </p:spPr>
+        <p:txBody>
+          <a:bodyPr wrap="square" rtlCol="0">
+            <a:spAutoFit/>
+          </a:bodyPr>
+          <a:lstStyle/>
+          <a:p>
+            <a:pPr algn="ctr"/>
+            <a:r>
+              <a:rPr lang="en-US" sz="1400" dirty="0" smtClean="0">
+                <a:solidFill>
+                  <a:srgbClr val="173C90"/>
+                </a:solidFill>
+                <a:latin typeface="Arial" panose="020B0604020202020204" pitchFamily="34" charset="0"/>
+                <a:cs typeface="Arial" panose="020B0604020202020204" pitchFamily="34" charset="0"/>
+              </a:rPr>
+              <a:t>24</a:t>
+            </a:r>
+            <a:endParaRPr lang="ru-RU" sz="1400" dirty="0">
+              <a:solidFill>
+                <a:srgbClr val="173C90"/>
+              </a:solidFill>
+              <a:latin typeface="Arial" panose="020B0604020202020204" pitchFamily="34" charset="0"/>
+              <a:cs typeface="Arial" panose="020B0604020202020204" pitchFamily="34" charset="0"/>
+            </a:endParaRPr>
+          </a:p>
+        </p:txBody>
+      </p:sp>
     </p:spTree>
   </p:cSld>
   <p:clrMapOvr>
     <a:masterClrMapping/>
   </p:clrMapOvr>
+  <p:timing>
+    <p:tnLst>
+      <p:par>
+        <p:cTn id="1" dur="indefinite" restart="never" nodeType="tmRoot"/>
+      </p:par>
+    </p:tnLst>
+  </p:timing>
 </p:sld>
 </file>
 
@@ -17885,56 +17138,6 @@
               </a:rPr>
               <a:t>06.2024</a:t>
             </a:r>
-            <a:endParaRPr lang="ru-RU" sz="1400" dirty="0">
-              <a:solidFill>
-                <a:srgbClr val="FA4012"/>
-              </a:solidFill>
-              <a:latin typeface="Arial" panose="020B0604020202020204" pitchFamily="34" charset="0"/>
-              <a:cs typeface="Arial" panose="020B0604020202020204" pitchFamily="34" charset="0"/>
-            </a:endParaRPr>
-          </a:p>
-        </p:txBody>
-      </p:sp>
-      <p:sp>
-        <p:nvSpPr>
-          <p:cNvPr id="12" name="TextBox 11"/>
-          <p:cNvSpPr txBox="1"/>
-          <p:nvPr/>
-        </p:nvSpPr>
-        <p:spPr>
-          <a:xfrm>
-            <a:off x="11579307" y="6314419"/>
-            <a:ext cx="395816" cy="307777"/>
-          </a:xfrm>
-          <a:prstGeom prst="rect">
-            <a:avLst/>
-          </a:prstGeom>
-          <a:noFill/>
-        </p:spPr>
-        <p:txBody>
-          <a:bodyPr wrap="square" rtlCol="0">
-            <a:spAutoFit/>
-          </a:bodyPr>
-          <a:lstStyle/>
-          <a:p>
-            <a:pPr algn="ctr"/>
-            <a:r>
-              <a:rPr lang="ru-RU" sz="1400" dirty="0">
-                <a:solidFill>
-                  <a:srgbClr val="173C90"/>
-                </a:solidFill>
-                <a:latin typeface="Arial" panose="020B0604020202020204" pitchFamily="34" charset="0"/>
-                <a:cs typeface="Arial" panose="020B0604020202020204" pitchFamily="34" charset="0"/>
-              </a:rPr>
-              <a:t>24</a:t>
-            </a:r>
-            <a:endParaRPr lang="ru-RU" sz="1400" dirty="0">
-              <a:solidFill>
-                <a:srgbClr val="173C90"/>
-              </a:solidFill>
-              <a:latin typeface="Arial" panose="020B0604020202020204" pitchFamily="34" charset="0"/>
-              <a:cs typeface="Arial" panose="020B0604020202020204" pitchFamily="34" charset="0"/>
-            </a:endParaRPr>
           </a:p>
         </p:txBody>
       </p:sp>
@@ -18006,14 +17209,6 @@
               </a:rPr>
               <a:t>Система анализа и моделирования сценариев работы мобильной сети</a:t>
             </a:r>
-            <a:endParaRPr lang="ru-RU" sz="1200" b="1" dirty="0">
-              <a:solidFill>
-                <a:schemeClr val="tx1"/>
-              </a:solidFill>
-              <a:latin typeface="Arial" panose="020B0604020202020204" pitchFamily="34" charset="0"/>
-              <a:cs typeface="Arial" panose="020B0604020202020204" pitchFamily="34" charset="0"/>
-              <a:sym typeface="+mn-ea"/>
-            </a:endParaRPr>
           </a:p>
         </p:txBody>
       </p:sp>
@@ -18049,13 +17244,6 @@
               </a:rPr>
               <a:t>Подсистема управления расчётом эксперимента</a:t>
             </a:r>
-            <a:endParaRPr lang="ru-RU" sz="1200" dirty="0">
-              <a:solidFill>
-                <a:srgbClr val="173C90"/>
-              </a:solidFill>
-              <a:latin typeface="Arial" panose="020B0604020202020204" pitchFamily="34" charset="0"/>
-              <a:cs typeface="Arial" panose="020B0604020202020204" pitchFamily="34" charset="0"/>
-            </a:endParaRPr>
           </a:p>
         </p:txBody>
       </p:sp>
@@ -18274,10 +17462,6 @@
               </a:rPr>
               <a:t>файл</a:t>
             </a:r>
-            <a:endParaRPr lang="ru-RU" b="1" dirty="0">
-              <a:latin typeface="Arial" panose="020B0604020202020204" pitchFamily="34" charset="0"/>
-              <a:cs typeface="Arial" panose="020B0604020202020204" pitchFamily="34" charset="0"/>
-            </a:endParaRPr>
           </a:p>
         </p:txBody>
       </p:sp>
@@ -18318,10 +17502,6 @@
               </a:rPr>
               <a:t>Для импорта и экспорта разработаны 2 статических класса:</a:t>
             </a:r>
-            <a:endParaRPr lang="ru-RU" dirty="0">
-              <a:latin typeface="Arial" panose="020B0604020202020204" pitchFamily="34" charset="0"/>
-              <a:cs typeface="Arial" panose="020B0604020202020204" pitchFamily="34" charset="0"/>
-            </a:endParaRPr>
           </a:p>
           <a:p>
             <a:pPr marL="342900" indent="-342900" fontAlgn="auto">
@@ -18375,10 +17555,6 @@
               </a:rPr>
               <a:t>-представление. Содержит 2 публичных метода: </a:t>
             </a:r>
-            <a:endParaRPr lang="ru-RU" dirty="0">
-              <a:latin typeface="Arial" panose="020B0604020202020204" pitchFamily="34" charset="0"/>
-              <a:cs typeface="Arial" panose="020B0604020202020204" pitchFamily="34" charset="0"/>
-            </a:endParaRPr>
           </a:p>
           <a:p>
             <a:pPr marL="800100" lvl="1" indent="-342900">
@@ -18429,10 +17605,6 @@
               </a:rPr>
               <a:t> в переданный файл;</a:t>
             </a:r>
-            <a:endParaRPr lang="ru-RU" dirty="0">
-              <a:latin typeface="Arial" panose="020B0604020202020204" pitchFamily="34" charset="0"/>
-              <a:cs typeface="Arial" panose="020B0604020202020204" pitchFamily="34" charset="0"/>
-            </a:endParaRPr>
           </a:p>
           <a:p>
             <a:pPr marL="800100" lvl="1" indent="-342900">
@@ -18483,10 +17655,6 @@
               </a:rPr>
               <a:t> в строку;</a:t>
             </a:r>
-            <a:endParaRPr lang="ru-RU" dirty="0">
-              <a:latin typeface="Arial" panose="020B0604020202020204" pitchFamily="34" charset="0"/>
-              <a:cs typeface="Arial" panose="020B0604020202020204" pitchFamily="34" charset="0"/>
-            </a:endParaRPr>
           </a:p>
           <a:p>
             <a:pPr marL="342900" indent="-342900">
@@ -18544,10 +17712,6 @@
               </a:rPr>
               <a:t>представления. Содержит 2 публичных метода::</a:t>
             </a:r>
-            <a:endParaRPr lang="ru-RU" dirty="0">
-              <a:latin typeface="Arial" panose="020B0604020202020204" pitchFamily="34" charset="0"/>
-              <a:cs typeface="Arial" panose="020B0604020202020204" pitchFamily="34" charset="0"/>
-            </a:endParaRPr>
           </a:p>
           <a:p>
             <a:pPr marL="800100" lvl="1" indent="-342900">
@@ -18605,10 +17769,6 @@
               </a:rPr>
               <a:t>файла;</a:t>
             </a:r>
-            <a:endParaRPr lang="ru-RU" dirty="0">
-              <a:latin typeface="Arial" panose="020B0604020202020204" pitchFamily="34" charset="0"/>
-              <a:cs typeface="Arial" panose="020B0604020202020204" pitchFamily="34" charset="0"/>
-            </a:endParaRPr>
           </a:p>
           <a:p>
             <a:pPr marL="800100" lvl="1" indent="-342900">
@@ -18666,10 +17826,6 @@
               </a:rPr>
               <a:t>строки.</a:t>
             </a:r>
-            <a:endParaRPr lang="ru-RU" dirty="0">
-              <a:latin typeface="Arial" panose="020B0604020202020204" pitchFamily="34" charset="0"/>
-              <a:cs typeface="Arial" panose="020B0604020202020204" pitchFamily="34" charset="0"/>
-            </a:endParaRPr>
           </a:p>
         </p:txBody>
       </p:sp>
@@ -18682,7 +17838,7 @@
           <p:nvPr/>
         </p:nvPicPr>
         <p:blipFill>
-          <a:blip r:embed="rId1"/>
+          <a:blip r:embed="rId2"/>
           <a:stretch>
             <a:fillRect/>
           </a:stretch>
@@ -18697,11 +17853,61 @@
           </a:prstGeom>
         </p:spPr>
       </p:pic>
+      <p:sp>
+        <p:nvSpPr>
+          <p:cNvPr id="14" name="TextBox 13"/>
+          <p:cNvSpPr txBox="1"/>
+          <p:nvPr/>
+        </p:nvSpPr>
+        <p:spPr>
+          <a:xfrm>
+            <a:off x="11496040" y="6314440"/>
+            <a:ext cx="479425" cy="306705"/>
+          </a:xfrm>
+          <a:prstGeom prst="rect">
+            <a:avLst/>
+          </a:prstGeom>
+          <a:noFill/>
+        </p:spPr>
+        <p:txBody>
+          <a:bodyPr wrap="square" rtlCol="0">
+            <a:spAutoFit/>
+          </a:bodyPr>
+          <a:lstStyle/>
+          <a:p>
+            <a:pPr algn="ctr"/>
+            <a:r>
+              <a:rPr lang="en-US" sz="1400" dirty="0" smtClean="0">
+                <a:solidFill>
+                  <a:srgbClr val="173C90"/>
+                </a:solidFill>
+                <a:latin typeface="Arial" panose="020B0604020202020204" pitchFamily="34" charset="0"/>
+                <a:cs typeface="Arial" panose="020B0604020202020204" pitchFamily="34" charset="0"/>
+              </a:rPr>
+              <a:t>25</a:t>
+            </a:r>
+            <a:endParaRPr lang="ru-RU" sz="1400" dirty="0">
+              <a:solidFill>
+                <a:srgbClr val="173C90"/>
+              </a:solidFill>
+              <a:latin typeface="Arial" panose="020B0604020202020204" pitchFamily="34" charset="0"/>
+              <a:cs typeface="Arial" panose="020B0604020202020204" pitchFamily="34" charset="0"/>
+            </a:endParaRPr>
+          </a:p>
+        </p:txBody>
+      </p:sp>
     </p:spTree>
   </p:cSld>
   <p:clrMapOvr>
     <a:masterClrMapping/>
   </p:clrMapOvr>
+  <p:timing>
+    <p:tnLst>
+      <p:par>
+        <p:cTn id="1" dur="indefinite" restart="never" nodeType="tmRoot"/>
+      </p:par>
+    </p:tnLst>
+  </p:timing>
 </p:sld>
 </file>
 
@@ -18754,56 +17960,6 @@
               </a:rPr>
               <a:t>06.2024</a:t>
             </a:r>
-            <a:endParaRPr lang="ru-RU" sz="1400" dirty="0">
-              <a:solidFill>
-                <a:srgbClr val="FA4012"/>
-              </a:solidFill>
-              <a:latin typeface="Arial" panose="020B0604020202020204" pitchFamily="34" charset="0"/>
-              <a:cs typeface="Arial" panose="020B0604020202020204" pitchFamily="34" charset="0"/>
-            </a:endParaRPr>
-          </a:p>
-        </p:txBody>
-      </p:sp>
-      <p:sp>
-        <p:nvSpPr>
-          <p:cNvPr id="12" name="TextBox 11"/>
-          <p:cNvSpPr txBox="1"/>
-          <p:nvPr/>
-        </p:nvSpPr>
-        <p:spPr>
-          <a:xfrm>
-            <a:off x="11579307" y="6314419"/>
-            <a:ext cx="395816" cy="307777"/>
-          </a:xfrm>
-          <a:prstGeom prst="rect">
-            <a:avLst/>
-          </a:prstGeom>
-          <a:noFill/>
-        </p:spPr>
-        <p:txBody>
-          <a:bodyPr wrap="square" rtlCol="0">
-            <a:spAutoFit/>
-          </a:bodyPr>
-          <a:lstStyle/>
-          <a:p>
-            <a:pPr algn="ctr"/>
-            <a:r>
-              <a:rPr lang="ru-RU" sz="1400" dirty="0">
-                <a:solidFill>
-                  <a:srgbClr val="173C90"/>
-                </a:solidFill>
-                <a:latin typeface="Arial" panose="020B0604020202020204" pitchFamily="34" charset="0"/>
-                <a:cs typeface="Arial" panose="020B0604020202020204" pitchFamily="34" charset="0"/>
-              </a:rPr>
-              <a:t>25</a:t>
-            </a:r>
-            <a:endParaRPr lang="ru-RU" sz="1400" dirty="0">
-              <a:solidFill>
-                <a:srgbClr val="173C90"/>
-              </a:solidFill>
-              <a:latin typeface="Arial" panose="020B0604020202020204" pitchFamily="34" charset="0"/>
-              <a:cs typeface="Arial" panose="020B0604020202020204" pitchFamily="34" charset="0"/>
-            </a:endParaRPr>
           </a:p>
         </p:txBody>
       </p:sp>
@@ -18875,14 +18031,6 @@
               </a:rPr>
               <a:t>Система анализа и моделирования сценариев работы мобильной сети</a:t>
             </a:r>
-            <a:endParaRPr lang="ru-RU" sz="1200" b="1" dirty="0">
-              <a:solidFill>
-                <a:schemeClr val="tx1"/>
-              </a:solidFill>
-              <a:latin typeface="Arial" panose="020B0604020202020204" pitchFamily="34" charset="0"/>
-              <a:cs typeface="Arial" panose="020B0604020202020204" pitchFamily="34" charset="0"/>
-              <a:sym typeface="+mn-ea"/>
-            </a:endParaRPr>
           </a:p>
         </p:txBody>
       </p:sp>
@@ -18918,13 +18066,6 @@
               </a:rPr>
               <a:t>Подсистема управления расчётом эксперимента</a:t>
             </a:r>
-            <a:endParaRPr lang="ru-RU" sz="1200" dirty="0">
-              <a:solidFill>
-                <a:srgbClr val="173C90"/>
-              </a:solidFill>
-              <a:latin typeface="Arial" panose="020B0604020202020204" pitchFamily="34" charset="0"/>
-              <a:cs typeface="Arial" panose="020B0604020202020204" pitchFamily="34" charset="0"/>
-            </a:endParaRPr>
           </a:p>
         </p:txBody>
       </p:sp>
@@ -19115,10 +18256,6 @@
               </a:rPr>
               <a:t>Результат</a:t>
             </a:r>
-            <a:endParaRPr lang="ru-RU" b="1" dirty="0">
-              <a:latin typeface="Arial" panose="020B0604020202020204" pitchFamily="34" charset="0"/>
-              <a:cs typeface="Arial" panose="020B0604020202020204" pitchFamily="34" charset="0"/>
-            </a:endParaRPr>
           </a:p>
         </p:txBody>
       </p:sp>
@@ -19189,10 +18326,6 @@
               </a:rPr>
               <a:t>. </a:t>
             </a:r>
-            <a:endParaRPr lang="ru-RU" dirty="0">
-              <a:latin typeface="Arial" panose="020B0604020202020204" pitchFamily="34" charset="0"/>
-              <a:cs typeface="Arial" panose="020B0604020202020204" pitchFamily="34" charset="0"/>
-            </a:endParaRPr>
           </a:p>
           <a:p>
             <a:pPr indent="0" fontAlgn="auto">
@@ -19282,10 +18415,6 @@
               </a:rPr>
               <a:t> Алексеем подсистемы хранения данных.</a:t>
             </a:r>
-            <a:endParaRPr lang="ru-RU" dirty="0">
-              <a:latin typeface="Arial" panose="020B0604020202020204" pitchFamily="34" charset="0"/>
-              <a:cs typeface="Arial" panose="020B0604020202020204" pitchFamily="34" charset="0"/>
-            </a:endParaRPr>
           </a:p>
           <a:p>
             <a:pPr indent="0" fontAlgn="auto">
@@ -19323,7 +18452,7 @@
               <a:rPr lang="en-US" dirty="0">
                 <a:latin typeface="Arial" panose="020B0604020202020204" pitchFamily="34" charset="0"/>
                 <a:cs typeface="Arial" panose="020B0604020202020204" pitchFamily="34" charset="0"/>
-                <a:hlinkClick r:id="rId1"/>
+                <a:hlinkClick r:id="rId2"/>
               </a:rPr>
               <a:t>https://github.com/Lawyar/ecsms/tree/master/libraries/pipeline</a:t>
             </a:r>
@@ -19363,7 +18492,7 @@
               <a:rPr lang="en-US" dirty="0">
                 <a:latin typeface="Arial" panose="020B0604020202020204" pitchFamily="34" charset="0"/>
                 <a:cs typeface="Arial" panose="020B0604020202020204" pitchFamily="34" charset="0"/>
-                <a:hlinkClick r:id="rId1"/>
+                <a:hlinkClick r:id="rId2"/>
               </a:rPr>
               <a:t>https://github.com/Lawyar/ecsms/tree/master/libraries/pipeline_presentation</a:t>
             </a:r>
@@ -19383,7 +18512,7 @@
           <p:nvPr/>
         </p:nvPicPr>
         <p:blipFill>
-          <a:blip r:embed="rId2"/>
+          <a:blip r:embed="rId3"/>
           <a:stretch>
             <a:fillRect/>
           </a:stretch>
@@ -19398,11 +18527,61 @@
           </a:prstGeom>
         </p:spPr>
       </p:pic>
+      <p:sp>
+        <p:nvSpPr>
+          <p:cNvPr id="14" name="TextBox 13"/>
+          <p:cNvSpPr txBox="1"/>
+          <p:nvPr/>
+        </p:nvSpPr>
+        <p:spPr>
+          <a:xfrm>
+            <a:off x="11496040" y="6314440"/>
+            <a:ext cx="479425" cy="306705"/>
+          </a:xfrm>
+          <a:prstGeom prst="rect">
+            <a:avLst/>
+          </a:prstGeom>
+          <a:noFill/>
+        </p:spPr>
+        <p:txBody>
+          <a:bodyPr wrap="square" rtlCol="0">
+            <a:spAutoFit/>
+          </a:bodyPr>
+          <a:lstStyle/>
+          <a:p>
+            <a:pPr algn="ctr"/>
+            <a:r>
+              <a:rPr lang="en-US" sz="1400" dirty="0" smtClean="0">
+                <a:solidFill>
+                  <a:srgbClr val="173C90"/>
+                </a:solidFill>
+                <a:latin typeface="Arial" panose="020B0604020202020204" pitchFamily="34" charset="0"/>
+                <a:cs typeface="Arial" panose="020B0604020202020204" pitchFamily="34" charset="0"/>
+              </a:rPr>
+              <a:t>26</a:t>
+            </a:r>
+            <a:endParaRPr lang="ru-RU" sz="1400" dirty="0">
+              <a:solidFill>
+                <a:srgbClr val="173C90"/>
+              </a:solidFill>
+              <a:latin typeface="Arial" panose="020B0604020202020204" pitchFamily="34" charset="0"/>
+              <a:cs typeface="Arial" panose="020B0604020202020204" pitchFamily="34" charset="0"/>
+            </a:endParaRPr>
+          </a:p>
+        </p:txBody>
+      </p:sp>
     </p:spTree>
   </p:cSld>
   <p:clrMapOvr>
     <a:masterClrMapping/>
   </p:clrMapOvr>
+  <p:timing>
+    <p:tnLst>
+      <p:par>
+        <p:cTn id="1" dur="indefinite" restart="never" nodeType="tmRoot"/>
+      </p:par>
+    </p:tnLst>
+  </p:timing>
 </p:sld>
 </file>
 
@@ -19497,7 +18676,7 @@
           <p:nvPr/>
         </p:nvPicPr>
         <p:blipFill rotWithShape="1">
-          <a:blip r:embed="rId1"/>
+          <a:blip r:embed="rId2"/>
           <a:srcRect l="15597" t="9327" r="40179"/>
           <a:stretch>
             <a:fillRect/>
@@ -19525,7 +18704,7 @@
           <p:nvPr/>
         </p:nvPicPr>
         <p:blipFill rotWithShape="1">
-          <a:blip r:embed="rId2"/>
+          <a:blip r:embed="rId3"/>
           <a:srcRect l="825" r="1545" b="59892"/>
           <a:stretch>
             <a:fillRect/>
@@ -19585,7 +18764,7 @@
           <p:nvPr/>
         </p:nvPicPr>
         <p:blipFill>
-          <a:blip r:embed="rId3"/>
+          <a:blip r:embed="rId4"/>
           <a:stretch>
             <a:fillRect/>
           </a:stretch>
@@ -19620,6 +18799,7 @@
           <a:bodyPr wrap="square" rtlCol="0" anchor="t">
             <a:noAutofit/>
           </a:bodyPr>
+          <a:lstStyle/>
           <a:p>
             <a:pPr algn="ctr"/>
             <a:r>
@@ -19633,14 +18813,6 @@
               </a:rPr>
               <a:t>Подсистема хранения данных</a:t>
             </a:r>
-            <a:endParaRPr lang="ru-RU" sz="4400" dirty="0">
-              <a:solidFill>
-                <a:schemeClr val="bg1"/>
-              </a:solidFill>
-              <a:latin typeface="Arial" panose="020B0604020202020204" pitchFamily="34" charset="0"/>
-              <a:cs typeface="Arial" panose="020B0604020202020204" pitchFamily="34" charset="0"/>
-              <a:sym typeface="+mn-ea"/>
-            </a:endParaRPr>
           </a:p>
         </p:txBody>
       </p:sp>
@@ -19664,6 +18836,7 @@
           <a:bodyPr wrap="square" rtlCol="0" anchor="t">
             <a:spAutoFit/>
           </a:bodyPr>
+          <a:lstStyle/>
           <a:p>
             <a:r>
               <a:rPr lang="ru-RU" sz="2400" dirty="0">
@@ -19698,6 +18871,13 @@
   <p:clrMapOvr>
     <a:masterClrMapping/>
   </p:clrMapOvr>
+  <p:timing>
+    <p:tnLst>
+      <p:par>
+        <p:cTn id="1" dur="indefinite" restart="never" nodeType="tmRoot"/>
+      </p:par>
+    </p:tnLst>
+  </p:timing>
 </p:sld>
 </file>
 
@@ -19750,13 +18930,6 @@
               </a:rPr>
               <a:t>06.2024</a:t>
             </a:r>
-            <a:endParaRPr lang="ru-RU" sz="1400" dirty="0">
-              <a:solidFill>
-                <a:srgbClr val="FA4012"/>
-              </a:solidFill>
-              <a:latin typeface="Arial" panose="020B0604020202020204" pitchFamily="34" charset="0"/>
-              <a:cs typeface="Arial" panose="020B0604020202020204" pitchFamily="34" charset="0"/>
-            </a:endParaRPr>
           </a:p>
         </p:txBody>
       </p:sp>
@@ -19828,14 +19001,6 @@
               </a:rPr>
               <a:t>Система анализа и моделирования сценариев работы мобильной сети</a:t>
             </a:r>
-            <a:endParaRPr lang="ru-RU" sz="1200" b="1" dirty="0">
-              <a:solidFill>
-                <a:schemeClr val="tx1"/>
-              </a:solidFill>
-              <a:latin typeface="Arial" panose="020B0604020202020204" pitchFamily="34" charset="0"/>
-              <a:cs typeface="Arial" panose="020B0604020202020204" pitchFamily="34" charset="0"/>
-              <a:sym typeface="+mn-ea"/>
-            </a:endParaRPr>
           </a:p>
         </p:txBody>
       </p:sp>
@@ -19871,13 +19036,6 @@
               </a:rPr>
               <a:t>Подсистема хранения данных</a:t>
             </a:r>
-            <a:endParaRPr lang="ru-RU" sz="1200" dirty="0">
-              <a:solidFill>
-                <a:srgbClr val="173C90"/>
-              </a:solidFill>
-              <a:latin typeface="Arial" panose="020B0604020202020204" pitchFamily="34" charset="0"/>
-              <a:cs typeface="Arial" panose="020B0604020202020204" pitchFamily="34" charset="0"/>
-            </a:endParaRPr>
           </a:p>
         </p:txBody>
       </p:sp>
@@ -20029,13 +19187,6 @@
               </a:rPr>
               <a:t>Подсистема хранения данных</a:t>
             </a:r>
-            <a:endParaRPr lang="ru-RU" sz="3600" b="1" dirty="0">
-              <a:solidFill>
-                <a:srgbClr val="FA4012"/>
-              </a:solidFill>
-              <a:latin typeface="Arial" panose="020B0604020202020204" pitchFamily="34" charset="0"/>
-              <a:cs typeface="Arial" panose="020B0604020202020204" pitchFamily="34" charset="0"/>
-            </a:endParaRPr>
           </a:p>
         </p:txBody>
       </p:sp>
@@ -20068,10 +19219,6 @@
               </a:rPr>
               <a:t>Функциональные требования</a:t>
             </a:r>
-            <a:endParaRPr lang="ru-RU" b="1" dirty="0">
-              <a:latin typeface="Arial" panose="020B0604020202020204" pitchFamily="34" charset="0"/>
-              <a:cs typeface="Arial" panose="020B0604020202020204" pitchFamily="34" charset="0"/>
-            </a:endParaRPr>
           </a:p>
         </p:txBody>
       </p:sp>
@@ -20172,10 +19319,6 @@
               </a:rPr>
               <a:t> ответы или развернутую информацию об ошибке</a:t>
             </a:r>
-            <a:endParaRPr lang="ru-RU" dirty="0">
-              <a:latin typeface="Arial" panose="020B0604020202020204" pitchFamily="34" charset="0"/>
-              <a:cs typeface="Arial" panose="020B0604020202020204" pitchFamily="34" charset="0"/>
-            </a:endParaRPr>
           </a:p>
           <a:p>
             <a:pPr marL="342900" indent="-342900" fontAlgn="auto">
@@ -20195,10 +19338,6 @@
               </a:rPr>
               <a:t>СХД должна позволять сохранять и получать в потоковом режиме большие объемы данных</a:t>
             </a:r>
-            <a:endParaRPr lang="ru-RU" dirty="0">
-              <a:latin typeface="Arial" panose="020B0604020202020204" pitchFamily="34" charset="0"/>
-              <a:cs typeface="Arial" panose="020B0604020202020204" pitchFamily="34" charset="0"/>
-            </a:endParaRPr>
           </a:p>
           <a:p>
             <a:pPr marL="342900" indent="-342900" fontAlgn="auto">
@@ -20234,7 +19373,7 @@
           <p:nvPr/>
         </p:nvPicPr>
         <p:blipFill>
-          <a:blip r:embed="rId1"/>
+          <a:blip r:embed="rId2"/>
           <a:stretch>
             <a:fillRect/>
           </a:stretch>
@@ -20273,14 +19412,24 @@
           <a:p>
             <a:pPr algn="ctr"/>
             <a:r>
-              <a:rPr lang="ru-RU" sz="1400" dirty="0">
+              <a:rPr lang="ru-RU" sz="1400" dirty="0" smtClean="0">
                 <a:solidFill>
                   <a:srgbClr val="173C90"/>
                 </a:solidFill>
                 <a:latin typeface="Arial" panose="020B0604020202020204" pitchFamily="34" charset="0"/>
                 <a:cs typeface="Arial" panose="020B0604020202020204" pitchFamily="34" charset="0"/>
               </a:rPr>
-              <a:t>26</a:t>
+              <a:t>2</a:t>
+            </a:r>
+            <a:r>
+              <a:rPr lang="en-US" sz="1400" dirty="0" smtClean="0">
+                <a:solidFill>
+                  <a:srgbClr val="173C90"/>
+                </a:solidFill>
+                <a:latin typeface="Arial" panose="020B0604020202020204" pitchFamily="34" charset="0"/>
+                <a:cs typeface="Arial" panose="020B0604020202020204" pitchFamily="34" charset="0"/>
+              </a:rPr>
+              <a:t>8</a:t>
             </a:r>
             <a:endParaRPr lang="ru-RU" sz="1400" dirty="0">
               <a:solidFill>
@@ -20297,6 +19446,13 @@
   <p:clrMapOvr>
     <a:masterClrMapping/>
   </p:clrMapOvr>
+  <p:timing>
+    <p:tnLst>
+      <p:par>
+        <p:cTn id="1" dur="indefinite" restart="never" nodeType="tmRoot"/>
+      </p:par>
+    </p:tnLst>
+  </p:timing>
 </p:sld>
 </file>
 
@@ -20349,13 +19505,6 @@
               </a:rPr>
               <a:t>06.2024</a:t>
             </a:r>
-            <a:endParaRPr lang="ru-RU" sz="1400" dirty="0">
-              <a:solidFill>
-                <a:srgbClr val="FA4012"/>
-              </a:solidFill>
-              <a:latin typeface="Arial" panose="020B0604020202020204" pitchFamily="34" charset="0"/>
-              <a:cs typeface="Arial" panose="020B0604020202020204" pitchFamily="34" charset="0"/>
-            </a:endParaRPr>
           </a:p>
         </p:txBody>
       </p:sp>
@@ -20427,14 +19576,6 @@
               </a:rPr>
               <a:t>Система анализа и моделирования сценариев работы мобильной сети</a:t>
             </a:r>
-            <a:endParaRPr lang="ru-RU" sz="1200" b="1" dirty="0">
-              <a:solidFill>
-                <a:schemeClr val="tx1"/>
-              </a:solidFill>
-              <a:latin typeface="Arial" panose="020B0604020202020204" pitchFamily="34" charset="0"/>
-              <a:cs typeface="Arial" panose="020B0604020202020204" pitchFamily="34" charset="0"/>
-              <a:sym typeface="+mn-ea"/>
-            </a:endParaRPr>
           </a:p>
         </p:txBody>
       </p:sp>
@@ -20470,13 +19611,6 @@
               </a:rPr>
               <a:t>Подсистема хранения данных</a:t>
             </a:r>
-            <a:endParaRPr lang="ru-RU" sz="1200" dirty="0">
-              <a:solidFill>
-                <a:srgbClr val="173C90"/>
-              </a:solidFill>
-              <a:latin typeface="Arial" panose="020B0604020202020204" pitchFamily="34" charset="0"/>
-              <a:cs typeface="Arial" panose="020B0604020202020204" pitchFamily="34" charset="0"/>
-            </a:endParaRPr>
           </a:p>
         </p:txBody>
       </p:sp>
@@ -20628,13 +19762,6 @@
               </a:rPr>
               <a:t>Подсистема хранения данных</a:t>
             </a:r>
-            <a:endParaRPr lang="ru-RU" sz="3600" b="1" dirty="0">
-              <a:solidFill>
-                <a:srgbClr val="FA4012"/>
-              </a:solidFill>
-              <a:latin typeface="Arial" panose="020B0604020202020204" pitchFamily="34" charset="0"/>
-              <a:cs typeface="Arial" panose="020B0604020202020204" pitchFamily="34" charset="0"/>
-            </a:endParaRPr>
           </a:p>
         </p:txBody>
       </p:sp>
@@ -20667,10 +19794,6 @@
               </a:rPr>
               <a:t>Нефункциональные требования</a:t>
             </a:r>
-            <a:endParaRPr lang="ru-RU" b="1" dirty="0">
-              <a:latin typeface="Arial" panose="020B0604020202020204" pitchFamily="34" charset="0"/>
-              <a:cs typeface="Arial" panose="020B0604020202020204" pitchFamily="34" charset="0"/>
-            </a:endParaRPr>
           </a:p>
         </p:txBody>
       </p:sp>
@@ -20736,10 +19859,6 @@
               </a:rPr>
               <a:t>Интерфейс взаимодействия с СХД не должен зависеть от выбранной СУБД</a:t>
             </a:r>
-            <a:endParaRPr lang="ru-RU" dirty="0">
-              <a:latin typeface="Arial" panose="020B0604020202020204" pitchFamily="34" charset="0"/>
-              <a:cs typeface="Arial" panose="020B0604020202020204" pitchFamily="34" charset="0"/>
-            </a:endParaRPr>
           </a:p>
           <a:p>
             <a:pPr marL="342900" indent="-342900" fontAlgn="auto">
@@ -20828,7 +19947,7 @@
           <p:nvPr/>
         </p:nvPicPr>
         <p:blipFill>
-          <a:blip r:embed="rId1"/>
+          <a:blip r:embed="rId2"/>
           <a:stretch>
             <a:fillRect/>
           </a:stretch>
@@ -20867,14 +19986,24 @@
           <a:p>
             <a:pPr algn="ctr"/>
             <a:r>
-              <a:rPr lang="ru-RU" sz="1400" dirty="0">
+              <a:rPr lang="ru-RU" sz="1400" dirty="0" smtClean="0">
                 <a:solidFill>
                   <a:srgbClr val="173C90"/>
                 </a:solidFill>
                 <a:latin typeface="Arial" panose="020B0604020202020204" pitchFamily="34" charset="0"/>
                 <a:cs typeface="Arial" panose="020B0604020202020204" pitchFamily="34" charset="0"/>
               </a:rPr>
-              <a:t>27</a:t>
+              <a:t>2</a:t>
+            </a:r>
+            <a:r>
+              <a:rPr lang="en-US" sz="1400" dirty="0" smtClean="0">
+                <a:solidFill>
+                  <a:srgbClr val="173C90"/>
+                </a:solidFill>
+                <a:latin typeface="Arial" panose="020B0604020202020204" pitchFamily="34" charset="0"/>
+                <a:cs typeface="Arial" panose="020B0604020202020204" pitchFamily="34" charset="0"/>
+              </a:rPr>
+              <a:t>9</a:t>
             </a:r>
             <a:endParaRPr lang="ru-RU" sz="1400" dirty="0">
               <a:solidFill>
@@ -20891,6 +20020,13 @@
   <p:clrMapOvr>
     <a:masterClrMapping/>
   </p:clrMapOvr>
+  <p:timing>
+    <p:tnLst>
+      <p:par>
+        <p:cTn id="1" dur="indefinite" restart="never" nodeType="tmRoot"/>
+      </p:par>
+    </p:tnLst>
+  </p:timing>
 </p:sld>
 </file>
 
@@ -20943,13 +20079,6 @@
               </a:rPr>
               <a:t>06.2024</a:t>
             </a:r>
-            <a:endParaRPr lang="ru-RU" sz="1400" dirty="0">
-              <a:solidFill>
-                <a:srgbClr val="FA4012"/>
-              </a:solidFill>
-              <a:latin typeface="Arial" panose="020B0604020202020204" pitchFamily="34" charset="0"/>
-              <a:cs typeface="Arial" panose="020B0604020202020204" pitchFamily="34" charset="0"/>
-            </a:endParaRPr>
           </a:p>
         </p:txBody>
       </p:sp>
@@ -20986,13 +20115,6 @@
               </a:rPr>
               <a:t>3</a:t>
             </a:r>
-            <a:endParaRPr lang="ru-RU" sz="1400" dirty="0">
-              <a:solidFill>
-                <a:srgbClr val="173C90"/>
-              </a:solidFill>
-              <a:latin typeface="Arial" panose="020B0604020202020204" pitchFamily="34" charset="0"/>
-              <a:cs typeface="Arial" panose="020B0604020202020204" pitchFamily="34" charset="0"/>
-            </a:endParaRPr>
           </a:p>
         </p:txBody>
       </p:sp>
@@ -21064,14 +20186,6 @@
               </a:rPr>
               <a:t>Система анализа и моделирования сценариев работы мобильной сети</a:t>
             </a:r>
-            <a:endParaRPr lang="ru-RU" sz="1200" b="1" dirty="0">
-              <a:solidFill>
-                <a:schemeClr val="tx1"/>
-              </a:solidFill>
-              <a:latin typeface="Arial" panose="020B0604020202020204" pitchFamily="34" charset="0"/>
-              <a:cs typeface="Arial" panose="020B0604020202020204" pitchFamily="34" charset="0"/>
-              <a:sym typeface="+mn-ea"/>
-            </a:endParaRPr>
           </a:p>
         </p:txBody>
       </p:sp>
@@ -21107,13 +20221,6 @@
               </a:rPr>
               <a:t>Наш проект</a:t>
             </a:r>
-            <a:endParaRPr lang="ru-RU" sz="1200" dirty="0">
-              <a:solidFill>
-                <a:srgbClr val="173C90"/>
-              </a:solidFill>
-              <a:latin typeface="Arial" panose="020B0604020202020204" pitchFamily="34" charset="0"/>
-              <a:cs typeface="Arial" panose="020B0604020202020204" pitchFamily="34" charset="0"/>
-            </a:endParaRPr>
           </a:p>
         </p:txBody>
       </p:sp>
@@ -21265,13 +20372,6 @@
               </a:rPr>
               <a:t>НАШ ПРОЕКТ</a:t>
             </a:r>
-            <a:endParaRPr lang="ru-RU" sz="3600" b="1" dirty="0">
-              <a:solidFill>
-                <a:srgbClr val="FA4012"/>
-              </a:solidFill>
-              <a:latin typeface="Arial" panose="020B0604020202020204" pitchFamily="34" charset="0"/>
-              <a:cs typeface="Arial" panose="020B0604020202020204" pitchFamily="34" charset="0"/>
-            </a:endParaRPr>
           </a:p>
         </p:txBody>
       </p:sp>
@@ -21355,10 +20455,6 @@
               </a:rPr>
               <a:t>заниматься гибко настраиваемой обработкой входных потоков данных;</a:t>
             </a:r>
-            <a:endParaRPr lang="ru-RU" dirty="0">
-              <a:latin typeface="Arial" panose="020B0604020202020204" pitchFamily="34" charset="0"/>
-              <a:cs typeface="Arial" panose="020B0604020202020204" pitchFamily="34" charset="0"/>
-            </a:endParaRPr>
           </a:p>
           <a:p>
             <a:pPr marL="285750" indent="-285750">
@@ -21388,10 +20484,6 @@
               </a:rPr>
               <a:t>трансформировать данные из входных потоков в процессе проведения эксперимента и формировать выходные потоки;</a:t>
             </a:r>
-            <a:endParaRPr lang="ru-RU" dirty="0">
-              <a:latin typeface="Arial" panose="020B0604020202020204" pitchFamily="34" charset="0"/>
-              <a:cs typeface="Arial" panose="020B0604020202020204" pitchFamily="34" charset="0"/>
-            </a:endParaRPr>
           </a:p>
           <a:p>
             <a:pPr marL="285750" indent="-285750">
@@ -21421,10 +20513,6 @@
               </a:rPr>
               <a:t>формировать систему из контрольных точек для получения возможности сохранения, остановки и возобновления процессов обработки потоков данных;</a:t>
             </a:r>
-            <a:endParaRPr lang="ru-RU" dirty="0">
-              <a:latin typeface="Arial" panose="020B0604020202020204" pitchFamily="34" charset="0"/>
-              <a:cs typeface="Arial" panose="020B0604020202020204" pitchFamily="34" charset="0"/>
-            </a:endParaRPr>
           </a:p>
           <a:p>
             <a:pPr marL="285750" indent="-285750">
@@ -21454,10 +20542,6 @@
               </a:rPr>
               <a:t>сохранять данные в базу данных и эффективно использовать операции обращения (поиск, удаление и добавление);</a:t>
             </a:r>
-            <a:endParaRPr lang="ru-RU" dirty="0">
-              <a:latin typeface="Arial" panose="020B0604020202020204" pitchFamily="34" charset="0"/>
-              <a:cs typeface="Arial" panose="020B0604020202020204" pitchFamily="34" charset="0"/>
-            </a:endParaRPr>
           </a:p>
           <a:p>
             <a:pPr marL="285750" indent="-285750">
@@ -21487,10 +20571,6 @@
               </a:rPr>
               <a:t>анализировать полученные данные.</a:t>
             </a:r>
-            <a:endParaRPr lang="ru-RU" dirty="0">
-              <a:latin typeface="Arial" panose="020B0604020202020204" pitchFamily="34" charset="0"/>
-              <a:cs typeface="Arial" panose="020B0604020202020204" pitchFamily="34" charset="0"/>
-            </a:endParaRPr>
           </a:p>
         </p:txBody>
       </p:sp>
@@ -21503,7 +20583,7 @@
           <p:nvPr/>
         </p:nvPicPr>
         <p:blipFill>
-          <a:blip r:embed="rId1"/>
+          <a:blip r:embed="rId2"/>
           <a:stretch>
             <a:fillRect/>
           </a:stretch>
@@ -21523,6 +20603,13 @@
   <p:clrMapOvr>
     <a:masterClrMapping/>
   </p:clrMapOvr>
+  <p:timing>
+    <p:tnLst>
+      <p:par>
+        <p:cTn id="1" dur="indefinite" restart="never" nodeType="tmRoot"/>
+      </p:par>
+    </p:tnLst>
+  </p:timing>
 </p:sld>
 </file>
 
@@ -21575,13 +20662,6 @@
               </a:rPr>
               <a:t>06.2024</a:t>
             </a:r>
-            <a:endParaRPr lang="ru-RU" sz="1400" dirty="0">
-              <a:solidFill>
-                <a:srgbClr val="FA4012"/>
-              </a:solidFill>
-              <a:latin typeface="Arial" panose="020B0604020202020204" pitchFamily="34" charset="0"/>
-              <a:cs typeface="Arial" panose="020B0604020202020204" pitchFamily="34" charset="0"/>
-            </a:endParaRPr>
           </a:p>
         </p:txBody>
       </p:sp>
@@ -21653,14 +20733,6 @@
               </a:rPr>
               <a:t>Система анализа и моделирования сценариев работы мобильной сети</a:t>
             </a:r>
-            <a:endParaRPr lang="ru-RU" sz="1200" b="1" dirty="0">
-              <a:solidFill>
-                <a:schemeClr val="tx1"/>
-              </a:solidFill>
-              <a:latin typeface="Arial" panose="020B0604020202020204" pitchFamily="34" charset="0"/>
-              <a:cs typeface="Arial" panose="020B0604020202020204" pitchFamily="34" charset="0"/>
-              <a:sym typeface="+mn-ea"/>
-            </a:endParaRPr>
           </a:p>
         </p:txBody>
       </p:sp>
@@ -21812,13 +20884,6 @@
               </a:rPr>
               <a:t>Подсистема хранения данных</a:t>
             </a:r>
-            <a:endParaRPr lang="ru-RU" sz="3600" b="1" dirty="0">
-              <a:solidFill>
-                <a:srgbClr val="FA4012"/>
-              </a:solidFill>
-              <a:latin typeface="Arial" panose="020B0604020202020204" pitchFamily="34" charset="0"/>
-              <a:cs typeface="Arial" panose="020B0604020202020204" pitchFamily="34" charset="0"/>
-            </a:endParaRPr>
           </a:p>
         </p:txBody>
       </p:sp>
@@ -21851,10 +20916,6 @@
               </a:rPr>
               <a:t>Реализация</a:t>
             </a:r>
-            <a:endParaRPr lang="ru-RU" b="1" dirty="0">
-              <a:latin typeface="Arial" panose="020B0604020202020204" pitchFamily="34" charset="0"/>
-              <a:cs typeface="Arial" panose="020B0604020202020204" pitchFamily="34" charset="0"/>
-            </a:endParaRPr>
           </a:p>
         </p:txBody>
       </p:sp>
@@ -21939,10 +21000,6 @@
               </a:rPr>
               <a:t> запросы, а также работать с большими бинарными объектами в базе данных</a:t>
             </a:r>
-            <a:endParaRPr lang="ru-RU" dirty="0">
-              <a:latin typeface="Arial" panose="020B0604020202020204" pitchFamily="34" charset="0"/>
-              <a:cs typeface="Arial" panose="020B0604020202020204" pitchFamily="34" charset="0"/>
-            </a:endParaRPr>
           </a:p>
           <a:p>
             <a:pPr marL="342900" indent="-342900" fontAlgn="auto">
@@ -21992,7 +21049,7 @@
           <p:nvPr/>
         </p:nvPicPr>
         <p:blipFill>
-          <a:blip r:embed="rId1"/>
+          <a:blip r:embed="rId2"/>
           <a:stretch>
             <a:fillRect/>
           </a:stretch>
@@ -22039,13 +21096,6 @@
               </a:rPr>
               <a:t>Подсистема хранения данных</a:t>
             </a:r>
-            <a:endParaRPr lang="ru-RU" sz="1200" dirty="0">
-              <a:solidFill>
-                <a:srgbClr val="173C90"/>
-              </a:solidFill>
-              <a:latin typeface="Arial" panose="020B0604020202020204" pitchFamily="34" charset="0"/>
-              <a:cs typeface="Arial" panose="020B0604020202020204" pitchFamily="34" charset="0"/>
-            </a:endParaRPr>
           </a:p>
         </p:txBody>
       </p:sp>
@@ -22073,14 +21123,14 @@
           <a:p>
             <a:pPr algn="ctr"/>
             <a:r>
-              <a:rPr lang="ru-RU" sz="1400" dirty="0">
+              <a:rPr lang="en-US" sz="1400" dirty="0" smtClean="0">
                 <a:solidFill>
                   <a:srgbClr val="173C90"/>
                 </a:solidFill>
                 <a:latin typeface="Arial" panose="020B0604020202020204" pitchFamily="34" charset="0"/>
                 <a:cs typeface="Arial" panose="020B0604020202020204" pitchFamily="34" charset="0"/>
               </a:rPr>
-              <a:t>28</a:t>
+              <a:t>30</a:t>
             </a:r>
             <a:endParaRPr lang="ru-RU" sz="1400" dirty="0">
               <a:solidFill>
@@ -22097,6 +21147,13 @@
   <p:clrMapOvr>
     <a:masterClrMapping/>
   </p:clrMapOvr>
+  <p:timing>
+    <p:tnLst>
+      <p:par>
+        <p:cTn id="1" dur="indefinite" restart="never" nodeType="tmRoot"/>
+      </p:par>
+    </p:tnLst>
+  </p:timing>
 </p:sld>
 </file>
 
@@ -22237,18 +21294,14 @@
               </a:rPr>
               <a:t>.</a:t>
             </a:r>
+          </a:p>
+          <a:p>
             <a:endParaRPr lang="en-US" sz="1600" dirty="0">
               <a:latin typeface="Arial" panose="020B0604020202020204" pitchFamily="34" charset="0"/>
               <a:cs typeface="Arial" panose="020B0604020202020204" pitchFamily="34" charset="0"/>
             </a:endParaRPr>
           </a:p>
           <a:p>
-            <a:endParaRPr lang="en-US" sz="1600" dirty="0">
-              <a:latin typeface="Arial" panose="020B0604020202020204" pitchFamily="34" charset="0"/>
-              <a:cs typeface="Arial" panose="020B0604020202020204" pitchFamily="34" charset="0"/>
-            </a:endParaRPr>
-          </a:p>
-          <a:p>
             <a:r>
               <a:rPr lang="en-US" sz="1600" b="1" dirty="0" err="1">
                 <a:latin typeface="Arial" panose="020B0604020202020204" pitchFamily="34" charset="0"/>
@@ -22270,12 +21323,37 @@
               </a:rPr>
               <a:t>интерфейс результата запроса.</a:t>
             </a:r>
+          </a:p>
+          <a:p>
             <a:endParaRPr lang="ru-RU" sz="1600" dirty="0">
               <a:latin typeface="Arial" panose="020B0604020202020204" pitchFamily="34" charset="0"/>
               <a:cs typeface="Arial" panose="020B0604020202020204" pitchFamily="34" charset="0"/>
             </a:endParaRPr>
           </a:p>
           <a:p>
+            <a:r>
+              <a:rPr lang="en-US" sz="1600" b="1" dirty="0" err="1">
+                <a:latin typeface="Arial" panose="020B0604020202020204" pitchFamily="34" charset="0"/>
+                <a:cs typeface="Arial" panose="020B0604020202020204" pitchFamily="34" charset="0"/>
+              </a:rPr>
+              <a:t>IExecuteResultStatus</a:t>
+            </a:r>
+            <a:r>
+              <a:rPr lang="en-US" sz="1600" dirty="0">
+                <a:latin typeface="Arial" panose="020B0604020202020204" pitchFamily="34" charset="0"/>
+                <a:cs typeface="Arial" panose="020B0604020202020204" pitchFamily="34" charset="0"/>
+              </a:rPr>
+              <a:t> – </a:t>
+            </a:r>
+            <a:r>
+              <a:rPr lang="ru-RU" sz="1600" dirty="0">
+                <a:latin typeface="Arial" panose="020B0604020202020204" pitchFamily="34" charset="0"/>
+                <a:cs typeface="Arial" panose="020B0604020202020204" pitchFamily="34" charset="0"/>
+              </a:rPr>
+              <a:t>интерфейс статуса результата.</a:t>
+            </a:r>
+          </a:p>
+          <a:p>
             <a:endParaRPr lang="ru-RU" sz="1600" dirty="0">
               <a:latin typeface="Arial" panose="020B0604020202020204" pitchFamily="34" charset="0"/>
               <a:cs typeface="Arial" panose="020B0604020202020204" pitchFamily="34" charset="0"/>
@@ -22287,78 +21365,37 @@
                 <a:latin typeface="Arial" panose="020B0604020202020204" pitchFamily="34" charset="0"/>
                 <a:cs typeface="Arial" panose="020B0604020202020204" pitchFamily="34" charset="0"/>
               </a:rPr>
-              <a:t>IExecuteResultStatus</a:t>
-            </a:r>
-            <a:r>
-              <a:rPr lang="en-US" sz="1600" dirty="0">
-                <a:latin typeface="Arial" panose="020B0604020202020204" pitchFamily="34" charset="0"/>
-                <a:cs typeface="Arial" panose="020B0604020202020204" pitchFamily="34" charset="0"/>
-              </a:rPr>
-              <a:t> – </a:t>
+              <a:t>ResultStatus</a:t>
             </a:r>
             <a:r>
               <a:rPr lang="ru-RU" sz="1600" dirty="0">
                 <a:latin typeface="Arial" panose="020B0604020202020204" pitchFamily="34" charset="0"/>
                 <a:cs typeface="Arial" panose="020B0604020202020204" pitchFamily="34" charset="0"/>
               </a:rPr>
-              <a:t>интерфейс статуса результата.</a:t>
-            </a:r>
+              <a:t> – код статуса.</a:t>
+            </a:r>
+          </a:p>
+          <a:p>
             <a:endParaRPr lang="ru-RU" sz="1600" dirty="0">
               <a:latin typeface="Arial" panose="020B0604020202020204" pitchFamily="34" charset="0"/>
               <a:cs typeface="Arial" panose="020B0604020202020204" pitchFamily="34" charset="0"/>
             </a:endParaRPr>
           </a:p>
           <a:p>
-            <a:endParaRPr lang="ru-RU" sz="1600" dirty="0">
-              <a:latin typeface="Arial" panose="020B0604020202020204" pitchFamily="34" charset="0"/>
-              <a:cs typeface="Arial" panose="020B0604020202020204" pitchFamily="34" charset="0"/>
-            </a:endParaRPr>
-          </a:p>
-          <a:p>
             <a:r>
               <a:rPr lang="en-US" sz="1600" b="1" dirty="0" err="1">
                 <a:latin typeface="Arial" panose="020B0604020202020204" pitchFamily="34" charset="0"/>
                 <a:cs typeface="Arial" panose="020B0604020202020204" pitchFamily="34" charset="0"/>
               </a:rPr>
-              <a:t>ResultStatus</a:t>
+              <a:t>IFile</a:t>
             </a:r>
             <a:r>
               <a:rPr lang="ru-RU" sz="1600" dirty="0">
                 <a:latin typeface="Arial" panose="020B0604020202020204" pitchFamily="34" charset="0"/>
                 <a:cs typeface="Arial" panose="020B0604020202020204" pitchFamily="34" charset="0"/>
               </a:rPr>
-              <a:t> – код статуса.</a:t>
-            </a:r>
-            <a:endParaRPr lang="ru-RU" sz="1600" dirty="0">
-              <a:latin typeface="Arial" panose="020B0604020202020204" pitchFamily="34" charset="0"/>
-              <a:cs typeface="Arial" panose="020B0604020202020204" pitchFamily="34" charset="0"/>
-            </a:endParaRPr>
-          </a:p>
-          <a:p>
-            <a:endParaRPr lang="ru-RU" sz="1600" dirty="0">
-              <a:latin typeface="Arial" panose="020B0604020202020204" pitchFamily="34" charset="0"/>
-              <a:cs typeface="Arial" panose="020B0604020202020204" pitchFamily="34" charset="0"/>
-            </a:endParaRPr>
-          </a:p>
-          <a:p>
-            <a:r>
-              <a:rPr lang="en-US" sz="1600" b="1" dirty="0" err="1">
-                <a:latin typeface="Arial" panose="020B0604020202020204" pitchFamily="34" charset="0"/>
-                <a:cs typeface="Arial" panose="020B0604020202020204" pitchFamily="34" charset="0"/>
-              </a:rPr>
-              <a:t>IFile</a:t>
-            </a:r>
-            <a:r>
-              <a:rPr lang="ru-RU" sz="1600" dirty="0">
-                <a:latin typeface="Arial" panose="020B0604020202020204" pitchFamily="34" charset="0"/>
-                <a:cs typeface="Arial" panose="020B0604020202020204" pitchFamily="34" charset="0"/>
-              </a:rPr>
               <a:t> – интерфейс для взаимодействия с большим бинарным объектом.</a:t>
             </a:r>
-            <a:endParaRPr lang="ru-RU" sz="1600" dirty="0">
-              <a:latin typeface="Arial" panose="020B0604020202020204" pitchFamily="34" charset="0"/>
-              <a:cs typeface="Arial" panose="020B0604020202020204" pitchFamily="34" charset="0"/>
-            </a:endParaRPr>
           </a:p>
         </p:txBody>
       </p:sp>
@@ -22522,7 +21559,7 @@
           <p:nvPr/>
         </p:nvPicPr>
         <p:blipFill>
-          <a:blip r:embed="rId1"/>
+          <a:blip r:embed="rId2"/>
           <a:stretch>
             <a:fillRect/>
           </a:stretch>
@@ -22570,14 +21607,6 @@
               </a:rPr>
               <a:t>Система анализа и моделирования сценариев работы мобильной сети</a:t>
             </a:r>
-            <a:endParaRPr lang="ru-RU" sz="1200" b="1" dirty="0">
-              <a:solidFill>
-                <a:schemeClr val="tx1"/>
-              </a:solidFill>
-              <a:latin typeface="Arial" panose="020B0604020202020204" pitchFamily="34" charset="0"/>
-              <a:cs typeface="Arial" panose="020B0604020202020204" pitchFamily="34" charset="0"/>
-              <a:sym typeface="+mn-ea"/>
-            </a:endParaRPr>
           </a:p>
         </p:txBody>
       </p:sp>
@@ -22613,13 +21642,6 @@
               </a:rPr>
               <a:t>Интерфейс</a:t>
             </a:r>
-            <a:endParaRPr lang="ru-RU" sz="1200" dirty="0">
-              <a:solidFill>
-                <a:srgbClr val="173C90"/>
-              </a:solidFill>
-              <a:latin typeface="Arial" panose="020B0604020202020204" pitchFamily="34" charset="0"/>
-              <a:cs typeface="Arial" panose="020B0604020202020204" pitchFamily="34" charset="0"/>
-            </a:endParaRPr>
           </a:p>
           <a:p>
             <a:r>
@@ -22632,13 +21654,6 @@
               </a:rPr>
               <a:t>взаимодействия с СУБД</a:t>
             </a:r>
-            <a:endParaRPr lang="ru-RU" sz="1200" dirty="0">
-              <a:solidFill>
-                <a:srgbClr val="173C90"/>
-              </a:solidFill>
-              <a:latin typeface="Arial" panose="020B0604020202020204" pitchFamily="34" charset="0"/>
-              <a:cs typeface="Arial" panose="020B0604020202020204" pitchFamily="34" charset="0"/>
-            </a:endParaRPr>
           </a:p>
         </p:txBody>
       </p:sp>
@@ -22674,13 +21689,6 @@
               </a:rPr>
               <a:t>Интерфейс взаимодействия с СУБД</a:t>
             </a:r>
-            <a:endParaRPr lang="ru-RU" sz="3600" b="1" dirty="0">
-              <a:solidFill>
-                <a:srgbClr val="FA4012"/>
-              </a:solidFill>
-              <a:latin typeface="Arial" panose="020B0604020202020204" pitchFamily="34" charset="0"/>
-              <a:cs typeface="Arial" panose="020B0604020202020204" pitchFamily="34" charset="0"/>
-            </a:endParaRPr>
           </a:p>
         </p:txBody>
       </p:sp>
@@ -22691,7 +21699,7 @@
           <p:nvPr/>
         </p:nvPicPr>
         <p:blipFill>
-          <a:blip r:embed="rId2">
+          <a:blip r:embed="rId3">
             <a:extLst>
               <a:ext uri="{28A0092B-C50C-407E-A947-70E740481C1C}">
                 <a14:useLocalDpi xmlns:a14="http://schemas.microsoft.com/office/drawing/2010/main" val="0"/>
@@ -22736,14 +21744,14 @@
           <a:p>
             <a:pPr algn="ctr"/>
             <a:r>
-              <a:rPr lang="ru-RU" sz="1400" dirty="0">
+              <a:rPr lang="en-US" sz="1400" dirty="0" smtClean="0">
                 <a:solidFill>
                   <a:srgbClr val="173C90"/>
                 </a:solidFill>
                 <a:latin typeface="Arial" panose="020B0604020202020204" pitchFamily="34" charset="0"/>
                 <a:cs typeface="Arial" panose="020B0604020202020204" pitchFamily="34" charset="0"/>
               </a:rPr>
-              <a:t>29</a:t>
+              <a:t>31</a:t>
             </a:r>
             <a:endParaRPr lang="ru-RU" sz="1400" dirty="0">
               <a:solidFill>
@@ -22787,13 +21795,6 @@
               </a:rPr>
               <a:t>06.2024</a:t>
             </a:r>
-            <a:endParaRPr lang="ru-RU" sz="1400" dirty="0">
-              <a:solidFill>
-                <a:srgbClr val="FA4012"/>
-              </a:solidFill>
-              <a:latin typeface="Arial" panose="020B0604020202020204" pitchFamily="34" charset="0"/>
-              <a:cs typeface="Arial" panose="020B0604020202020204" pitchFamily="34" charset="0"/>
-            </a:endParaRPr>
           </a:p>
         </p:txBody>
       </p:sp>
@@ -22802,6 +21803,13 @@
   <p:clrMapOvr>
     <a:masterClrMapping/>
   </p:clrMapOvr>
+  <p:timing>
+    <p:tnLst>
+      <p:par>
+        <p:cTn id="1" dur="indefinite" restart="never" nodeType="tmRoot"/>
+      </p:par>
+    </p:tnLst>
+  </p:timing>
 </p:sld>
 </file>
 
@@ -22984,10 +21992,6 @@
               </a:rPr>
               <a:t> – значение).</a:t>
             </a:r>
-            <a:endParaRPr lang="ru-RU" sz="1600" dirty="0">
-              <a:latin typeface="Arial" panose="020B0604020202020204" pitchFamily="34" charset="0"/>
-              <a:cs typeface="Arial" panose="020B0604020202020204" pitchFamily="34" charset="0"/>
-            </a:endParaRPr>
           </a:p>
           <a:p>
             <a:pPr fontAlgn="auto">
@@ -23005,10 +22009,6 @@
               </a:rPr>
               <a:t>Модель EAV – это модель данных, которая позволяет динамически изменять набор атрибутов объектов во время выполнения, при этом не изменяя структуру таблиц, содержащих эти объекты.</a:t>
             </a:r>
-            <a:endParaRPr lang="ru-RU" sz="1600" dirty="0">
-              <a:latin typeface="Arial" panose="020B0604020202020204" pitchFamily="34" charset="0"/>
-              <a:cs typeface="Arial" panose="020B0604020202020204" pitchFamily="34" charset="0"/>
-            </a:endParaRPr>
           </a:p>
           <a:p>
             <a:pPr fontAlgn="auto">
@@ -23040,10 +22040,6 @@
               </a:rPr>
               <a:t> таблица сущностей, таблица атрибутов и таблица значений.</a:t>
             </a:r>
-            <a:endParaRPr lang="ru-RU" sz="1600" dirty="0">
-              <a:latin typeface="Arial" panose="020B0604020202020204" pitchFamily="34" charset="0"/>
-              <a:cs typeface="Arial" panose="020B0604020202020204" pitchFamily="34" charset="0"/>
-            </a:endParaRPr>
           </a:p>
         </p:txBody>
       </p:sp>
@@ -23161,7 +22157,7 @@
           <p:nvPr/>
         </p:nvPicPr>
         <p:blipFill>
-          <a:blip r:embed="rId1"/>
+          <a:blip r:embed="rId2"/>
           <a:stretch>
             <a:fillRect/>
           </a:stretch>
@@ -23208,13 +22204,6 @@
               </a:rPr>
               <a:t>Модель “Сущность – Атрибут – Значение”</a:t>
             </a:r>
-            <a:endParaRPr lang="ru-RU" sz="3200" b="1" dirty="0">
-              <a:solidFill>
-                <a:srgbClr val="FA4012"/>
-              </a:solidFill>
-              <a:latin typeface="Arial" panose="020B0604020202020204" pitchFamily="34" charset="0"/>
-              <a:cs typeface="Arial" panose="020B0604020202020204" pitchFamily="34" charset="0"/>
-            </a:endParaRPr>
           </a:p>
         </p:txBody>
       </p:sp>
@@ -23286,14 +22275,6 @@
               </a:rPr>
               <a:t>Система анализа и моделирования сценариев работы мобильной сети</a:t>
             </a:r>
-            <a:endParaRPr lang="ru-RU" sz="1200" b="1" dirty="0">
-              <a:solidFill>
-                <a:schemeClr val="tx1"/>
-              </a:solidFill>
-              <a:latin typeface="Arial" panose="020B0604020202020204" pitchFamily="34" charset="0"/>
-              <a:cs typeface="Arial" panose="020B0604020202020204" pitchFamily="34" charset="0"/>
-              <a:sym typeface="+mn-ea"/>
-            </a:endParaRPr>
           </a:p>
         </p:txBody>
       </p:sp>
@@ -23328,6 +22309,38 @@
                 <a:cs typeface="Arial" panose="020B0604020202020204" pitchFamily="34" charset="0"/>
               </a:rPr>
               <a:t>Модель</a:t>
+            </a:r>
+          </a:p>
+          <a:p>
+            <a:r>
+              <a:rPr lang="en-US" sz="1200" dirty="0">
+                <a:solidFill>
+                  <a:srgbClr val="173C90"/>
+                </a:solidFill>
+                <a:latin typeface="Arial" panose="020B0604020202020204" pitchFamily="34" charset="0"/>
+                <a:cs typeface="Arial" panose="020B0604020202020204" pitchFamily="34" charset="0"/>
+              </a:rPr>
+              <a:t>“</a:t>
+            </a:r>
+            <a:r>
+              <a:rPr lang="ru-RU" sz="1200" dirty="0">
+                <a:solidFill>
+                  <a:srgbClr val="173C90"/>
+                </a:solidFill>
+                <a:latin typeface="Arial" panose="020B0604020202020204" pitchFamily="34" charset="0"/>
+                <a:cs typeface="Arial" panose="020B0604020202020204" pitchFamily="34" charset="0"/>
+              </a:rPr>
+              <a:t>Сущность – Атрибут – Значение</a:t>
+            </a:r>
+            <a:r>
+              <a:rPr lang="en-US" sz="1200" dirty="0">
+                <a:solidFill>
+                  <a:srgbClr val="173C90"/>
+                </a:solidFill>
+                <a:latin typeface="Arial" panose="020B0604020202020204" pitchFamily="34" charset="0"/>
+                <a:cs typeface="Arial" panose="020B0604020202020204" pitchFamily="34" charset="0"/>
+              </a:rPr>
+              <a:t>”</a:t>
             </a:r>
             <a:endParaRPr lang="ru-RU" sz="1200" dirty="0">
               <a:solidFill>
@@ -23337,45 +22350,6 @@
               <a:cs typeface="Arial" panose="020B0604020202020204" pitchFamily="34" charset="0"/>
             </a:endParaRPr>
           </a:p>
-          <a:p>
-            <a:r>
-              <a:rPr lang="en-US" sz="1200" dirty="0">
-                <a:solidFill>
-                  <a:srgbClr val="173C90"/>
-                </a:solidFill>
-                <a:latin typeface="Arial" panose="020B0604020202020204" pitchFamily="34" charset="0"/>
-                <a:cs typeface="Arial" panose="020B0604020202020204" pitchFamily="34" charset="0"/>
-              </a:rPr>
-              <a:t>“</a:t>
-            </a:r>
-            <a:r>
-              <a:rPr lang="ru-RU" sz="1200" dirty="0">
-                <a:solidFill>
-                  <a:srgbClr val="173C90"/>
-                </a:solidFill>
-                <a:latin typeface="Arial" panose="020B0604020202020204" pitchFamily="34" charset="0"/>
-                <a:cs typeface="Arial" panose="020B0604020202020204" pitchFamily="34" charset="0"/>
-              </a:rPr>
-              <a:t>Сущность – Атрибут – Значение</a:t>
-            </a:r>
-            <a:r>
-              <a:rPr lang="en-US" sz="1200" dirty="0">
-                <a:solidFill>
-                  <a:srgbClr val="173C90"/>
-                </a:solidFill>
-                <a:latin typeface="Arial" panose="020B0604020202020204" pitchFamily="34" charset="0"/>
-                <a:cs typeface="Arial" panose="020B0604020202020204" pitchFamily="34" charset="0"/>
-              </a:rPr>
-              <a:t>”</a:t>
-            </a:r>
-            <a:endParaRPr lang="ru-RU" sz="1200" dirty="0">
-              <a:solidFill>
-                <a:srgbClr val="173C90"/>
-              </a:solidFill>
-              <a:latin typeface="Arial" panose="020B0604020202020204" pitchFamily="34" charset="0"/>
-              <a:cs typeface="Arial" panose="020B0604020202020204" pitchFamily="34" charset="0"/>
-            </a:endParaRPr>
-          </a:p>
         </p:txBody>
       </p:sp>
       <p:pic>
@@ -23387,7 +22361,7 @@
           <p:nvPr/>
         </p:nvPicPr>
         <p:blipFill>
-          <a:blip r:embed="rId2">
+          <a:blip r:embed="rId3">
             <a:extLst>
               <a:ext uri="{28A0092B-C50C-407E-A947-70E740481C1C}">
                 <a14:useLocalDpi xmlns:a14="http://schemas.microsoft.com/office/drawing/2010/main" val="0"/>
@@ -23432,14 +22406,24 @@
           <a:p>
             <a:pPr algn="ctr"/>
             <a:r>
-              <a:rPr lang="ru-RU" sz="1400" dirty="0">
+              <a:rPr lang="ru-RU" sz="1400" dirty="0" smtClean="0">
                 <a:solidFill>
                   <a:srgbClr val="173C90"/>
                 </a:solidFill>
                 <a:latin typeface="Arial" panose="020B0604020202020204" pitchFamily="34" charset="0"/>
                 <a:cs typeface="Arial" panose="020B0604020202020204" pitchFamily="34" charset="0"/>
               </a:rPr>
-              <a:t>30</a:t>
+              <a:t>3</a:t>
+            </a:r>
+            <a:r>
+              <a:rPr lang="en-US" sz="1400" dirty="0" smtClean="0">
+                <a:solidFill>
+                  <a:srgbClr val="173C90"/>
+                </a:solidFill>
+                <a:latin typeface="Arial" panose="020B0604020202020204" pitchFamily="34" charset="0"/>
+                <a:cs typeface="Arial" panose="020B0604020202020204" pitchFamily="34" charset="0"/>
+              </a:rPr>
+              <a:t>2</a:t>
             </a:r>
             <a:endParaRPr lang="ru-RU" sz="1400" dirty="0">
               <a:solidFill>
@@ -23483,13 +22467,6 @@
               </a:rPr>
               <a:t>06.2024</a:t>
             </a:r>
-            <a:endParaRPr lang="ru-RU" sz="1400" dirty="0">
-              <a:solidFill>
-                <a:srgbClr val="FA4012"/>
-              </a:solidFill>
-              <a:latin typeface="Arial" panose="020B0604020202020204" pitchFamily="34" charset="0"/>
-              <a:cs typeface="Arial" panose="020B0604020202020204" pitchFamily="34" charset="0"/>
-            </a:endParaRPr>
           </a:p>
         </p:txBody>
       </p:sp>
@@ -23498,6 +22475,13 @@
   <p:clrMapOvr>
     <a:masterClrMapping/>
   </p:clrMapOvr>
+  <p:timing>
+    <p:tnLst>
+      <p:par>
+        <p:cTn id="1" dur="indefinite" restart="never" nodeType="tmRoot"/>
+      </p:par>
+    </p:tnLst>
+  </p:timing>
 </p:sld>
 </file>
 
@@ -23652,10 +22636,6 @@
               </a:rPr>
               <a:t>, а произвольный тип.</a:t>
             </a:r>
-            <a:endParaRPr lang="ru-RU" sz="1600" dirty="0">
-              <a:latin typeface="Arial" panose="020B0604020202020204" pitchFamily="34" charset="0"/>
-              <a:cs typeface="Arial" panose="020B0604020202020204" pitchFamily="34" charset="0"/>
-            </a:endParaRPr>
           </a:p>
           <a:p>
             <a:pPr fontAlgn="auto">
@@ -23687,10 +22667,6 @@
               </a:rPr>
               <a:t> таблицу атрибутов нового типа и таблицу значений нового типа.</a:t>
             </a:r>
-            <a:endParaRPr lang="ru-RU" sz="1600" dirty="0">
-              <a:latin typeface="Arial" panose="020B0604020202020204" pitchFamily="34" charset="0"/>
-              <a:cs typeface="Arial" panose="020B0604020202020204" pitchFamily="34" charset="0"/>
-            </a:endParaRPr>
           </a:p>
         </p:txBody>
       </p:sp>
@@ -23808,7 +22784,7 @@
           <p:nvPr/>
         </p:nvPicPr>
         <p:blipFill>
-          <a:blip r:embed="rId1"/>
+          <a:blip r:embed="rId2"/>
           <a:stretch>
             <a:fillRect/>
           </a:stretch>
@@ -23855,13 +22831,6 @@
               </a:rPr>
               <a:t>Модель “Сущность – Атрибут – Значение”</a:t>
             </a:r>
-            <a:endParaRPr lang="ru-RU" sz="3200" b="1" dirty="0">
-              <a:solidFill>
-                <a:srgbClr val="FA4012"/>
-              </a:solidFill>
-              <a:latin typeface="Arial" panose="020B0604020202020204" pitchFamily="34" charset="0"/>
-              <a:cs typeface="Arial" panose="020B0604020202020204" pitchFamily="34" charset="0"/>
-            </a:endParaRPr>
           </a:p>
         </p:txBody>
       </p:sp>
@@ -23933,14 +22902,6 @@
               </a:rPr>
               <a:t>Система анализа и моделирования сценариев работы мобильной сети</a:t>
             </a:r>
-            <a:endParaRPr lang="ru-RU" sz="1200" b="1" dirty="0">
-              <a:solidFill>
-                <a:schemeClr val="tx1"/>
-              </a:solidFill>
-              <a:latin typeface="Arial" panose="020B0604020202020204" pitchFamily="34" charset="0"/>
-              <a:cs typeface="Arial" panose="020B0604020202020204" pitchFamily="34" charset="0"/>
-              <a:sym typeface="+mn-ea"/>
-            </a:endParaRPr>
           </a:p>
         </p:txBody>
       </p:sp>
@@ -23975,6 +22936,38 @@
                 <a:cs typeface="Arial" panose="020B0604020202020204" pitchFamily="34" charset="0"/>
               </a:rPr>
               <a:t>Модель</a:t>
+            </a:r>
+          </a:p>
+          <a:p>
+            <a:r>
+              <a:rPr lang="en-US" sz="1200" dirty="0">
+                <a:solidFill>
+                  <a:srgbClr val="173C90"/>
+                </a:solidFill>
+                <a:latin typeface="Arial" panose="020B0604020202020204" pitchFamily="34" charset="0"/>
+                <a:cs typeface="Arial" panose="020B0604020202020204" pitchFamily="34" charset="0"/>
+              </a:rPr>
+              <a:t>“</a:t>
+            </a:r>
+            <a:r>
+              <a:rPr lang="ru-RU" sz="1200" dirty="0">
+                <a:solidFill>
+                  <a:srgbClr val="173C90"/>
+                </a:solidFill>
+                <a:latin typeface="Arial" panose="020B0604020202020204" pitchFamily="34" charset="0"/>
+                <a:cs typeface="Arial" panose="020B0604020202020204" pitchFamily="34" charset="0"/>
+              </a:rPr>
+              <a:t>Сущность – Атрибут – Значение</a:t>
+            </a:r>
+            <a:r>
+              <a:rPr lang="en-US" sz="1200" dirty="0">
+                <a:solidFill>
+                  <a:srgbClr val="173C90"/>
+                </a:solidFill>
+                <a:latin typeface="Arial" panose="020B0604020202020204" pitchFamily="34" charset="0"/>
+                <a:cs typeface="Arial" panose="020B0604020202020204" pitchFamily="34" charset="0"/>
+              </a:rPr>
+              <a:t>”</a:t>
             </a:r>
             <a:endParaRPr lang="ru-RU" sz="1200" dirty="0">
               <a:solidFill>
@@ -23984,45 +22977,6 @@
               <a:cs typeface="Arial" panose="020B0604020202020204" pitchFamily="34" charset="0"/>
             </a:endParaRPr>
           </a:p>
-          <a:p>
-            <a:r>
-              <a:rPr lang="en-US" sz="1200" dirty="0">
-                <a:solidFill>
-                  <a:srgbClr val="173C90"/>
-                </a:solidFill>
-                <a:latin typeface="Arial" panose="020B0604020202020204" pitchFamily="34" charset="0"/>
-                <a:cs typeface="Arial" panose="020B0604020202020204" pitchFamily="34" charset="0"/>
-              </a:rPr>
-              <a:t>“</a:t>
-            </a:r>
-            <a:r>
-              <a:rPr lang="ru-RU" sz="1200" dirty="0">
-                <a:solidFill>
-                  <a:srgbClr val="173C90"/>
-                </a:solidFill>
-                <a:latin typeface="Arial" panose="020B0604020202020204" pitchFamily="34" charset="0"/>
-                <a:cs typeface="Arial" panose="020B0604020202020204" pitchFamily="34" charset="0"/>
-              </a:rPr>
-              <a:t>Сущность – Атрибут – Значение</a:t>
-            </a:r>
-            <a:r>
-              <a:rPr lang="en-US" sz="1200" dirty="0">
-                <a:solidFill>
-                  <a:srgbClr val="173C90"/>
-                </a:solidFill>
-                <a:latin typeface="Arial" panose="020B0604020202020204" pitchFamily="34" charset="0"/>
-                <a:cs typeface="Arial" panose="020B0604020202020204" pitchFamily="34" charset="0"/>
-              </a:rPr>
-              <a:t>”</a:t>
-            </a:r>
-            <a:endParaRPr lang="ru-RU" sz="1200" dirty="0">
-              <a:solidFill>
-                <a:srgbClr val="173C90"/>
-              </a:solidFill>
-              <a:latin typeface="Arial" panose="020B0604020202020204" pitchFamily="34" charset="0"/>
-              <a:cs typeface="Arial" panose="020B0604020202020204" pitchFamily="34" charset="0"/>
-            </a:endParaRPr>
-          </a:p>
         </p:txBody>
       </p:sp>
       <p:pic>
@@ -24034,7 +22988,7 @@
           <p:nvPr/>
         </p:nvPicPr>
         <p:blipFill>
-          <a:blip r:embed="rId2">
+          <a:blip r:embed="rId3">
             <a:extLst>
               <a:ext uri="{28A0092B-C50C-407E-A947-70E740481C1C}">
                 <a14:useLocalDpi xmlns:a14="http://schemas.microsoft.com/office/drawing/2010/main" val="0"/>
@@ -24079,14 +23033,24 @@
           <a:p>
             <a:pPr algn="ctr"/>
             <a:r>
-              <a:rPr lang="ru-RU" sz="1400" dirty="0">
+              <a:rPr lang="ru-RU" sz="1400" dirty="0" smtClean="0">
                 <a:solidFill>
                   <a:srgbClr val="173C90"/>
                 </a:solidFill>
                 <a:latin typeface="Arial" panose="020B0604020202020204" pitchFamily="34" charset="0"/>
                 <a:cs typeface="Arial" panose="020B0604020202020204" pitchFamily="34" charset="0"/>
               </a:rPr>
-              <a:t>31</a:t>
+              <a:t>3</a:t>
+            </a:r>
+            <a:r>
+              <a:rPr lang="en-US" sz="1400" dirty="0" smtClean="0">
+                <a:solidFill>
+                  <a:srgbClr val="173C90"/>
+                </a:solidFill>
+                <a:latin typeface="Arial" panose="020B0604020202020204" pitchFamily="34" charset="0"/>
+                <a:cs typeface="Arial" panose="020B0604020202020204" pitchFamily="34" charset="0"/>
+              </a:rPr>
+              <a:t>3</a:t>
             </a:r>
             <a:endParaRPr lang="ru-RU" sz="1400" dirty="0">
               <a:solidFill>
@@ -24130,13 +23094,6 @@
               </a:rPr>
               <a:t>06.2024</a:t>
             </a:r>
-            <a:endParaRPr lang="ru-RU" sz="1400" dirty="0">
-              <a:solidFill>
-                <a:srgbClr val="FA4012"/>
-              </a:solidFill>
-              <a:latin typeface="Arial" panose="020B0604020202020204" pitchFamily="34" charset="0"/>
-              <a:cs typeface="Arial" panose="020B0604020202020204" pitchFamily="34" charset="0"/>
-            </a:endParaRPr>
           </a:p>
         </p:txBody>
       </p:sp>
@@ -24145,6 +23102,13 @@
   <p:clrMapOvr>
     <a:masterClrMapping/>
   </p:clrMapOvr>
+  <p:timing>
+    <p:tnLst>
+      <p:par>
+        <p:cTn id="1" dur="indefinite" restart="never" nodeType="tmRoot"/>
+      </p:par>
+    </p:tnLst>
+  </p:timing>
 </p:sld>
 </file>
 
@@ -24285,18 +23249,14 @@
               </a:rPr>
               <a:t>EAV.</a:t>
             </a:r>
+          </a:p>
+          <a:p>
             <a:endParaRPr lang="en-US" sz="1600" dirty="0">
               <a:latin typeface="Arial" panose="020B0604020202020204" pitchFamily="34" charset="0"/>
               <a:cs typeface="Arial" panose="020B0604020202020204" pitchFamily="34" charset="0"/>
             </a:endParaRPr>
           </a:p>
           <a:p>
-            <a:endParaRPr lang="en-US" sz="1600" dirty="0">
-              <a:latin typeface="Arial" panose="020B0604020202020204" pitchFamily="34" charset="0"/>
-              <a:cs typeface="Arial" panose="020B0604020202020204" pitchFamily="34" charset="0"/>
-            </a:endParaRPr>
-          </a:p>
-          <a:p>
             <a:r>
               <a:rPr lang="en-US" sz="1600" b="1" dirty="0" err="1">
                 <a:latin typeface="Arial" panose="020B0604020202020204" pitchFamily="34" charset="0"/>
@@ -24318,12 +23278,51 @@
               </a:rPr>
               <a:t>интерфейс статуса результата запроса.</a:t>
             </a:r>
+          </a:p>
+          <a:p>
             <a:endParaRPr lang="ru-RU" sz="1600" dirty="0">
               <a:latin typeface="Arial" panose="020B0604020202020204" pitchFamily="34" charset="0"/>
               <a:cs typeface="Arial" panose="020B0604020202020204" pitchFamily="34" charset="0"/>
             </a:endParaRPr>
           </a:p>
           <a:p>
+            <a:r>
+              <a:rPr lang="en-US" sz="1600" b="1" dirty="0" err="1">
+                <a:latin typeface="Arial" panose="020B0604020202020204" pitchFamily="34" charset="0"/>
+                <a:cs typeface="Arial" panose="020B0604020202020204" pitchFamily="34" charset="0"/>
+              </a:rPr>
+              <a:t>ISQLType</a:t>
+            </a:r>
+            <a:r>
+              <a:rPr lang="en-US" sz="1600" dirty="0">
+                <a:latin typeface="Arial" panose="020B0604020202020204" pitchFamily="34" charset="0"/>
+                <a:cs typeface="Arial" panose="020B0604020202020204" pitchFamily="34" charset="0"/>
+              </a:rPr>
+              <a:t> – </a:t>
+            </a:r>
+            <a:r>
+              <a:rPr lang="ru-RU" sz="1600" dirty="0">
+                <a:latin typeface="Arial" panose="020B0604020202020204" pitchFamily="34" charset="0"/>
+                <a:cs typeface="Arial" panose="020B0604020202020204" pitchFamily="34" charset="0"/>
+              </a:rPr>
+              <a:t>интерфейс </a:t>
+            </a:r>
+            <a:r>
+              <a:rPr lang="en-US" sz="1600" dirty="0">
+                <a:latin typeface="Arial" panose="020B0604020202020204" pitchFamily="34" charset="0"/>
+                <a:cs typeface="Arial" panose="020B0604020202020204" pitchFamily="34" charset="0"/>
+              </a:rPr>
+              <a:t>SQL</a:t>
+            </a:r>
+            <a:r>
+              <a:rPr lang="ru-RU" sz="1600" dirty="0">
+                <a:latin typeface="Arial" panose="020B0604020202020204" pitchFamily="34" charset="0"/>
+                <a:cs typeface="Arial" panose="020B0604020202020204" pitchFamily="34" charset="0"/>
+              </a:rPr>
+              <a:t> переменной.</a:t>
+            </a:r>
+          </a:p>
+          <a:p>
             <a:endParaRPr lang="ru-RU" sz="1600" dirty="0">
               <a:latin typeface="Arial" panose="020B0604020202020204" pitchFamily="34" charset="0"/>
               <a:cs typeface="Arial" panose="020B0604020202020204" pitchFamily="34" charset="0"/>
@@ -24335,80 +23334,29 @@
                 <a:latin typeface="Arial" panose="020B0604020202020204" pitchFamily="34" charset="0"/>
                 <a:cs typeface="Arial" panose="020B0604020202020204" pitchFamily="34" charset="0"/>
               </a:rPr>
-              <a:t>ISQLType</a:t>
+              <a:t>SQLDataType</a:t>
+            </a:r>
+            <a:r>
+              <a:rPr lang="ru-RU" sz="1600" dirty="0">
+                <a:latin typeface="Arial" panose="020B0604020202020204" pitchFamily="34" charset="0"/>
+                <a:cs typeface="Arial" panose="020B0604020202020204" pitchFamily="34" charset="0"/>
+              </a:rPr>
+              <a:t> – тип </a:t>
             </a:r>
             <a:r>
               <a:rPr lang="en-US" sz="1600" dirty="0">
                 <a:latin typeface="Arial" panose="020B0604020202020204" pitchFamily="34" charset="0"/>
                 <a:cs typeface="Arial" panose="020B0604020202020204" pitchFamily="34" charset="0"/>
               </a:rPr>
-              <a:t> – </a:t>
+              <a:t>SQL</a:t>
             </a:r>
             <a:r>
               <a:rPr lang="ru-RU" sz="1600" dirty="0">
                 <a:latin typeface="Arial" panose="020B0604020202020204" pitchFamily="34" charset="0"/>
                 <a:cs typeface="Arial" panose="020B0604020202020204" pitchFamily="34" charset="0"/>
               </a:rPr>
-              <a:t>интерфейс </a:t>
-            </a:r>
-            <a:r>
-              <a:rPr lang="en-US" sz="1600" dirty="0">
-                <a:latin typeface="Arial" panose="020B0604020202020204" pitchFamily="34" charset="0"/>
-                <a:cs typeface="Arial" panose="020B0604020202020204" pitchFamily="34" charset="0"/>
-              </a:rPr>
-              <a:t>SQL</a:t>
-            </a:r>
-            <a:r>
-              <a:rPr lang="ru-RU" sz="1600" dirty="0">
-                <a:latin typeface="Arial" panose="020B0604020202020204" pitchFamily="34" charset="0"/>
-                <a:cs typeface="Arial" panose="020B0604020202020204" pitchFamily="34" charset="0"/>
-              </a:rPr>
               <a:t> переменной.</a:t>
             </a:r>
-            <a:endParaRPr lang="ru-RU" sz="1600" dirty="0">
-              <a:latin typeface="Arial" panose="020B0604020202020204" pitchFamily="34" charset="0"/>
-              <a:cs typeface="Arial" panose="020B0604020202020204" pitchFamily="34" charset="0"/>
-            </a:endParaRPr>
-          </a:p>
-          <a:p>
-            <a:endParaRPr lang="ru-RU" sz="1600" dirty="0">
-              <a:latin typeface="Arial" panose="020B0604020202020204" pitchFamily="34" charset="0"/>
-              <a:cs typeface="Arial" panose="020B0604020202020204" pitchFamily="34" charset="0"/>
-            </a:endParaRPr>
-          </a:p>
-          <a:p>
-            <a:r>
-              <a:rPr lang="en-US" sz="1600" b="1" dirty="0" err="1">
-                <a:latin typeface="Arial" panose="020B0604020202020204" pitchFamily="34" charset="0"/>
-                <a:cs typeface="Arial" panose="020B0604020202020204" pitchFamily="34" charset="0"/>
-              </a:rPr>
-              <a:t>SQLDataType</a:t>
-            </a:r>
-            <a:r>
-              <a:rPr lang="ru-RU" sz="1600" dirty="0">
-                <a:latin typeface="Arial" panose="020B0604020202020204" pitchFamily="34" charset="0"/>
-                <a:cs typeface="Arial" panose="020B0604020202020204" pitchFamily="34" charset="0"/>
-              </a:rPr>
-              <a:t> – тип </a:t>
-            </a:r>
-            <a:r>
-              <a:rPr lang="en-US" sz="1600" dirty="0">
-                <a:latin typeface="Arial" panose="020B0604020202020204" pitchFamily="34" charset="0"/>
-                <a:cs typeface="Arial" panose="020B0604020202020204" pitchFamily="34" charset="0"/>
-              </a:rPr>
-              <a:t>SQL</a:t>
-            </a:r>
-            <a:r>
-              <a:rPr lang="ru-RU" sz="1600" dirty="0">
-                <a:latin typeface="Arial" panose="020B0604020202020204" pitchFamily="34" charset="0"/>
-                <a:cs typeface="Arial" panose="020B0604020202020204" pitchFamily="34" charset="0"/>
-              </a:rPr>
-              <a:t> переменной.</a:t>
-            </a:r>
-            <a:endParaRPr lang="ru-RU" sz="1600" dirty="0">
-              <a:latin typeface="Arial" panose="020B0604020202020204" pitchFamily="34" charset="0"/>
-              <a:cs typeface="Arial" panose="020B0604020202020204" pitchFamily="34" charset="0"/>
-            </a:endParaRPr>
           </a:p>
         </p:txBody>
       </p:sp>
@@ -24572,7 +23520,7 @@
           <p:nvPr/>
         </p:nvPicPr>
         <p:blipFill>
-          <a:blip r:embed="rId1"/>
+          <a:blip r:embed="rId2"/>
           <a:stretch>
             <a:fillRect/>
           </a:stretch>
@@ -24620,14 +23568,6 @@
               </a:rPr>
               <a:t>Система анализа и моделирования сценариев работы мобильной сети</a:t>
             </a:r>
-            <a:endParaRPr lang="ru-RU" sz="1200" b="1" dirty="0">
-              <a:solidFill>
-                <a:schemeClr val="tx1"/>
-              </a:solidFill>
-              <a:latin typeface="Arial" panose="020B0604020202020204" pitchFamily="34" charset="0"/>
-              <a:cs typeface="Arial" panose="020B0604020202020204" pitchFamily="34" charset="0"/>
-              <a:sym typeface="+mn-ea"/>
-            </a:endParaRPr>
           </a:p>
         </p:txBody>
       </p:sp>
@@ -24702,13 +23642,6 @@
               </a:rPr>
               <a:t>базой данных</a:t>
             </a:r>
-            <a:endParaRPr lang="ru-RU" sz="1200" dirty="0">
-              <a:solidFill>
-                <a:srgbClr val="173C90"/>
-              </a:solidFill>
-              <a:latin typeface="Arial" panose="020B0604020202020204" pitchFamily="34" charset="0"/>
-              <a:cs typeface="Arial" panose="020B0604020202020204" pitchFamily="34" charset="0"/>
-            </a:endParaRPr>
           </a:p>
         </p:txBody>
       </p:sp>
@@ -24764,13 +23697,6 @@
               </a:rPr>
               <a:t> базой данных</a:t>
             </a:r>
-            <a:endParaRPr lang="ru-RU" sz="3600" b="1" dirty="0">
-              <a:solidFill>
-                <a:srgbClr val="FA4012"/>
-              </a:solidFill>
-              <a:latin typeface="Arial" panose="020B0604020202020204" pitchFamily="34" charset="0"/>
-              <a:cs typeface="Arial" panose="020B0604020202020204" pitchFamily="34" charset="0"/>
-            </a:endParaRPr>
           </a:p>
         </p:txBody>
       </p:sp>
@@ -24783,7 +23709,7 @@
           <p:nvPr/>
         </p:nvPicPr>
         <p:blipFill>
-          <a:blip r:embed="rId2"/>
+          <a:blip r:embed="rId3"/>
           <a:stretch>
             <a:fillRect/>
           </a:stretch>
@@ -24822,14 +23748,24 @@
           <a:p>
             <a:pPr algn="ctr"/>
             <a:r>
-              <a:rPr lang="ru-RU" sz="1400" dirty="0">
+              <a:rPr lang="ru-RU" sz="1400" dirty="0" smtClean="0">
                 <a:solidFill>
                   <a:srgbClr val="173C90"/>
                 </a:solidFill>
                 <a:latin typeface="Arial" panose="020B0604020202020204" pitchFamily="34" charset="0"/>
                 <a:cs typeface="Arial" panose="020B0604020202020204" pitchFamily="34" charset="0"/>
               </a:rPr>
-              <a:t>32</a:t>
+              <a:t>3</a:t>
+            </a:r>
+            <a:r>
+              <a:rPr lang="en-US" sz="1400" dirty="0" smtClean="0">
+                <a:solidFill>
+                  <a:srgbClr val="173C90"/>
+                </a:solidFill>
+                <a:latin typeface="Arial" panose="020B0604020202020204" pitchFamily="34" charset="0"/>
+                <a:cs typeface="Arial" panose="020B0604020202020204" pitchFamily="34" charset="0"/>
+              </a:rPr>
+              <a:t>4</a:t>
             </a:r>
             <a:endParaRPr lang="ru-RU" sz="1400" dirty="0">
               <a:solidFill>
@@ -24873,13 +23809,6 @@
               </a:rPr>
               <a:t>06.2024</a:t>
             </a:r>
-            <a:endParaRPr lang="ru-RU" sz="1400" dirty="0">
-              <a:solidFill>
-                <a:srgbClr val="FA4012"/>
-              </a:solidFill>
-              <a:latin typeface="Arial" panose="020B0604020202020204" pitchFamily="34" charset="0"/>
-              <a:cs typeface="Arial" panose="020B0604020202020204" pitchFamily="34" charset="0"/>
-            </a:endParaRPr>
           </a:p>
         </p:txBody>
       </p:sp>
@@ -24888,6 +23817,13 @@
   <p:clrMapOvr>
     <a:masterClrMapping/>
   </p:clrMapOvr>
+  <p:timing>
+    <p:tnLst>
+      <p:par>
+        <p:cTn id="1" dur="indefinite" restart="never" nodeType="tmRoot"/>
+      </p:par>
+    </p:tnLst>
+  </p:timing>
 </p:sld>
 </file>
 
@@ -25042,18 +23978,14 @@
               </a:rPr>
               <a:t>.</a:t>
             </a:r>
+          </a:p>
+          <a:p>
             <a:endParaRPr lang="en-US" sz="1600" dirty="0">
               <a:latin typeface="Arial" panose="020B0604020202020204" pitchFamily="34" charset="0"/>
               <a:cs typeface="Arial" panose="020B0604020202020204" pitchFamily="34" charset="0"/>
             </a:endParaRPr>
           </a:p>
           <a:p>
-            <a:endParaRPr lang="en-US" sz="1600" dirty="0">
-              <a:latin typeface="Arial" panose="020B0604020202020204" pitchFamily="34" charset="0"/>
-              <a:cs typeface="Arial" panose="020B0604020202020204" pitchFamily="34" charset="0"/>
-            </a:endParaRPr>
-          </a:p>
-          <a:p>
             <a:r>
               <a:rPr lang="en-US" sz="1600" b="1" dirty="0" err="1">
                 <a:latin typeface="Arial" panose="020B0604020202020204" pitchFamily="34" charset="0"/>
@@ -25096,18 +24028,14 @@
               </a:rPr>
               <a:t> переменной.</a:t>
             </a:r>
+          </a:p>
+          <a:p>
             <a:endParaRPr lang="ru-RU" sz="1600" dirty="0">
               <a:latin typeface="Arial" panose="020B0604020202020204" pitchFamily="34" charset="0"/>
               <a:cs typeface="Arial" panose="020B0604020202020204" pitchFamily="34" charset="0"/>
             </a:endParaRPr>
           </a:p>
           <a:p>
-            <a:endParaRPr lang="ru-RU" sz="1600" dirty="0">
-              <a:latin typeface="Arial" panose="020B0604020202020204" pitchFamily="34" charset="0"/>
-              <a:cs typeface="Arial" panose="020B0604020202020204" pitchFamily="34" charset="0"/>
-            </a:endParaRPr>
-          </a:p>
-          <a:p>
             <a:r>
               <a:rPr lang="en-US" sz="1600" b="1" dirty="0" err="1">
                 <a:latin typeface="Arial" panose="020B0604020202020204" pitchFamily="34" charset="0"/>
@@ -25143,10 +24071,6 @@
               </a:rPr>
               <a:t> переменной.</a:t>
             </a:r>
-            <a:endParaRPr lang="ru-RU" sz="1600" dirty="0">
-              <a:latin typeface="Arial" panose="020B0604020202020204" pitchFamily="34" charset="0"/>
-              <a:cs typeface="Arial" panose="020B0604020202020204" pitchFamily="34" charset="0"/>
-            </a:endParaRPr>
           </a:p>
           <a:p>
             <a:endParaRPr lang="en-US" sz="1600" dirty="0">
@@ -25364,7 +24288,7 @@
           <p:nvPr/>
         </p:nvPicPr>
         <p:blipFill>
-          <a:blip r:embed="rId1"/>
+          <a:blip r:embed="rId2"/>
           <a:stretch>
             <a:fillRect/>
           </a:stretch>
@@ -25412,14 +24336,6 @@
               </a:rPr>
               <a:t>Система анализа и моделирования сценариев работы мобильной сети</a:t>
             </a:r>
-            <a:endParaRPr lang="ru-RU" sz="1200" b="1" dirty="0">
-              <a:solidFill>
-                <a:schemeClr val="tx1"/>
-              </a:solidFill>
-              <a:latin typeface="Arial" panose="020B0604020202020204" pitchFamily="34" charset="0"/>
-              <a:cs typeface="Arial" panose="020B0604020202020204" pitchFamily="34" charset="0"/>
-              <a:sym typeface="+mn-ea"/>
-            </a:endParaRPr>
           </a:p>
         </p:txBody>
       </p:sp>
@@ -25455,13 +24371,6 @@
               </a:rPr>
               <a:t>Интерфейс</a:t>
             </a:r>
-            <a:endParaRPr lang="ru-RU" sz="1200" dirty="0">
-              <a:solidFill>
-                <a:srgbClr val="173C90"/>
-              </a:solidFill>
-              <a:latin typeface="Arial" panose="020B0604020202020204" pitchFamily="34" charset="0"/>
-              <a:cs typeface="Arial" panose="020B0604020202020204" pitchFamily="34" charset="0"/>
-            </a:endParaRPr>
           </a:p>
           <a:p>
             <a:r>
@@ -25494,13 +24403,6 @@
               </a:rPr>
               <a:t> типов</a:t>
             </a:r>
-            <a:endParaRPr lang="ru-RU" sz="1200" dirty="0">
-              <a:solidFill>
-                <a:srgbClr val="173C90"/>
-              </a:solidFill>
-              <a:latin typeface="Arial" panose="020B0604020202020204" pitchFamily="34" charset="0"/>
-              <a:cs typeface="Arial" panose="020B0604020202020204" pitchFamily="34" charset="0"/>
-            </a:endParaRPr>
           </a:p>
         </p:txBody>
       </p:sp>
@@ -25556,13 +24458,6 @@
               </a:rPr>
               <a:t> типов</a:t>
             </a:r>
-            <a:endParaRPr lang="ru-RU" sz="3600" b="1" dirty="0">
-              <a:solidFill>
-                <a:srgbClr val="FA4012"/>
-              </a:solidFill>
-              <a:latin typeface="Arial" panose="020B0604020202020204" pitchFamily="34" charset="0"/>
-              <a:cs typeface="Arial" panose="020B0604020202020204" pitchFamily="34" charset="0"/>
-            </a:endParaRPr>
           </a:p>
         </p:txBody>
       </p:sp>
@@ -25573,7 +24468,7 @@
           <p:nvPr/>
         </p:nvPicPr>
         <p:blipFill>
-          <a:blip r:embed="rId2">
+          <a:blip r:embed="rId3">
             <a:extLst>
               <a:ext uri="{28A0092B-C50C-407E-A947-70E740481C1C}">
                 <a14:useLocalDpi xmlns:a14="http://schemas.microsoft.com/office/drawing/2010/main" val="0"/>
@@ -25618,14 +24513,24 @@
           <a:p>
             <a:pPr algn="ctr"/>
             <a:r>
-              <a:rPr lang="ru-RU" sz="1400" dirty="0">
+              <a:rPr lang="ru-RU" sz="1400" dirty="0" smtClean="0">
                 <a:solidFill>
                   <a:srgbClr val="173C90"/>
                 </a:solidFill>
                 <a:latin typeface="Arial" panose="020B0604020202020204" pitchFamily="34" charset="0"/>
                 <a:cs typeface="Arial" panose="020B0604020202020204" pitchFamily="34" charset="0"/>
               </a:rPr>
-              <a:t>33</a:t>
+              <a:t>3</a:t>
+            </a:r>
+            <a:r>
+              <a:rPr lang="en-US" sz="1400" dirty="0" smtClean="0">
+                <a:solidFill>
+                  <a:srgbClr val="173C90"/>
+                </a:solidFill>
+                <a:latin typeface="Arial" panose="020B0604020202020204" pitchFamily="34" charset="0"/>
+                <a:cs typeface="Arial" panose="020B0604020202020204" pitchFamily="34" charset="0"/>
+              </a:rPr>
+              <a:t>5</a:t>
             </a:r>
             <a:endParaRPr lang="ru-RU" sz="1400" dirty="0">
               <a:solidFill>
@@ -25669,13 +24574,6 @@
               </a:rPr>
               <a:t>06.2024</a:t>
             </a:r>
-            <a:endParaRPr lang="ru-RU" sz="1400" dirty="0">
-              <a:solidFill>
-                <a:srgbClr val="FA4012"/>
-              </a:solidFill>
-              <a:latin typeface="Arial" panose="020B0604020202020204" pitchFamily="34" charset="0"/>
-              <a:cs typeface="Arial" panose="020B0604020202020204" pitchFamily="34" charset="0"/>
-            </a:endParaRPr>
           </a:p>
         </p:txBody>
       </p:sp>
@@ -25736,13 +24634,6 @@
               </a:rPr>
               <a:t>06.2024</a:t>
             </a:r>
-            <a:endParaRPr lang="ru-RU" sz="1400" dirty="0">
-              <a:solidFill>
-                <a:srgbClr val="FA4012"/>
-              </a:solidFill>
-              <a:latin typeface="Arial" panose="020B0604020202020204" pitchFamily="34" charset="0"/>
-              <a:cs typeface="Arial" panose="020B0604020202020204" pitchFamily="34" charset="0"/>
-            </a:endParaRPr>
           </a:p>
         </p:txBody>
       </p:sp>
@@ -25814,14 +24705,6 @@
               </a:rPr>
               <a:t>Система анализа и моделирования сценариев работы мобильной сети</a:t>
             </a:r>
-            <a:endParaRPr lang="ru-RU" sz="1200" b="1" dirty="0">
-              <a:solidFill>
-                <a:schemeClr val="tx1"/>
-              </a:solidFill>
-              <a:latin typeface="Arial" panose="020B0604020202020204" pitchFamily="34" charset="0"/>
-              <a:cs typeface="Arial" panose="020B0604020202020204" pitchFamily="34" charset="0"/>
-              <a:sym typeface="+mn-ea"/>
-            </a:endParaRPr>
           </a:p>
         </p:txBody>
       </p:sp>
@@ -25970,10 +24853,6 @@
               </a:rPr>
               <a:t>Примеры конвертации</a:t>
             </a:r>
-            <a:endParaRPr lang="ru-RU" b="1" dirty="0">
-              <a:latin typeface="Arial" panose="020B0604020202020204" pitchFamily="34" charset="0"/>
-              <a:cs typeface="Arial" panose="020B0604020202020204" pitchFamily="34" charset="0"/>
-            </a:endParaRPr>
           </a:p>
         </p:txBody>
       </p:sp>
@@ -26119,10 +24998,6 @@
               </a:rPr>
               <a:t> представление.</a:t>
             </a:r>
-            <a:endParaRPr lang="ru-RU" dirty="0">
-              <a:latin typeface="Arial" panose="020B0604020202020204" pitchFamily="34" charset="0"/>
-              <a:cs typeface="Arial" panose="020B0604020202020204" pitchFamily="34" charset="0"/>
-            </a:endParaRPr>
           </a:p>
         </p:txBody>
       </p:sp>
@@ -26135,7 +25010,7 @@
           <p:nvPr/>
         </p:nvPicPr>
         <p:blipFill>
-          <a:blip r:embed="rId1"/>
+          <a:blip r:embed="rId2"/>
           <a:stretch>
             <a:fillRect/>
           </a:stretch>
@@ -26202,13 +25077,6 @@
               </a:rPr>
               <a:t> типов</a:t>
             </a:r>
-            <a:endParaRPr lang="ru-RU" sz="3600" b="1" dirty="0">
-              <a:solidFill>
-                <a:srgbClr val="FA4012"/>
-              </a:solidFill>
-              <a:latin typeface="Arial" panose="020B0604020202020204" pitchFamily="34" charset="0"/>
-              <a:cs typeface="Arial" panose="020B0604020202020204" pitchFamily="34" charset="0"/>
-            </a:endParaRPr>
           </a:p>
         </p:txBody>
       </p:sp>
@@ -26893,10 +25761,6 @@
               </a:rPr>
               <a:t> запроса</a:t>
             </a:r>
-            <a:endParaRPr lang="ru-RU" dirty="0">
-              <a:latin typeface="Arial" panose="020B0604020202020204" pitchFamily="34" charset="0"/>
-              <a:cs typeface="Arial" panose="020B0604020202020204" pitchFamily="34" charset="0"/>
-            </a:endParaRPr>
           </a:p>
         </p:txBody>
       </p:sp>
@@ -26943,10 +25807,6 @@
               </a:rPr>
               <a:t> ответа</a:t>
             </a:r>
-            <a:endParaRPr lang="ru-RU" dirty="0">
-              <a:latin typeface="Arial" panose="020B0604020202020204" pitchFamily="34" charset="0"/>
-              <a:cs typeface="Arial" panose="020B0604020202020204" pitchFamily="34" charset="0"/>
-            </a:endParaRPr>
           </a:p>
         </p:txBody>
       </p:sp>
@@ -26974,14 +25834,24 @@
           <a:p>
             <a:pPr algn="ctr"/>
             <a:r>
-              <a:rPr lang="ru-RU" sz="1400" dirty="0">
+              <a:rPr lang="ru-RU" sz="1400" dirty="0" smtClean="0">
                 <a:solidFill>
                   <a:srgbClr val="173C90"/>
                 </a:solidFill>
                 <a:latin typeface="Arial" panose="020B0604020202020204" pitchFamily="34" charset="0"/>
                 <a:cs typeface="Arial" panose="020B0604020202020204" pitchFamily="34" charset="0"/>
               </a:rPr>
-              <a:t>34</a:t>
+              <a:t>3</a:t>
+            </a:r>
+            <a:r>
+              <a:rPr lang="en-US" sz="1400" dirty="0" smtClean="0">
+                <a:solidFill>
+                  <a:srgbClr val="173C90"/>
+                </a:solidFill>
+                <a:latin typeface="Arial" panose="020B0604020202020204" pitchFamily="34" charset="0"/>
+                <a:cs typeface="Arial" panose="020B0604020202020204" pitchFamily="34" charset="0"/>
+              </a:rPr>
+              <a:t>6</a:t>
             </a:r>
             <a:endParaRPr lang="ru-RU" sz="1400" dirty="0">
               <a:solidFill>
@@ -27025,13 +25895,6 @@
               </a:rPr>
               <a:t>Интерфейс</a:t>
             </a:r>
-            <a:endParaRPr lang="ru-RU" sz="1200" dirty="0">
-              <a:solidFill>
-                <a:srgbClr val="173C90"/>
-              </a:solidFill>
-              <a:latin typeface="Arial" panose="020B0604020202020204" pitchFamily="34" charset="0"/>
-              <a:cs typeface="Arial" panose="020B0604020202020204" pitchFamily="34" charset="0"/>
-            </a:endParaRPr>
           </a:p>
           <a:p>
             <a:r>
@@ -27064,13 +25927,6 @@
               </a:rPr>
               <a:t> типов</a:t>
             </a:r>
-            <a:endParaRPr lang="ru-RU" sz="1200" dirty="0">
-              <a:solidFill>
-                <a:srgbClr val="173C90"/>
-              </a:solidFill>
-              <a:latin typeface="Arial" panose="020B0604020202020204" pitchFamily="34" charset="0"/>
-              <a:cs typeface="Arial" panose="020B0604020202020204" pitchFamily="34" charset="0"/>
-            </a:endParaRPr>
           </a:p>
         </p:txBody>
       </p:sp>
@@ -27226,10 +26082,6 @@
               </a:rPr>
               <a:t> – интерфейс менеджера базы данных, с помощью которого можно получить остальные интерфейсы.</a:t>
             </a:r>
-            <a:endParaRPr lang="ru-RU" sz="1600" dirty="0">
-              <a:latin typeface="Arial" panose="020B0604020202020204" pitchFamily="34" charset="0"/>
-              <a:cs typeface="Arial" panose="020B0604020202020204" pitchFamily="34" charset="0"/>
-            </a:endParaRPr>
           </a:p>
         </p:txBody>
       </p:sp>
@@ -27347,7 +26199,7 @@
           <p:nvPr/>
         </p:nvPicPr>
         <p:blipFill>
-          <a:blip r:embed="rId1"/>
+          <a:blip r:embed="rId2"/>
           <a:stretch>
             <a:fillRect/>
           </a:stretch>
@@ -27394,13 +26246,6 @@
               </a:rPr>
               <a:t>Менеджер базы данных</a:t>
             </a:r>
-            <a:endParaRPr lang="ru-RU" sz="3200" b="1" dirty="0">
-              <a:solidFill>
-                <a:srgbClr val="FA4012"/>
-              </a:solidFill>
-              <a:latin typeface="Arial" panose="020B0604020202020204" pitchFamily="34" charset="0"/>
-              <a:cs typeface="Arial" panose="020B0604020202020204" pitchFamily="34" charset="0"/>
-            </a:endParaRPr>
           </a:p>
         </p:txBody>
       </p:sp>
@@ -27472,14 +26317,6 @@
               </a:rPr>
               <a:t>Система анализа и моделирования сценариев работы мобильной сети</a:t>
             </a:r>
-            <a:endParaRPr lang="ru-RU" sz="1200" b="1" dirty="0">
-              <a:solidFill>
-                <a:schemeClr val="tx1"/>
-              </a:solidFill>
-              <a:latin typeface="Arial" panose="020B0604020202020204" pitchFamily="34" charset="0"/>
-              <a:cs typeface="Arial" panose="020B0604020202020204" pitchFamily="34" charset="0"/>
-              <a:sym typeface="+mn-ea"/>
-            </a:endParaRPr>
           </a:p>
         </p:txBody>
       </p:sp>
@@ -27515,13 +26352,6 @@
               </a:rPr>
               <a:t>Менеджер</a:t>
             </a:r>
-            <a:endParaRPr lang="ru-RU" sz="1200" dirty="0">
-              <a:solidFill>
-                <a:srgbClr val="173C90"/>
-              </a:solidFill>
-              <a:latin typeface="Arial" panose="020B0604020202020204" pitchFamily="34" charset="0"/>
-              <a:cs typeface="Arial" panose="020B0604020202020204" pitchFamily="34" charset="0"/>
-            </a:endParaRPr>
           </a:p>
           <a:p>
             <a:r>
@@ -27534,13 +26364,6 @@
               </a:rPr>
               <a:t>базы данных</a:t>
             </a:r>
-            <a:endParaRPr lang="ru-RU" sz="1200" dirty="0">
-              <a:solidFill>
-                <a:srgbClr val="173C90"/>
-              </a:solidFill>
-              <a:latin typeface="Arial" panose="020B0604020202020204" pitchFamily="34" charset="0"/>
-              <a:cs typeface="Arial" panose="020B0604020202020204" pitchFamily="34" charset="0"/>
-            </a:endParaRPr>
           </a:p>
         </p:txBody>
       </p:sp>
@@ -27553,7 +26376,7 @@
           <p:nvPr/>
         </p:nvPicPr>
         <p:blipFill>
-          <a:blip r:embed="rId2">
+          <a:blip r:embed="rId3">
             <a:extLst>
               <a:ext uri="{28A0092B-C50C-407E-A947-70E740481C1C}">
                 <a14:useLocalDpi xmlns:a14="http://schemas.microsoft.com/office/drawing/2010/main" val="0"/>
@@ -27598,14 +26421,24 @@
           <a:p>
             <a:pPr algn="ctr"/>
             <a:r>
-              <a:rPr lang="ru-RU" sz="1400" dirty="0">
+              <a:rPr lang="ru-RU" sz="1400" dirty="0" smtClean="0">
                 <a:solidFill>
                   <a:srgbClr val="173C90"/>
                 </a:solidFill>
                 <a:latin typeface="Arial" panose="020B0604020202020204" pitchFamily="34" charset="0"/>
                 <a:cs typeface="Arial" panose="020B0604020202020204" pitchFamily="34" charset="0"/>
               </a:rPr>
-              <a:t>35</a:t>
+              <a:t>3</a:t>
+            </a:r>
+            <a:r>
+              <a:rPr lang="en-US" sz="1400" dirty="0" smtClean="0">
+                <a:solidFill>
+                  <a:srgbClr val="173C90"/>
+                </a:solidFill>
+                <a:latin typeface="Arial" panose="020B0604020202020204" pitchFamily="34" charset="0"/>
+                <a:cs typeface="Arial" panose="020B0604020202020204" pitchFamily="34" charset="0"/>
+              </a:rPr>
+              <a:t>7</a:t>
             </a:r>
             <a:endParaRPr lang="ru-RU" sz="1400" dirty="0">
               <a:solidFill>
@@ -27649,13 +26482,6 @@
               </a:rPr>
               <a:t>06.2024</a:t>
             </a:r>
-            <a:endParaRPr lang="ru-RU" sz="1400" dirty="0">
-              <a:solidFill>
-                <a:srgbClr val="FA4012"/>
-              </a:solidFill>
-              <a:latin typeface="Arial" panose="020B0604020202020204" pitchFamily="34" charset="0"/>
-              <a:cs typeface="Arial" panose="020B0604020202020204" pitchFamily="34" charset="0"/>
-            </a:endParaRPr>
           </a:p>
         </p:txBody>
       </p:sp>
@@ -27790,10 +26616,6 @@
               </a:rPr>
               <a:t> позволяет с помощью написания специальных комментариев в коде генерировать документацию к классам, методам, свободным функциям, перечислениям и т.д.</a:t>
             </a:r>
-            <a:endParaRPr lang="ru-RU" sz="1600" dirty="0">
-              <a:latin typeface="Arial" panose="020B0604020202020204" pitchFamily="34" charset="0"/>
-              <a:cs typeface="Arial" panose="020B0604020202020204" pitchFamily="34" charset="0"/>
-            </a:endParaRPr>
           </a:p>
         </p:txBody>
       </p:sp>
@@ -27957,7 +26779,7 @@
           <p:nvPr/>
         </p:nvPicPr>
         <p:blipFill>
-          <a:blip r:embed="rId1"/>
+          <a:blip r:embed="rId2"/>
           <a:stretch>
             <a:fillRect/>
           </a:stretch>
@@ -28005,14 +26827,6 @@
               </a:rPr>
               <a:t>Система анализа и моделирования сценариев работы мобильной сети</a:t>
             </a:r>
-            <a:endParaRPr lang="ru-RU" sz="1200" b="1" dirty="0">
-              <a:solidFill>
-                <a:schemeClr val="tx1"/>
-              </a:solidFill>
-              <a:latin typeface="Arial" panose="020B0604020202020204" pitchFamily="34" charset="0"/>
-              <a:cs typeface="Arial" panose="020B0604020202020204" pitchFamily="34" charset="0"/>
-              <a:sym typeface="+mn-ea"/>
-            </a:endParaRPr>
           </a:p>
         </p:txBody>
       </p:sp>
@@ -28048,13 +26862,6 @@
               </a:rPr>
               <a:t>Генерация</a:t>
             </a:r>
-            <a:endParaRPr lang="ru-RU" sz="1200" dirty="0">
-              <a:solidFill>
-                <a:srgbClr val="173C90"/>
-              </a:solidFill>
-              <a:latin typeface="Arial" panose="020B0604020202020204" pitchFamily="34" charset="0"/>
-              <a:cs typeface="Arial" panose="020B0604020202020204" pitchFamily="34" charset="0"/>
-            </a:endParaRPr>
           </a:p>
           <a:p>
             <a:r>
@@ -28067,13 +26874,6 @@
               </a:rPr>
               <a:t>документации</a:t>
             </a:r>
-            <a:endParaRPr lang="ru-RU" sz="1200" dirty="0">
-              <a:solidFill>
-                <a:srgbClr val="173C90"/>
-              </a:solidFill>
-              <a:latin typeface="Arial" panose="020B0604020202020204" pitchFamily="34" charset="0"/>
-              <a:cs typeface="Arial" panose="020B0604020202020204" pitchFamily="34" charset="0"/>
-            </a:endParaRPr>
           </a:p>
         </p:txBody>
       </p:sp>
@@ -28109,13 +26909,6 @@
               </a:rPr>
               <a:t>Генерация документации</a:t>
             </a:r>
-            <a:endParaRPr lang="ru-RU" sz="3600" b="1" dirty="0">
-              <a:solidFill>
-                <a:srgbClr val="FA4012"/>
-              </a:solidFill>
-              <a:latin typeface="Arial" panose="020B0604020202020204" pitchFamily="34" charset="0"/>
-              <a:cs typeface="Arial" panose="020B0604020202020204" pitchFamily="34" charset="0"/>
-            </a:endParaRPr>
           </a:p>
         </p:txBody>
       </p:sp>
@@ -28143,14 +26936,24 @@
           <a:p>
             <a:pPr algn="ctr"/>
             <a:r>
-              <a:rPr lang="ru-RU" sz="1400" dirty="0">
+              <a:rPr lang="ru-RU" sz="1400" dirty="0" smtClean="0">
                 <a:solidFill>
                   <a:srgbClr val="173C90"/>
                 </a:solidFill>
                 <a:latin typeface="Arial" panose="020B0604020202020204" pitchFamily="34" charset="0"/>
                 <a:cs typeface="Arial" panose="020B0604020202020204" pitchFamily="34" charset="0"/>
               </a:rPr>
-              <a:t>36</a:t>
+              <a:t>3</a:t>
+            </a:r>
+            <a:r>
+              <a:rPr lang="en-US" sz="1400" dirty="0" smtClean="0">
+                <a:solidFill>
+                  <a:srgbClr val="173C90"/>
+                </a:solidFill>
+                <a:latin typeface="Arial" panose="020B0604020202020204" pitchFamily="34" charset="0"/>
+                <a:cs typeface="Arial" panose="020B0604020202020204" pitchFamily="34" charset="0"/>
+              </a:rPr>
+              <a:t>8</a:t>
             </a:r>
             <a:endParaRPr lang="ru-RU" sz="1400" dirty="0">
               <a:solidFill>
@@ -28194,13 +26997,6 @@
               </a:rPr>
               <a:t>06.2024</a:t>
             </a:r>
-            <a:endParaRPr lang="ru-RU" sz="1400" dirty="0">
-              <a:solidFill>
-                <a:srgbClr val="FA4012"/>
-              </a:solidFill>
-              <a:latin typeface="Arial" panose="020B0604020202020204" pitchFamily="34" charset="0"/>
-              <a:cs typeface="Arial" panose="020B0604020202020204" pitchFamily="34" charset="0"/>
-            </a:endParaRPr>
           </a:p>
         </p:txBody>
       </p:sp>
@@ -28250,6 +27046,384 @@
               </a:rPr>
               <a:t>/// Получить большой бинарный объект.</a:t>
             </a:r>
+          </a:p>
+          <a:p>
+            <a:pPr>
+              <a:spcAft>
+                <a:spcPts val="0"/>
+              </a:spcAft>
+            </a:pPr>
+            <a:r>
+              <a:rPr lang="ru-RU" sz="1000" dirty="0">
+                <a:effectLst/>
+                <a:latin typeface="Courier New" panose="02070309020205020404" pitchFamily="49" charset="0"/>
+                <a:ea typeface="Times New Roman" panose="02020603050405020304" pitchFamily="18" charset="0"/>
+                <a:cs typeface="Times New Roman" panose="02020603050405020304" pitchFamily="18" charset="0"/>
+              </a:rPr>
+              <a:t>/// \</a:t>
+            </a:r>
+            <a:r>
+              <a:rPr lang="ru-RU" sz="1000" dirty="0" err="1">
+                <a:effectLst/>
+                <a:latin typeface="Courier New" panose="02070309020205020404" pitchFamily="49" charset="0"/>
+                <a:ea typeface="Times New Roman" panose="02020603050405020304" pitchFamily="18" charset="0"/>
+                <a:cs typeface="Times New Roman" panose="02020603050405020304" pitchFamily="18" charset="0"/>
+              </a:rPr>
+              <a:t>param</a:t>
+            </a:r>
+            <a:r>
+              <a:rPr lang="ru-RU" sz="1000" dirty="0">
+                <a:effectLst/>
+                <a:latin typeface="Courier New" panose="02070309020205020404" pitchFamily="49" charset="0"/>
+                <a:ea typeface="Times New Roman" panose="02020603050405020304" pitchFamily="18" charset="0"/>
+                <a:cs typeface="Times New Roman" panose="02020603050405020304" pitchFamily="18" charset="0"/>
+              </a:rPr>
+              <a:t> </a:t>
+            </a:r>
+            <a:r>
+              <a:rPr lang="ru-RU" sz="1000" dirty="0" err="1">
+                <a:effectLst/>
+                <a:latin typeface="Courier New" panose="02070309020205020404" pitchFamily="49" charset="0"/>
+                <a:ea typeface="Times New Roman" panose="02020603050405020304" pitchFamily="18" charset="0"/>
+                <a:cs typeface="Times New Roman" panose="02020603050405020304" pitchFamily="18" charset="0"/>
+              </a:rPr>
+              <a:t>filename</a:t>
+            </a:r>
+            <a:r>
+              <a:rPr lang="ru-RU" sz="1000" dirty="0">
+                <a:effectLst/>
+                <a:latin typeface="Courier New" panose="02070309020205020404" pitchFamily="49" charset="0"/>
+                <a:ea typeface="Times New Roman" panose="02020603050405020304" pitchFamily="18" charset="0"/>
+                <a:cs typeface="Times New Roman" panose="02020603050405020304" pitchFamily="18" charset="0"/>
+              </a:rPr>
+              <a:t> Идентификатор большого бинарного объекта на сервере.</a:t>
+            </a:r>
+          </a:p>
+          <a:p>
+            <a:pPr>
+              <a:spcAft>
+                <a:spcPts val="0"/>
+              </a:spcAft>
+            </a:pPr>
+            <a:r>
+              <a:rPr lang="ru-RU" sz="1000" dirty="0">
+                <a:effectLst/>
+                <a:latin typeface="Courier New" panose="02070309020205020404" pitchFamily="49" charset="0"/>
+                <a:ea typeface="Times New Roman" panose="02020603050405020304" pitchFamily="18" charset="0"/>
+                <a:cs typeface="Times New Roman" panose="02020603050405020304" pitchFamily="18" charset="0"/>
+              </a:rPr>
+              <a:t>/// \</a:t>
+            </a:r>
+            <a:r>
+              <a:rPr lang="ru-RU" sz="1000" dirty="0" err="1">
+                <a:effectLst/>
+                <a:latin typeface="Courier New" panose="02070309020205020404" pitchFamily="49" charset="0"/>
+                <a:ea typeface="Times New Roman" panose="02020603050405020304" pitchFamily="18" charset="0"/>
+                <a:cs typeface="Times New Roman" panose="02020603050405020304" pitchFamily="18" charset="0"/>
+              </a:rPr>
+              <a:t>warning</a:t>
+            </a:r>
+            <a:r>
+              <a:rPr lang="ru-RU" sz="1000" dirty="0">
+                <a:effectLst/>
+                <a:latin typeface="Courier New" panose="02070309020205020404" pitchFamily="49" charset="0"/>
+                <a:ea typeface="Times New Roman" panose="02020603050405020304" pitchFamily="18" charset="0"/>
+                <a:cs typeface="Times New Roman" panose="02020603050405020304" pitchFamily="18" charset="0"/>
+              </a:rPr>
+              <a:t> Последующая работа с большим бинарным объектом возможна только</a:t>
+            </a:r>
+          </a:p>
+          <a:p>
+            <a:pPr>
+              <a:spcAft>
+                <a:spcPts val="0"/>
+              </a:spcAft>
+            </a:pPr>
+            <a:r>
+              <a:rPr lang="ru-RU" sz="1000" dirty="0">
+                <a:effectLst/>
+                <a:latin typeface="Courier New" panose="02070309020205020404" pitchFamily="49" charset="0"/>
+                <a:ea typeface="Times New Roman" panose="02020603050405020304" pitchFamily="18" charset="0"/>
+                <a:cs typeface="Times New Roman" panose="02020603050405020304" pitchFamily="18" charset="0"/>
+              </a:rPr>
+              <a:t>///          в рамках транзакции.</a:t>
+            </a:r>
+          </a:p>
+          <a:p>
+            <a:pPr>
+              <a:spcAft>
+                <a:spcPts val="0"/>
+              </a:spcAft>
+            </a:pPr>
+            <a:r>
+              <a:rPr lang="ru-RU" sz="1000" dirty="0">
+                <a:effectLst/>
+                <a:latin typeface="Courier New" panose="02070309020205020404" pitchFamily="49" charset="0"/>
+                <a:ea typeface="Times New Roman" panose="02020603050405020304" pitchFamily="18" charset="0"/>
+                <a:cs typeface="Times New Roman" panose="02020603050405020304" pitchFamily="18" charset="0"/>
+              </a:rPr>
+              <a:t>/// \</a:t>
+            </a:r>
+            <a:r>
+              <a:rPr lang="ru-RU" sz="1000" dirty="0" err="1">
+                <a:effectLst/>
+                <a:latin typeface="Courier New" panose="02070309020205020404" pitchFamily="49" charset="0"/>
+                <a:ea typeface="Times New Roman" panose="02020603050405020304" pitchFamily="18" charset="0"/>
+                <a:cs typeface="Times New Roman" panose="02020603050405020304" pitchFamily="18" charset="0"/>
+              </a:rPr>
+              <a:t>return</a:t>
+            </a:r>
+            <a:r>
+              <a:rPr lang="ru-RU" sz="1000" dirty="0">
+                <a:effectLst/>
+                <a:latin typeface="Courier New" panose="02070309020205020404" pitchFamily="49" charset="0"/>
+                <a:ea typeface="Times New Roman" panose="02020603050405020304" pitchFamily="18" charset="0"/>
+                <a:cs typeface="Times New Roman" panose="02020603050405020304" pitchFamily="18" charset="0"/>
+              </a:rPr>
+              <a:t> \c </a:t>
+            </a:r>
+            <a:r>
+              <a:rPr lang="ru-RU" sz="1000" dirty="0" err="1">
+                <a:effectLst/>
+                <a:latin typeface="Courier New" panose="02070309020205020404" pitchFamily="49" charset="0"/>
+                <a:ea typeface="Times New Roman" panose="02020603050405020304" pitchFamily="18" charset="0"/>
+                <a:cs typeface="Times New Roman" panose="02020603050405020304" pitchFamily="18" charset="0"/>
+              </a:rPr>
+              <a:t>nullptr</a:t>
+            </a:r>
+            <a:r>
+              <a:rPr lang="ru-RU" sz="1000" dirty="0">
+                <a:effectLst/>
+                <a:latin typeface="Courier New" panose="02070309020205020404" pitchFamily="49" charset="0"/>
+                <a:ea typeface="Times New Roman" panose="02020603050405020304" pitchFamily="18" charset="0"/>
+                <a:cs typeface="Times New Roman" panose="02020603050405020304" pitchFamily="18" charset="0"/>
+              </a:rPr>
+              <a:t> в случае, если передан идентификатор, который не</a:t>
+            </a:r>
+          </a:p>
+          <a:p>
+            <a:pPr>
+              <a:spcAft>
+                <a:spcPts val="0"/>
+              </a:spcAft>
+            </a:pPr>
+            <a:r>
+              <a:rPr lang="ru-RU" sz="1000" dirty="0">
+                <a:effectLst/>
+                <a:latin typeface="Courier New" panose="02070309020205020404" pitchFamily="49" charset="0"/>
+                <a:ea typeface="Times New Roman" panose="02020603050405020304" pitchFamily="18" charset="0"/>
+                <a:cs typeface="Times New Roman" panose="02020603050405020304" pitchFamily="18" charset="0"/>
+              </a:rPr>
+              <a:t>///         соответствует правилам именования, или если соединение</a:t>
+            </a:r>
+          </a:p>
+          <a:p>
+            <a:pPr>
+              <a:spcAft>
+                <a:spcPts val="0"/>
+              </a:spcAft>
+            </a:pPr>
+            <a:r>
+              <a:rPr lang="ru-RU" sz="1000" dirty="0">
+                <a:effectLst/>
+                <a:latin typeface="Courier New" panose="02070309020205020404" pitchFamily="49" charset="0"/>
+                <a:ea typeface="Times New Roman" panose="02020603050405020304" pitchFamily="18" charset="0"/>
+                <a:cs typeface="Times New Roman" panose="02020603050405020304" pitchFamily="18" charset="0"/>
+              </a:rPr>
+              <a:t>///         </a:t>
+            </a:r>
+            <a:r>
+              <a:rPr lang="ru-RU" sz="1000" dirty="0" err="1">
+                <a:effectLst/>
+                <a:latin typeface="Courier New" panose="02070309020205020404" pitchFamily="49" charset="0"/>
+                <a:ea typeface="Times New Roman" panose="02020603050405020304" pitchFamily="18" charset="0"/>
+                <a:cs typeface="Times New Roman" panose="02020603050405020304" pitchFamily="18" charset="0"/>
+              </a:rPr>
+              <a:t>невалидно</a:t>
+            </a:r>
+            <a:r>
+              <a:rPr lang="ru-RU" sz="1000" dirty="0">
+                <a:effectLst/>
+                <a:latin typeface="Courier New" panose="02070309020205020404" pitchFamily="49" charset="0"/>
+                <a:ea typeface="Times New Roman" panose="02020603050405020304" pitchFamily="18" charset="0"/>
+                <a:cs typeface="Times New Roman" panose="02020603050405020304" pitchFamily="18" charset="0"/>
+              </a:rPr>
+              <a:t>. В противном случае функция возвращает ненулевой</a:t>
+            </a:r>
+          </a:p>
+          <a:p>
+            <a:pPr>
+              <a:spcAft>
+                <a:spcPts val="0"/>
+              </a:spcAft>
+            </a:pPr>
+            <a:r>
+              <a:rPr lang="ru-RU" sz="1000" dirty="0">
+                <a:effectLst/>
+                <a:latin typeface="Courier New" panose="02070309020205020404" pitchFamily="49" charset="0"/>
+                <a:ea typeface="Times New Roman" panose="02020603050405020304" pitchFamily="18" charset="0"/>
+                <a:cs typeface="Times New Roman" panose="02020603050405020304" pitchFamily="18" charset="0"/>
+              </a:rPr>
+              <a:t>///         указатель. При этом полученный файл может не существовать - это</a:t>
+            </a:r>
+          </a:p>
+          <a:p>
+            <a:pPr>
+              <a:spcAft>
+                <a:spcPts val="0"/>
+              </a:spcAft>
+            </a:pPr>
+            <a:r>
+              <a:rPr lang="ru-RU" sz="1000" dirty="0">
+                <a:effectLst/>
+                <a:latin typeface="Courier New" panose="02070309020205020404" pitchFamily="49" charset="0"/>
+                <a:ea typeface="Times New Roman" panose="02020603050405020304" pitchFamily="18" charset="0"/>
+                <a:cs typeface="Times New Roman" panose="02020603050405020304" pitchFamily="18" charset="0"/>
+              </a:rPr>
+              <a:t>///         проверяется на этапе его открытия методом </a:t>
+            </a:r>
+            <a:r>
+              <a:rPr lang="ru-RU" sz="1000" dirty="0" err="1">
+                <a:effectLst/>
+                <a:latin typeface="Courier New" panose="02070309020205020404" pitchFamily="49" charset="0"/>
+                <a:ea typeface="Times New Roman" panose="02020603050405020304" pitchFamily="18" charset="0"/>
+                <a:cs typeface="Times New Roman" panose="02020603050405020304" pitchFamily="18" charset="0"/>
+              </a:rPr>
+              <a:t>IFile</a:t>
+            </a:r>
+            <a:r>
+              <a:rPr lang="ru-RU" sz="1000" dirty="0">
+                <a:effectLst/>
+                <a:latin typeface="Courier New" panose="02070309020205020404" pitchFamily="49" charset="0"/>
+                <a:ea typeface="Times New Roman" panose="02020603050405020304" pitchFamily="18" charset="0"/>
+                <a:cs typeface="Times New Roman" panose="02020603050405020304" pitchFamily="18" charset="0"/>
+              </a:rPr>
+              <a:t>::</a:t>
+            </a:r>
+            <a:r>
+              <a:rPr lang="ru-RU" sz="1000" dirty="0" err="1">
+                <a:effectLst/>
+                <a:latin typeface="Courier New" panose="02070309020205020404" pitchFamily="49" charset="0"/>
+                <a:ea typeface="Times New Roman" panose="02020603050405020304" pitchFamily="18" charset="0"/>
+                <a:cs typeface="Times New Roman" panose="02020603050405020304" pitchFamily="18" charset="0"/>
+              </a:rPr>
+              <a:t>Open</a:t>
+            </a:r>
+            <a:r>
+              <a:rPr lang="ru-RU" sz="1000" dirty="0">
+                <a:effectLst/>
+                <a:latin typeface="Courier New" panose="02070309020205020404" pitchFamily="49" charset="0"/>
+                <a:ea typeface="Times New Roman" panose="02020603050405020304" pitchFamily="18" charset="0"/>
+                <a:cs typeface="Times New Roman" panose="02020603050405020304" pitchFamily="18" charset="0"/>
+              </a:rPr>
+              <a:t>.</a:t>
+            </a:r>
+          </a:p>
+          <a:p>
+            <a:pPr>
+              <a:spcAft>
+                <a:spcPts val="0"/>
+              </a:spcAft>
+            </a:pPr>
+            <a:r>
+              <a:rPr lang="en-US" sz="1000" dirty="0">
+                <a:effectLst/>
+                <a:latin typeface="Courier New" panose="02070309020205020404" pitchFamily="49" charset="0"/>
+                <a:ea typeface="Times New Roman" panose="02020603050405020304" pitchFamily="18" charset="0"/>
+                <a:cs typeface="Times New Roman" panose="02020603050405020304" pitchFamily="18" charset="0"/>
+              </a:rPr>
+              <a:t>virtual </a:t>
+            </a:r>
+            <a:r>
+              <a:rPr lang="en-US" sz="1000" dirty="0" err="1">
+                <a:effectLst/>
+                <a:latin typeface="Courier New" panose="02070309020205020404" pitchFamily="49" charset="0"/>
+                <a:ea typeface="Times New Roman" panose="02020603050405020304" pitchFamily="18" charset="0"/>
+                <a:cs typeface="Times New Roman" panose="02020603050405020304" pitchFamily="18" charset="0"/>
+              </a:rPr>
+              <a:t>IFilePtr</a:t>
+            </a:r>
+            <a:r>
+              <a:rPr lang="en-US" sz="1000" dirty="0">
+                <a:effectLst/>
+                <a:latin typeface="Courier New" panose="02070309020205020404" pitchFamily="49" charset="0"/>
+                <a:ea typeface="Times New Roman" panose="02020603050405020304" pitchFamily="18" charset="0"/>
+                <a:cs typeface="Times New Roman" panose="02020603050405020304" pitchFamily="18" charset="0"/>
+              </a:rPr>
+              <a:t> </a:t>
+            </a:r>
+            <a:r>
+              <a:rPr lang="en-US" sz="1000" dirty="0" err="1">
+                <a:effectLst/>
+                <a:latin typeface="Courier New" panose="02070309020205020404" pitchFamily="49" charset="0"/>
+                <a:ea typeface="Times New Roman" panose="02020603050405020304" pitchFamily="18" charset="0"/>
+                <a:cs typeface="Times New Roman" panose="02020603050405020304" pitchFamily="18" charset="0"/>
+              </a:rPr>
+              <a:t>GetRemoteFile</a:t>
+            </a:r>
+            <a:r>
+              <a:rPr lang="en-US" sz="1000" dirty="0">
+                <a:effectLst/>
+                <a:latin typeface="Courier New" panose="02070309020205020404" pitchFamily="49" charset="0"/>
+                <a:ea typeface="Times New Roman" panose="02020603050405020304" pitchFamily="18" charset="0"/>
+                <a:cs typeface="Times New Roman" panose="02020603050405020304" pitchFamily="18" charset="0"/>
+              </a:rPr>
+              <a:t>(</a:t>
+            </a:r>
+            <a:r>
+              <a:rPr lang="en-US" sz="1000" dirty="0" err="1">
+                <a:effectLst/>
+                <a:latin typeface="Courier New" panose="02070309020205020404" pitchFamily="49" charset="0"/>
+                <a:ea typeface="Times New Roman" panose="02020603050405020304" pitchFamily="18" charset="0"/>
+                <a:cs typeface="Times New Roman" panose="02020603050405020304" pitchFamily="18" charset="0"/>
+              </a:rPr>
+              <a:t>const</a:t>
+            </a:r>
+            <a:r>
+              <a:rPr lang="en-US" sz="1000" dirty="0">
+                <a:effectLst/>
+                <a:latin typeface="Courier New" panose="02070309020205020404" pitchFamily="49" charset="0"/>
+                <a:ea typeface="Times New Roman" panose="02020603050405020304" pitchFamily="18" charset="0"/>
+                <a:cs typeface="Times New Roman" panose="02020603050405020304" pitchFamily="18" charset="0"/>
+              </a:rPr>
+              <a:t> </a:t>
+            </a:r>
+            <a:r>
+              <a:rPr lang="en-US" sz="1000" dirty="0" err="1">
+                <a:effectLst/>
+                <a:latin typeface="Courier New" panose="02070309020205020404" pitchFamily="49" charset="0"/>
+                <a:ea typeface="Times New Roman" panose="02020603050405020304" pitchFamily="18" charset="0"/>
+                <a:cs typeface="Times New Roman" panose="02020603050405020304" pitchFamily="18" charset="0"/>
+              </a:rPr>
+              <a:t>std</a:t>
+            </a:r>
+            <a:r>
+              <a:rPr lang="en-US" sz="1000" dirty="0">
+                <a:effectLst/>
+                <a:latin typeface="Courier New" panose="02070309020205020404" pitchFamily="49" charset="0"/>
+                <a:ea typeface="Times New Roman" panose="02020603050405020304" pitchFamily="18" charset="0"/>
+                <a:cs typeface="Times New Roman" panose="02020603050405020304" pitchFamily="18" charset="0"/>
+              </a:rPr>
+              <a:t>::string &amp;</a:t>
+            </a:r>
+            <a:r>
+              <a:rPr lang="ru-RU" sz="1000" dirty="0">
+                <a:effectLst/>
+                <a:latin typeface="Courier New" panose="02070309020205020404" pitchFamily="49" charset="0"/>
+                <a:ea typeface="Times New Roman" panose="02020603050405020304" pitchFamily="18" charset="0"/>
+                <a:cs typeface="Times New Roman" panose="02020603050405020304" pitchFamily="18" charset="0"/>
+              </a:rPr>
+              <a:t> </a:t>
+            </a:r>
+            <a:r>
+              <a:rPr lang="en-US" sz="1000" dirty="0">
+                <a:effectLst/>
+                <a:latin typeface="Courier New" panose="02070309020205020404" pitchFamily="49" charset="0"/>
+                <a:ea typeface="Times New Roman" panose="02020603050405020304" pitchFamily="18" charset="0"/>
+                <a:cs typeface="Times New Roman" panose="02020603050405020304" pitchFamily="18" charset="0"/>
+              </a:rPr>
+              <a:t>filename) = 0;</a:t>
+            </a:r>
             <a:endParaRPr lang="ru-RU" sz="1000" dirty="0">
               <a:effectLst/>
               <a:latin typeface="Courier New" panose="02070309020205020404" pitchFamily="49" charset="0"/>
@@ -28257,438 +27431,6 @@
               <a:cs typeface="Times New Roman" panose="02020603050405020304" pitchFamily="18" charset="0"/>
             </a:endParaRPr>
           </a:p>
-          <a:p>
-            <a:pPr>
-              <a:spcAft>
-                <a:spcPts val="0"/>
-              </a:spcAft>
-            </a:pPr>
-            <a:r>
-              <a:rPr lang="ru-RU" sz="1000" dirty="0">
-                <a:effectLst/>
-                <a:latin typeface="Courier New" panose="02070309020205020404" pitchFamily="49" charset="0"/>
-                <a:ea typeface="Times New Roman" panose="02020603050405020304" pitchFamily="18" charset="0"/>
-                <a:cs typeface="Times New Roman" panose="02020603050405020304" pitchFamily="18" charset="0"/>
-              </a:rPr>
-              <a:t>/// \</a:t>
-            </a:r>
-            <a:r>
-              <a:rPr lang="ru-RU" sz="1000" dirty="0" err="1">
-                <a:effectLst/>
-                <a:latin typeface="Courier New" panose="02070309020205020404" pitchFamily="49" charset="0"/>
-                <a:ea typeface="Times New Roman" panose="02020603050405020304" pitchFamily="18" charset="0"/>
-                <a:cs typeface="Times New Roman" panose="02020603050405020304" pitchFamily="18" charset="0"/>
-              </a:rPr>
-              <a:t>param</a:t>
-            </a:r>
-            <a:r>
-              <a:rPr lang="ru-RU" sz="1000" dirty="0">
-                <a:effectLst/>
-                <a:latin typeface="Courier New" panose="02070309020205020404" pitchFamily="49" charset="0"/>
-                <a:ea typeface="Times New Roman" panose="02020603050405020304" pitchFamily="18" charset="0"/>
-                <a:cs typeface="Times New Roman" panose="02020603050405020304" pitchFamily="18" charset="0"/>
-              </a:rPr>
-              <a:t> </a:t>
-            </a:r>
-            <a:r>
-              <a:rPr lang="ru-RU" sz="1000" dirty="0" err="1">
-                <a:effectLst/>
-                <a:latin typeface="Courier New" panose="02070309020205020404" pitchFamily="49" charset="0"/>
-                <a:ea typeface="Times New Roman" panose="02020603050405020304" pitchFamily="18" charset="0"/>
-                <a:cs typeface="Times New Roman" panose="02020603050405020304" pitchFamily="18" charset="0"/>
-              </a:rPr>
-              <a:t>filename</a:t>
-            </a:r>
-            <a:r>
-              <a:rPr lang="ru-RU" sz="1000" dirty="0">
-                <a:effectLst/>
-                <a:latin typeface="Courier New" panose="02070309020205020404" pitchFamily="49" charset="0"/>
-                <a:ea typeface="Times New Roman" panose="02020603050405020304" pitchFamily="18" charset="0"/>
-                <a:cs typeface="Times New Roman" panose="02020603050405020304" pitchFamily="18" charset="0"/>
-              </a:rPr>
-              <a:t> Идентификатор большого бинарного объекта на сервере.</a:t>
-            </a:r>
-            <a:endParaRPr lang="ru-RU" sz="1000" dirty="0">
-              <a:effectLst/>
-              <a:latin typeface="Courier New" panose="02070309020205020404" pitchFamily="49" charset="0"/>
-              <a:ea typeface="Times New Roman" panose="02020603050405020304" pitchFamily="18" charset="0"/>
-              <a:cs typeface="Times New Roman" panose="02020603050405020304" pitchFamily="18" charset="0"/>
-            </a:endParaRPr>
-          </a:p>
-          <a:p>
-            <a:pPr>
-              <a:spcAft>
-                <a:spcPts val="0"/>
-              </a:spcAft>
-            </a:pPr>
-            <a:r>
-              <a:rPr lang="ru-RU" sz="1000" dirty="0">
-                <a:effectLst/>
-                <a:latin typeface="Courier New" panose="02070309020205020404" pitchFamily="49" charset="0"/>
-                <a:ea typeface="Times New Roman" panose="02020603050405020304" pitchFamily="18" charset="0"/>
-                <a:cs typeface="Times New Roman" panose="02020603050405020304" pitchFamily="18" charset="0"/>
-              </a:rPr>
-              <a:t>/// \</a:t>
-            </a:r>
-            <a:r>
-              <a:rPr lang="ru-RU" sz="1000" dirty="0" err="1">
-                <a:effectLst/>
-                <a:latin typeface="Courier New" panose="02070309020205020404" pitchFamily="49" charset="0"/>
-                <a:ea typeface="Times New Roman" panose="02020603050405020304" pitchFamily="18" charset="0"/>
-                <a:cs typeface="Times New Roman" panose="02020603050405020304" pitchFamily="18" charset="0"/>
-              </a:rPr>
-              <a:t>warning</a:t>
-            </a:r>
-            <a:r>
-              <a:rPr lang="ru-RU" sz="1000" dirty="0">
-                <a:effectLst/>
-                <a:latin typeface="Courier New" panose="02070309020205020404" pitchFamily="49" charset="0"/>
-                <a:ea typeface="Times New Roman" panose="02020603050405020304" pitchFamily="18" charset="0"/>
-                <a:cs typeface="Times New Roman" panose="02020603050405020304" pitchFamily="18" charset="0"/>
-              </a:rPr>
-              <a:t> Последующая работа с большим бинарным объектом возможна только</a:t>
-            </a:r>
-            <a:endParaRPr lang="ru-RU" sz="1000" dirty="0">
-              <a:effectLst/>
-              <a:latin typeface="Courier New" panose="02070309020205020404" pitchFamily="49" charset="0"/>
-              <a:ea typeface="Times New Roman" panose="02020603050405020304" pitchFamily="18" charset="0"/>
-              <a:cs typeface="Times New Roman" panose="02020603050405020304" pitchFamily="18" charset="0"/>
-            </a:endParaRPr>
-          </a:p>
-          <a:p>
-            <a:pPr>
-              <a:spcAft>
-                <a:spcPts val="0"/>
-              </a:spcAft>
-            </a:pPr>
-            <a:r>
-              <a:rPr lang="ru-RU" sz="1000" dirty="0">
-                <a:effectLst/>
-                <a:latin typeface="Courier New" panose="02070309020205020404" pitchFamily="49" charset="0"/>
-                <a:ea typeface="Times New Roman" panose="02020603050405020304" pitchFamily="18" charset="0"/>
-                <a:cs typeface="Times New Roman" panose="02020603050405020304" pitchFamily="18" charset="0"/>
-              </a:rPr>
-              <a:t>///          в рамках транзакции.</a:t>
-            </a:r>
-            <a:endParaRPr lang="ru-RU" sz="1000" dirty="0">
-              <a:effectLst/>
-              <a:latin typeface="Courier New" panose="02070309020205020404" pitchFamily="49" charset="0"/>
-              <a:ea typeface="Times New Roman" panose="02020603050405020304" pitchFamily="18" charset="0"/>
-              <a:cs typeface="Times New Roman" panose="02020603050405020304" pitchFamily="18" charset="0"/>
-            </a:endParaRPr>
-          </a:p>
-          <a:p>
-            <a:pPr>
-              <a:spcAft>
-                <a:spcPts val="0"/>
-              </a:spcAft>
-            </a:pPr>
-            <a:r>
-              <a:rPr lang="ru-RU" sz="1000" dirty="0">
-                <a:effectLst/>
-                <a:latin typeface="Courier New" panose="02070309020205020404" pitchFamily="49" charset="0"/>
-                <a:ea typeface="Times New Roman" panose="02020603050405020304" pitchFamily="18" charset="0"/>
-                <a:cs typeface="Times New Roman" panose="02020603050405020304" pitchFamily="18" charset="0"/>
-              </a:rPr>
-              <a:t>/// \</a:t>
-            </a:r>
-            <a:r>
-              <a:rPr lang="ru-RU" sz="1000" dirty="0" err="1">
-                <a:effectLst/>
-                <a:latin typeface="Courier New" panose="02070309020205020404" pitchFamily="49" charset="0"/>
-                <a:ea typeface="Times New Roman" panose="02020603050405020304" pitchFamily="18" charset="0"/>
-                <a:cs typeface="Times New Roman" panose="02020603050405020304" pitchFamily="18" charset="0"/>
-              </a:rPr>
-              <a:t>return</a:t>
-            </a:r>
-            <a:r>
-              <a:rPr lang="ru-RU" sz="1000" dirty="0">
-                <a:effectLst/>
-                <a:latin typeface="Courier New" panose="02070309020205020404" pitchFamily="49" charset="0"/>
-                <a:ea typeface="Times New Roman" panose="02020603050405020304" pitchFamily="18" charset="0"/>
-                <a:cs typeface="Times New Roman" panose="02020603050405020304" pitchFamily="18" charset="0"/>
-              </a:rPr>
-              <a:t> \c </a:t>
-            </a:r>
-            <a:r>
-              <a:rPr lang="ru-RU" sz="1000" dirty="0" err="1">
-                <a:effectLst/>
-                <a:latin typeface="Courier New" panose="02070309020205020404" pitchFamily="49" charset="0"/>
-                <a:ea typeface="Times New Roman" panose="02020603050405020304" pitchFamily="18" charset="0"/>
-                <a:cs typeface="Times New Roman" panose="02020603050405020304" pitchFamily="18" charset="0"/>
-              </a:rPr>
-              <a:t>nullptr</a:t>
-            </a:r>
-            <a:r>
-              <a:rPr lang="ru-RU" sz="1000" dirty="0">
-                <a:effectLst/>
-                <a:latin typeface="Courier New" panose="02070309020205020404" pitchFamily="49" charset="0"/>
-                <a:ea typeface="Times New Roman" panose="02020603050405020304" pitchFamily="18" charset="0"/>
-                <a:cs typeface="Times New Roman" panose="02020603050405020304" pitchFamily="18" charset="0"/>
-              </a:rPr>
-              <a:t> в случае, если передан идентификатор, который не</a:t>
-            </a:r>
-            <a:endParaRPr lang="ru-RU" sz="1000" dirty="0">
-              <a:effectLst/>
-              <a:latin typeface="Courier New" panose="02070309020205020404" pitchFamily="49" charset="0"/>
-              <a:ea typeface="Times New Roman" panose="02020603050405020304" pitchFamily="18" charset="0"/>
-              <a:cs typeface="Times New Roman" panose="02020603050405020304" pitchFamily="18" charset="0"/>
-            </a:endParaRPr>
-          </a:p>
-          <a:p>
-            <a:pPr>
-              <a:spcAft>
-                <a:spcPts val="0"/>
-              </a:spcAft>
-            </a:pPr>
-            <a:r>
-              <a:rPr lang="ru-RU" sz="1000" dirty="0">
-                <a:effectLst/>
-                <a:latin typeface="Courier New" panose="02070309020205020404" pitchFamily="49" charset="0"/>
-                <a:ea typeface="Times New Roman" panose="02020603050405020304" pitchFamily="18" charset="0"/>
-                <a:cs typeface="Times New Roman" panose="02020603050405020304" pitchFamily="18" charset="0"/>
-              </a:rPr>
-              <a:t>///         соответствует правилам именования, или если соединение</a:t>
-            </a:r>
-            <a:endParaRPr lang="ru-RU" sz="1000" dirty="0">
-              <a:effectLst/>
-              <a:latin typeface="Courier New" panose="02070309020205020404" pitchFamily="49" charset="0"/>
-              <a:ea typeface="Times New Roman" panose="02020603050405020304" pitchFamily="18" charset="0"/>
-              <a:cs typeface="Times New Roman" panose="02020603050405020304" pitchFamily="18" charset="0"/>
-            </a:endParaRPr>
-          </a:p>
-          <a:p>
-            <a:pPr>
-              <a:spcAft>
-                <a:spcPts val="0"/>
-              </a:spcAft>
-            </a:pPr>
-            <a:r>
-              <a:rPr lang="ru-RU" sz="1000" dirty="0">
-                <a:effectLst/>
-                <a:latin typeface="Courier New" panose="02070309020205020404" pitchFamily="49" charset="0"/>
-                <a:ea typeface="Times New Roman" panose="02020603050405020304" pitchFamily="18" charset="0"/>
-                <a:cs typeface="Times New Roman" panose="02020603050405020304" pitchFamily="18" charset="0"/>
-              </a:rPr>
-              <a:t>///         </a:t>
-            </a:r>
-            <a:r>
-              <a:rPr lang="ru-RU" sz="1000" dirty="0" err="1">
-                <a:effectLst/>
-                <a:latin typeface="Courier New" panose="02070309020205020404" pitchFamily="49" charset="0"/>
-                <a:ea typeface="Times New Roman" panose="02020603050405020304" pitchFamily="18" charset="0"/>
-                <a:cs typeface="Times New Roman" panose="02020603050405020304" pitchFamily="18" charset="0"/>
-              </a:rPr>
-              <a:t>невалидно</a:t>
-            </a:r>
-            <a:r>
-              <a:rPr lang="ru-RU" sz="1000" dirty="0">
-                <a:effectLst/>
-                <a:latin typeface="Courier New" panose="02070309020205020404" pitchFamily="49" charset="0"/>
-                <a:ea typeface="Times New Roman" panose="02020603050405020304" pitchFamily="18" charset="0"/>
-                <a:cs typeface="Times New Roman" panose="02020603050405020304" pitchFamily="18" charset="0"/>
-              </a:rPr>
-              <a:t>. В противном случае функция возвращает ненулевой</a:t>
-            </a:r>
-            <a:endParaRPr lang="ru-RU" sz="1000" dirty="0">
-              <a:effectLst/>
-              <a:latin typeface="Courier New" panose="02070309020205020404" pitchFamily="49" charset="0"/>
-              <a:ea typeface="Times New Roman" panose="02020603050405020304" pitchFamily="18" charset="0"/>
-              <a:cs typeface="Times New Roman" panose="02020603050405020304" pitchFamily="18" charset="0"/>
-            </a:endParaRPr>
-          </a:p>
-          <a:p>
-            <a:pPr>
-              <a:spcAft>
-                <a:spcPts val="0"/>
-              </a:spcAft>
-            </a:pPr>
-            <a:r>
-              <a:rPr lang="ru-RU" sz="1000" dirty="0">
-                <a:effectLst/>
-                <a:latin typeface="Courier New" panose="02070309020205020404" pitchFamily="49" charset="0"/>
-                <a:ea typeface="Times New Roman" panose="02020603050405020304" pitchFamily="18" charset="0"/>
-                <a:cs typeface="Times New Roman" panose="02020603050405020304" pitchFamily="18" charset="0"/>
-              </a:rPr>
-              <a:t>///         указатель. При этом полученный файл может не существовать - это</a:t>
-            </a:r>
-            <a:endParaRPr lang="ru-RU" sz="1000" dirty="0">
-              <a:effectLst/>
-              <a:latin typeface="Courier New" panose="02070309020205020404" pitchFamily="49" charset="0"/>
-              <a:ea typeface="Times New Roman" panose="02020603050405020304" pitchFamily="18" charset="0"/>
-              <a:cs typeface="Times New Roman" panose="02020603050405020304" pitchFamily="18" charset="0"/>
-            </a:endParaRPr>
-          </a:p>
-          <a:p>
-            <a:pPr>
-              <a:spcAft>
-                <a:spcPts val="0"/>
-              </a:spcAft>
-            </a:pPr>
-            <a:r>
-              <a:rPr lang="ru-RU" sz="1000" dirty="0">
-                <a:effectLst/>
-                <a:latin typeface="Courier New" panose="02070309020205020404" pitchFamily="49" charset="0"/>
-                <a:ea typeface="Times New Roman" panose="02020603050405020304" pitchFamily="18" charset="0"/>
-                <a:cs typeface="Times New Roman" panose="02020603050405020304" pitchFamily="18" charset="0"/>
-              </a:rPr>
-              <a:t>///         проверяется на этапе его открытия методом </a:t>
-            </a:r>
-            <a:r>
-              <a:rPr lang="ru-RU" sz="1000" dirty="0" err="1">
-                <a:effectLst/>
-                <a:latin typeface="Courier New" panose="02070309020205020404" pitchFamily="49" charset="0"/>
-                <a:ea typeface="Times New Roman" panose="02020603050405020304" pitchFamily="18" charset="0"/>
-                <a:cs typeface="Times New Roman" panose="02020603050405020304" pitchFamily="18" charset="0"/>
-              </a:rPr>
-              <a:t>IFile</a:t>
-            </a:r>
-            <a:r>
-              <a:rPr lang="ru-RU" sz="1000" dirty="0">
-                <a:effectLst/>
-                <a:latin typeface="Courier New" panose="02070309020205020404" pitchFamily="49" charset="0"/>
-                <a:ea typeface="Times New Roman" panose="02020603050405020304" pitchFamily="18" charset="0"/>
-                <a:cs typeface="Times New Roman" panose="02020603050405020304" pitchFamily="18" charset="0"/>
-              </a:rPr>
-              <a:t>::</a:t>
-            </a:r>
-            <a:r>
-              <a:rPr lang="ru-RU" sz="1000" dirty="0" err="1">
-                <a:effectLst/>
-                <a:latin typeface="Courier New" panose="02070309020205020404" pitchFamily="49" charset="0"/>
-                <a:ea typeface="Times New Roman" panose="02020603050405020304" pitchFamily="18" charset="0"/>
-                <a:cs typeface="Times New Roman" panose="02020603050405020304" pitchFamily="18" charset="0"/>
-              </a:rPr>
-              <a:t>Open</a:t>
-            </a:r>
-            <a:r>
-              <a:rPr lang="ru-RU" sz="1000" dirty="0">
-                <a:effectLst/>
-                <a:latin typeface="Courier New" panose="02070309020205020404" pitchFamily="49" charset="0"/>
-                <a:ea typeface="Times New Roman" panose="02020603050405020304" pitchFamily="18" charset="0"/>
-                <a:cs typeface="Times New Roman" panose="02020603050405020304" pitchFamily="18" charset="0"/>
-              </a:rPr>
-              <a:t>.</a:t>
-            </a:r>
-            <a:endParaRPr lang="ru-RU" sz="1000" dirty="0">
-              <a:effectLst/>
-              <a:latin typeface="Courier New" panose="02070309020205020404" pitchFamily="49" charset="0"/>
-              <a:ea typeface="Times New Roman" panose="02020603050405020304" pitchFamily="18" charset="0"/>
-              <a:cs typeface="Times New Roman" panose="02020603050405020304" pitchFamily="18" charset="0"/>
-            </a:endParaRPr>
-          </a:p>
-          <a:p>
-            <a:pPr>
-              <a:spcAft>
-                <a:spcPts val="0"/>
-              </a:spcAft>
-            </a:pPr>
-            <a:r>
-              <a:rPr lang="en-US" sz="1000" dirty="0">
-                <a:effectLst/>
-                <a:latin typeface="Courier New" panose="02070309020205020404" pitchFamily="49" charset="0"/>
-                <a:ea typeface="Times New Roman" panose="02020603050405020304" pitchFamily="18" charset="0"/>
-                <a:cs typeface="Times New Roman" panose="02020603050405020304" pitchFamily="18" charset="0"/>
-              </a:rPr>
-              <a:t>virtual </a:t>
-            </a:r>
-            <a:r>
-              <a:rPr lang="en-US" sz="1000" dirty="0" err="1">
-                <a:effectLst/>
-                <a:latin typeface="Courier New" panose="02070309020205020404" pitchFamily="49" charset="0"/>
-                <a:ea typeface="Times New Roman" panose="02020603050405020304" pitchFamily="18" charset="0"/>
-                <a:cs typeface="Times New Roman" panose="02020603050405020304" pitchFamily="18" charset="0"/>
-              </a:rPr>
-              <a:t>IFilePtr</a:t>
-            </a:r>
-            <a:r>
-              <a:rPr lang="en-US" sz="1000" dirty="0">
-                <a:effectLst/>
-                <a:latin typeface="Courier New" panose="02070309020205020404" pitchFamily="49" charset="0"/>
-                <a:ea typeface="Times New Roman" panose="02020603050405020304" pitchFamily="18" charset="0"/>
-                <a:cs typeface="Times New Roman" panose="02020603050405020304" pitchFamily="18" charset="0"/>
-              </a:rPr>
-              <a:t> </a:t>
-            </a:r>
-            <a:r>
-              <a:rPr lang="en-US" sz="1000" dirty="0" err="1">
-                <a:effectLst/>
-                <a:latin typeface="Courier New" panose="02070309020205020404" pitchFamily="49" charset="0"/>
-                <a:ea typeface="Times New Roman" panose="02020603050405020304" pitchFamily="18" charset="0"/>
-                <a:cs typeface="Times New Roman" panose="02020603050405020304" pitchFamily="18" charset="0"/>
-              </a:rPr>
-              <a:t>GetRemoteFile</a:t>
-            </a:r>
-            <a:r>
-              <a:rPr lang="en-US" sz="1000" dirty="0">
-                <a:effectLst/>
-                <a:latin typeface="Courier New" panose="02070309020205020404" pitchFamily="49" charset="0"/>
-                <a:ea typeface="Times New Roman" panose="02020603050405020304" pitchFamily="18" charset="0"/>
-                <a:cs typeface="Times New Roman" panose="02020603050405020304" pitchFamily="18" charset="0"/>
-              </a:rPr>
-              <a:t>(</a:t>
-            </a:r>
-            <a:r>
-              <a:rPr lang="en-US" sz="1000" dirty="0" err="1">
-                <a:effectLst/>
-                <a:latin typeface="Courier New" panose="02070309020205020404" pitchFamily="49" charset="0"/>
-                <a:ea typeface="Times New Roman" panose="02020603050405020304" pitchFamily="18" charset="0"/>
-                <a:cs typeface="Times New Roman" panose="02020603050405020304" pitchFamily="18" charset="0"/>
-              </a:rPr>
-              <a:t>const</a:t>
-            </a:r>
-            <a:r>
-              <a:rPr lang="en-US" sz="1000" dirty="0">
-                <a:effectLst/>
-                <a:latin typeface="Courier New" panose="02070309020205020404" pitchFamily="49" charset="0"/>
-                <a:ea typeface="Times New Roman" panose="02020603050405020304" pitchFamily="18" charset="0"/>
-                <a:cs typeface="Times New Roman" panose="02020603050405020304" pitchFamily="18" charset="0"/>
-              </a:rPr>
-              <a:t> </a:t>
-            </a:r>
-            <a:r>
-              <a:rPr lang="en-US" sz="1000" dirty="0" err="1">
-                <a:effectLst/>
-                <a:latin typeface="Courier New" panose="02070309020205020404" pitchFamily="49" charset="0"/>
-                <a:ea typeface="Times New Roman" panose="02020603050405020304" pitchFamily="18" charset="0"/>
-                <a:cs typeface="Times New Roman" panose="02020603050405020304" pitchFamily="18" charset="0"/>
-              </a:rPr>
-              <a:t>std</a:t>
-            </a:r>
-            <a:r>
-              <a:rPr lang="en-US" sz="1000" dirty="0">
-                <a:effectLst/>
-                <a:latin typeface="Courier New" panose="02070309020205020404" pitchFamily="49" charset="0"/>
-                <a:ea typeface="Times New Roman" panose="02020603050405020304" pitchFamily="18" charset="0"/>
-                <a:cs typeface="Times New Roman" panose="02020603050405020304" pitchFamily="18" charset="0"/>
-              </a:rPr>
-              <a:t>::string &amp;</a:t>
-            </a:r>
-            <a:r>
-              <a:rPr lang="ru-RU" sz="1000" dirty="0">
-                <a:effectLst/>
-                <a:latin typeface="Courier New" panose="02070309020205020404" pitchFamily="49" charset="0"/>
-                <a:ea typeface="Times New Roman" panose="02020603050405020304" pitchFamily="18" charset="0"/>
-                <a:cs typeface="Times New Roman" panose="02020603050405020304" pitchFamily="18" charset="0"/>
-              </a:rPr>
-              <a:t> </a:t>
-            </a:r>
-            <a:r>
-              <a:rPr lang="en-US" sz="1000" dirty="0">
-                <a:effectLst/>
-                <a:latin typeface="Courier New" panose="02070309020205020404" pitchFamily="49" charset="0"/>
-                <a:ea typeface="Times New Roman" panose="02020603050405020304" pitchFamily="18" charset="0"/>
-                <a:cs typeface="Times New Roman" panose="02020603050405020304" pitchFamily="18" charset="0"/>
-              </a:rPr>
-              <a:t>filename) = 0;</a:t>
-            </a:r>
-            <a:endParaRPr lang="ru-RU" sz="1000" dirty="0">
-              <a:effectLst/>
-              <a:latin typeface="Courier New" panose="02070309020205020404" pitchFamily="49" charset="0"/>
-              <a:ea typeface="Times New Roman" panose="02020603050405020304" pitchFamily="18" charset="0"/>
-              <a:cs typeface="Times New Roman" panose="02020603050405020304" pitchFamily="18" charset="0"/>
-            </a:endParaRPr>
-          </a:p>
         </p:txBody>
       </p:sp>
       <p:pic>
@@ -28698,7 +27440,7 @@
           <p:nvPr/>
         </p:nvPicPr>
         <p:blipFill>
-          <a:blip r:embed="rId2">
+          <a:blip r:embed="rId3">
             <a:extLst>
               <a:ext uri="{28A0092B-C50C-407E-A947-70E740481C1C}">
                 <a14:useLocalDpi xmlns:a14="http://schemas.microsoft.com/office/drawing/2010/main" val="0"/>
@@ -28853,13 +27595,6 @@
               </a:rPr>
               <a:t>06.2024</a:t>
             </a:r>
-            <a:endParaRPr lang="ru-RU" sz="1400" dirty="0">
-              <a:solidFill>
-                <a:srgbClr val="FA4012"/>
-              </a:solidFill>
-              <a:latin typeface="Arial" panose="020B0604020202020204" pitchFamily="34" charset="0"/>
-              <a:cs typeface="Arial" panose="020B0604020202020204" pitchFamily="34" charset="0"/>
-            </a:endParaRPr>
           </a:p>
         </p:txBody>
       </p:sp>
@@ -28887,14 +27622,24 @@
           <a:p>
             <a:pPr algn="ctr"/>
             <a:r>
-              <a:rPr lang="ru-RU" sz="1400" dirty="0">
+              <a:rPr lang="ru-RU" sz="1400" dirty="0" smtClean="0">
                 <a:solidFill>
                   <a:srgbClr val="173C90"/>
                 </a:solidFill>
                 <a:latin typeface="Arial" panose="020B0604020202020204" pitchFamily="34" charset="0"/>
                 <a:cs typeface="Arial" panose="020B0604020202020204" pitchFamily="34" charset="0"/>
               </a:rPr>
-              <a:t>37</a:t>
+              <a:t>3</a:t>
+            </a:r>
+            <a:r>
+              <a:rPr lang="en-US" sz="1400" dirty="0" smtClean="0">
+                <a:solidFill>
+                  <a:srgbClr val="173C90"/>
+                </a:solidFill>
+                <a:latin typeface="Arial" panose="020B0604020202020204" pitchFamily="34" charset="0"/>
+                <a:cs typeface="Arial" panose="020B0604020202020204" pitchFamily="34" charset="0"/>
+              </a:rPr>
+              <a:t>9</a:t>
             </a:r>
             <a:endParaRPr lang="ru-RU" sz="1400" dirty="0">
               <a:solidFill>
@@ -28974,14 +27719,6 @@
               </a:rPr>
               <a:t>Система анализа и моделирования сценариев работы мобильной сети</a:t>
             </a:r>
-            <a:endParaRPr lang="ru-RU" sz="1200" b="1" dirty="0">
-              <a:solidFill>
-                <a:schemeClr val="tx1"/>
-              </a:solidFill>
-              <a:latin typeface="Arial" panose="020B0604020202020204" pitchFamily="34" charset="0"/>
-              <a:cs typeface="Arial" panose="020B0604020202020204" pitchFamily="34" charset="0"/>
-              <a:sym typeface="+mn-ea"/>
-            </a:endParaRPr>
           </a:p>
         </p:txBody>
       </p:sp>
@@ -29017,13 +27754,6 @@
               </a:rPr>
               <a:t>Подсистема хранения данных</a:t>
             </a:r>
-            <a:endParaRPr lang="ru-RU" sz="1200" dirty="0">
-              <a:solidFill>
-                <a:srgbClr val="173C90"/>
-              </a:solidFill>
-              <a:latin typeface="Arial" panose="020B0604020202020204" pitchFamily="34" charset="0"/>
-              <a:cs typeface="Arial" panose="020B0604020202020204" pitchFamily="34" charset="0"/>
-            </a:endParaRPr>
           </a:p>
         </p:txBody>
       </p:sp>
@@ -29175,13 +27905,6 @@
               </a:rPr>
               <a:t>Подсистема хранения данных</a:t>
             </a:r>
-            <a:endParaRPr lang="ru-RU" sz="3600" b="1" dirty="0">
-              <a:solidFill>
-                <a:srgbClr val="FA4012"/>
-              </a:solidFill>
-              <a:latin typeface="Arial" panose="020B0604020202020204" pitchFamily="34" charset="0"/>
-              <a:cs typeface="Arial" panose="020B0604020202020204" pitchFamily="34" charset="0"/>
-            </a:endParaRPr>
           </a:p>
         </p:txBody>
       </p:sp>
@@ -29214,10 +27937,6 @@
               </a:rPr>
               <a:t>Результат</a:t>
             </a:r>
-            <a:endParaRPr lang="ru-RU" b="1" dirty="0">
-              <a:latin typeface="Arial" panose="020B0604020202020204" pitchFamily="34" charset="0"/>
-              <a:cs typeface="Arial" panose="020B0604020202020204" pitchFamily="34" charset="0"/>
-            </a:endParaRPr>
           </a:p>
         </p:txBody>
       </p:sp>
@@ -29260,10 +27979,6 @@
               </a:rPr>
               <a:t>Разработана библиотека, позволяющая взаимодействовать с системой хранения данных. </a:t>
             </a:r>
-            <a:endParaRPr lang="ru-RU" dirty="0">
-              <a:latin typeface="Arial" panose="020B0604020202020204" pitchFamily="34" charset="0"/>
-              <a:cs typeface="Arial" panose="020B0604020202020204" pitchFamily="34" charset="0"/>
-            </a:endParaRPr>
           </a:p>
           <a:p>
             <a:pPr indent="0" fontAlgn="auto">
@@ -29332,10 +28047,6 @@
               </a:rPr>
               <a:t>, которые позволяют читать данные из БД и писать данные в БД.</a:t>
             </a:r>
-            <a:endParaRPr lang="ru-RU" dirty="0">
-              <a:latin typeface="Arial" panose="020B0604020202020204" pitchFamily="34" charset="0"/>
-              <a:cs typeface="Arial" panose="020B0604020202020204" pitchFamily="34" charset="0"/>
-            </a:endParaRPr>
           </a:p>
           <a:p>
             <a:pPr indent="0" fontAlgn="auto">
@@ -29359,7 +28070,7 @@
               <a:rPr lang="en-US" dirty="0">
                 <a:latin typeface="Arial" panose="020B0604020202020204" pitchFamily="34" charset="0"/>
                 <a:cs typeface="Arial" panose="020B0604020202020204" pitchFamily="34" charset="0"/>
-                <a:hlinkClick r:id="rId1"/>
+                <a:hlinkClick r:id="rId2"/>
               </a:rPr>
               <a:t>https://github.com/Lawyar/ecsms/tree/master/libraries/database_library</a:t>
             </a:r>
@@ -29403,7 +28114,7 @@
               <a:rPr lang="en-US" dirty="0">
                 <a:latin typeface="Arial" panose="020B0604020202020204" pitchFamily="34" charset="0"/>
                 <a:cs typeface="Arial" panose="020B0604020202020204" pitchFamily="34" charset="0"/>
-                <a:hlinkClick r:id="rId2"/>
+                <a:hlinkClick r:id="rId3"/>
               </a:rPr>
               <a:t>https://github.com/Lawyar/ecsms/tree/master/tests/database_library_tests</a:t>
             </a:r>
@@ -29447,7 +28158,7 @@
               <a:rPr lang="en-US" dirty="0">
                 <a:latin typeface="Arial" panose="020B0604020202020204" pitchFamily="34" charset="0"/>
                 <a:cs typeface="Arial" panose="020B0604020202020204" pitchFamily="34" charset="0"/>
-                <a:hlinkClick r:id="rId3"/>
+                <a:hlinkClick r:id="rId4"/>
               </a:rPr>
               <a:t>https://akandrin.github.io/database_library_docs/annotated.html</a:t>
             </a:r>
@@ -29467,7 +28178,7 @@
           <p:nvPr/>
         </p:nvPicPr>
         <p:blipFill>
-          <a:blip r:embed="rId4"/>
+          <a:blip r:embed="rId5"/>
           <a:stretch>
             <a:fillRect/>
           </a:stretch>
@@ -29539,13 +28250,6 @@
               </a:rPr>
               <a:t>06.2024</a:t>
             </a:r>
-            <a:endParaRPr lang="ru-RU" sz="1400" dirty="0">
-              <a:solidFill>
-                <a:srgbClr val="FA4012"/>
-              </a:solidFill>
-              <a:latin typeface="Arial" panose="020B0604020202020204" pitchFamily="34" charset="0"/>
-              <a:cs typeface="Arial" panose="020B0604020202020204" pitchFamily="34" charset="0"/>
-            </a:endParaRPr>
           </a:p>
         </p:txBody>
       </p:sp>
@@ -29573,14 +28277,14 @@
           <a:p>
             <a:pPr algn="ctr"/>
             <a:r>
-              <a:rPr lang="ru-RU" sz="1400" dirty="0">
+              <a:rPr lang="en-US" sz="1400" dirty="0" smtClean="0">
                 <a:solidFill>
                   <a:srgbClr val="173C90"/>
                 </a:solidFill>
                 <a:latin typeface="Arial" panose="020B0604020202020204" pitchFamily="34" charset="0"/>
                 <a:cs typeface="Arial" panose="020B0604020202020204" pitchFamily="34" charset="0"/>
               </a:rPr>
-              <a:t>5</a:t>
+              <a:t>4</a:t>
             </a:r>
             <a:endParaRPr lang="ru-RU" sz="1400" dirty="0">
               <a:solidFill>
@@ -29660,14 +28364,6 @@
               </a:rPr>
               <a:t>Система анализа и моделирования сценариев работы мобильной сети</a:t>
             </a:r>
-            <a:endParaRPr lang="ru-RU" sz="1200" b="1" dirty="0">
-              <a:solidFill>
-                <a:schemeClr val="tx1"/>
-              </a:solidFill>
-              <a:latin typeface="Arial" panose="020B0604020202020204" pitchFamily="34" charset="0"/>
-              <a:cs typeface="Arial" panose="020B0604020202020204" pitchFamily="34" charset="0"/>
-              <a:sym typeface="+mn-ea"/>
-            </a:endParaRPr>
           </a:p>
         </p:txBody>
       </p:sp>
@@ -29703,13 +28399,6 @@
               </a:rPr>
               <a:t>Наш проект</a:t>
             </a:r>
-            <a:endParaRPr lang="ru-RU" sz="1200" dirty="0">
-              <a:solidFill>
-                <a:srgbClr val="173C90"/>
-              </a:solidFill>
-              <a:latin typeface="Arial" panose="020B0604020202020204" pitchFamily="34" charset="0"/>
-              <a:cs typeface="Arial" panose="020B0604020202020204" pitchFamily="34" charset="0"/>
-            </a:endParaRPr>
           </a:p>
         </p:txBody>
       </p:sp>
@@ -29861,13 +28550,6 @@
               </a:rPr>
               <a:t>НАШ ПРОЕКТ</a:t>
             </a:r>
-            <a:endParaRPr lang="ru-RU" sz="3600" b="1" dirty="0">
-              <a:solidFill>
-                <a:srgbClr val="FA4012"/>
-              </a:solidFill>
-              <a:latin typeface="Arial" panose="020B0604020202020204" pitchFamily="34" charset="0"/>
-              <a:cs typeface="Arial" panose="020B0604020202020204" pitchFamily="34" charset="0"/>
-            </a:endParaRPr>
           </a:p>
         </p:txBody>
       </p:sp>
@@ -29900,10 +28582,6 @@
               </a:rPr>
               <a:t>Описание платформы разработки и используемых систем</a:t>
             </a:r>
-            <a:endParaRPr lang="ru-RU" b="1" dirty="0">
-              <a:latin typeface="Arial" panose="020B0604020202020204" pitchFamily="34" charset="0"/>
-              <a:cs typeface="Arial" panose="020B0604020202020204" pitchFamily="34" charset="0"/>
-            </a:endParaRPr>
           </a:p>
         </p:txBody>
       </p:sp>
@@ -29947,10 +28625,6 @@
               </a:rPr>
               <a:t>Microsoft Visual C++ 2017</a:t>
             </a:r>
-            <a:endParaRPr lang="en-US" dirty="0">
-              <a:latin typeface="Arial" panose="020B0604020202020204" pitchFamily="34" charset="0"/>
-              <a:cs typeface="Arial" panose="020B0604020202020204" pitchFamily="34" charset="0"/>
-            </a:endParaRPr>
           </a:p>
           <a:p>
             <a:pPr marL="342900" indent="-342900">
@@ -29989,10 +28663,6 @@
               </a:rPr>
               <a:t>Qt Creator</a:t>
             </a:r>
-            <a:endParaRPr lang="ru-RU" dirty="0">
-              <a:latin typeface="Arial" panose="020B0604020202020204" pitchFamily="34" charset="0"/>
-              <a:cs typeface="Arial" panose="020B0604020202020204" pitchFamily="34" charset="0"/>
-            </a:endParaRPr>
           </a:p>
           <a:p>
             <a:pPr marL="342900" indent="-342900">
@@ -30016,10 +28686,6 @@
               </a:rPr>
               <a:t>Средство сборки проекта: CMake</a:t>
             </a:r>
-            <a:endParaRPr lang="ru-RU" dirty="0">
-              <a:latin typeface="Arial" panose="020B0604020202020204" pitchFamily="34" charset="0"/>
-              <a:cs typeface="Arial" panose="020B0604020202020204" pitchFamily="34" charset="0"/>
-            </a:endParaRPr>
           </a:p>
           <a:p>
             <a:pPr marL="342900" indent="-342900">
@@ -30043,10 +28709,6 @@
               </a:rPr>
               <a:t>СУБД: PostgreSQL</a:t>
             </a:r>
-            <a:endParaRPr lang="ru-RU" dirty="0">
-              <a:latin typeface="Arial" panose="020B0604020202020204" pitchFamily="34" charset="0"/>
-              <a:cs typeface="Arial" panose="020B0604020202020204" pitchFamily="34" charset="0"/>
-            </a:endParaRPr>
           </a:p>
           <a:p>
             <a:pPr marL="342900" indent="-342900">
@@ -30070,10 +28732,6 @@
               </a:rPr>
               <a:t>Библиотеки: Qt 5.12.12 (из неё конкретно Qt5 Core, Qt5 GUI, Qt5 Charts и Qt5 Widgets), фреймворк Google Test, libpq, yaml-cpp</a:t>
             </a:r>
-            <a:endParaRPr lang="ru-RU" dirty="0">
-              <a:latin typeface="Arial" panose="020B0604020202020204" pitchFamily="34" charset="0"/>
-              <a:cs typeface="Arial" panose="020B0604020202020204" pitchFamily="34" charset="0"/>
-            </a:endParaRPr>
           </a:p>
         </p:txBody>
       </p:sp>
@@ -30086,7 +28744,7 @@
           <p:nvPr/>
         </p:nvPicPr>
         <p:blipFill>
-          <a:blip r:embed="rId1"/>
+          <a:blip r:embed="rId2"/>
           <a:stretch>
             <a:fillRect/>
           </a:stretch>
@@ -30106,6 +28764,13 @@
   <p:clrMapOvr>
     <a:masterClrMapping/>
   </p:clrMapOvr>
+  <p:timing>
+    <p:tnLst>
+      <p:par>
+        <p:cTn id="1" dur="indefinite" restart="never" nodeType="tmRoot"/>
+      </p:par>
+    </p:tnLst>
+  </p:timing>
 </p:sld>
 </file>
 
@@ -30200,7 +28865,7 @@
           <p:nvPr/>
         </p:nvPicPr>
         <p:blipFill rotWithShape="1">
-          <a:blip r:embed="rId1"/>
+          <a:blip r:embed="rId2"/>
           <a:srcRect l="15597" t="9327" r="40179"/>
           <a:stretch>
             <a:fillRect/>
@@ -30228,7 +28893,7 @@
           <p:nvPr/>
         </p:nvPicPr>
         <p:blipFill rotWithShape="1">
-          <a:blip r:embed="rId2"/>
+          <a:blip r:embed="rId3"/>
           <a:srcRect l="825" r="1545" b="59892"/>
           <a:stretch>
             <a:fillRect/>
@@ -30288,7 +28953,7 @@
           <p:nvPr/>
         </p:nvPicPr>
         <p:blipFill>
-          <a:blip r:embed="rId3"/>
+          <a:blip r:embed="rId4"/>
           <a:stretch>
             <a:fillRect/>
           </a:stretch>
@@ -30323,6 +28988,7 @@
           <a:bodyPr wrap="square" rtlCol="0" anchor="t">
             <a:noAutofit/>
           </a:bodyPr>
+          <a:lstStyle/>
           <a:p>
             <a:pPr indent="0" algn="ctr" fontAlgn="auto"/>
             <a:r>
@@ -30336,14 +29002,6 @@
               </a:rPr>
               <a:t>Подсистема анализа результатов проведения эксперимента</a:t>
             </a:r>
-            <a:endParaRPr lang="ru-RU" sz="4400" dirty="0">
-              <a:solidFill>
-                <a:schemeClr val="bg1"/>
-              </a:solidFill>
-              <a:latin typeface="Arial" panose="020B0604020202020204" pitchFamily="34" charset="0"/>
-              <a:cs typeface="Arial" panose="020B0604020202020204" pitchFamily="34" charset="0"/>
-              <a:sym typeface="+mn-ea"/>
-            </a:endParaRPr>
           </a:p>
         </p:txBody>
       </p:sp>
@@ -30367,6 +29025,7 @@
           <a:bodyPr wrap="square" rtlCol="0" anchor="t">
             <a:spAutoFit/>
           </a:bodyPr>
+          <a:lstStyle/>
           <a:p>
             <a:r>
               <a:rPr lang="ru-RU" sz="2400" dirty="0">
@@ -30380,21 +29039,7 @@
                 <a:cs typeface="Arial" panose="020B0604020202020204" pitchFamily="34" charset="0"/>
                 <a:sym typeface="+mn-ea"/>
               </a:rPr>
-              <a:t>Мельник Денис</a:t>
-            </a:r>
-            <a:r>
-              <a:rPr lang="ru-RU" sz="2400" dirty="0">
-                <a:ln w="3175">
-                  <a:noFill/>
-                </a:ln>
-                <a:solidFill>
-                  <a:schemeClr val="bg1"/>
-                </a:solidFill>
-                <a:latin typeface="Arial" panose="020B0604020202020204" pitchFamily="34" charset="0"/>
-                <a:cs typeface="Arial" panose="020B0604020202020204" pitchFamily="34" charset="0"/>
-                <a:sym typeface="+mn-ea"/>
-              </a:rPr>
-              <a:t>, группа 382008-2</a:t>
+              <a:t>Мельник Денис, группа 382008-2</a:t>
             </a:r>
             <a:endParaRPr lang="ru-RU" altLang="en-US" sz="2400" dirty="0">
               <a:ln w="3175">
@@ -30492,7 +29137,7 @@
           <p:nvPr/>
         </p:nvPicPr>
         <p:blipFill>
-          <a:blip r:embed="rId1"/>
+          <a:blip r:embed="rId2"/>
           <a:stretch>
             <a:fillRect/>
           </a:stretch>
@@ -30540,13 +29185,6 @@
               </a:rPr>
               <a:t>СПАСИБО ЗА ВНИМАНИЕ!</a:t>
             </a:r>
-            <a:endParaRPr lang="ru-RU" sz="3200" b="1" dirty="0">
-              <a:solidFill>
-                <a:srgbClr val="FA4012"/>
-              </a:solidFill>
-              <a:latin typeface="Arial" panose="020B0604020202020204" pitchFamily="34" charset="0"/>
-              <a:cs typeface="Arial" panose="020B0604020202020204" pitchFamily="34" charset="0"/>
-            </a:endParaRPr>
           </a:p>
         </p:txBody>
       </p:sp>
@@ -30649,7 +29287,7 @@
           <p:nvPr/>
         </p:nvPicPr>
         <p:blipFill rotWithShape="1">
-          <a:blip r:embed="rId1"/>
+          <a:blip r:embed="rId2"/>
           <a:srcRect l="15597" t="9327" r="40179"/>
           <a:stretch>
             <a:fillRect/>
@@ -30677,7 +29315,7 @@
           <p:nvPr/>
         </p:nvPicPr>
         <p:blipFill rotWithShape="1">
-          <a:blip r:embed="rId2"/>
+          <a:blip r:embed="rId3"/>
           <a:srcRect l="825" r="1545" b="59892"/>
           <a:stretch>
             <a:fillRect/>
@@ -30737,7 +29375,7 @@
           <p:nvPr/>
         </p:nvPicPr>
         <p:blipFill>
-          <a:blip r:embed="rId3"/>
+          <a:blip r:embed="rId4"/>
           <a:stretch>
             <a:fillRect/>
           </a:stretch>
@@ -30772,6 +29410,7 @@
           <a:bodyPr wrap="square" rtlCol="0" anchor="t">
             <a:noAutofit/>
           </a:bodyPr>
+          <a:lstStyle/>
           <a:p>
             <a:pPr algn="ctr"/>
             <a:r>
@@ -30816,6 +29455,7 @@
           <a:bodyPr wrap="square" rtlCol="0" anchor="t">
             <a:spAutoFit/>
           </a:bodyPr>
+          <a:lstStyle/>
           <a:p>
             <a:r>
               <a:rPr lang="ru-RU" sz="2400" dirty="0">
@@ -30850,6 +29490,13 @@
   <p:clrMapOvr>
     <a:masterClrMapping/>
   </p:clrMapOvr>
+  <p:timing>
+    <p:tnLst>
+      <p:par>
+        <p:cTn id="1" dur="indefinite" restart="never" nodeType="tmRoot"/>
+      </p:par>
+    </p:tnLst>
+  </p:timing>
 </p:sld>
 </file>
 
@@ -30902,13 +29549,6 @@
               </a:rPr>
               <a:t>06.2024</a:t>
             </a:r>
-            <a:endParaRPr lang="ru-RU" sz="1400" dirty="0">
-              <a:solidFill>
-                <a:srgbClr val="FA4012"/>
-              </a:solidFill>
-              <a:latin typeface="Arial" panose="020B0604020202020204" pitchFamily="34" charset="0"/>
-              <a:cs typeface="Arial" panose="020B0604020202020204" pitchFamily="34" charset="0"/>
-            </a:endParaRPr>
           </a:p>
         </p:txBody>
       </p:sp>
@@ -30945,13 +29585,6 @@
               </a:rPr>
               <a:t>6</a:t>
             </a:r>
-            <a:endParaRPr lang="ru-RU" sz="1400" dirty="0">
-              <a:solidFill>
-                <a:srgbClr val="173C90"/>
-              </a:solidFill>
-              <a:latin typeface="Arial" panose="020B0604020202020204" pitchFamily="34" charset="0"/>
-              <a:cs typeface="Arial" panose="020B0604020202020204" pitchFamily="34" charset="0"/>
-            </a:endParaRPr>
           </a:p>
         </p:txBody>
       </p:sp>
@@ -31023,14 +29656,6 @@
               </a:rPr>
               <a:t>Система анализа и моделирования сценариев работы мобильной сети</a:t>
             </a:r>
-            <a:endParaRPr lang="ru-RU" sz="1200" b="1" dirty="0">
-              <a:solidFill>
-                <a:schemeClr val="tx1"/>
-              </a:solidFill>
-              <a:latin typeface="Arial" panose="020B0604020202020204" pitchFamily="34" charset="0"/>
-              <a:cs typeface="Arial" panose="020B0604020202020204" pitchFamily="34" charset="0"/>
-              <a:sym typeface="+mn-ea"/>
-            </a:endParaRPr>
           </a:p>
         </p:txBody>
       </p:sp>
@@ -31066,13 +29691,6 @@
               </a:rPr>
               <a:t>Пользовательский интерфейс</a:t>
             </a:r>
-            <a:endParaRPr lang="ru-RU" sz="1200" dirty="0">
-              <a:solidFill>
-                <a:srgbClr val="173C90"/>
-              </a:solidFill>
-              <a:latin typeface="Arial" panose="020B0604020202020204" pitchFamily="34" charset="0"/>
-              <a:cs typeface="Arial" panose="020B0604020202020204" pitchFamily="34" charset="0"/>
-            </a:endParaRPr>
           </a:p>
         </p:txBody>
       </p:sp>
@@ -31224,13 +29842,6 @@
               </a:rPr>
               <a:t>ПОЛЬЗОВАТЕЛЬСКИЙ ИНТЕРФЕЙС</a:t>
             </a:r>
-            <a:endParaRPr lang="ru-RU" sz="3600" b="1" dirty="0">
-              <a:solidFill>
-                <a:srgbClr val="FA4012"/>
-              </a:solidFill>
-              <a:latin typeface="Arial" panose="020B0604020202020204" pitchFamily="34" charset="0"/>
-              <a:cs typeface="Arial" panose="020B0604020202020204" pitchFamily="34" charset="0"/>
-            </a:endParaRPr>
           </a:p>
         </p:txBody>
       </p:sp>
@@ -31263,10 +29874,6 @@
               </a:rPr>
               <a:t>Функциональные требования</a:t>
             </a:r>
-            <a:endParaRPr lang="ru-RU" b="1" dirty="0">
-              <a:latin typeface="Arial" panose="020B0604020202020204" pitchFamily="34" charset="0"/>
-              <a:cs typeface="Arial" panose="020B0604020202020204" pitchFamily="34" charset="0"/>
-            </a:endParaRPr>
           </a:p>
         </p:txBody>
       </p:sp>
@@ -31316,10 +29923,6 @@
               </a:rPr>
               <a:t> создавать, редактировать, сохранять и открывать файлы в формате XML.</a:t>
             </a:r>
-            <a:endParaRPr dirty="0">
-              <a:latin typeface="Arial" panose="020B0604020202020204" pitchFamily="34" charset="0"/>
-              <a:cs typeface="Arial" panose="020B0604020202020204" pitchFamily="34" charset="0"/>
-            </a:endParaRPr>
           </a:p>
           <a:p>
             <a:pPr marL="342900" indent="-342900" fontAlgn="auto">
@@ -31346,10 +29949,6 @@
               </a:rPr>
               <a:t> отображения процессов/этапов работы в виде информационной панели, т.н. дашборд.</a:t>
             </a:r>
-            <a:endParaRPr dirty="0">
-              <a:latin typeface="Arial" panose="020B0604020202020204" pitchFamily="34" charset="0"/>
-              <a:cs typeface="Arial" panose="020B0604020202020204" pitchFamily="34" charset="0"/>
-            </a:endParaRPr>
           </a:p>
           <a:p>
             <a:pPr marL="342900" indent="-342900" fontAlgn="auto">
@@ -31413,10 +30012,6 @@
               </a:rPr>
               <a:t> создавать, редактировать, сохранять и открывать сценарии экспериментов. Выбранный формат для сохранения сценариев – YAML.</a:t>
             </a:r>
-            <a:endParaRPr dirty="0">
-              <a:latin typeface="Arial" panose="020B0604020202020204" pitchFamily="34" charset="0"/>
-              <a:cs typeface="Arial" panose="020B0604020202020204" pitchFamily="34" charset="0"/>
-            </a:endParaRPr>
           </a:p>
           <a:p>
             <a:pPr marL="342900" indent="-342900" fontAlgn="auto">
@@ -31457,10 +30052,6 @@
               </a:rPr>
               <a:t>отмена создания или удаления объекта и другие.</a:t>
             </a:r>
-            <a:endParaRPr dirty="0">
-              <a:latin typeface="Arial" panose="020B0604020202020204" pitchFamily="34" charset="0"/>
-              <a:cs typeface="Arial" panose="020B0604020202020204" pitchFamily="34" charset="0"/>
-            </a:endParaRPr>
           </a:p>
           <a:p>
             <a:pPr marL="342900" indent="-342900" fontAlgn="auto">
@@ -31543,10 +30134,6 @@
               </a:rPr>
               <a:t> заканчивать до окончания работы.</a:t>
             </a:r>
-            <a:endParaRPr dirty="0">
-              <a:latin typeface="Arial" panose="020B0604020202020204" pitchFamily="34" charset="0"/>
-              <a:cs typeface="Arial" panose="020B0604020202020204" pitchFamily="34" charset="0"/>
-            </a:endParaRPr>
           </a:p>
         </p:txBody>
       </p:sp>
@@ -31559,7 +30146,7 @@
           <p:nvPr/>
         </p:nvPicPr>
         <p:blipFill>
-          <a:blip r:embed="rId1"/>
+          <a:blip r:embed="rId2"/>
           <a:stretch>
             <a:fillRect/>
           </a:stretch>
@@ -31579,6 +30166,13 @@
   <p:clrMapOvr>
     <a:masterClrMapping/>
   </p:clrMapOvr>
+  <p:timing>
+    <p:tnLst>
+      <p:par>
+        <p:cTn id="1" dur="indefinite" restart="never" nodeType="tmRoot"/>
+      </p:par>
+    </p:tnLst>
+  </p:timing>
 </p:sld>
 </file>
 
@@ -31631,13 +30225,6 @@
               </a:rPr>
               <a:t>06.2024</a:t>
             </a:r>
-            <a:endParaRPr lang="ru-RU" sz="1400" dirty="0">
-              <a:solidFill>
-                <a:srgbClr val="FA4012"/>
-              </a:solidFill>
-              <a:latin typeface="Arial" panose="020B0604020202020204" pitchFamily="34" charset="0"/>
-              <a:cs typeface="Arial" panose="020B0604020202020204" pitchFamily="34" charset="0"/>
-            </a:endParaRPr>
           </a:p>
         </p:txBody>
       </p:sp>
@@ -31674,13 +30261,6 @@
               </a:rPr>
               <a:t>7</a:t>
             </a:r>
-            <a:endParaRPr lang="ru-RU" sz="1400" dirty="0">
-              <a:solidFill>
-                <a:srgbClr val="173C90"/>
-              </a:solidFill>
-              <a:latin typeface="Arial" panose="020B0604020202020204" pitchFamily="34" charset="0"/>
-              <a:cs typeface="Arial" panose="020B0604020202020204" pitchFamily="34" charset="0"/>
-            </a:endParaRPr>
           </a:p>
         </p:txBody>
       </p:sp>
@@ -31783,10 +30363,6 @@
               </a:rPr>
               <a:t>Первая страница приложения</a:t>
             </a:r>
-            <a:endParaRPr lang="ru-RU" b="1" dirty="0">
-              <a:latin typeface="Arial" panose="020B0604020202020204" pitchFamily="34" charset="0"/>
-              <a:cs typeface="Arial" panose="020B0604020202020204" pitchFamily="34" charset="0"/>
-            </a:endParaRPr>
           </a:p>
         </p:txBody>
       </p:sp>
@@ -31950,7 +30526,7 @@
           <p:nvPr/>
         </p:nvPicPr>
         <p:blipFill>
-          <a:blip r:embed="rId1"/>
+          <a:blip r:embed="rId4"/>
           <a:stretch>
             <a:fillRect/>
           </a:stretch>
@@ -31974,12 +30550,12 @@
           <p:nvPr>
             <p:ph idx="1"/>
             <p:custDataLst>
-              <p:tags r:id="rId2"/>
+              <p:tags r:id="rId1"/>
             </p:custDataLst>
           </p:nvPr>
         </p:nvPicPr>
         <p:blipFill>
-          <a:blip r:embed="rId3"/>
+          <a:blip r:embed="rId5"/>
           <a:stretch>
             <a:fillRect/>
           </a:stretch>
@@ -32000,7 +30576,7 @@
           <p:cNvSpPr txBox="1"/>
           <p:nvPr>
             <p:custDataLst>
-              <p:tags r:id="rId4"/>
+              <p:tags r:id="rId2"/>
             </p:custDataLst>
           </p:nvPr>
         </p:nvSpPr>
@@ -32030,13 +30606,6 @@
               </a:rPr>
               <a:t>ПОЛЬЗОВАТЕЛЬСКИЙ ИНТЕРФЕЙС</a:t>
             </a:r>
-            <a:endParaRPr lang="ru-RU" sz="3600" b="1" dirty="0">
-              <a:solidFill>
-                <a:srgbClr val="FA4012"/>
-              </a:solidFill>
-              <a:latin typeface="Arial" panose="020B0604020202020204" pitchFamily="34" charset="0"/>
-              <a:cs typeface="Arial" panose="020B0604020202020204" pitchFamily="34" charset="0"/>
-            </a:endParaRPr>
           </a:p>
         </p:txBody>
       </p:sp>
@@ -32073,14 +30642,6 @@
               </a:rPr>
               <a:t>Система анализа и моделирования сценариев работы мобильной сети</a:t>
             </a:r>
-            <a:endParaRPr lang="ru-RU" sz="1200" b="1" dirty="0">
-              <a:solidFill>
-                <a:schemeClr val="tx1"/>
-              </a:solidFill>
-              <a:latin typeface="Arial" panose="020B0604020202020204" pitchFamily="34" charset="0"/>
-              <a:cs typeface="Arial" panose="020B0604020202020204" pitchFamily="34" charset="0"/>
-              <a:sym typeface="+mn-ea"/>
-            </a:endParaRPr>
           </a:p>
         </p:txBody>
       </p:sp>
@@ -32116,13 +30677,6 @@
               </a:rPr>
               <a:t>Пользовательский интерфейс</a:t>
             </a:r>
-            <a:endParaRPr lang="ru-RU" sz="1200" dirty="0">
-              <a:solidFill>
-                <a:srgbClr val="173C90"/>
-              </a:solidFill>
-              <a:latin typeface="Arial" panose="020B0604020202020204" pitchFamily="34" charset="0"/>
-              <a:cs typeface="Arial" panose="020B0604020202020204" pitchFamily="34" charset="0"/>
-            </a:endParaRPr>
           </a:p>
         </p:txBody>
       </p:sp>
@@ -32131,6 +30685,13 @@
   <p:clrMapOvr>
     <a:masterClrMapping/>
   </p:clrMapOvr>
+  <p:timing>
+    <p:tnLst>
+      <p:par>
+        <p:cTn id="1" dur="indefinite" restart="never" nodeType="tmRoot"/>
+      </p:par>
+    </p:tnLst>
+  </p:timing>
 </p:sld>
 </file>
 
@@ -32183,13 +30744,6 @@
               </a:rPr>
               <a:t>06.2024</a:t>
             </a:r>
-            <a:endParaRPr lang="ru-RU" sz="1400" dirty="0">
-              <a:solidFill>
-                <a:srgbClr val="FA4012"/>
-              </a:solidFill>
-              <a:latin typeface="Arial" panose="020B0604020202020204" pitchFamily="34" charset="0"/>
-              <a:cs typeface="Arial" panose="020B0604020202020204" pitchFamily="34" charset="0"/>
-            </a:endParaRPr>
           </a:p>
         </p:txBody>
       </p:sp>
@@ -32226,13 +30780,6 @@
               </a:rPr>
               <a:t>8</a:t>
             </a:r>
-            <a:endParaRPr lang="ru-RU" sz="1400" dirty="0">
-              <a:solidFill>
-                <a:srgbClr val="173C90"/>
-              </a:solidFill>
-              <a:latin typeface="Arial" panose="020B0604020202020204" pitchFamily="34" charset="0"/>
-              <a:cs typeface="Arial" panose="020B0604020202020204" pitchFamily="34" charset="0"/>
-            </a:endParaRPr>
           </a:p>
         </p:txBody>
       </p:sp>
@@ -32335,10 +30882,6 @@
               </a:rPr>
               <a:t>Вторая страница приложения</a:t>
             </a:r>
-            <a:endParaRPr lang="ru-RU" b="1" dirty="0">
-              <a:latin typeface="Arial" panose="020B0604020202020204" pitchFamily="34" charset="0"/>
-              <a:cs typeface="Arial" panose="020B0604020202020204" pitchFamily="34" charset="0"/>
-            </a:endParaRPr>
           </a:p>
         </p:txBody>
       </p:sp>
@@ -32502,7 +31045,7 @@
           <p:nvPr/>
         </p:nvPicPr>
         <p:blipFill>
-          <a:blip r:embed="rId1"/>
+          <a:blip r:embed="rId4"/>
           <a:stretch>
             <a:fillRect/>
           </a:stretch>
@@ -32523,7 +31066,7 @@
           <p:cNvSpPr txBox="1"/>
           <p:nvPr>
             <p:custDataLst>
-              <p:tags r:id="rId2"/>
+              <p:tags r:id="rId1"/>
             </p:custDataLst>
           </p:nvPr>
         </p:nvSpPr>
@@ -32553,13 +31096,6 @@
               </a:rPr>
               <a:t>ПОЛЬЗОВАТЕЛЬСКИЙ ИНТЕРФЕЙС</a:t>
             </a:r>
-            <a:endParaRPr lang="ru-RU" sz="3600" b="1" dirty="0">
-              <a:solidFill>
-                <a:srgbClr val="FA4012"/>
-              </a:solidFill>
-              <a:latin typeface="Arial" panose="020B0604020202020204" pitchFamily="34" charset="0"/>
-              <a:cs typeface="Arial" panose="020B0604020202020204" pitchFamily="34" charset="0"/>
-            </a:endParaRPr>
           </a:p>
         </p:txBody>
       </p:sp>
@@ -32572,12 +31108,12 @@
           <p:nvPr>
             <p:ph idx="1"/>
             <p:custDataLst>
-              <p:tags r:id="rId3"/>
+              <p:tags r:id="rId2"/>
             </p:custDataLst>
           </p:nvPr>
         </p:nvPicPr>
         <p:blipFill>
-          <a:blip r:embed="rId4"/>
+          <a:blip r:embed="rId5"/>
           <a:stretch>
             <a:fillRect/>
           </a:stretch>
@@ -32629,14 +31165,6 @@
               </a:rPr>
               <a:t>Система анализа и моделирования сценариев работы мобильной сети</a:t>
             </a:r>
-            <a:endParaRPr lang="ru-RU" sz="1200" b="1" dirty="0">
-              <a:solidFill>
-                <a:schemeClr val="tx1"/>
-              </a:solidFill>
-              <a:latin typeface="Arial" panose="020B0604020202020204" pitchFamily="34" charset="0"/>
-              <a:cs typeface="Arial" panose="020B0604020202020204" pitchFamily="34" charset="0"/>
-              <a:sym typeface="+mn-ea"/>
-            </a:endParaRPr>
           </a:p>
         </p:txBody>
       </p:sp>
@@ -32672,13 +31200,6 @@
               </a:rPr>
               <a:t>Пользовательский интерфейс</a:t>
             </a:r>
-            <a:endParaRPr lang="ru-RU" sz="1200" dirty="0">
-              <a:solidFill>
-                <a:srgbClr val="173C90"/>
-              </a:solidFill>
-              <a:latin typeface="Arial" panose="020B0604020202020204" pitchFamily="34" charset="0"/>
-              <a:cs typeface="Arial" panose="020B0604020202020204" pitchFamily="34" charset="0"/>
-            </a:endParaRPr>
           </a:p>
         </p:txBody>
       </p:sp>
@@ -32687,14 +31208,21 @@
   <p:clrMapOvr>
     <a:masterClrMapping/>
   </p:clrMapOvr>
-  <mc:AlternateContent xmlns:mc="http://schemas.openxmlformats.org/markup-compatibility/2006">
-    <mc:Choice xmlns:p14="http://schemas.microsoft.com/office/powerpoint/2010/main" Requires="p14">
-      <p:transition spd="med" p14:dur="750"/>
+  <mc:AlternateContent xmlns:mc="http://schemas.openxmlformats.org/markup-compatibility/2006" xmlns:p14="http://schemas.microsoft.com/office/powerpoint/2010/main">
+    <mc:Choice Requires="p14">
+      <p:transition spd="med"/>
     </mc:Choice>
-    <mc:Fallback>
+    <mc:Fallback xmlns="">
       <p:transition spd="med"/>
     </mc:Fallback>
   </mc:AlternateContent>
+  <p:timing>
+    <p:tnLst>
+      <p:par>
+        <p:cTn id="1" dur="indefinite" restart="never" nodeType="tmRoot"/>
+      </p:par>
+    </p:tnLst>
+  </p:timing>
 </p:sld>
 </file>
 
@@ -32747,13 +31275,6 @@
               </a:rPr>
               <a:t>06.2024</a:t>
             </a:r>
-            <a:endParaRPr lang="ru-RU" sz="1400" dirty="0">
-              <a:solidFill>
-                <a:srgbClr val="FA4012"/>
-              </a:solidFill>
-              <a:latin typeface="Arial" panose="020B0604020202020204" pitchFamily="34" charset="0"/>
-              <a:cs typeface="Arial" panose="020B0604020202020204" pitchFamily="34" charset="0"/>
-            </a:endParaRPr>
           </a:p>
         </p:txBody>
       </p:sp>
@@ -32790,13 +31311,6 @@
               </a:rPr>
               <a:t>9</a:t>
             </a:r>
-            <a:endParaRPr lang="en-US" altLang="ru-RU" sz="1400" dirty="0">
-              <a:solidFill>
-                <a:srgbClr val="173C90"/>
-              </a:solidFill>
-              <a:latin typeface="Arial" panose="020B0604020202020204" pitchFamily="34" charset="0"/>
-              <a:cs typeface="Arial" panose="020B0604020202020204" pitchFamily="34" charset="0"/>
-            </a:endParaRPr>
           </a:p>
         </p:txBody>
       </p:sp>
@@ -32899,10 +31413,6 @@
               </a:rPr>
               <a:t>Первая страница приложения: используемые виджеты</a:t>
             </a:r>
-            <a:endParaRPr lang="ru-RU" b="1" dirty="0">
-              <a:latin typeface="Arial" panose="020B0604020202020204" pitchFamily="34" charset="0"/>
-              <a:cs typeface="Arial" panose="020B0604020202020204" pitchFamily="34" charset="0"/>
-            </a:endParaRPr>
           </a:p>
         </p:txBody>
       </p:sp>
@@ -33066,7 +31576,7 @@
           <p:nvPr/>
         </p:nvPicPr>
         <p:blipFill>
-          <a:blip r:embed="rId1"/>
+          <a:blip r:embed="rId5"/>
           <a:stretch>
             <a:fillRect/>
           </a:stretch>
@@ -33087,7 +31597,7 @@
           <p:cNvSpPr txBox="1"/>
           <p:nvPr>
             <p:custDataLst>
-              <p:tags r:id="rId2"/>
+              <p:tags r:id="rId1"/>
             </p:custDataLst>
           </p:nvPr>
         </p:nvSpPr>
@@ -33117,13 +31627,6 @@
               </a:rPr>
               <a:t>ПОЛЬЗОВАТЕЛЬСКИЙ ИНТЕРФЕЙС</a:t>
             </a:r>
-            <a:endParaRPr lang="ru-RU" sz="3600" b="1" dirty="0">
-              <a:solidFill>
-                <a:srgbClr val="FA4012"/>
-              </a:solidFill>
-              <a:latin typeface="Arial" panose="020B0604020202020204" pitchFamily="34" charset="0"/>
-              <a:cs typeface="Arial" panose="020B0604020202020204" pitchFamily="34" charset="0"/>
-            </a:endParaRPr>
           </a:p>
         </p:txBody>
       </p:sp>
@@ -33135,12 +31638,12 @@
           </p:cNvPicPr>
           <p:nvPr>
             <p:custDataLst>
-              <p:tags r:id="rId3"/>
+              <p:tags r:id="rId2"/>
             </p:custDataLst>
           </p:nvPr>
         </p:nvPicPr>
         <p:blipFill>
-          <a:blip r:embed="rId4"/>
+          <a:blip r:embed="rId6"/>
           <a:stretch>
             <a:fillRect/>
           </a:stretch>
@@ -33194,11 +31697,6 @@
               </a:rPr>
               <a:t>QMenuBar</a:t>
             </a:r>
-            <a:endParaRPr sz="1600">
-              <a:latin typeface="Arial" panose="020B0604020202020204" pitchFamily="34" charset="0"/>
-              <a:ea typeface="SimSun" panose="02010600030101010101" pitchFamily="2" charset="-122"/>
-              <a:cs typeface="Arial" panose="020B0604020202020204" pitchFamily="34" charset="0"/>
-            </a:endParaRPr>
           </a:p>
           <a:p>
             <a:pPr marL="342900" indent="-342900" algn="just" defTabSz="266700">
@@ -33223,11 +31721,6 @@
               </a:rPr>
               <a:t>t</a:t>
             </a:r>
-            <a:endParaRPr lang="en-US" sz="1600">
-              <a:latin typeface="Arial" panose="020B0604020202020204" pitchFamily="34" charset="0"/>
-              <a:ea typeface="SimSun" panose="02010600030101010101" pitchFamily="2" charset="-122"/>
-              <a:cs typeface="Arial" panose="020B0604020202020204" pitchFamily="34" charset="0"/>
-            </a:endParaRPr>
           </a:p>
           <a:p>
             <a:pPr marL="342900" indent="-342900" algn="just" defTabSz="266700">
@@ -33244,11 +31737,6 @@
               </a:rPr>
               <a:t>QPushButton</a:t>
             </a:r>
-            <a:endParaRPr lang="en-US" sz="1600">
-              <a:latin typeface="Arial" panose="020B0604020202020204" pitchFamily="34" charset="0"/>
-              <a:ea typeface="SimSun" panose="02010600030101010101" pitchFamily="2" charset="-122"/>
-              <a:cs typeface="Arial" panose="020B0604020202020204" pitchFamily="34" charset="0"/>
-            </a:endParaRPr>
           </a:p>
           <a:p>
             <a:pPr marL="342900" indent="-342900" algn="just" defTabSz="266700">
@@ -33265,11 +31753,6 @@
               </a:rPr>
               <a:t>QHBoxLayout</a:t>
             </a:r>
-            <a:endParaRPr lang="en-US" sz="1600">
-              <a:latin typeface="Arial" panose="020B0604020202020204" pitchFamily="34" charset="0"/>
-              <a:ea typeface="SimSun" panose="02010600030101010101" pitchFamily="2" charset="-122"/>
-              <a:cs typeface="Arial" panose="020B0604020202020204" pitchFamily="34" charset="0"/>
-            </a:endParaRPr>
           </a:p>
           <a:p>
             <a:pPr marL="342900" indent="-342900" algn="just" defTabSz="266700">
@@ -33286,11 +31769,6 @@
               </a:rPr>
               <a:t>QLineEditDelegate</a:t>
             </a:r>
-            <a:endParaRPr lang="en-US" sz="1600">
-              <a:latin typeface="Arial" panose="020B0604020202020204" pitchFamily="34" charset="0"/>
-              <a:ea typeface="SimSun" panose="02010600030101010101" pitchFamily="2" charset="-122"/>
-              <a:cs typeface="Arial" panose="020B0604020202020204" pitchFamily="34" charset="0"/>
-            </a:endParaRPr>
           </a:p>
           <a:p>
             <a:pPr marL="342900" indent="-342900" algn="just" defTabSz="266700">
@@ -33307,11 +31785,6 @@
               </a:rPr>
               <a:t>QToolTip</a:t>
             </a:r>
-            <a:endParaRPr lang="en-US" sz="1600">
-              <a:latin typeface="Arial" panose="020B0604020202020204" pitchFamily="34" charset="0"/>
-              <a:ea typeface="SimSun" panose="02010600030101010101" pitchFamily="2" charset="-122"/>
-              <a:cs typeface="Arial" panose="020B0604020202020204" pitchFamily="34" charset="0"/>
-            </a:endParaRPr>
           </a:p>
           <a:p>
             <a:pPr indent="0" algn="just" defTabSz="266700">
@@ -33328,11 +31801,6 @@
               </a:rPr>
               <a:t>7.9. QStandardItem</a:t>
             </a:r>
-            <a:endParaRPr lang="en-US" sz="1600">
-              <a:latin typeface="Arial" panose="020B0604020202020204" pitchFamily="34" charset="0"/>
-              <a:ea typeface="SimSun" panose="02010600030101010101" pitchFamily="2" charset="-122"/>
-              <a:cs typeface="Arial" panose="020B0604020202020204" pitchFamily="34" charset="0"/>
-            </a:endParaRPr>
           </a:p>
           <a:p>
             <a:pPr indent="0" algn="just" defTabSz="266700">
@@ -33349,11 +31817,6 @@
               </a:rPr>
               <a:t>8.   QTreeView</a:t>
             </a:r>
-            <a:endParaRPr lang="en-US" sz="1600">
-              <a:latin typeface="Arial" panose="020B0604020202020204" pitchFamily="34" charset="0"/>
-              <a:ea typeface="SimSun" panose="02010600030101010101" pitchFamily="2" charset="-122"/>
-              <a:cs typeface="Arial" panose="020B0604020202020204" pitchFamily="34" charset="0"/>
-            </a:endParaRPr>
           </a:p>
           <a:p>
             <a:pPr indent="0" algn="just" defTabSz="266700">
@@ -33370,11 +31833,6 @@
               </a:rPr>
               <a:t>10. QTableView</a:t>
             </a:r>
-            <a:endParaRPr lang="en-US" sz="1600">
-              <a:latin typeface="Arial" panose="020B0604020202020204" pitchFamily="34" charset="0"/>
-              <a:ea typeface="SimSun" panose="02010600030101010101" pitchFamily="2" charset="-122"/>
-              <a:cs typeface="Arial" panose="020B0604020202020204" pitchFamily="34" charset="0"/>
-            </a:endParaRPr>
           </a:p>
           <a:p>
             <a:pPr indent="0" algn="just" defTabSz="266700">
@@ -33391,11 +31849,6 @@
               </a:rPr>
               <a:t>11.  QTextEdit</a:t>
             </a:r>
-            <a:endParaRPr lang="en-US" sz="1600">
-              <a:latin typeface="Arial" panose="020B0604020202020204" pitchFamily="34" charset="0"/>
-              <a:ea typeface="SimSun" panose="02010600030101010101" pitchFamily="2" charset="-122"/>
-              <a:cs typeface="Arial" panose="020B0604020202020204" pitchFamily="34" charset="0"/>
-            </a:endParaRPr>
           </a:p>
           <a:p>
             <a:pPr indent="0" algn="just" defTabSz="266700">
@@ -33412,11 +31865,6 @@
               </a:rPr>
               <a:t>12.  QLineEdit</a:t>
             </a:r>
-            <a:endParaRPr lang="en-US" sz="1600">
-              <a:latin typeface="Arial" panose="020B0604020202020204" pitchFamily="34" charset="0"/>
-              <a:ea typeface="SimSun" panose="02010600030101010101" pitchFamily="2" charset="-122"/>
-              <a:cs typeface="Arial" panose="020B0604020202020204" pitchFamily="34" charset="0"/>
-            </a:endParaRPr>
           </a:p>
           <a:p>
             <a:pPr indent="0" algn="just" defTabSz="266700">
@@ -33433,11 +31881,6 @@
               </a:rPr>
               <a:t>13.  QGridLayout</a:t>
             </a:r>
-            <a:endParaRPr lang="en-US" sz="1600">
-              <a:latin typeface="Arial" panose="020B0604020202020204" pitchFamily="34" charset="0"/>
-              <a:ea typeface="SimSun" panose="02010600030101010101" pitchFamily="2" charset="-122"/>
-              <a:cs typeface="Arial" panose="020B0604020202020204" pitchFamily="34" charset="0"/>
-            </a:endParaRPr>
           </a:p>
           <a:p>
             <a:pPr indent="0" algn="just" defTabSz="266700">
@@ -33454,11 +31897,6 @@
               </a:rPr>
               <a:t>14.  QChart</a:t>
             </a:r>
-            <a:endParaRPr lang="en-US" sz="1600">
-              <a:latin typeface="Arial" panose="020B0604020202020204" pitchFamily="34" charset="0"/>
-              <a:ea typeface="SimSun" panose="02010600030101010101" pitchFamily="2" charset="-122"/>
-              <a:cs typeface="Arial" panose="020B0604020202020204" pitchFamily="34" charset="0"/>
-            </a:endParaRPr>
           </a:p>
           <a:p>
             <a:pPr indent="0" algn="just" defTabSz="266700">
@@ -33475,11 +31913,6 @@
               </a:rPr>
               <a:t>15.16.QSplitter</a:t>
             </a:r>
-            <a:endParaRPr lang="en-US" sz="1600">
-              <a:latin typeface="Arial" panose="020B0604020202020204" pitchFamily="34" charset="0"/>
-              <a:ea typeface="SimSun" panose="02010600030101010101" pitchFamily="2" charset="-122"/>
-              <a:cs typeface="Arial" panose="020B0604020202020204" pitchFamily="34" charset="0"/>
-            </a:endParaRPr>
           </a:p>
         </p:txBody>
       </p:sp>
@@ -33516,14 +31949,6 @@
               </a:rPr>
               <a:t>Система анализа и моделирования сценариев работы мобильной сети</a:t>
             </a:r>
-            <a:endParaRPr lang="ru-RU" sz="1200" b="1" dirty="0">
-              <a:solidFill>
-                <a:schemeClr val="tx1"/>
-              </a:solidFill>
-              <a:latin typeface="Arial" panose="020B0604020202020204" pitchFamily="34" charset="0"/>
-              <a:cs typeface="Arial" panose="020B0604020202020204" pitchFamily="34" charset="0"/>
-              <a:sym typeface="+mn-ea"/>
-            </a:endParaRPr>
           </a:p>
         </p:txBody>
       </p:sp>
@@ -33559,13 +31984,6 @@
               </a:rPr>
               <a:t>Пользовательский интерфейс</a:t>
             </a:r>
-            <a:endParaRPr lang="ru-RU" sz="1200" dirty="0">
-              <a:solidFill>
-                <a:srgbClr val="173C90"/>
-              </a:solidFill>
-              <a:latin typeface="Arial" panose="020B0604020202020204" pitchFamily="34" charset="0"/>
-              <a:cs typeface="Arial" panose="020B0604020202020204" pitchFamily="34" charset="0"/>
-            </a:endParaRPr>
           </a:p>
         </p:txBody>
       </p:sp>
@@ -33574,95 +31992,102 @@
   <p:clrMapOvr>
     <a:masterClrMapping/>
   </p:clrMapOvr>
+  <p:timing>
+    <p:tnLst>
+      <p:par>
+        <p:cTn id="1" dur="indefinite" restart="never" nodeType="tmRoot"/>
+      </p:par>
+    </p:tnLst>
+  </p:timing>
 </p:sld>
 </file>
 
 <file path=ppt/tags/tag1.xml><?xml version="1.0" encoding="utf-8"?>
-<p:tagLst xmlns:p="http://schemas.openxmlformats.org/presentationml/2006/main">
+<p:tagLst xmlns:a="http://schemas.openxmlformats.org/drawingml/2006/main" xmlns:r="http://schemas.openxmlformats.org/officeDocument/2006/relationships" xmlns:p="http://schemas.openxmlformats.org/presentationml/2006/main">
   <p:tag name="KSO_WM_BEAUTIFY_FLAG" val=""/>
 </p:tagLst>
 </file>
 
 <file path=ppt/tags/tag10.xml><?xml version="1.0" encoding="utf-8"?>
-<p:tagLst xmlns:p="http://schemas.openxmlformats.org/presentationml/2006/main">
+<p:tagLst xmlns:a="http://schemas.openxmlformats.org/drawingml/2006/main" xmlns:r="http://schemas.openxmlformats.org/officeDocument/2006/relationships" xmlns:p="http://schemas.openxmlformats.org/presentationml/2006/main">
   <p:tag name="KSO_WM_BEAUTIFY_FLAG" val=""/>
 </p:tagLst>
 </file>
 
 <file path=ppt/tags/tag11.xml><?xml version="1.0" encoding="utf-8"?>
-<p:tagLst xmlns:p="http://schemas.openxmlformats.org/presentationml/2006/main">
+<p:tagLst xmlns:a="http://schemas.openxmlformats.org/drawingml/2006/main" xmlns:r="http://schemas.openxmlformats.org/officeDocument/2006/relationships" xmlns:p="http://schemas.openxmlformats.org/presentationml/2006/main">
   <p:tag name="KSO_WM_BEAUTIFY_FLAG" val=""/>
 </p:tagLst>
 </file>
 
 <file path=ppt/tags/tag12.xml><?xml version="1.0" encoding="utf-8"?>
-<p:tagLst xmlns:p="http://schemas.openxmlformats.org/presentationml/2006/main">
+<p:tagLst xmlns:a="http://schemas.openxmlformats.org/drawingml/2006/main" xmlns:r="http://schemas.openxmlformats.org/officeDocument/2006/relationships" xmlns:p="http://schemas.openxmlformats.org/presentationml/2006/main">
   <p:tag name="KSO_WM_BEAUTIFY_FLAG" val=""/>
 </p:tagLst>
 </file>
 
 <file path=ppt/tags/tag13.xml><?xml version="1.0" encoding="utf-8"?>
-<p:tagLst xmlns:p="http://schemas.openxmlformats.org/presentationml/2006/main">
+<p:tagLst xmlns:a="http://schemas.openxmlformats.org/drawingml/2006/main" xmlns:r="http://schemas.openxmlformats.org/officeDocument/2006/relationships" xmlns:p="http://schemas.openxmlformats.org/presentationml/2006/main">
   <p:tag name="KSO_WM_BEAUTIFY_FLAG" val=""/>
 </p:tagLst>
 </file>
 
 <file path=ppt/tags/tag14.xml><?xml version="1.0" encoding="utf-8"?>
-<p:tagLst xmlns:p="http://schemas.openxmlformats.org/presentationml/2006/main">
+<p:tagLst xmlns:a="http://schemas.openxmlformats.org/drawingml/2006/main" xmlns:r="http://schemas.openxmlformats.org/officeDocument/2006/relationships" xmlns:p="http://schemas.openxmlformats.org/presentationml/2006/main">
   <p:tag name="KSO_WM_BEAUTIFY_FLAG" val=""/>
 </p:tagLst>
 </file>
 
 <file path=ppt/tags/tag15.xml><?xml version="1.0" encoding="utf-8"?>
-<p:tagLst xmlns:p="http://schemas.openxmlformats.org/presentationml/2006/main">
+<p:tagLst xmlns:a="http://schemas.openxmlformats.org/drawingml/2006/main" xmlns:r="http://schemas.openxmlformats.org/officeDocument/2006/relationships" xmlns:p="http://schemas.openxmlformats.org/presentationml/2006/main">
   <p:tag name="KSO_WM_BEAUTIFY_FLAG" val=""/>
 </p:tagLst>
 </file>
 
 <file path=ppt/tags/tag2.xml><?xml version="1.0" encoding="utf-8"?>
-<p:tagLst xmlns:p="http://schemas.openxmlformats.org/presentationml/2006/main">
+<p:tagLst xmlns:a="http://schemas.openxmlformats.org/drawingml/2006/main" xmlns:r="http://schemas.openxmlformats.org/officeDocument/2006/relationships" xmlns:p="http://schemas.openxmlformats.org/presentationml/2006/main">
   <p:tag name="KSO_WM_BEAUTIFY_FLAG" val=""/>
 </p:tagLst>
 </file>
 
 <file path=ppt/tags/tag3.xml><?xml version="1.0" encoding="utf-8"?>
-<p:tagLst xmlns:p="http://schemas.openxmlformats.org/presentationml/2006/main">
+<p:tagLst xmlns:a="http://schemas.openxmlformats.org/drawingml/2006/main" xmlns:r="http://schemas.openxmlformats.org/officeDocument/2006/relationships" xmlns:p="http://schemas.openxmlformats.org/presentationml/2006/main">
   <p:tag name="KSO_WM_BEAUTIFY_FLAG" val=""/>
 </p:tagLst>
 </file>
 
 <file path=ppt/tags/tag4.xml><?xml version="1.0" encoding="utf-8"?>
-<p:tagLst xmlns:p="http://schemas.openxmlformats.org/presentationml/2006/main">
+<p:tagLst xmlns:a="http://schemas.openxmlformats.org/drawingml/2006/main" xmlns:r="http://schemas.openxmlformats.org/officeDocument/2006/relationships" xmlns:p="http://schemas.openxmlformats.org/presentationml/2006/main">
   <p:tag name="KSO_WM_BEAUTIFY_FLAG" val=""/>
 </p:tagLst>
 </file>
 
 <file path=ppt/tags/tag5.xml><?xml version="1.0" encoding="utf-8"?>
-<p:tagLst xmlns:p="http://schemas.openxmlformats.org/presentationml/2006/main">
+<p:tagLst xmlns:a="http://schemas.openxmlformats.org/drawingml/2006/main" xmlns:r="http://schemas.openxmlformats.org/officeDocument/2006/relationships" xmlns:p="http://schemas.openxmlformats.org/presentationml/2006/main">
   <p:tag name="KSO_WM_BEAUTIFY_FLAG" val=""/>
 </p:tagLst>
 </file>
 
 <file path=ppt/tags/tag6.xml><?xml version="1.0" encoding="utf-8"?>
-<p:tagLst xmlns:p="http://schemas.openxmlformats.org/presentationml/2006/main">
+<p:tagLst xmlns:a="http://schemas.openxmlformats.org/drawingml/2006/main" xmlns:r="http://schemas.openxmlformats.org/officeDocument/2006/relationships" xmlns:p="http://schemas.openxmlformats.org/presentationml/2006/main">
   <p:tag name="KSO_WM_BEAUTIFY_FLAG" val=""/>
 </p:tagLst>
 </file>
 
 <file path=ppt/tags/tag7.xml><?xml version="1.0" encoding="utf-8"?>
-<p:tagLst xmlns:p="http://schemas.openxmlformats.org/presentationml/2006/main">
+<p:tagLst xmlns:a="http://schemas.openxmlformats.org/drawingml/2006/main" xmlns:r="http://schemas.openxmlformats.org/officeDocument/2006/relationships" xmlns:p="http://schemas.openxmlformats.org/presentationml/2006/main">
   <p:tag name="KSO_WM_BEAUTIFY_FLAG" val=""/>
 </p:tagLst>
 </file>
 
 <file path=ppt/tags/tag8.xml><?xml version="1.0" encoding="utf-8"?>
-<p:tagLst xmlns:p="http://schemas.openxmlformats.org/presentationml/2006/main">
+<p:tagLst xmlns:a="http://schemas.openxmlformats.org/drawingml/2006/main" xmlns:r="http://schemas.openxmlformats.org/officeDocument/2006/relationships" xmlns:p="http://schemas.openxmlformats.org/presentationml/2006/main">
   <p:tag name="KSO_WM_BEAUTIFY_FLAG" val=""/>
 </p:tagLst>
 </file>
 
 <file path=ppt/tags/tag9.xml><?xml version="1.0" encoding="utf-8"?>
-<p:tagLst xmlns:p="http://schemas.openxmlformats.org/presentationml/2006/main">
+<p:tagLst xmlns:a="http://schemas.openxmlformats.org/drawingml/2006/main" xmlns:r="http://schemas.openxmlformats.org/officeDocument/2006/relationships" xmlns:p="http://schemas.openxmlformats.org/presentationml/2006/main">
   <p:tag name="KSO_WM_BEAUTIFY_FLAG" val=""/>
 </p:tagLst>
 </file>
@@ -33918,6 +32343,8 @@
       </a:bgFillStyleLst>
     </a:fmtScheme>
   </a:themeElements>
+  <a:objectDefaults/>
+  <a:extraClrSchemeLst/>
   <a:extLst>
     <a:ext uri="{05A4C25C-085E-4340-85A3-A5531E510DB2}">
       <thm15:themeFamily xmlns:thm15="http://schemas.microsoft.com/office/thememl/2012/main" name="Office Theme" id="{62F939B6-93AF-4DB8-9C6B-D6C7DFDC589F}" vid="{4A3C46E8-61CC-4603-A589-7422A47A8E4A}"/>
@@ -34177,6 +32604,8 @@
       </a:bgFillStyleLst>
     </a:fmtScheme>
   </a:themeElements>
+  <a:objectDefaults/>
+  <a:extraClrSchemeLst/>
   <a:extLst>
     <a:ext uri="{05A4C25C-085E-4340-85A3-A5531E510DB2}">
       <thm15:themeFamily xmlns:thm15="http://schemas.microsoft.com/office/thememl/2012/main" name="Office Theme" id="{62F939B6-93AF-4DB8-9C6B-D6C7DFDC589F}" vid="{4A3C46E8-61CC-4603-A589-7422A47A8E4A}"/>
@@ -34436,6 +32865,8 @@
       </a:bgFillStyleLst>
     </a:fmtScheme>
   </a:themeElements>
+  <a:objectDefaults/>
+  <a:extraClrSchemeLst/>
   <a:extLst>
     <a:ext uri="{05A4C25C-085E-4340-85A3-A5531E510DB2}">
       <thm15:themeFamily xmlns:thm15="http://schemas.microsoft.com/office/thememl/2012/main" name="Office Theme" id="{62F939B6-93AF-4DB8-9C6B-D6C7DFDC589F}" vid="{4A3C46E8-61CC-4603-A589-7422A47A8E4A}"/>

--- a/вкр/дипломная_презентация.pptx
+++ b/вкр/дипломная_презентация.pptx
@@ -575,6 +575,1879 @@
 </p:notes>
 </file>
 
+<file path=ppt/notesSlides/notesSlide10.xml><?xml version="1.0" encoding="utf-8"?>
+<p:notes xmlns:a="http://schemas.openxmlformats.org/drawingml/2006/main" xmlns:r="http://schemas.openxmlformats.org/officeDocument/2006/relationships" xmlns:p="http://schemas.openxmlformats.org/presentationml/2006/main">
+  <p:cSld>
+    <p:spTree>
+      <p:nvGrpSpPr>
+        <p:cNvPr id="1" name=""/>
+        <p:cNvGrpSpPr/>
+        <p:nvPr/>
+      </p:nvGrpSpPr>
+      <p:grpSpPr>
+        <a:xfrm>
+          <a:off x="0" y="0"/>
+          <a:ext cx="0" cy="0"/>
+          <a:chOff x="0" y="0"/>
+          <a:chExt cx="0" cy="0"/>
+        </a:xfrm>
+      </p:grpSpPr>
+      <p:sp>
+        <p:nvSpPr>
+          <p:cNvPr id="2" name="Образ слайда 1"/>
+          <p:cNvSpPr>
+            <a:spLocks noGrp="1" noRot="1" noChangeAspect="1"/>
+          </p:cNvSpPr>
+          <p:nvPr>
+            <p:ph type="sldImg"/>
+          </p:nvPr>
+        </p:nvSpPr>
+        <p:spPr/>
+      </p:sp>
+      <p:sp>
+        <p:nvSpPr>
+          <p:cNvPr id="3" name="Заметки 2"/>
+          <p:cNvSpPr>
+            <a:spLocks noGrp="1"/>
+          </p:cNvSpPr>
+          <p:nvPr>
+            <p:ph type="body" idx="1"/>
+          </p:nvPr>
+        </p:nvSpPr>
+        <p:spPr/>
+        <p:txBody>
+          <a:bodyPr/>
+          <a:lstStyle/>
+          <a:p>
+            <a:r>
+              <a:rPr lang="ru-RU" sz="1200" kern="1200" dirty="0" smtClean="0">
+                <a:solidFill>
+                  <a:schemeClr val="tx1"/>
+                </a:solidFill>
+                <a:effectLst/>
+                <a:latin typeface="+mn-lt"/>
+                <a:ea typeface="+mn-ea"/>
+                <a:cs typeface="+mn-cs"/>
+              </a:rPr>
+              <a:t>Перед тем, как начать рассматривать упрощенный интерфейс по взаимодействию с БД, рассмотрим модель данных, которая лежит его основе.</a:t>
+            </a:r>
+          </a:p>
+          <a:p>
+            <a:r>
+              <a:rPr lang="ru-RU" sz="1200" kern="1200" dirty="0" smtClean="0">
+                <a:solidFill>
+                  <a:schemeClr val="tx1"/>
+                </a:solidFill>
+                <a:effectLst/>
+                <a:latin typeface="+mn-lt"/>
+                <a:ea typeface="+mn-ea"/>
+                <a:cs typeface="+mn-cs"/>
+              </a:rPr>
+              <a:t>Эта модель называется “Сущность – Атрибут – Значение”. Она позволяет динамически изменять набор атрибутов, при этом не изменяя структуру таблиц.</a:t>
+            </a:r>
+          </a:p>
+          <a:p>
+            <a:r>
+              <a:rPr lang="ru-RU" sz="1200" kern="1200" dirty="0" smtClean="0">
+                <a:solidFill>
+                  <a:schemeClr val="tx1"/>
+                </a:solidFill>
+                <a:effectLst/>
+                <a:latin typeface="+mn-lt"/>
+                <a:ea typeface="+mn-ea"/>
+                <a:cs typeface="+mn-cs"/>
+              </a:rPr>
+              <a:t>Данная модель предполагает разделение данных на три таблицы: таблицу сущностей, атрибутов и значений.</a:t>
+            </a:r>
+          </a:p>
+          <a:p>
+            <a:r>
+              <a:rPr lang="ru-RU" sz="1200" kern="1200" dirty="0" smtClean="0">
+                <a:solidFill>
+                  <a:schemeClr val="tx1"/>
+                </a:solidFill>
+                <a:effectLst/>
+                <a:latin typeface="+mn-lt"/>
+                <a:ea typeface="+mn-ea"/>
+                <a:cs typeface="+mn-cs"/>
+              </a:rPr>
+              <a:t>Таблица сущностей хранит идентификаторы сущностей. Таблица атрибутов хранит идентификаторы атрибутов и их названия. А таблица значений логически соединяет в себе первые две таблицы – она хранит идентификатор сущности, идентификатор атрибута, и значение, которое соответствует этой паре идентификаторов.</a:t>
+            </a:r>
+          </a:p>
+          <a:p>
+            <a:r>
+              <a:rPr lang="ru-RU" sz="1200" kern="1200" dirty="0" smtClean="0">
+                <a:solidFill>
+                  <a:schemeClr val="tx1"/>
+                </a:solidFill>
+                <a:effectLst/>
+                <a:latin typeface="+mn-lt"/>
+                <a:ea typeface="+mn-ea"/>
+                <a:cs typeface="+mn-cs"/>
+              </a:rPr>
+              <a:t>Например, у сущности “пользователь” может быть “атрибут” – “Имя”. У первого пользователя значение этого атрибута – “Саша”, а у второго пользователя значение этого атрибута – “Миша”.</a:t>
+            </a:r>
+          </a:p>
+          <a:p>
+            <a:r>
+              <a:rPr lang="ru-RU" sz="1200" kern="1200" dirty="0" smtClean="0">
+                <a:solidFill>
+                  <a:schemeClr val="tx1"/>
+                </a:solidFill>
+                <a:effectLst/>
+                <a:latin typeface="+mn-lt"/>
+                <a:ea typeface="+mn-ea"/>
+                <a:cs typeface="+mn-cs"/>
+              </a:rPr>
+              <a:t>Конкретно у представленной на слайде схемы есть один существенный минус. Значение, которое хранится в таблице значений (столбец </a:t>
+            </a:r>
+            <a:r>
+              <a:rPr lang="en-US" sz="1200" kern="1200" dirty="0" smtClean="0">
+                <a:solidFill>
+                  <a:schemeClr val="tx1"/>
+                </a:solidFill>
+                <a:effectLst/>
+                <a:latin typeface="+mn-lt"/>
+                <a:ea typeface="+mn-ea"/>
+                <a:cs typeface="+mn-cs"/>
+              </a:rPr>
+              <a:t>value</a:t>
+            </a:r>
+            <a:r>
+              <a:rPr lang="ru-RU" sz="1200" kern="1200" dirty="0" smtClean="0">
+                <a:solidFill>
+                  <a:schemeClr val="tx1"/>
+                </a:solidFill>
+                <a:effectLst/>
+                <a:latin typeface="+mn-lt"/>
+                <a:ea typeface="+mn-ea"/>
+                <a:cs typeface="+mn-cs"/>
+              </a:rPr>
+              <a:t>) имеет фиксированный тип – </a:t>
+            </a:r>
+            <a:r>
+              <a:rPr lang="en-US" sz="1200" kern="1200" dirty="0" smtClean="0">
+                <a:solidFill>
+                  <a:schemeClr val="tx1"/>
+                </a:solidFill>
+                <a:effectLst/>
+                <a:latin typeface="+mn-lt"/>
+                <a:ea typeface="+mn-ea"/>
+                <a:cs typeface="+mn-cs"/>
+              </a:rPr>
+              <a:t>TEXT</a:t>
+            </a:r>
+            <a:r>
+              <a:rPr lang="ru-RU" sz="1200" kern="1200" dirty="0" smtClean="0">
+                <a:solidFill>
+                  <a:schemeClr val="tx1"/>
+                </a:solidFill>
+                <a:effectLst/>
+                <a:latin typeface="+mn-lt"/>
+                <a:ea typeface="+mn-ea"/>
+                <a:cs typeface="+mn-cs"/>
+              </a:rPr>
+              <a:t>. Это не позволяет нам эффективно хранить данные других типов.</a:t>
+            </a:r>
+          </a:p>
+          <a:p>
+            <a:r>
+              <a:rPr lang="ru-RU" sz="1200" kern="1200" dirty="0" smtClean="0">
+                <a:solidFill>
+                  <a:schemeClr val="tx1"/>
+                </a:solidFill>
+                <a:effectLst/>
+                <a:latin typeface="+mn-lt"/>
+                <a:ea typeface="+mn-ea"/>
+                <a:cs typeface="+mn-cs"/>
+              </a:rPr>
+              <a:t>Поэтому данная модель используется в несколько расширенном виде.</a:t>
+            </a:r>
+            <a:endParaRPr lang="ru-RU" dirty="0"/>
+          </a:p>
+        </p:txBody>
+      </p:sp>
+      <p:sp>
+        <p:nvSpPr>
+          <p:cNvPr id="4" name="Номер слайда 3"/>
+          <p:cNvSpPr>
+            <a:spLocks noGrp="1"/>
+          </p:cNvSpPr>
+          <p:nvPr>
+            <p:ph type="sldNum" sz="quarter" idx="10"/>
+          </p:nvPr>
+        </p:nvSpPr>
+        <p:spPr/>
+        <p:txBody>
+          <a:bodyPr/>
+          <a:lstStyle/>
+          <a:p>
+            <a:fld id="{0F02595E-CCE3-3147-8332-818853E6143F}" type="slidenum">
+              <a:rPr lang="ru-RU" smtClean="0"/>
+              <a:t>32</a:t>
+            </a:fld>
+            <a:endParaRPr lang="ru-RU"/>
+          </a:p>
+        </p:txBody>
+      </p:sp>
+    </p:spTree>
+    <p:extLst>
+      <p:ext uri="{BB962C8B-B14F-4D97-AF65-F5344CB8AC3E}">
+        <p14:creationId xmlns:p14="http://schemas.microsoft.com/office/powerpoint/2010/main" val="3195750995"/>
+      </p:ext>
+    </p:extLst>
+  </p:cSld>
+  <p:clrMapOvr>
+    <a:masterClrMapping/>
+  </p:clrMapOvr>
+</p:notes>
+</file>
+
+<file path=ppt/notesSlides/notesSlide11.xml><?xml version="1.0" encoding="utf-8"?>
+<p:notes xmlns:a="http://schemas.openxmlformats.org/drawingml/2006/main" xmlns:r="http://schemas.openxmlformats.org/officeDocument/2006/relationships" xmlns:p="http://schemas.openxmlformats.org/presentationml/2006/main">
+  <p:cSld>
+    <p:spTree>
+      <p:nvGrpSpPr>
+        <p:cNvPr id="1" name=""/>
+        <p:cNvGrpSpPr/>
+        <p:nvPr/>
+      </p:nvGrpSpPr>
+      <p:grpSpPr>
+        <a:xfrm>
+          <a:off x="0" y="0"/>
+          <a:ext cx="0" cy="0"/>
+          <a:chOff x="0" y="0"/>
+          <a:chExt cx="0" cy="0"/>
+        </a:xfrm>
+      </p:grpSpPr>
+      <p:sp>
+        <p:nvSpPr>
+          <p:cNvPr id="2" name="Образ слайда 1"/>
+          <p:cNvSpPr>
+            <a:spLocks noGrp="1" noRot="1" noChangeAspect="1"/>
+          </p:cNvSpPr>
+          <p:nvPr>
+            <p:ph type="sldImg"/>
+          </p:nvPr>
+        </p:nvSpPr>
+        <p:spPr/>
+      </p:sp>
+      <p:sp>
+        <p:nvSpPr>
+          <p:cNvPr id="3" name="Заметки 2"/>
+          <p:cNvSpPr>
+            <a:spLocks noGrp="1"/>
+          </p:cNvSpPr>
+          <p:nvPr>
+            <p:ph type="body" idx="1"/>
+          </p:nvPr>
+        </p:nvSpPr>
+        <p:spPr/>
+        <p:txBody>
+          <a:bodyPr/>
+          <a:lstStyle/>
+          <a:p>
+            <a:r>
+              <a:rPr lang="ru-RU" sz="1200" kern="1200" dirty="0" smtClean="0">
+                <a:solidFill>
+                  <a:schemeClr val="tx1"/>
+                </a:solidFill>
+                <a:effectLst/>
+                <a:latin typeface="+mn-lt"/>
+                <a:ea typeface="+mn-ea"/>
+                <a:cs typeface="+mn-cs"/>
+              </a:rPr>
+              <a:t>Теперь мы для каждого поддерживаемого </a:t>
+            </a:r>
+            <a:r>
+              <a:rPr lang="ru-RU" sz="1200" b="1" kern="1200" dirty="0" smtClean="0">
+                <a:solidFill>
+                  <a:schemeClr val="tx1"/>
+                </a:solidFill>
+                <a:effectLst/>
+                <a:latin typeface="+mn-lt"/>
+                <a:ea typeface="+mn-ea"/>
+                <a:cs typeface="+mn-cs"/>
+              </a:rPr>
+              <a:t>типа</a:t>
+            </a:r>
+            <a:r>
+              <a:rPr lang="ru-RU" sz="1200" kern="1200" dirty="0" smtClean="0">
+                <a:solidFill>
+                  <a:schemeClr val="tx1"/>
+                </a:solidFill>
+                <a:effectLst/>
+                <a:latin typeface="+mn-lt"/>
+                <a:ea typeface="+mn-ea"/>
+                <a:cs typeface="+mn-cs"/>
+              </a:rPr>
+              <a:t> заводим свою таблицу атрибутов и свою таблицу значений, в которой значение будет уже иметь требуемый тип.</a:t>
+            </a:r>
+          </a:p>
+          <a:p>
+            <a:r>
+              <a:rPr lang="ru-RU" sz="1200" kern="1200" dirty="0" smtClean="0">
+                <a:solidFill>
+                  <a:schemeClr val="tx1"/>
+                </a:solidFill>
+                <a:effectLst/>
+                <a:latin typeface="+mn-lt"/>
+                <a:ea typeface="+mn-ea"/>
+                <a:cs typeface="+mn-cs"/>
+              </a:rPr>
+              <a:t>Например, у сущности “пользователь” может быть текстовый атрибут “Имя” и числовой атрибут “Возраст”. Текстовые атрибуты будут записаны в таблицу с текстовыми атрибутами, а числовые – в таблицу к числовым. Значения также пойдут в соответствующие таблицы.</a:t>
+            </a:r>
+            <a:endParaRPr lang="ru-RU" dirty="0"/>
+          </a:p>
+        </p:txBody>
+      </p:sp>
+      <p:sp>
+        <p:nvSpPr>
+          <p:cNvPr id="4" name="Номер слайда 3"/>
+          <p:cNvSpPr>
+            <a:spLocks noGrp="1"/>
+          </p:cNvSpPr>
+          <p:nvPr>
+            <p:ph type="sldNum" sz="quarter" idx="10"/>
+          </p:nvPr>
+        </p:nvSpPr>
+        <p:spPr/>
+        <p:txBody>
+          <a:bodyPr/>
+          <a:lstStyle/>
+          <a:p>
+            <a:fld id="{0F02595E-CCE3-3147-8332-818853E6143F}" type="slidenum">
+              <a:rPr lang="ru-RU" smtClean="0"/>
+              <a:t>33</a:t>
+            </a:fld>
+            <a:endParaRPr lang="ru-RU"/>
+          </a:p>
+        </p:txBody>
+      </p:sp>
+    </p:spTree>
+    <p:extLst>
+      <p:ext uri="{BB962C8B-B14F-4D97-AF65-F5344CB8AC3E}">
+        <p14:creationId xmlns:p14="http://schemas.microsoft.com/office/powerpoint/2010/main" val="1881707680"/>
+      </p:ext>
+    </p:extLst>
+  </p:cSld>
+  <p:clrMapOvr>
+    <a:masterClrMapping/>
+  </p:clrMapOvr>
+</p:notes>
+</file>
+
+<file path=ppt/notesSlides/notesSlide12.xml><?xml version="1.0" encoding="utf-8"?>
+<p:notes xmlns:a="http://schemas.openxmlformats.org/drawingml/2006/main" xmlns:r="http://schemas.openxmlformats.org/officeDocument/2006/relationships" xmlns:p="http://schemas.openxmlformats.org/presentationml/2006/main">
+  <p:cSld>
+    <p:spTree>
+      <p:nvGrpSpPr>
+        <p:cNvPr id="1" name=""/>
+        <p:cNvGrpSpPr/>
+        <p:nvPr/>
+      </p:nvGrpSpPr>
+      <p:grpSpPr>
+        <a:xfrm>
+          <a:off x="0" y="0"/>
+          <a:ext cx="0" cy="0"/>
+          <a:chOff x="0" y="0"/>
+          <a:chExt cx="0" cy="0"/>
+        </a:xfrm>
+      </p:grpSpPr>
+      <p:sp>
+        <p:nvSpPr>
+          <p:cNvPr id="2" name="Образ слайда 1"/>
+          <p:cNvSpPr>
+            <a:spLocks noGrp="1" noRot="1" noChangeAspect="1"/>
+          </p:cNvSpPr>
+          <p:nvPr>
+            <p:ph type="sldImg"/>
+          </p:nvPr>
+        </p:nvSpPr>
+        <p:spPr/>
+      </p:sp>
+      <p:sp>
+        <p:nvSpPr>
+          <p:cNvPr id="3" name="Заметки 2"/>
+          <p:cNvSpPr>
+            <a:spLocks noGrp="1"/>
+          </p:cNvSpPr>
+          <p:nvPr>
+            <p:ph type="body" idx="1"/>
+          </p:nvPr>
+        </p:nvSpPr>
+        <p:spPr/>
+        <p:txBody>
+          <a:bodyPr/>
+          <a:lstStyle/>
+          <a:p>
+            <a:r>
+              <a:rPr lang="ru-RU" sz="1200" kern="1200" dirty="0" smtClean="0">
+                <a:solidFill>
+                  <a:schemeClr val="tx1"/>
+                </a:solidFill>
+                <a:effectLst/>
+                <a:latin typeface="+mn-lt"/>
+                <a:ea typeface="+mn-ea"/>
+                <a:cs typeface="+mn-cs"/>
+              </a:rPr>
+              <a:t>Именно такая модель лежит в основе упрощенного интерфейса взаимодействия с БД.</a:t>
+            </a:r>
+          </a:p>
+          <a:p>
+            <a:r>
+              <a:rPr lang="ru-RU" sz="1200" kern="1200" dirty="0" smtClean="0">
+                <a:solidFill>
+                  <a:schemeClr val="tx1"/>
+                </a:solidFill>
+                <a:effectLst/>
+                <a:latin typeface="+mn-lt"/>
+                <a:ea typeface="+mn-ea"/>
+                <a:cs typeface="+mn-cs"/>
+              </a:rPr>
+              <a:t>Этот интерфейс позволяет обращаться к базе данных, использующей данную модель, простым образом. А именно, данный интерфейс позволяет:</a:t>
+            </a:r>
+          </a:p>
+          <a:p>
+            <a:pPr lvl="0"/>
+            <a:r>
+              <a:rPr lang="ru-RU" sz="1200" kern="1200" dirty="0" smtClean="0">
+                <a:solidFill>
+                  <a:schemeClr val="tx1"/>
+                </a:solidFill>
+                <a:effectLst/>
+                <a:latin typeface="+mn-lt"/>
+                <a:ea typeface="+mn-ea"/>
+                <a:cs typeface="+mn-cs"/>
+              </a:rPr>
+              <a:t>1. Создавать все необходимые таблицы.</a:t>
+            </a:r>
+          </a:p>
+          <a:p>
+            <a:pPr lvl="0"/>
+            <a:r>
+              <a:rPr lang="ru-RU" sz="1200" kern="1200" dirty="0" smtClean="0">
+                <a:solidFill>
+                  <a:schemeClr val="tx1"/>
+                </a:solidFill>
+                <a:effectLst/>
+                <a:latin typeface="+mn-lt"/>
+                <a:ea typeface="+mn-ea"/>
+                <a:cs typeface="+mn-cs"/>
+              </a:rPr>
+              <a:t>2. Создавать новые экземпляры сущностей.</a:t>
+            </a:r>
+          </a:p>
+          <a:p>
+            <a:pPr lvl="0"/>
+            <a:r>
+              <a:rPr lang="ru-RU" sz="1200" kern="1200" dirty="0" smtClean="0">
+                <a:solidFill>
+                  <a:schemeClr val="tx1"/>
+                </a:solidFill>
+                <a:effectLst/>
+                <a:latin typeface="+mn-lt"/>
+                <a:ea typeface="+mn-ea"/>
+                <a:cs typeface="+mn-cs"/>
+              </a:rPr>
+              <a:t>3. Получать идентификаторы уже созданных сущностей.</a:t>
+            </a:r>
+          </a:p>
+          <a:p>
+            <a:pPr lvl="0"/>
+            <a:r>
+              <a:rPr lang="ru-RU" sz="1200" kern="1200" dirty="0" smtClean="0">
+                <a:solidFill>
+                  <a:schemeClr val="tx1"/>
+                </a:solidFill>
+                <a:effectLst/>
+                <a:latin typeface="+mn-lt"/>
+                <a:ea typeface="+mn-ea"/>
+                <a:cs typeface="+mn-cs"/>
+              </a:rPr>
+              <a:t>4. Получать названия атрибутов этих сущностей.</a:t>
+            </a:r>
+          </a:p>
+          <a:p>
+            <a:pPr lvl="0"/>
+            <a:r>
+              <a:rPr lang="ru-RU" sz="1200" kern="1200" dirty="0" smtClean="0">
+                <a:solidFill>
+                  <a:schemeClr val="tx1"/>
+                </a:solidFill>
+                <a:effectLst/>
+                <a:latin typeface="+mn-lt"/>
+                <a:ea typeface="+mn-ea"/>
+                <a:cs typeface="+mn-cs"/>
+              </a:rPr>
+              <a:t>5. Получать значения атрибутов сущностей.</a:t>
+            </a:r>
+          </a:p>
+          <a:p>
+            <a:pPr lvl="0"/>
+            <a:r>
+              <a:rPr lang="ru-RU" sz="1200" kern="1200" dirty="0" smtClean="0">
+                <a:solidFill>
+                  <a:schemeClr val="tx1"/>
+                </a:solidFill>
+                <a:effectLst/>
+                <a:latin typeface="+mn-lt"/>
+                <a:ea typeface="+mn-ea"/>
+                <a:cs typeface="+mn-cs"/>
+              </a:rPr>
+              <a:t>6. Искать идентификаторы сущностей по значениям их атрибутов.</a:t>
+            </a:r>
+          </a:p>
+          <a:p>
+            <a:pPr lvl="0"/>
+            <a:r>
+              <a:rPr lang="ru-RU" sz="1200" kern="1200" dirty="0" smtClean="0">
+                <a:solidFill>
+                  <a:schemeClr val="tx1"/>
+                </a:solidFill>
+                <a:effectLst/>
+                <a:latin typeface="+mn-lt"/>
+                <a:ea typeface="+mn-ea"/>
+                <a:cs typeface="+mn-cs"/>
+              </a:rPr>
+              <a:t>7. Вставлять и обновлять значения атрибутов сущностей.</a:t>
+            </a:r>
+          </a:p>
+          <a:p>
+            <a:r>
+              <a:rPr lang="ru-RU" sz="1200" kern="1200" dirty="0" smtClean="0">
+                <a:solidFill>
+                  <a:schemeClr val="tx1"/>
+                </a:solidFill>
+                <a:effectLst/>
+                <a:latin typeface="+mn-lt"/>
+                <a:ea typeface="+mn-ea"/>
+                <a:cs typeface="+mn-cs"/>
+              </a:rPr>
+              <a:t>Важной особенностью этого интерфейса является то, что он позволяет единообразно работать со значениями разных типов, которые содержатся в таблицах значений. Достигается это за счет введения интерфейса </a:t>
+            </a:r>
+            <a:r>
+              <a:rPr lang="en-US" sz="1200" kern="1200" dirty="0" smtClean="0">
+                <a:solidFill>
+                  <a:schemeClr val="tx1"/>
+                </a:solidFill>
+                <a:effectLst/>
+                <a:latin typeface="+mn-lt"/>
+                <a:ea typeface="+mn-ea"/>
+                <a:cs typeface="+mn-cs"/>
+              </a:rPr>
+              <a:t>SQL</a:t>
+            </a:r>
+            <a:r>
+              <a:rPr lang="ru-RU" sz="1200" kern="1200" dirty="0" smtClean="0">
+                <a:solidFill>
+                  <a:schemeClr val="tx1"/>
+                </a:solidFill>
+                <a:effectLst/>
+                <a:latin typeface="+mn-lt"/>
+                <a:ea typeface="+mn-ea"/>
+                <a:cs typeface="+mn-cs"/>
+              </a:rPr>
+              <a:t>-переменной </a:t>
+            </a:r>
+            <a:r>
+              <a:rPr lang="en-US" sz="1200" kern="1200" dirty="0" err="1" smtClean="0">
+                <a:solidFill>
+                  <a:schemeClr val="tx1"/>
+                </a:solidFill>
+                <a:effectLst/>
+                <a:latin typeface="+mn-lt"/>
+                <a:ea typeface="+mn-ea"/>
+                <a:cs typeface="+mn-cs"/>
+              </a:rPr>
+              <a:t>ISQLType</a:t>
+            </a:r>
+            <a:r>
+              <a:rPr lang="ru-RU" sz="1200" kern="1200" dirty="0" smtClean="0">
+                <a:solidFill>
+                  <a:schemeClr val="tx1"/>
+                </a:solidFill>
+                <a:effectLst/>
+                <a:latin typeface="+mn-lt"/>
+                <a:ea typeface="+mn-ea"/>
+                <a:cs typeface="+mn-cs"/>
+              </a:rPr>
+              <a:t>.</a:t>
+            </a:r>
+            <a:endParaRPr lang="ru-RU" dirty="0"/>
+          </a:p>
+        </p:txBody>
+      </p:sp>
+      <p:sp>
+        <p:nvSpPr>
+          <p:cNvPr id="4" name="Номер слайда 3"/>
+          <p:cNvSpPr>
+            <a:spLocks noGrp="1"/>
+          </p:cNvSpPr>
+          <p:nvPr>
+            <p:ph type="sldNum" sz="quarter" idx="10"/>
+          </p:nvPr>
+        </p:nvSpPr>
+        <p:spPr/>
+        <p:txBody>
+          <a:bodyPr/>
+          <a:lstStyle/>
+          <a:p>
+            <a:fld id="{0F02595E-CCE3-3147-8332-818853E6143F}" type="slidenum">
+              <a:rPr lang="ru-RU" smtClean="0"/>
+              <a:t>34</a:t>
+            </a:fld>
+            <a:endParaRPr lang="ru-RU"/>
+          </a:p>
+        </p:txBody>
+      </p:sp>
+    </p:spTree>
+    <p:extLst>
+      <p:ext uri="{BB962C8B-B14F-4D97-AF65-F5344CB8AC3E}">
+        <p14:creationId xmlns:p14="http://schemas.microsoft.com/office/powerpoint/2010/main" val="3371959964"/>
+      </p:ext>
+    </p:extLst>
+  </p:cSld>
+  <p:clrMapOvr>
+    <a:masterClrMapping/>
+  </p:clrMapOvr>
+</p:notes>
+</file>
+
+<file path=ppt/notesSlides/notesSlide13.xml><?xml version="1.0" encoding="utf-8"?>
+<p:notes xmlns:a="http://schemas.openxmlformats.org/drawingml/2006/main" xmlns:r="http://schemas.openxmlformats.org/officeDocument/2006/relationships" xmlns:p="http://schemas.openxmlformats.org/presentationml/2006/main">
+  <p:cSld>
+    <p:spTree>
+      <p:nvGrpSpPr>
+        <p:cNvPr id="1" name=""/>
+        <p:cNvGrpSpPr/>
+        <p:nvPr/>
+      </p:nvGrpSpPr>
+      <p:grpSpPr>
+        <a:xfrm>
+          <a:off x="0" y="0"/>
+          <a:ext cx="0" cy="0"/>
+          <a:chOff x="0" y="0"/>
+          <a:chExt cx="0" cy="0"/>
+        </a:xfrm>
+      </p:grpSpPr>
+      <p:sp>
+        <p:nvSpPr>
+          <p:cNvPr id="2" name="Образ слайда 1"/>
+          <p:cNvSpPr>
+            <a:spLocks noGrp="1" noRot="1" noChangeAspect="1"/>
+          </p:cNvSpPr>
+          <p:nvPr>
+            <p:ph type="sldImg"/>
+          </p:nvPr>
+        </p:nvSpPr>
+        <p:spPr/>
+      </p:sp>
+      <p:sp>
+        <p:nvSpPr>
+          <p:cNvPr id="3" name="Заметки 2"/>
+          <p:cNvSpPr>
+            <a:spLocks noGrp="1"/>
+          </p:cNvSpPr>
+          <p:nvPr>
+            <p:ph type="body" idx="1"/>
+          </p:nvPr>
+        </p:nvSpPr>
+        <p:spPr/>
+        <p:txBody>
+          <a:bodyPr/>
+          <a:lstStyle/>
+          <a:p>
+            <a:r>
+              <a:rPr lang="ru-RU" sz="1200" kern="1200" dirty="0" smtClean="0">
+                <a:solidFill>
+                  <a:schemeClr val="tx1"/>
+                </a:solidFill>
+                <a:effectLst/>
+                <a:latin typeface="+mn-lt"/>
+                <a:ea typeface="+mn-ea"/>
+                <a:cs typeface="+mn-cs"/>
+              </a:rPr>
+              <a:t>Данный интерфейс позволяет сконвертировать значение, содержащееся в переменной, в такое представление, в котором оно может быть использовано в </a:t>
+            </a:r>
+            <a:r>
+              <a:rPr lang="en-US" sz="1200" kern="1200" dirty="0" smtClean="0">
+                <a:solidFill>
+                  <a:schemeClr val="tx1"/>
+                </a:solidFill>
+                <a:effectLst/>
+                <a:latin typeface="+mn-lt"/>
+                <a:ea typeface="+mn-ea"/>
+                <a:cs typeface="+mn-cs"/>
+              </a:rPr>
+              <a:t>SQL</a:t>
+            </a:r>
+            <a:r>
+              <a:rPr lang="ru-RU" sz="1200" kern="1200" dirty="0" smtClean="0">
+                <a:solidFill>
+                  <a:schemeClr val="tx1"/>
+                </a:solidFill>
+                <a:effectLst/>
+                <a:latin typeface="+mn-lt"/>
+                <a:ea typeface="+mn-ea"/>
+                <a:cs typeface="+mn-cs"/>
+              </a:rPr>
+              <a:t>-запросе; а также прочитать значение переменной из </a:t>
+            </a:r>
+            <a:r>
+              <a:rPr lang="en-US" sz="1200" kern="1200" dirty="0" smtClean="0">
+                <a:solidFill>
+                  <a:schemeClr val="tx1"/>
+                </a:solidFill>
+                <a:effectLst/>
+                <a:latin typeface="+mn-lt"/>
+                <a:ea typeface="+mn-ea"/>
+                <a:cs typeface="+mn-cs"/>
+              </a:rPr>
+              <a:t>SQL</a:t>
+            </a:r>
+            <a:r>
+              <a:rPr lang="ru-RU" sz="1200" kern="1200" dirty="0" smtClean="0">
+                <a:solidFill>
+                  <a:schemeClr val="tx1"/>
+                </a:solidFill>
+                <a:effectLst/>
+                <a:latin typeface="+mn-lt"/>
+                <a:ea typeface="+mn-ea"/>
+                <a:cs typeface="+mn-cs"/>
+              </a:rPr>
+              <a:t>-ответа.</a:t>
+            </a:r>
+          </a:p>
+          <a:p>
+            <a:r>
+              <a:rPr lang="ru-RU" sz="1200" kern="1200" dirty="0" smtClean="0">
+                <a:solidFill>
+                  <a:schemeClr val="tx1"/>
+                </a:solidFill>
+                <a:effectLst/>
+                <a:latin typeface="+mn-lt"/>
+                <a:ea typeface="+mn-ea"/>
+                <a:cs typeface="+mn-cs"/>
+              </a:rPr>
+              <a:t>Для этого у интерфейса </a:t>
+            </a:r>
+            <a:r>
+              <a:rPr lang="en-US" sz="1200" kern="1200" dirty="0" smtClean="0">
+                <a:solidFill>
+                  <a:schemeClr val="tx1"/>
+                </a:solidFill>
+                <a:effectLst/>
+                <a:latin typeface="+mn-lt"/>
+                <a:ea typeface="+mn-ea"/>
+                <a:cs typeface="+mn-cs"/>
+              </a:rPr>
+              <a:t>SQL</a:t>
+            </a:r>
+            <a:r>
+              <a:rPr lang="ru-RU" sz="1200" kern="1200" dirty="0" smtClean="0">
+                <a:solidFill>
+                  <a:schemeClr val="tx1"/>
+                </a:solidFill>
+                <a:effectLst/>
+                <a:latin typeface="+mn-lt"/>
+                <a:ea typeface="+mn-ea"/>
+                <a:cs typeface="+mn-cs"/>
+              </a:rPr>
+              <a:t>-переменной есть наследники, которые определяют правила конкретной конвертации. Так, </a:t>
+            </a:r>
+            <a:r>
+              <a:rPr lang="en-US" sz="1200" kern="1200" dirty="0" err="1" smtClean="0">
+                <a:solidFill>
+                  <a:schemeClr val="tx1"/>
+                </a:solidFill>
+                <a:effectLst/>
+                <a:latin typeface="+mn-lt"/>
+                <a:ea typeface="+mn-ea"/>
+                <a:cs typeface="+mn-cs"/>
+              </a:rPr>
+              <a:t>ISQLTypeInteger</a:t>
+            </a:r>
+            <a:r>
+              <a:rPr lang="ru-RU" sz="1200" kern="1200" dirty="0" smtClean="0">
+                <a:solidFill>
+                  <a:schemeClr val="tx1"/>
+                </a:solidFill>
+                <a:effectLst/>
+                <a:latin typeface="+mn-lt"/>
+                <a:ea typeface="+mn-ea"/>
+                <a:cs typeface="+mn-cs"/>
+              </a:rPr>
+              <a:t> – определяет правила конвертации для </a:t>
+            </a:r>
+            <a:r>
+              <a:rPr lang="en-US" sz="1200" kern="1200" dirty="0" smtClean="0">
+                <a:solidFill>
+                  <a:schemeClr val="tx1"/>
+                </a:solidFill>
+                <a:effectLst/>
+                <a:latin typeface="+mn-lt"/>
+                <a:ea typeface="+mn-ea"/>
+                <a:cs typeface="+mn-cs"/>
+              </a:rPr>
+              <a:t>SQL</a:t>
+            </a:r>
+            <a:r>
+              <a:rPr lang="ru-RU" sz="1200" kern="1200" dirty="0" smtClean="0">
+                <a:solidFill>
+                  <a:schemeClr val="tx1"/>
+                </a:solidFill>
+                <a:effectLst/>
+                <a:latin typeface="+mn-lt"/>
+                <a:ea typeface="+mn-ea"/>
+                <a:cs typeface="+mn-cs"/>
+              </a:rPr>
+              <a:t> переменной типа </a:t>
+            </a:r>
+            <a:r>
+              <a:rPr lang="en-US" sz="1200" kern="1200" dirty="0" smtClean="0">
+                <a:solidFill>
+                  <a:schemeClr val="tx1"/>
+                </a:solidFill>
+                <a:effectLst/>
+                <a:latin typeface="+mn-lt"/>
+                <a:ea typeface="+mn-ea"/>
+                <a:cs typeface="+mn-cs"/>
+              </a:rPr>
+              <a:t>INTEGER</a:t>
+            </a:r>
+            <a:r>
+              <a:rPr lang="ru-RU" sz="1200" kern="1200" dirty="0" smtClean="0">
+                <a:solidFill>
+                  <a:schemeClr val="tx1"/>
+                </a:solidFill>
+                <a:effectLst/>
+                <a:latin typeface="+mn-lt"/>
+                <a:ea typeface="+mn-ea"/>
+                <a:cs typeface="+mn-cs"/>
+              </a:rPr>
+              <a:t>, а </a:t>
+            </a:r>
+            <a:r>
+              <a:rPr lang="en-US" sz="1200" kern="1200" dirty="0" err="1" smtClean="0">
+                <a:solidFill>
+                  <a:schemeClr val="tx1"/>
+                </a:solidFill>
+                <a:effectLst/>
+                <a:latin typeface="+mn-lt"/>
+                <a:ea typeface="+mn-ea"/>
+                <a:cs typeface="+mn-cs"/>
+              </a:rPr>
+              <a:t>ISQLTypeText</a:t>
+            </a:r>
+            <a:r>
+              <a:rPr lang="en-US" sz="1200" kern="1200" dirty="0" smtClean="0">
+                <a:solidFill>
+                  <a:schemeClr val="tx1"/>
+                </a:solidFill>
+                <a:effectLst/>
+                <a:latin typeface="+mn-lt"/>
+                <a:ea typeface="+mn-ea"/>
+                <a:cs typeface="+mn-cs"/>
+              </a:rPr>
+              <a:t> </a:t>
+            </a:r>
+            <a:r>
+              <a:rPr lang="ru-RU" sz="1200" kern="1200" dirty="0" smtClean="0">
+                <a:solidFill>
+                  <a:schemeClr val="tx1"/>
+                </a:solidFill>
+                <a:effectLst/>
+                <a:latin typeface="+mn-lt"/>
+                <a:ea typeface="+mn-ea"/>
+                <a:cs typeface="+mn-cs"/>
+              </a:rPr>
+              <a:t>– для </a:t>
+            </a:r>
+            <a:r>
+              <a:rPr lang="en-US" sz="1200" kern="1200" dirty="0" smtClean="0">
+                <a:solidFill>
+                  <a:schemeClr val="tx1"/>
+                </a:solidFill>
+                <a:effectLst/>
+                <a:latin typeface="+mn-lt"/>
+                <a:ea typeface="+mn-ea"/>
+                <a:cs typeface="+mn-cs"/>
+              </a:rPr>
+              <a:t>SQL</a:t>
+            </a:r>
+            <a:r>
+              <a:rPr lang="ru-RU" sz="1200" kern="1200" dirty="0" smtClean="0">
+                <a:solidFill>
+                  <a:schemeClr val="tx1"/>
+                </a:solidFill>
+                <a:effectLst/>
+                <a:latin typeface="+mn-lt"/>
+                <a:ea typeface="+mn-ea"/>
+                <a:cs typeface="+mn-cs"/>
+              </a:rPr>
+              <a:t>-переменной типа </a:t>
+            </a:r>
+            <a:r>
+              <a:rPr lang="en-US" sz="1200" kern="1200" dirty="0" smtClean="0">
+                <a:solidFill>
+                  <a:schemeClr val="tx1"/>
+                </a:solidFill>
+                <a:effectLst/>
+                <a:latin typeface="+mn-lt"/>
+                <a:ea typeface="+mn-ea"/>
+                <a:cs typeface="+mn-cs"/>
+              </a:rPr>
+              <a:t>Text</a:t>
+            </a:r>
+            <a:r>
+              <a:rPr lang="ru-RU" sz="1200" kern="1200" dirty="0" smtClean="0">
+                <a:solidFill>
+                  <a:schemeClr val="tx1"/>
+                </a:solidFill>
+                <a:effectLst/>
+                <a:latin typeface="+mn-lt"/>
+                <a:ea typeface="+mn-ea"/>
+                <a:cs typeface="+mn-cs"/>
+              </a:rPr>
+              <a:t> и так далее.</a:t>
+            </a:r>
+          </a:p>
+          <a:p>
+            <a:r>
+              <a:rPr lang="ru-RU" sz="1200" kern="1200" dirty="0" smtClean="0">
+                <a:solidFill>
+                  <a:schemeClr val="tx1"/>
+                </a:solidFill>
+                <a:effectLst/>
+                <a:latin typeface="+mn-lt"/>
+                <a:ea typeface="+mn-ea"/>
+                <a:cs typeface="+mn-cs"/>
+              </a:rPr>
+              <a:t>Интерфейс </a:t>
+            </a:r>
+            <a:r>
+              <a:rPr lang="en-US" sz="1200" kern="1200" dirty="0" err="1" smtClean="0">
+                <a:solidFill>
+                  <a:schemeClr val="tx1"/>
+                </a:solidFill>
+                <a:effectLst/>
+                <a:latin typeface="+mn-lt"/>
+                <a:ea typeface="+mn-ea"/>
+                <a:cs typeface="+mn-cs"/>
+              </a:rPr>
+              <a:t>ISQLTypeConverter</a:t>
+            </a:r>
+            <a:r>
+              <a:rPr lang="ru-RU" sz="1200" kern="1200" dirty="0" smtClean="0">
+                <a:solidFill>
+                  <a:schemeClr val="tx1"/>
+                </a:solidFill>
+                <a:effectLst/>
+                <a:latin typeface="+mn-lt"/>
+                <a:ea typeface="+mn-ea"/>
+                <a:cs typeface="+mn-cs"/>
+              </a:rPr>
+              <a:t> является абстрактной фабрикой и позволяет получить </a:t>
+            </a:r>
+            <a:r>
+              <a:rPr lang="en-US" sz="1200" kern="1200" dirty="0" smtClean="0">
+                <a:solidFill>
+                  <a:schemeClr val="tx1"/>
+                </a:solidFill>
+                <a:effectLst/>
+                <a:latin typeface="+mn-lt"/>
+                <a:ea typeface="+mn-ea"/>
+                <a:cs typeface="+mn-cs"/>
+              </a:rPr>
+              <a:t>SQL</a:t>
+            </a:r>
+            <a:r>
+              <a:rPr lang="ru-RU" sz="1200" kern="1200" dirty="0" smtClean="0">
+                <a:solidFill>
+                  <a:schemeClr val="tx1"/>
+                </a:solidFill>
+                <a:effectLst/>
+                <a:latin typeface="+mn-lt"/>
+                <a:ea typeface="+mn-ea"/>
+                <a:cs typeface="+mn-cs"/>
+              </a:rPr>
+              <a:t>-переменную конкретного типа.</a:t>
+            </a:r>
+            <a:endParaRPr lang="ru-RU" dirty="0"/>
+          </a:p>
+        </p:txBody>
+      </p:sp>
+      <p:sp>
+        <p:nvSpPr>
+          <p:cNvPr id="4" name="Номер слайда 3"/>
+          <p:cNvSpPr>
+            <a:spLocks noGrp="1"/>
+          </p:cNvSpPr>
+          <p:nvPr>
+            <p:ph type="sldNum" sz="quarter" idx="10"/>
+          </p:nvPr>
+        </p:nvSpPr>
+        <p:spPr/>
+        <p:txBody>
+          <a:bodyPr/>
+          <a:lstStyle/>
+          <a:p>
+            <a:fld id="{0F02595E-CCE3-3147-8332-818853E6143F}" type="slidenum">
+              <a:rPr lang="ru-RU" smtClean="0"/>
+              <a:t>35</a:t>
+            </a:fld>
+            <a:endParaRPr lang="ru-RU"/>
+          </a:p>
+        </p:txBody>
+      </p:sp>
+    </p:spTree>
+    <p:extLst>
+      <p:ext uri="{BB962C8B-B14F-4D97-AF65-F5344CB8AC3E}">
+        <p14:creationId xmlns:p14="http://schemas.microsoft.com/office/powerpoint/2010/main" val="3050926477"/>
+      </p:ext>
+    </p:extLst>
+  </p:cSld>
+  <p:clrMapOvr>
+    <a:masterClrMapping/>
+  </p:clrMapOvr>
+</p:notes>
+</file>
+
+<file path=ppt/notesSlides/notesSlide14.xml><?xml version="1.0" encoding="utf-8"?>
+<p:notes xmlns:a="http://schemas.openxmlformats.org/drawingml/2006/main" xmlns:r="http://schemas.openxmlformats.org/officeDocument/2006/relationships" xmlns:p="http://schemas.openxmlformats.org/presentationml/2006/main">
+  <p:cSld>
+    <p:spTree>
+      <p:nvGrpSpPr>
+        <p:cNvPr id="1" name=""/>
+        <p:cNvGrpSpPr/>
+        <p:nvPr/>
+      </p:nvGrpSpPr>
+      <p:grpSpPr>
+        <a:xfrm>
+          <a:off x="0" y="0"/>
+          <a:ext cx="0" cy="0"/>
+          <a:chOff x="0" y="0"/>
+          <a:chExt cx="0" cy="0"/>
+        </a:xfrm>
+      </p:grpSpPr>
+      <p:sp>
+        <p:nvSpPr>
+          <p:cNvPr id="2" name="Образ слайда 1"/>
+          <p:cNvSpPr>
+            <a:spLocks noGrp="1" noRot="1" noChangeAspect="1"/>
+          </p:cNvSpPr>
+          <p:nvPr>
+            <p:ph type="sldImg"/>
+          </p:nvPr>
+        </p:nvSpPr>
+        <p:spPr/>
+      </p:sp>
+      <p:sp>
+        <p:nvSpPr>
+          <p:cNvPr id="3" name="Заметки 2"/>
+          <p:cNvSpPr>
+            <a:spLocks noGrp="1"/>
+          </p:cNvSpPr>
+          <p:nvPr>
+            <p:ph type="body" idx="1"/>
+          </p:nvPr>
+        </p:nvSpPr>
+        <p:spPr/>
+        <p:txBody>
+          <a:bodyPr/>
+          <a:lstStyle/>
+          <a:p>
+            <a:r>
+              <a:rPr lang="ru-RU" sz="1200" kern="1200" dirty="0" smtClean="0">
+                <a:solidFill>
+                  <a:schemeClr val="tx1"/>
+                </a:solidFill>
+                <a:effectLst/>
+                <a:latin typeface="+mn-lt"/>
+                <a:ea typeface="+mn-ea"/>
+                <a:cs typeface="+mn-cs"/>
+              </a:rPr>
+              <a:t>Пример конвертации, о которой идет речь, можно рассмотреть на примере </a:t>
+            </a:r>
+            <a:r>
+              <a:rPr lang="en-US" sz="1200" kern="1200" dirty="0" smtClean="0">
+                <a:solidFill>
+                  <a:schemeClr val="tx1"/>
+                </a:solidFill>
+                <a:effectLst/>
+                <a:latin typeface="+mn-lt"/>
+                <a:ea typeface="+mn-ea"/>
+                <a:cs typeface="+mn-cs"/>
+              </a:rPr>
+              <a:t>SQL</a:t>
+            </a:r>
+            <a:r>
+              <a:rPr lang="ru-RU" sz="1200" kern="1200" dirty="0" smtClean="0">
+                <a:solidFill>
+                  <a:schemeClr val="tx1"/>
+                </a:solidFill>
+                <a:effectLst/>
+                <a:latin typeface="+mn-lt"/>
+                <a:ea typeface="+mn-ea"/>
+                <a:cs typeface="+mn-cs"/>
+              </a:rPr>
+              <a:t>-переменной типа </a:t>
+            </a:r>
+            <a:r>
+              <a:rPr lang="en-US" sz="1200" kern="1200" dirty="0" smtClean="0">
+                <a:solidFill>
+                  <a:schemeClr val="tx1"/>
+                </a:solidFill>
+                <a:effectLst/>
+                <a:latin typeface="+mn-lt"/>
+                <a:ea typeface="+mn-ea"/>
+                <a:cs typeface="+mn-cs"/>
+              </a:rPr>
+              <a:t>BYTEA</a:t>
+            </a:r>
+            <a:r>
+              <a:rPr lang="ru-RU" sz="1200" kern="1200" dirty="0" smtClean="0">
+                <a:solidFill>
+                  <a:schemeClr val="tx1"/>
+                </a:solidFill>
+                <a:effectLst/>
+                <a:latin typeface="+mn-lt"/>
+                <a:ea typeface="+mn-ea"/>
+                <a:cs typeface="+mn-cs"/>
+              </a:rPr>
+              <a:t>, которая позволяет в </a:t>
+            </a:r>
+            <a:r>
+              <a:rPr lang="en-US" sz="1200" kern="1200" dirty="0" smtClean="0">
+                <a:solidFill>
+                  <a:schemeClr val="tx1"/>
+                </a:solidFill>
+                <a:effectLst/>
+                <a:latin typeface="+mn-lt"/>
+                <a:ea typeface="+mn-ea"/>
+                <a:cs typeface="+mn-cs"/>
+              </a:rPr>
+              <a:t>PostgreSQL</a:t>
+            </a:r>
+            <a:r>
+              <a:rPr lang="ru-RU" sz="1200" kern="1200" dirty="0" smtClean="0">
+                <a:solidFill>
+                  <a:schemeClr val="tx1"/>
+                </a:solidFill>
+                <a:effectLst/>
+                <a:latin typeface="+mn-lt"/>
+                <a:ea typeface="+mn-ea"/>
+                <a:cs typeface="+mn-cs"/>
+              </a:rPr>
+              <a:t> хранить массив байтов.</a:t>
+            </a:r>
+          </a:p>
+          <a:p>
+            <a:r>
+              <a:rPr lang="ru-RU" sz="1200" kern="1200" dirty="0" smtClean="0">
+                <a:solidFill>
+                  <a:schemeClr val="tx1"/>
+                </a:solidFill>
+                <a:effectLst/>
+                <a:latin typeface="+mn-lt"/>
+                <a:ea typeface="+mn-ea"/>
+                <a:cs typeface="+mn-cs"/>
+              </a:rPr>
+              <a:t>При формировании </a:t>
+            </a:r>
+            <a:r>
+              <a:rPr lang="en-US" sz="1200" kern="1200" dirty="0" smtClean="0">
+                <a:solidFill>
+                  <a:schemeClr val="tx1"/>
+                </a:solidFill>
+                <a:effectLst/>
+                <a:latin typeface="+mn-lt"/>
+                <a:ea typeface="+mn-ea"/>
+                <a:cs typeface="+mn-cs"/>
+              </a:rPr>
+              <a:t>SQL</a:t>
+            </a:r>
+            <a:r>
+              <a:rPr lang="ru-RU" sz="1200" kern="1200" dirty="0" smtClean="0">
+                <a:solidFill>
+                  <a:schemeClr val="tx1"/>
+                </a:solidFill>
+                <a:effectLst/>
+                <a:latin typeface="+mn-lt"/>
+                <a:ea typeface="+mn-ea"/>
+                <a:cs typeface="+mn-cs"/>
+              </a:rPr>
+              <a:t> запроса мы хотим сконвертировать массив байтов </a:t>
+            </a:r>
+            <a:r>
+              <a:rPr lang="en-US" sz="1200" kern="1200" dirty="0" err="1" smtClean="0">
+                <a:solidFill>
+                  <a:schemeClr val="tx1"/>
+                </a:solidFill>
+                <a:effectLst/>
+                <a:latin typeface="+mn-lt"/>
+                <a:ea typeface="+mn-ea"/>
+                <a:cs typeface="+mn-cs"/>
+              </a:rPr>
+              <a:t>std</a:t>
+            </a:r>
+            <a:r>
+              <a:rPr lang="ru-RU" sz="1200" kern="1200" dirty="0" smtClean="0">
+                <a:solidFill>
+                  <a:schemeClr val="tx1"/>
+                </a:solidFill>
+                <a:effectLst/>
+                <a:latin typeface="+mn-lt"/>
+                <a:ea typeface="+mn-ea"/>
+                <a:cs typeface="+mn-cs"/>
+              </a:rPr>
+              <a:t>::</a:t>
+            </a:r>
+            <a:r>
+              <a:rPr lang="en-US" sz="1200" kern="1200" dirty="0" smtClean="0">
+                <a:solidFill>
+                  <a:schemeClr val="tx1"/>
+                </a:solidFill>
+                <a:effectLst/>
+                <a:latin typeface="+mn-lt"/>
+                <a:ea typeface="+mn-ea"/>
+                <a:cs typeface="+mn-cs"/>
+              </a:rPr>
+              <a:t>vector</a:t>
+            </a:r>
+            <a:r>
+              <a:rPr lang="ru-RU" sz="1200" kern="1200" dirty="0" smtClean="0">
+                <a:solidFill>
+                  <a:schemeClr val="tx1"/>
+                </a:solidFill>
+                <a:effectLst/>
+                <a:latin typeface="+mn-lt"/>
+                <a:ea typeface="+mn-ea"/>
+                <a:cs typeface="+mn-cs"/>
+              </a:rPr>
+              <a:t>&lt;</a:t>
+            </a:r>
+            <a:r>
+              <a:rPr lang="en-US" sz="1200" kern="1200" dirty="0" smtClean="0">
+                <a:solidFill>
+                  <a:schemeClr val="tx1"/>
+                </a:solidFill>
+                <a:effectLst/>
+                <a:latin typeface="+mn-lt"/>
+                <a:ea typeface="+mn-ea"/>
+                <a:cs typeface="+mn-cs"/>
+              </a:rPr>
+              <a:t>char</a:t>
+            </a:r>
+            <a:r>
+              <a:rPr lang="ru-RU" sz="1200" kern="1200" dirty="0" smtClean="0">
+                <a:solidFill>
+                  <a:schemeClr val="tx1"/>
+                </a:solidFill>
+                <a:effectLst/>
+                <a:latin typeface="+mn-lt"/>
+                <a:ea typeface="+mn-ea"/>
+                <a:cs typeface="+mn-cs"/>
+              </a:rPr>
+              <a:t>&gt; в представление, в котором он может быть использован в запросе – а именно конвертируем его в шестнадцатеричное представление и обрамляем апострофами.</a:t>
+            </a:r>
+          </a:p>
+          <a:p>
+            <a:r>
+              <a:rPr lang="ru-RU" sz="1200" kern="1200" dirty="0" smtClean="0">
+                <a:solidFill>
+                  <a:schemeClr val="tx1"/>
+                </a:solidFill>
+                <a:effectLst/>
+                <a:latin typeface="+mn-lt"/>
+                <a:ea typeface="+mn-ea"/>
+                <a:cs typeface="+mn-cs"/>
+              </a:rPr>
+              <a:t>При чтении </a:t>
+            </a:r>
+            <a:r>
+              <a:rPr lang="en-US" sz="1200" kern="1200" dirty="0" smtClean="0">
+                <a:solidFill>
+                  <a:schemeClr val="tx1"/>
+                </a:solidFill>
+                <a:effectLst/>
+                <a:latin typeface="+mn-lt"/>
+                <a:ea typeface="+mn-ea"/>
+                <a:cs typeface="+mn-cs"/>
+              </a:rPr>
+              <a:t>SQL</a:t>
+            </a:r>
+            <a:r>
+              <a:rPr lang="ru-RU" sz="1200" kern="1200" dirty="0" smtClean="0">
+                <a:solidFill>
+                  <a:schemeClr val="tx1"/>
+                </a:solidFill>
+                <a:effectLst/>
+                <a:latin typeface="+mn-lt"/>
+                <a:ea typeface="+mn-ea"/>
+                <a:cs typeface="+mn-cs"/>
+              </a:rPr>
+              <a:t> ответа мы выполняем обратную операцию – конвертируем строку с шестнадцатеричным представлением обратно в </a:t>
+            </a:r>
+            <a:r>
+              <a:rPr lang="en-US" sz="1200" kern="1200" dirty="0" err="1" smtClean="0">
+                <a:solidFill>
+                  <a:schemeClr val="tx1"/>
+                </a:solidFill>
+                <a:effectLst/>
+                <a:latin typeface="+mn-lt"/>
+                <a:ea typeface="+mn-ea"/>
+                <a:cs typeface="+mn-cs"/>
+              </a:rPr>
+              <a:t>std</a:t>
+            </a:r>
+            <a:r>
+              <a:rPr lang="ru-RU" sz="1200" kern="1200" dirty="0" smtClean="0">
+                <a:solidFill>
+                  <a:schemeClr val="tx1"/>
+                </a:solidFill>
+                <a:effectLst/>
+                <a:latin typeface="+mn-lt"/>
+                <a:ea typeface="+mn-ea"/>
+                <a:cs typeface="+mn-cs"/>
+              </a:rPr>
+              <a:t>::</a:t>
+            </a:r>
+            <a:r>
+              <a:rPr lang="en-US" sz="1200" kern="1200" dirty="0" smtClean="0">
+                <a:solidFill>
+                  <a:schemeClr val="tx1"/>
+                </a:solidFill>
+                <a:effectLst/>
+                <a:latin typeface="+mn-lt"/>
+                <a:ea typeface="+mn-ea"/>
+                <a:cs typeface="+mn-cs"/>
+              </a:rPr>
+              <a:t>vector</a:t>
+            </a:r>
+            <a:r>
+              <a:rPr lang="ru-RU" sz="1200" kern="1200" dirty="0" smtClean="0">
+                <a:solidFill>
+                  <a:schemeClr val="tx1"/>
+                </a:solidFill>
+                <a:effectLst/>
+                <a:latin typeface="+mn-lt"/>
+                <a:ea typeface="+mn-ea"/>
+                <a:cs typeface="+mn-cs"/>
+              </a:rPr>
+              <a:t>&lt;</a:t>
+            </a:r>
+            <a:r>
+              <a:rPr lang="en-US" sz="1200" kern="1200" dirty="0" smtClean="0">
+                <a:solidFill>
+                  <a:schemeClr val="tx1"/>
+                </a:solidFill>
+                <a:effectLst/>
+                <a:latin typeface="+mn-lt"/>
+                <a:ea typeface="+mn-ea"/>
+                <a:cs typeface="+mn-cs"/>
+              </a:rPr>
+              <a:t>char</a:t>
+            </a:r>
+            <a:r>
+              <a:rPr lang="ru-RU" sz="1200" kern="1200" dirty="0" smtClean="0">
+                <a:solidFill>
+                  <a:schemeClr val="tx1"/>
+                </a:solidFill>
+                <a:effectLst/>
+                <a:latin typeface="+mn-lt"/>
+                <a:ea typeface="+mn-ea"/>
+                <a:cs typeface="+mn-cs"/>
+              </a:rPr>
+              <a:t>&gt;.</a:t>
+            </a:r>
+            <a:endParaRPr lang="ru-RU" dirty="0"/>
+          </a:p>
+        </p:txBody>
+      </p:sp>
+      <p:sp>
+        <p:nvSpPr>
+          <p:cNvPr id="4" name="Номер слайда 3"/>
+          <p:cNvSpPr>
+            <a:spLocks noGrp="1"/>
+          </p:cNvSpPr>
+          <p:nvPr>
+            <p:ph type="sldNum" sz="quarter" idx="10"/>
+          </p:nvPr>
+        </p:nvSpPr>
+        <p:spPr/>
+        <p:txBody>
+          <a:bodyPr/>
+          <a:lstStyle/>
+          <a:p>
+            <a:fld id="{0F02595E-CCE3-3147-8332-818853E6143F}" type="slidenum">
+              <a:rPr lang="ru-RU" smtClean="0"/>
+              <a:t>36</a:t>
+            </a:fld>
+            <a:endParaRPr lang="ru-RU"/>
+          </a:p>
+        </p:txBody>
+      </p:sp>
+    </p:spTree>
+    <p:extLst>
+      <p:ext uri="{BB962C8B-B14F-4D97-AF65-F5344CB8AC3E}">
+        <p14:creationId xmlns:p14="http://schemas.microsoft.com/office/powerpoint/2010/main" val="3061347035"/>
+      </p:ext>
+    </p:extLst>
+  </p:cSld>
+  <p:clrMapOvr>
+    <a:masterClrMapping/>
+  </p:clrMapOvr>
+</p:notes>
+</file>
+
+<file path=ppt/notesSlides/notesSlide15.xml><?xml version="1.0" encoding="utf-8"?>
+<p:notes xmlns:a="http://schemas.openxmlformats.org/drawingml/2006/main" xmlns:r="http://schemas.openxmlformats.org/officeDocument/2006/relationships" xmlns:p="http://schemas.openxmlformats.org/presentationml/2006/main">
+  <p:cSld>
+    <p:spTree>
+      <p:nvGrpSpPr>
+        <p:cNvPr id="1" name=""/>
+        <p:cNvGrpSpPr/>
+        <p:nvPr/>
+      </p:nvGrpSpPr>
+      <p:grpSpPr>
+        <a:xfrm>
+          <a:off x="0" y="0"/>
+          <a:ext cx="0" cy="0"/>
+          <a:chOff x="0" y="0"/>
+          <a:chExt cx="0" cy="0"/>
+        </a:xfrm>
+      </p:grpSpPr>
+      <p:sp>
+        <p:nvSpPr>
+          <p:cNvPr id="2" name="Образ слайда 1"/>
+          <p:cNvSpPr>
+            <a:spLocks noGrp="1" noRot="1" noChangeAspect="1"/>
+          </p:cNvSpPr>
+          <p:nvPr>
+            <p:ph type="sldImg"/>
+          </p:nvPr>
+        </p:nvSpPr>
+        <p:spPr/>
+      </p:sp>
+      <p:sp>
+        <p:nvSpPr>
+          <p:cNvPr id="3" name="Заметки 2"/>
+          <p:cNvSpPr>
+            <a:spLocks noGrp="1"/>
+          </p:cNvSpPr>
+          <p:nvPr>
+            <p:ph type="body" idx="1"/>
+          </p:nvPr>
+        </p:nvSpPr>
+        <p:spPr/>
+        <p:txBody>
+          <a:bodyPr/>
+          <a:lstStyle/>
+          <a:p>
+            <a:r>
+              <a:rPr lang="ru-RU" sz="1200" kern="1200" dirty="0" smtClean="0">
+                <a:solidFill>
+                  <a:schemeClr val="tx1"/>
+                </a:solidFill>
+                <a:effectLst/>
+                <a:latin typeface="+mn-lt"/>
+                <a:ea typeface="+mn-ea"/>
+                <a:cs typeface="+mn-cs"/>
+              </a:rPr>
+              <a:t>Для удобного получения всех рассмотренных здесь интерфейсов написан интерфейс менеджера базы данных. Сам менеджер базы данных является </a:t>
+            </a:r>
+            <a:r>
+              <a:rPr lang="ru-RU" sz="1200" kern="1200" dirty="0" err="1" smtClean="0">
+                <a:solidFill>
+                  <a:schemeClr val="tx1"/>
+                </a:solidFill>
+                <a:effectLst/>
+                <a:latin typeface="+mn-lt"/>
+                <a:ea typeface="+mn-ea"/>
+                <a:cs typeface="+mn-cs"/>
+              </a:rPr>
+              <a:t>синглтоном</a:t>
+            </a:r>
+            <a:r>
+              <a:rPr lang="ru-RU" sz="1200" kern="1200" dirty="0" smtClean="0">
+                <a:solidFill>
+                  <a:schemeClr val="tx1"/>
+                </a:solidFill>
+                <a:effectLst/>
+                <a:latin typeface="+mn-lt"/>
+                <a:ea typeface="+mn-ea"/>
+                <a:cs typeface="+mn-cs"/>
+              </a:rPr>
+              <a:t>. Больше про него нечего сказать.</a:t>
+            </a:r>
+            <a:endParaRPr lang="ru-RU" dirty="0"/>
+          </a:p>
+        </p:txBody>
+      </p:sp>
+      <p:sp>
+        <p:nvSpPr>
+          <p:cNvPr id="4" name="Номер слайда 3"/>
+          <p:cNvSpPr>
+            <a:spLocks noGrp="1"/>
+          </p:cNvSpPr>
+          <p:nvPr>
+            <p:ph type="sldNum" sz="quarter" idx="10"/>
+          </p:nvPr>
+        </p:nvSpPr>
+        <p:spPr/>
+        <p:txBody>
+          <a:bodyPr/>
+          <a:lstStyle/>
+          <a:p>
+            <a:fld id="{0F02595E-CCE3-3147-8332-818853E6143F}" type="slidenum">
+              <a:rPr lang="ru-RU" smtClean="0"/>
+              <a:t>37</a:t>
+            </a:fld>
+            <a:endParaRPr lang="ru-RU"/>
+          </a:p>
+        </p:txBody>
+      </p:sp>
+    </p:spTree>
+    <p:extLst>
+      <p:ext uri="{BB962C8B-B14F-4D97-AF65-F5344CB8AC3E}">
+        <p14:creationId xmlns:p14="http://schemas.microsoft.com/office/powerpoint/2010/main" val="454865287"/>
+      </p:ext>
+    </p:extLst>
+  </p:cSld>
+  <p:clrMapOvr>
+    <a:masterClrMapping/>
+  </p:clrMapOvr>
+</p:notes>
+</file>
+
+<file path=ppt/notesSlides/notesSlide16.xml><?xml version="1.0" encoding="utf-8"?>
+<p:notes xmlns:a="http://schemas.openxmlformats.org/drawingml/2006/main" xmlns:r="http://schemas.openxmlformats.org/officeDocument/2006/relationships" xmlns:p="http://schemas.openxmlformats.org/presentationml/2006/main">
+  <p:cSld>
+    <p:spTree>
+      <p:nvGrpSpPr>
+        <p:cNvPr id="1" name=""/>
+        <p:cNvGrpSpPr/>
+        <p:nvPr/>
+      </p:nvGrpSpPr>
+      <p:grpSpPr>
+        <a:xfrm>
+          <a:off x="0" y="0"/>
+          <a:ext cx="0" cy="0"/>
+          <a:chOff x="0" y="0"/>
+          <a:chExt cx="0" cy="0"/>
+        </a:xfrm>
+      </p:grpSpPr>
+      <p:sp>
+        <p:nvSpPr>
+          <p:cNvPr id="2" name="Образ слайда 1"/>
+          <p:cNvSpPr>
+            <a:spLocks noGrp="1" noRot="1" noChangeAspect="1"/>
+          </p:cNvSpPr>
+          <p:nvPr>
+            <p:ph type="sldImg"/>
+          </p:nvPr>
+        </p:nvSpPr>
+        <p:spPr/>
+      </p:sp>
+      <p:sp>
+        <p:nvSpPr>
+          <p:cNvPr id="3" name="Заметки 2"/>
+          <p:cNvSpPr>
+            <a:spLocks noGrp="1"/>
+          </p:cNvSpPr>
+          <p:nvPr>
+            <p:ph type="body" idx="1"/>
+          </p:nvPr>
+        </p:nvSpPr>
+        <p:spPr/>
+        <p:txBody>
+          <a:bodyPr/>
+          <a:lstStyle/>
+          <a:p>
+            <a:r>
+              <a:rPr lang="ru-RU" sz="1200" kern="1200" dirty="0" smtClean="0">
+                <a:solidFill>
+                  <a:schemeClr val="tx1"/>
+                </a:solidFill>
+                <a:effectLst/>
+                <a:latin typeface="+mn-lt"/>
+                <a:ea typeface="+mn-ea"/>
+                <a:cs typeface="+mn-cs"/>
+              </a:rPr>
+              <a:t>На систему была написана документация с использованием средства </a:t>
+            </a:r>
+            <a:r>
+              <a:rPr lang="ru-RU" sz="1200" kern="1200" dirty="0" err="1" smtClean="0">
+                <a:solidFill>
+                  <a:schemeClr val="tx1"/>
+                </a:solidFill>
+                <a:effectLst/>
+                <a:latin typeface="+mn-lt"/>
+                <a:ea typeface="+mn-ea"/>
+                <a:cs typeface="+mn-cs"/>
+              </a:rPr>
+              <a:t>автогенерации</a:t>
+            </a:r>
+            <a:r>
+              <a:rPr lang="ru-RU" sz="1200" kern="1200" dirty="0" smtClean="0">
+                <a:solidFill>
+                  <a:schemeClr val="tx1"/>
+                </a:solidFill>
+                <a:effectLst/>
+                <a:latin typeface="+mn-lt"/>
+                <a:ea typeface="+mn-ea"/>
+                <a:cs typeface="+mn-cs"/>
+              </a:rPr>
+              <a:t> документации </a:t>
+            </a:r>
+            <a:r>
+              <a:rPr lang="en-US" sz="1200" kern="1200" dirty="0" err="1" smtClean="0">
+                <a:solidFill>
+                  <a:schemeClr val="tx1"/>
+                </a:solidFill>
+                <a:effectLst/>
+                <a:latin typeface="+mn-lt"/>
+                <a:ea typeface="+mn-ea"/>
+                <a:cs typeface="+mn-cs"/>
+              </a:rPr>
+              <a:t>Doxygen</a:t>
+            </a:r>
+            <a:r>
+              <a:rPr lang="ru-RU" sz="1200" kern="1200" dirty="0" smtClean="0">
+                <a:solidFill>
+                  <a:schemeClr val="tx1"/>
+                </a:solidFill>
+                <a:effectLst/>
+                <a:latin typeface="+mn-lt"/>
+                <a:ea typeface="+mn-ea"/>
+                <a:cs typeface="+mn-cs"/>
+              </a:rPr>
+              <a:t>. Для этого во всех файлах с интерфейсами были написаны специальные комментарии, по которым </a:t>
+            </a:r>
+            <a:r>
+              <a:rPr lang="en-US" sz="1200" kern="1200" dirty="0" err="1" smtClean="0">
+                <a:solidFill>
+                  <a:schemeClr val="tx1"/>
+                </a:solidFill>
+                <a:effectLst/>
+                <a:latin typeface="+mn-lt"/>
+                <a:ea typeface="+mn-ea"/>
+                <a:cs typeface="+mn-cs"/>
+              </a:rPr>
+              <a:t>Doxygen</a:t>
+            </a:r>
+            <a:r>
+              <a:rPr lang="ru-RU" sz="1200" kern="1200" dirty="0" smtClean="0">
+                <a:solidFill>
+                  <a:schemeClr val="tx1"/>
+                </a:solidFill>
+                <a:effectLst/>
+                <a:latin typeface="+mn-lt"/>
+                <a:ea typeface="+mn-ea"/>
+                <a:cs typeface="+mn-cs"/>
+              </a:rPr>
+              <a:t> генерирует документацию.</a:t>
+            </a:r>
+          </a:p>
+          <a:p>
+            <a:r>
+              <a:rPr lang="ru-RU" sz="1200" kern="1200" dirty="0" smtClean="0">
+                <a:solidFill>
+                  <a:schemeClr val="tx1"/>
+                </a:solidFill>
+                <a:effectLst/>
+                <a:latin typeface="+mn-lt"/>
+                <a:ea typeface="+mn-ea"/>
+                <a:cs typeface="+mn-cs"/>
+              </a:rPr>
+              <a:t>На слайде изображен пример </a:t>
+            </a:r>
+            <a:r>
+              <a:rPr lang="ru-RU" sz="1200" kern="1200" dirty="0" err="1" smtClean="0">
+                <a:solidFill>
+                  <a:schemeClr val="tx1"/>
+                </a:solidFill>
+                <a:effectLst/>
+                <a:latin typeface="+mn-lt"/>
+                <a:ea typeface="+mn-ea"/>
+                <a:cs typeface="+mn-cs"/>
+              </a:rPr>
+              <a:t>коментированного</a:t>
+            </a:r>
+            <a:r>
+              <a:rPr lang="ru-RU" sz="1200" kern="1200" dirty="0" smtClean="0">
+                <a:solidFill>
+                  <a:schemeClr val="tx1"/>
+                </a:solidFill>
+                <a:effectLst/>
+                <a:latin typeface="+mn-lt"/>
+                <a:ea typeface="+mn-ea"/>
+                <a:cs typeface="+mn-cs"/>
+              </a:rPr>
+              <a:t> куска кода и документации, которая была для него сгенерирована.</a:t>
+            </a:r>
+            <a:endParaRPr lang="ru-RU" dirty="0"/>
+          </a:p>
+        </p:txBody>
+      </p:sp>
+      <p:sp>
+        <p:nvSpPr>
+          <p:cNvPr id="4" name="Номер слайда 3"/>
+          <p:cNvSpPr>
+            <a:spLocks noGrp="1"/>
+          </p:cNvSpPr>
+          <p:nvPr>
+            <p:ph type="sldNum" sz="quarter" idx="10"/>
+          </p:nvPr>
+        </p:nvSpPr>
+        <p:spPr/>
+        <p:txBody>
+          <a:bodyPr/>
+          <a:lstStyle/>
+          <a:p>
+            <a:fld id="{0F02595E-CCE3-3147-8332-818853E6143F}" type="slidenum">
+              <a:rPr lang="ru-RU" smtClean="0"/>
+              <a:t>38</a:t>
+            </a:fld>
+            <a:endParaRPr lang="ru-RU"/>
+          </a:p>
+        </p:txBody>
+      </p:sp>
+    </p:spTree>
+    <p:extLst>
+      <p:ext uri="{BB962C8B-B14F-4D97-AF65-F5344CB8AC3E}">
+        <p14:creationId xmlns:p14="http://schemas.microsoft.com/office/powerpoint/2010/main" val="3589240432"/>
+      </p:ext>
+    </p:extLst>
+  </p:cSld>
+  <p:clrMapOvr>
+    <a:masterClrMapping/>
+  </p:clrMapOvr>
+</p:notes>
+</file>
+
+<file path=ppt/notesSlides/notesSlide17.xml><?xml version="1.0" encoding="utf-8"?>
+<p:notes xmlns:a="http://schemas.openxmlformats.org/drawingml/2006/main" xmlns:r="http://schemas.openxmlformats.org/officeDocument/2006/relationships" xmlns:p="http://schemas.openxmlformats.org/presentationml/2006/main">
+  <p:cSld>
+    <p:spTree>
+      <p:nvGrpSpPr>
+        <p:cNvPr id="1" name=""/>
+        <p:cNvGrpSpPr/>
+        <p:nvPr/>
+      </p:nvGrpSpPr>
+      <p:grpSpPr>
+        <a:xfrm>
+          <a:off x="0" y="0"/>
+          <a:ext cx="0" cy="0"/>
+          <a:chOff x="0" y="0"/>
+          <a:chExt cx="0" cy="0"/>
+        </a:xfrm>
+      </p:grpSpPr>
+      <p:sp>
+        <p:nvSpPr>
+          <p:cNvPr id="2" name="Образ слайда 1"/>
+          <p:cNvSpPr>
+            <a:spLocks noGrp="1" noRot="1" noChangeAspect="1"/>
+          </p:cNvSpPr>
+          <p:nvPr>
+            <p:ph type="sldImg"/>
+          </p:nvPr>
+        </p:nvSpPr>
+        <p:spPr/>
+      </p:sp>
+      <p:sp>
+        <p:nvSpPr>
+          <p:cNvPr id="3" name="Заметки 2"/>
+          <p:cNvSpPr>
+            <a:spLocks noGrp="1"/>
+          </p:cNvSpPr>
+          <p:nvPr>
+            <p:ph type="body" idx="1"/>
+          </p:nvPr>
+        </p:nvSpPr>
+        <p:spPr/>
+        <p:txBody>
+          <a:bodyPr/>
+          <a:lstStyle/>
+          <a:p>
+            <a:r>
+              <a:rPr lang="ru-RU" sz="1200" kern="1200" dirty="0" smtClean="0">
+                <a:solidFill>
+                  <a:schemeClr val="tx1"/>
+                </a:solidFill>
+                <a:effectLst/>
+                <a:latin typeface="+mn-lt"/>
+                <a:ea typeface="+mn-ea"/>
+                <a:cs typeface="+mn-cs"/>
+              </a:rPr>
+              <a:t>В итоге: была разработана, протестирована и задокументирована библиотека по взаимодействию с СУБД. Также данная библиотека была интегрирована в проект в виде “стадий </a:t>
+            </a:r>
+            <a:r>
+              <a:rPr lang="ru-RU" sz="1200" kern="1200" dirty="0" err="1" smtClean="0">
+                <a:solidFill>
+                  <a:schemeClr val="tx1"/>
+                </a:solidFill>
+                <a:effectLst/>
+                <a:latin typeface="+mn-lt"/>
+                <a:ea typeface="+mn-ea"/>
+                <a:cs typeface="+mn-cs"/>
+              </a:rPr>
+              <a:t>пайплайна</a:t>
+            </a:r>
+            <a:r>
+              <a:rPr lang="ru-RU" sz="1200" kern="1200" dirty="0" smtClean="0">
+                <a:solidFill>
+                  <a:schemeClr val="tx1"/>
+                </a:solidFill>
+                <a:effectLst/>
+                <a:latin typeface="+mn-lt"/>
+                <a:ea typeface="+mn-ea"/>
+                <a:cs typeface="+mn-cs"/>
+              </a:rPr>
+              <a:t>” по чтению из БД и записи в БД.</a:t>
+            </a:r>
+            <a:endParaRPr lang="ru-RU" dirty="0"/>
+          </a:p>
+        </p:txBody>
+      </p:sp>
+      <p:sp>
+        <p:nvSpPr>
+          <p:cNvPr id="4" name="Номер слайда 3"/>
+          <p:cNvSpPr>
+            <a:spLocks noGrp="1"/>
+          </p:cNvSpPr>
+          <p:nvPr>
+            <p:ph type="sldNum" sz="quarter" idx="10"/>
+          </p:nvPr>
+        </p:nvSpPr>
+        <p:spPr/>
+        <p:txBody>
+          <a:bodyPr/>
+          <a:lstStyle/>
+          <a:p>
+            <a:fld id="{0F02595E-CCE3-3147-8332-818853E6143F}" type="slidenum">
+              <a:rPr lang="ru-RU" smtClean="0"/>
+              <a:t>39</a:t>
+            </a:fld>
+            <a:endParaRPr lang="ru-RU"/>
+          </a:p>
+        </p:txBody>
+      </p:sp>
+    </p:spTree>
+    <p:extLst>
+      <p:ext uri="{BB962C8B-B14F-4D97-AF65-F5344CB8AC3E}">
+        <p14:creationId xmlns:p14="http://schemas.microsoft.com/office/powerpoint/2010/main" val="327954365"/>
+      </p:ext>
+    </p:extLst>
+  </p:cSld>
+  <p:clrMapOvr>
+    <a:masterClrMapping/>
+  </p:clrMapOvr>
+</p:notes>
+</file>
+
 <file path=ppt/notesSlides/notesSlide2.xml><?xml version="1.0" encoding="utf-8"?>
 <p:notes xmlns:a="http://schemas.openxmlformats.org/drawingml/2006/main" xmlns:r="http://schemas.openxmlformats.org/officeDocument/2006/relationships" xmlns:p="http://schemas.openxmlformats.org/presentationml/2006/main">
   <p:cSld>
@@ -770,6 +2643,791 @@
         </p:txBody>
       </p:sp>
     </p:spTree>
+  </p:cSld>
+  <p:clrMapOvr>
+    <a:masterClrMapping/>
+  </p:clrMapOvr>
+</p:notes>
+</file>
+
+<file path=ppt/notesSlides/notesSlide5.xml><?xml version="1.0" encoding="utf-8"?>
+<p:notes xmlns:a="http://schemas.openxmlformats.org/drawingml/2006/main" xmlns:r="http://schemas.openxmlformats.org/officeDocument/2006/relationships" xmlns:p="http://schemas.openxmlformats.org/presentationml/2006/main">
+  <p:cSld>
+    <p:spTree>
+      <p:nvGrpSpPr>
+        <p:cNvPr id="1" name=""/>
+        <p:cNvGrpSpPr/>
+        <p:nvPr/>
+      </p:nvGrpSpPr>
+      <p:grpSpPr>
+        <a:xfrm>
+          <a:off x="0" y="0"/>
+          <a:ext cx="0" cy="0"/>
+          <a:chOff x="0" y="0"/>
+          <a:chExt cx="0" cy="0"/>
+        </a:xfrm>
+      </p:grpSpPr>
+      <p:sp>
+        <p:nvSpPr>
+          <p:cNvPr id="2" name="Образ слайда 1"/>
+          <p:cNvSpPr>
+            <a:spLocks noGrp="1" noRot="1" noChangeAspect="1"/>
+          </p:cNvSpPr>
+          <p:nvPr>
+            <p:ph type="sldImg"/>
+          </p:nvPr>
+        </p:nvSpPr>
+        <p:spPr/>
+      </p:sp>
+      <p:sp>
+        <p:nvSpPr>
+          <p:cNvPr id="3" name="Заметки 2"/>
+          <p:cNvSpPr>
+            <a:spLocks noGrp="1"/>
+          </p:cNvSpPr>
+          <p:nvPr>
+            <p:ph type="body" idx="1"/>
+          </p:nvPr>
+        </p:nvSpPr>
+        <p:spPr/>
+        <p:txBody>
+          <a:bodyPr/>
+          <a:lstStyle/>
+          <a:p>
+            <a:r>
+              <a:rPr lang="ru-RU" dirty="0" smtClean="0"/>
+              <a:t>Здравствуйте.</a:t>
+            </a:r>
+          </a:p>
+          <a:p>
+            <a:r>
+              <a:rPr lang="ru-RU" dirty="0" smtClean="0"/>
+              <a:t>Меня зовут Алексей Кандрин. Я разрабатывал систему хранения данных.</a:t>
+            </a:r>
+          </a:p>
+          <a:p>
+            <a:r>
+              <a:rPr lang="ru-RU" dirty="0" smtClean="0"/>
+              <a:t>Перейдем к её рассмотрению.</a:t>
+            </a:r>
+          </a:p>
+          <a:p>
+            <a:endParaRPr lang="ru-RU" dirty="0"/>
+          </a:p>
+        </p:txBody>
+      </p:sp>
+      <p:sp>
+        <p:nvSpPr>
+          <p:cNvPr id="4" name="Номер слайда 3"/>
+          <p:cNvSpPr>
+            <a:spLocks noGrp="1"/>
+          </p:cNvSpPr>
+          <p:nvPr>
+            <p:ph type="sldNum" sz="quarter" idx="10"/>
+          </p:nvPr>
+        </p:nvSpPr>
+        <p:spPr/>
+        <p:txBody>
+          <a:bodyPr/>
+          <a:lstStyle/>
+          <a:p>
+            <a:fld id="{0F02595E-CCE3-3147-8332-818853E6143F}" type="slidenum">
+              <a:rPr lang="ru-RU" smtClean="0"/>
+              <a:t>27</a:t>
+            </a:fld>
+            <a:endParaRPr lang="ru-RU"/>
+          </a:p>
+        </p:txBody>
+      </p:sp>
+    </p:spTree>
+    <p:extLst>
+      <p:ext uri="{BB962C8B-B14F-4D97-AF65-F5344CB8AC3E}">
+        <p14:creationId xmlns:p14="http://schemas.microsoft.com/office/powerpoint/2010/main" val="184608360"/>
+      </p:ext>
+    </p:extLst>
+  </p:cSld>
+  <p:clrMapOvr>
+    <a:masterClrMapping/>
+  </p:clrMapOvr>
+</p:notes>
+</file>
+
+<file path=ppt/notesSlides/notesSlide6.xml><?xml version="1.0" encoding="utf-8"?>
+<p:notes xmlns:a="http://schemas.openxmlformats.org/drawingml/2006/main" xmlns:r="http://schemas.openxmlformats.org/officeDocument/2006/relationships" xmlns:p="http://schemas.openxmlformats.org/presentationml/2006/main">
+  <p:cSld>
+    <p:spTree>
+      <p:nvGrpSpPr>
+        <p:cNvPr id="1" name=""/>
+        <p:cNvGrpSpPr/>
+        <p:nvPr/>
+      </p:nvGrpSpPr>
+      <p:grpSpPr>
+        <a:xfrm>
+          <a:off x="0" y="0"/>
+          <a:ext cx="0" cy="0"/>
+          <a:chOff x="0" y="0"/>
+          <a:chExt cx="0" cy="0"/>
+        </a:xfrm>
+      </p:grpSpPr>
+      <p:sp>
+        <p:nvSpPr>
+          <p:cNvPr id="2" name="Образ слайда 1"/>
+          <p:cNvSpPr>
+            <a:spLocks noGrp="1" noRot="1" noChangeAspect="1"/>
+          </p:cNvSpPr>
+          <p:nvPr>
+            <p:ph type="sldImg"/>
+          </p:nvPr>
+        </p:nvSpPr>
+        <p:spPr/>
+      </p:sp>
+      <p:sp>
+        <p:nvSpPr>
+          <p:cNvPr id="3" name="Заметки 2"/>
+          <p:cNvSpPr>
+            <a:spLocks noGrp="1"/>
+          </p:cNvSpPr>
+          <p:nvPr>
+            <p:ph type="body" idx="1"/>
+          </p:nvPr>
+        </p:nvSpPr>
+        <p:spPr/>
+        <p:txBody>
+          <a:bodyPr/>
+          <a:lstStyle/>
+          <a:p>
+            <a:r>
+              <a:rPr lang="ru-RU" sz="1200" kern="1200" dirty="0" smtClean="0">
+                <a:solidFill>
+                  <a:schemeClr val="tx1"/>
+                </a:solidFill>
+                <a:effectLst/>
+                <a:latin typeface="+mn-lt"/>
+                <a:ea typeface="+mn-ea"/>
+                <a:cs typeface="+mn-cs"/>
+              </a:rPr>
+              <a:t>К системе хранения данных выдвигались следующие функциональные требования:</a:t>
+            </a:r>
+          </a:p>
+          <a:p>
+            <a:pPr lvl="0"/>
+            <a:r>
+              <a:rPr lang="ru-RU" sz="1200" kern="1200" dirty="0" smtClean="0">
+                <a:solidFill>
+                  <a:schemeClr val="tx1"/>
+                </a:solidFill>
+                <a:effectLst/>
+                <a:latin typeface="+mn-lt"/>
+                <a:ea typeface="+mn-ea"/>
+                <a:cs typeface="+mn-cs"/>
+              </a:rPr>
+              <a:t>1. Она должна использовать </a:t>
+            </a:r>
+            <a:r>
+              <a:rPr lang="en-US" sz="1200" kern="1200" dirty="0" smtClean="0">
+                <a:solidFill>
+                  <a:schemeClr val="tx1"/>
+                </a:solidFill>
+                <a:effectLst/>
+                <a:latin typeface="+mn-lt"/>
+                <a:ea typeface="+mn-ea"/>
+                <a:cs typeface="+mn-cs"/>
+              </a:rPr>
+              <a:t>PostgreSQL</a:t>
+            </a:r>
+            <a:endParaRPr lang="ru-RU" sz="1200" kern="1200" dirty="0" smtClean="0">
+              <a:solidFill>
+                <a:schemeClr val="tx1"/>
+              </a:solidFill>
+              <a:effectLst/>
+              <a:latin typeface="+mn-lt"/>
+              <a:ea typeface="+mn-ea"/>
+              <a:cs typeface="+mn-cs"/>
+            </a:endParaRPr>
+          </a:p>
+          <a:p>
+            <a:pPr lvl="0"/>
+            <a:r>
+              <a:rPr lang="ru-RU" sz="1200" kern="1200" dirty="0" smtClean="0">
+                <a:solidFill>
+                  <a:schemeClr val="tx1"/>
+                </a:solidFill>
+                <a:effectLst/>
+                <a:latin typeface="+mn-lt"/>
+                <a:ea typeface="+mn-ea"/>
+                <a:cs typeface="+mn-cs"/>
+              </a:rPr>
+              <a:t>2. Она должна позволять выполнять стандартные </a:t>
+            </a:r>
+            <a:r>
+              <a:rPr lang="en-US" sz="1200" kern="1200" dirty="0" smtClean="0">
+                <a:solidFill>
+                  <a:schemeClr val="tx1"/>
+                </a:solidFill>
+                <a:effectLst/>
+                <a:latin typeface="+mn-lt"/>
+                <a:ea typeface="+mn-ea"/>
+                <a:cs typeface="+mn-cs"/>
+              </a:rPr>
+              <a:t>SQL</a:t>
+            </a:r>
+            <a:r>
+              <a:rPr lang="ru-RU" sz="1200" kern="1200" dirty="0" smtClean="0">
+                <a:solidFill>
+                  <a:schemeClr val="tx1"/>
+                </a:solidFill>
+                <a:effectLst/>
+                <a:latin typeface="+mn-lt"/>
+                <a:ea typeface="+mn-ea"/>
+                <a:cs typeface="+mn-cs"/>
+              </a:rPr>
+              <a:t> запросы.</a:t>
+            </a:r>
+          </a:p>
+          <a:p>
+            <a:pPr lvl="0"/>
+            <a:r>
+              <a:rPr lang="ru-RU" sz="1200" kern="1200" dirty="0" smtClean="0">
+                <a:solidFill>
+                  <a:schemeClr val="tx1"/>
+                </a:solidFill>
+                <a:effectLst/>
+                <a:latin typeface="+mn-lt"/>
+                <a:ea typeface="+mn-ea"/>
+                <a:cs typeface="+mn-cs"/>
+              </a:rPr>
+              <a:t>3. Она должна позволять сохранять и получать большие объемы данных, которые могут целиком не помещаться в оперативную память.</a:t>
+            </a:r>
+          </a:p>
+          <a:p>
+            <a:pPr lvl="0"/>
+            <a:r>
+              <a:rPr lang="ru-RU" sz="1200" kern="1200" dirty="0" smtClean="0">
+                <a:solidFill>
+                  <a:schemeClr val="tx1"/>
+                </a:solidFill>
+                <a:effectLst/>
+                <a:latin typeface="+mn-lt"/>
+                <a:ea typeface="+mn-ea"/>
+                <a:cs typeface="+mn-cs"/>
+              </a:rPr>
+              <a:t>4. Она должна позволять хранить данные об экспериментах и их результатах.</a:t>
+            </a:r>
+          </a:p>
+          <a:p>
+            <a:endParaRPr lang="ru-RU" dirty="0"/>
+          </a:p>
+        </p:txBody>
+      </p:sp>
+      <p:sp>
+        <p:nvSpPr>
+          <p:cNvPr id="4" name="Номер слайда 3"/>
+          <p:cNvSpPr>
+            <a:spLocks noGrp="1"/>
+          </p:cNvSpPr>
+          <p:nvPr>
+            <p:ph type="sldNum" sz="quarter" idx="10"/>
+          </p:nvPr>
+        </p:nvSpPr>
+        <p:spPr/>
+        <p:txBody>
+          <a:bodyPr/>
+          <a:lstStyle/>
+          <a:p>
+            <a:fld id="{0F02595E-CCE3-3147-8332-818853E6143F}" type="slidenum">
+              <a:rPr lang="ru-RU" smtClean="0"/>
+              <a:t>28</a:t>
+            </a:fld>
+            <a:endParaRPr lang="ru-RU"/>
+          </a:p>
+        </p:txBody>
+      </p:sp>
+    </p:spTree>
+    <p:extLst>
+      <p:ext uri="{BB962C8B-B14F-4D97-AF65-F5344CB8AC3E}">
+        <p14:creationId xmlns:p14="http://schemas.microsoft.com/office/powerpoint/2010/main" val="2890113645"/>
+      </p:ext>
+    </p:extLst>
+  </p:cSld>
+  <p:clrMapOvr>
+    <a:masterClrMapping/>
+  </p:clrMapOvr>
+</p:notes>
+</file>
+
+<file path=ppt/notesSlides/notesSlide7.xml><?xml version="1.0" encoding="utf-8"?>
+<p:notes xmlns:a="http://schemas.openxmlformats.org/drawingml/2006/main" xmlns:r="http://schemas.openxmlformats.org/officeDocument/2006/relationships" xmlns:p="http://schemas.openxmlformats.org/presentationml/2006/main">
+  <p:cSld>
+    <p:spTree>
+      <p:nvGrpSpPr>
+        <p:cNvPr id="1" name=""/>
+        <p:cNvGrpSpPr/>
+        <p:nvPr/>
+      </p:nvGrpSpPr>
+      <p:grpSpPr>
+        <a:xfrm>
+          <a:off x="0" y="0"/>
+          <a:ext cx="0" cy="0"/>
+          <a:chOff x="0" y="0"/>
+          <a:chExt cx="0" cy="0"/>
+        </a:xfrm>
+      </p:grpSpPr>
+      <p:sp>
+        <p:nvSpPr>
+          <p:cNvPr id="2" name="Образ слайда 1"/>
+          <p:cNvSpPr>
+            <a:spLocks noGrp="1" noRot="1" noChangeAspect="1"/>
+          </p:cNvSpPr>
+          <p:nvPr>
+            <p:ph type="sldImg"/>
+          </p:nvPr>
+        </p:nvSpPr>
+        <p:spPr/>
+      </p:sp>
+      <p:sp>
+        <p:nvSpPr>
+          <p:cNvPr id="3" name="Заметки 2"/>
+          <p:cNvSpPr>
+            <a:spLocks noGrp="1"/>
+          </p:cNvSpPr>
+          <p:nvPr>
+            <p:ph type="body" idx="1"/>
+          </p:nvPr>
+        </p:nvSpPr>
+        <p:spPr/>
+        <p:txBody>
+          <a:bodyPr/>
+          <a:lstStyle/>
+          <a:p>
+            <a:r>
+              <a:rPr lang="ru-RU" sz="1200" kern="1200" dirty="0" smtClean="0">
+                <a:solidFill>
+                  <a:schemeClr val="tx1"/>
+                </a:solidFill>
+                <a:effectLst/>
+                <a:latin typeface="+mn-lt"/>
+                <a:ea typeface="+mn-ea"/>
+                <a:cs typeface="+mn-cs"/>
+              </a:rPr>
+              <a:t>В свою очередь, нефункциональные требования к системе:</a:t>
+            </a:r>
+          </a:p>
+          <a:p>
+            <a:pPr lvl="0"/>
+            <a:r>
+              <a:rPr lang="ru-RU" sz="1200" kern="1200" dirty="0" smtClean="0">
+                <a:solidFill>
+                  <a:schemeClr val="tx1"/>
+                </a:solidFill>
+                <a:effectLst/>
+                <a:latin typeface="+mn-lt"/>
+                <a:ea typeface="+mn-ea"/>
+                <a:cs typeface="+mn-cs"/>
+              </a:rPr>
+              <a:t>1. Схема базы данных для хранения данных эксперимента должна быть гибко изменяемой, так как в будущем возможны изменения структуры данных.</a:t>
+            </a:r>
+          </a:p>
+          <a:p>
+            <a:pPr lvl="0"/>
+            <a:r>
+              <a:rPr lang="ru-RU" sz="1200" kern="1200" dirty="0" smtClean="0">
+                <a:solidFill>
+                  <a:schemeClr val="tx1"/>
+                </a:solidFill>
+                <a:effectLst/>
+                <a:latin typeface="+mn-lt"/>
+                <a:ea typeface="+mn-ea"/>
+                <a:cs typeface="+mn-cs"/>
+              </a:rPr>
+              <a:t>2. Интерфейс взаимодействия с системой не должен зависеть от выбранной СУБД</a:t>
+            </a:r>
+          </a:p>
+          <a:p>
+            <a:pPr lvl="0"/>
+            <a:r>
+              <a:rPr lang="ru-RU" sz="1200" kern="1200" dirty="0" smtClean="0">
+                <a:solidFill>
+                  <a:schemeClr val="tx1"/>
+                </a:solidFill>
+                <a:effectLst/>
+                <a:latin typeface="+mn-lt"/>
+                <a:ea typeface="+mn-ea"/>
+                <a:cs typeface="+mn-cs"/>
+              </a:rPr>
+              <a:t>3. Должно быть произведено тестирование системы</a:t>
+            </a:r>
+          </a:p>
+          <a:p>
+            <a:r>
+              <a:rPr lang="ru-RU" sz="1200" kern="1200" dirty="0" smtClean="0">
+                <a:solidFill>
+                  <a:schemeClr val="tx1"/>
+                </a:solidFill>
+                <a:effectLst/>
+                <a:latin typeface="+mn-lt"/>
+                <a:ea typeface="+mn-ea"/>
+                <a:cs typeface="+mn-cs"/>
+              </a:rPr>
+              <a:t>4. На систему должна быть написана программная документация</a:t>
+            </a:r>
+            <a:endParaRPr lang="ru-RU" dirty="0"/>
+          </a:p>
+        </p:txBody>
+      </p:sp>
+      <p:sp>
+        <p:nvSpPr>
+          <p:cNvPr id="4" name="Номер слайда 3"/>
+          <p:cNvSpPr>
+            <a:spLocks noGrp="1"/>
+          </p:cNvSpPr>
+          <p:nvPr>
+            <p:ph type="sldNum" sz="quarter" idx="10"/>
+          </p:nvPr>
+        </p:nvSpPr>
+        <p:spPr/>
+        <p:txBody>
+          <a:bodyPr/>
+          <a:lstStyle/>
+          <a:p>
+            <a:fld id="{0F02595E-CCE3-3147-8332-818853E6143F}" type="slidenum">
+              <a:rPr lang="ru-RU" smtClean="0"/>
+              <a:t>29</a:t>
+            </a:fld>
+            <a:endParaRPr lang="ru-RU"/>
+          </a:p>
+        </p:txBody>
+      </p:sp>
+    </p:spTree>
+    <p:extLst>
+      <p:ext uri="{BB962C8B-B14F-4D97-AF65-F5344CB8AC3E}">
+        <p14:creationId xmlns:p14="http://schemas.microsoft.com/office/powerpoint/2010/main" val="520380850"/>
+      </p:ext>
+    </p:extLst>
+  </p:cSld>
+  <p:clrMapOvr>
+    <a:masterClrMapping/>
+  </p:clrMapOvr>
+</p:notes>
+</file>
+
+<file path=ppt/notesSlides/notesSlide8.xml><?xml version="1.0" encoding="utf-8"?>
+<p:notes xmlns:a="http://schemas.openxmlformats.org/drawingml/2006/main" xmlns:r="http://schemas.openxmlformats.org/officeDocument/2006/relationships" xmlns:p="http://schemas.openxmlformats.org/presentationml/2006/main">
+  <p:cSld>
+    <p:spTree>
+      <p:nvGrpSpPr>
+        <p:cNvPr id="1" name=""/>
+        <p:cNvGrpSpPr/>
+        <p:nvPr/>
+      </p:nvGrpSpPr>
+      <p:grpSpPr>
+        <a:xfrm>
+          <a:off x="0" y="0"/>
+          <a:ext cx="0" cy="0"/>
+          <a:chOff x="0" y="0"/>
+          <a:chExt cx="0" cy="0"/>
+        </a:xfrm>
+      </p:grpSpPr>
+      <p:sp>
+        <p:nvSpPr>
+          <p:cNvPr id="2" name="Образ слайда 1"/>
+          <p:cNvSpPr>
+            <a:spLocks noGrp="1" noRot="1" noChangeAspect="1"/>
+          </p:cNvSpPr>
+          <p:nvPr>
+            <p:ph type="sldImg"/>
+          </p:nvPr>
+        </p:nvSpPr>
+        <p:spPr/>
+      </p:sp>
+      <p:sp>
+        <p:nvSpPr>
+          <p:cNvPr id="3" name="Заметки 2"/>
+          <p:cNvSpPr>
+            <a:spLocks noGrp="1"/>
+          </p:cNvSpPr>
+          <p:nvPr>
+            <p:ph type="body" idx="1"/>
+          </p:nvPr>
+        </p:nvSpPr>
+        <p:spPr/>
+        <p:txBody>
+          <a:bodyPr/>
+          <a:lstStyle/>
+          <a:p>
+            <a:r>
+              <a:rPr lang="ru-RU" sz="1200" kern="1200" dirty="0" smtClean="0">
+                <a:solidFill>
+                  <a:schemeClr val="tx1"/>
+                </a:solidFill>
+                <a:effectLst/>
+                <a:latin typeface="+mn-lt"/>
+                <a:ea typeface="+mn-ea"/>
+                <a:cs typeface="+mn-cs"/>
+              </a:rPr>
+              <a:t>В соответствии с требованиями система хранения данных была разделена на два интерфейса:</a:t>
+            </a:r>
+          </a:p>
+          <a:p>
+            <a:pPr lvl="0"/>
+            <a:r>
+              <a:rPr lang="ru-RU" sz="1200" kern="1200" dirty="0" smtClean="0">
+                <a:solidFill>
+                  <a:schemeClr val="tx1"/>
+                </a:solidFill>
+                <a:effectLst/>
+                <a:latin typeface="+mn-lt"/>
+                <a:ea typeface="+mn-ea"/>
+                <a:cs typeface="+mn-cs"/>
+              </a:rPr>
+              <a:t>1. Общий интерфейс по взаимодействию с СУБД, который позволяет выполнять стандартные </a:t>
+            </a:r>
+            <a:r>
+              <a:rPr lang="en-US" sz="1200" kern="1200" dirty="0" smtClean="0">
+                <a:solidFill>
+                  <a:schemeClr val="tx1"/>
+                </a:solidFill>
+                <a:effectLst/>
+                <a:latin typeface="+mn-lt"/>
+                <a:ea typeface="+mn-ea"/>
+                <a:cs typeface="+mn-cs"/>
+              </a:rPr>
+              <a:t>SQL</a:t>
+            </a:r>
+            <a:r>
+              <a:rPr lang="ru-RU" sz="1200" kern="1200" dirty="0" smtClean="0">
+                <a:solidFill>
+                  <a:schemeClr val="tx1"/>
+                </a:solidFill>
+                <a:effectLst/>
+                <a:latin typeface="+mn-lt"/>
+                <a:ea typeface="+mn-ea"/>
+                <a:cs typeface="+mn-cs"/>
+              </a:rPr>
+              <a:t>-запросы.</a:t>
+            </a:r>
+          </a:p>
+          <a:p>
+            <a:r>
+              <a:rPr lang="ru-RU" sz="1200" kern="1200" dirty="0" smtClean="0">
+                <a:solidFill>
+                  <a:schemeClr val="tx1"/>
+                </a:solidFill>
+                <a:effectLst/>
+                <a:latin typeface="+mn-lt"/>
+                <a:ea typeface="+mn-ea"/>
+                <a:cs typeface="+mn-cs"/>
+              </a:rPr>
+              <a:t>2. Упрощенный интерфейс взаимодействия с БД, при работе с которым пользователю не нужно самому писать </a:t>
+            </a:r>
+            <a:r>
+              <a:rPr lang="en-US" sz="1200" kern="1200" dirty="0" smtClean="0">
+                <a:solidFill>
+                  <a:schemeClr val="tx1"/>
+                </a:solidFill>
+                <a:effectLst/>
+                <a:latin typeface="+mn-lt"/>
+                <a:ea typeface="+mn-ea"/>
+                <a:cs typeface="+mn-cs"/>
+              </a:rPr>
+              <a:t>SQL</a:t>
+            </a:r>
+            <a:r>
+              <a:rPr lang="ru-RU" sz="1200" kern="1200" dirty="0" smtClean="0">
+                <a:solidFill>
+                  <a:schemeClr val="tx1"/>
+                </a:solidFill>
+                <a:effectLst/>
+                <a:latin typeface="+mn-lt"/>
+                <a:ea typeface="+mn-ea"/>
+                <a:cs typeface="+mn-cs"/>
+              </a:rPr>
+              <a:t> запросы.</a:t>
+            </a:r>
+            <a:endParaRPr lang="ru-RU" dirty="0"/>
+          </a:p>
+        </p:txBody>
+      </p:sp>
+      <p:sp>
+        <p:nvSpPr>
+          <p:cNvPr id="4" name="Номер слайда 3"/>
+          <p:cNvSpPr>
+            <a:spLocks noGrp="1"/>
+          </p:cNvSpPr>
+          <p:nvPr>
+            <p:ph type="sldNum" sz="quarter" idx="10"/>
+          </p:nvPr>
+        </p:nvSpPr>
+        <p:spPr/>
+        <p:txBody>
+          <a:bodyPr/>
+          <a:lstStyle/>
+          <a:p>
+            <a:fld id="{0F02595E-CCE3-3147-8332-818853E6143F}" type="slidenum">
+              <a:rPr lang="ru-RU" smtClean="0"/>
+              <a:t>30</a:t>
+            </a:fld>
+            <a:endParaRPr lang="ru-RU"/>
+          </a:p>
+        </p:txBody>
+      </p:sp>
+    </p:spTree>
+    <p:extLst>
+      <p:ext uri="{BB962C8B-B14F-4D97-AF65-F5344CB8AC3E}">
+        <p14:creationId xmlns:p14="http://schemas.microsoft.com/office/powerpoint/2010/main" val="4053602776"/>
+      </p:ext>
+    </p:extLst>
+  </p:cSld>
+  <p:clrMapOvr>
+    <a:masterClrMapping/>
+  </p:clrMapOvr>
+</p:notes>
+</file>
+
+<file path=ppt/notesSlides/notesSlide9.xml><?xml version="1.0" encoding="utf-8"?>
+<p:notes xmlns:a="http://schemas.openxmlformats.org/drawingml/2006/main" xmlns:r="http://schemas.openxmlformats.org/officeDocument/2006/relationships" xmlns:p="http://schemas.openxmlformats.org/presentationml/2006/main">
+  <p:cSld>
+    <p:spTree>
+      <p:nvGrpSpPr>
+        <p:cNvPr id="1" name=""/>
+        <p:cNvGrpSpPr/>
+        <p:nvPr/>
+      </p:nvGrpSpPr>
+      <p:grpSpPr>
+        <a:xfrm>
+          <a:off x="0" y="0"/>
+          <a:ext cx="0" cy="0"/>
+          <a:chOff x="0" y="0"/>
+          <a:chExt cx="0" cy="0"/>
+        </a:xfrm>
+      </p:grpSpPr>
+      <p:sp>
+        <p:nvSpPr>
+          <p:cNvPr id="2" name="Образ слайда 1"/>
+          <p:cNvSpPr>
+            <a:spLocks noGrp="1" noRot="1" noChangeAspect="1"/>
+          </p:cNvSpPr>
+          <p:nvPr>
+            <p:ph type="sldImg"/>
+          </p:nvPr>
+        </p:nvSpPr>
+        <p:spPr/>
+      </p:sp>
+      <p:sp>
+        <p:nvSpPr>
+          <p:cNvPr id="3" name="Заметки 2"/>
+          <p:cNvSpPr>
+            <a:spLocks noGrp="1"/>
+          </p:cNvSpPr>
+          <p:nvPr>
+            <p:ph type="body" idx="1"/>
+          </p:nvPr>
+        </p:nvSpPr>
+        <p:spPr/>
+        <p:txBody>
+          <a:bodyPr/>
+          <a:lstStyle/>
+          <a:p>
+            <a:r>
+              <a:rPr lang="ru-RU" dirty="0" smtClean="0"/>
+              <a:t>Общий интерфейс взаимодействия СУБД выглядит следующим образом.</a:t>
+            </a:r>
+          </a:p>
+          <a:p>
+            <a:r>
+              <a:rPr lang="ru-RU" dirty="0" smtClean="0"/>
+              <a:t>На этой схеме ключевым является интерфейс соединения с базой данных – </a:t>
+            </a:r>
+            <a:r>
+              <a:rPr lang="ru-RU" dirty="0" err="1" smtClean="0"/>
+              <a:t>IConnection</a:t>
+            </a:r>
+            <a:r>
+              <a:rPr lang="ru-RU" dirty="0" smtClean="0"/>
+              <a:t>. Метод </a:t>
+            </a:r>
+            <a:r>
+              <a:rPr lang="ru-RU" dirty="0" err="1" smtClean="0"/>
+              <a:t>Execute</a:t>
+            </a:r>
+            <a:r>
+              <a:rPr lang="ru-RU" dirty="0" smtClean="0"/>
+              <a:t> этого интерфейса позволяет выполнять одну или несколько SQL команд. Результат выполнения команды возвращается по интерфейсу результата запроса – </a:t>
+            </a:r>
+            <a:r>
+              <a:rPr lang="ru-RU" dirty="0" err="1" smtClean="0"/>
+              <a:t>IExecuteResult</a:t>
+            </a:r>
+            <a:r>
+              <a:rPr lang="ru-RU" dirty="0" smtClean="0"/>
+              <a:t>.</a:t>
+            </a:r>
+          </a:p>
+          <a:p>
+            <a:r>
+              <a:rPr lang="ru-RU" dirty="0" smtClean="0"/>
+              <a:t>Этот интерфейс позволяет определить, в каком виде пришел результат: результат может прийти в виде таблицы (например, если выполнялся SELECT); результат может прийти пустым; и результат может прийти в виде ошибки.</a:t>
+            </a:r>
+          </a:p>
+          <a:p>
+            <a:r>
+              <a:rPr lang="ru-RU" dirty="0" smtClean="0"/>
+              <a:t>Если результат пришел в виде таблицы, то интерфейс результата позволяет извлечь информацию из этой таблицы.</a:t>
+            </a:r>
+          </a:p>
+          <a:p>
+            <a:r>
+              <a:rPr lang="ru-RU" dirty="0" smtClean="0"/>
+              <a:t>Далее хочется упомянуть, что интерфейс соединения </a:t>
+            </a:r>
+            <a:r>
+              <a:rPr lang="ru-RU" dirty="0" err="1" smtClean="0"/>
+              <a:t>IConnection</a:t>
+            </a:r>
+            <a:r>
+              <a:rPr lang="ru-RU" dirty="0" smtClean="0"/>
+              <a:t> позволяет также работать с большими бинарными объектами на сервере. Это такие сущности, которые позволяют работать с большими объемами данных в потоковом режиме.</a:t>
+            </a:r>
+          </a:p>
+          <a:p>
+            <a:r>
+              <a:rPr lang="ru-RU" dirty="0" smtClean="0"/>
+              <a:t>Интерфейс соединения позволяет создавать такие объекты, получать их по их идентификаторам и удалять их. Для пользователя класса большой бинарный объект возвращается по интерфейсу файла, так что он может работать с ним, как с обычным файлом.</a:t>
+            </a:r>
+          </a:p>
+          <a:p>
+            <a:endParaRPr lang="ru-RU" dirty="0"/>
+          </a:p>
+        </p:txBody>
+      </p:sp>
+      <p:sp>
+        <p:nvSpPr>
+          <p:cNvPr id="4" name="Номер слайда 3"/>
+          <p:cNvSpPr>
+            <a:spLocks noGrp="1"/>
+          </p:cNvSpPr>
+          <p:nvPr>
+            <p:ph type="sldNum" sz="quarter" idx="10"/>
+          </p:nvPr>
+        </p:nvSpPr>
+        <p:spPr/>
+        <p:txBody>
+          <a:bodyPr/>
+          <a:lstStyle/>
+          <a:p>
+            <a:fld id="{0F02595E-CCE3-3147-8332-818853E6143F}" type="slidenum">
+              <a:rPr lang="ru-RU" smtClean="0"/>
+              <a:t>31</a:t>
+            </a:fld>
+            <a:endParaRPr lang="ru-RU"/>
+          </a:p>
+        </p:txBody>
+      </p:sp>
+    </p:spTree>
+    <p:extLst>
+      <p:ext uri="{BB962C8B-B14F-4D97-AF65-F5344CB8AC3E}">
+        <p14:creationId xmlns:p14="http://schemas.microsoft.com/office/powerpoint/2010/main" val="327489227"/>
+      </p:ext>
+    </p:extLst>
   </p:cSld>
   <p:clrMapOvr>
     <a:masterClrMapping/>
@@ -18676,7 +21334,7 @@
           <p:nvPr/>
         </p:nvPicPr>
         <p:blipFill rotWithShape="1">
-          <a:blip r:embed="rId2"/>
+          <a:blip r:embed="rId3"/>
           <a:srcRect l="15597" t="9327" r="40179"/>
           <a:stretch>
             <a:fillRect/>
@@ -18704,7 +21362,7 @@
           <p:nvPr/>
         </p:nvPicPr>
         <p:blipFill rotWithShape="1">
-          <a:blip r:embed="rId3"/>
+          <a:blip r:embed="rId4"/>
           <a:srcRect l="825" r="1545" b="59892"/>
           <a:stretch>
             <a:fillRect/>
@@ -18764,7 +21422,7 @@
           <p:nvPr/>
         </p:nvPicPr>
         <p:blipFill>
-          <a:blip r:embed="rId4"/>
+          <a:blip r:embed="rId5"/>
           <a:stretch>
             <a:fillRect/>
           </a:stretch>
@@ -19373,7 +22031,7 @@
           <p:nvPr/>
         </p:nvPicPr>
         <p:blipFill>
-          <a:blip r:embed="rId2"/>
+          <a:blip r:embed="rId3"/>
           <a:stretch>
             <a:fillRect/>
           </a:stretch>
@@ -19947,7 +22605,7 @@
           <p:nvPr/>
         </p:nvPicPr>
         <p:blipFill>
-          <a:blip r:embed="rId2"/>
+          <a:blip r:embed="rId3"/>
           <a:stretch>
             <a:fillRect/>
           </a:stretch>
@@ -20954,7 +23612,21 @@
                 <a:latin typeface="Arial" panose="020B0604020202020204" pitchFamily="34" charset="0"/>
                 <a:cs typeface="Arial" panose="020B0604020202020204" pitchFamily="34" charset="0"/>
               </a:rPr>
-              <a:t>Исходя из требований было решено разделить СХД на основных интерфейса</a:t>
+              <a:t>Исходя из требований было решено разделить СХД на </a:t>
+            </a:r>
+            <a:r>
+              <a:rPr lang="ru-RU" dirty="0" smtClean="0">
+                <a:latin typeface="Arial" panose="020B0604020202020204" pitchFamily="34" charset="0"/>
+                <a:cs typeface="Arial" panose="020B0604020202020204" pitchFamily="34" charset="0"/>
+              </a:rPr>
+              <a:t>два основных </a:t>
+            </a:r>
+            <a:r>
+              <a:rPr lang="ru-RU" dirty="0">
+                <a:latin typeface="Arial" panose="020B0604020202020204" pitchFamily="34" charset="0"/>
+                <a:cs typeface="Arial" panose="020B0604020202020204" pitchFamily="34" charset="0"/>
+              </a:rPr>
+              <a:t>интерфейса</a:t>
             </a:r>
             <a:r>
               <a:rPr lang="en-US" dirty="0">
@@ -21049,7 +23721,7 @@
           <p:nvPr/>
         </p:nvPicPr>
         <p:blipFill>
-          <a:blip r:embed="rId2"/>
+          <a:blip r:embed="rId3"/>
           <a:stretch>
             <a:fillRect/>
           </a:stretch>
@@ -21559,7 +24231,7 @@
           <p:nvPr/>
         </p:nvPicPr>
         <p:blipFill>
-          <a:blip r:embed="rId2"/>
+          <a:blip r:embed="rId3"/>
           <a:stretch>
             <a:fillRect/>
           </a:stretch>
@@ -21699,7 +24371,7 @@
           <p:nvPr/>
         </p:nvPicPr>
         <p:blipFill>
-          <a:blip r:embed="rId3">
+          <a:blip r:embed="rId4">
             <a:extLst>
               <a:ext uri="{28A0092B-C50C-407E-A947-70E740481C1C}">
                 <a14:useLocalDpi xmlns:a14="http://schemas.microsoft.com/office/drawing/2010/main" val="0"/>
@@ -22157,7 +24829,7 @@
           <p:nvPr/>
         </p:nvPicPr>
         <p:blipFill>
-          <a:blip r:embed="rId2"/>
+          <a:blip r:embed="rId3"/>
           <a:stretch>
             <a:fillRect/>
           </a:stretch>
@@ -22361,7 +25033,7 @@
           <p:nvPr/>
         </p:nvPicPr>
         <p:blipFill>
-          <a:blip r:embed="rId3">
+          <a:blip r:embed="rId4">
             <a:extLst>
               <a:ext uri="{28A0092B-C50C-407E-A947-70E740481C1C}">
                 <a14:useLocalDpi xmlns:a14="http://schemas.microsoft.com/office/drawing/2010/main" val="0"/>
@@ -22784,7 +25456,7 @@
           <p:nvPr/>
         </p:nvPicPr>
         <p:blipFill>
-          <a:blip r:embed="rId2"/>
+          <a:blip r:embed="rId3"/>
           <a:stretch>
             <a:fillRect/>
           </a:stretch>
@@ -22988,7 +25660,7 @@
           <p:nvPr/>
         </p:nvPicPr>
         <p:blipFill>
-          <a:blip r:embed="rId3">
+          <a:blip r:embed="rId4">
             <a:extLst>
               <a:ext uri="{28A0092B-C50C-407E-A947-70E740481C1C}">
                 <a14:useLocalDpi xmlns:a14="http://schemas.microsoft.com/office/drawing/2010/main" val="0"/>
@@ -23520,7 +26192,7 @@
           <p:nvPr/>
         </p:nvPicPr>
         <p:blipFill>
-          <a:blip r:embed="rId2"/>
+          <a:blip r:embed="rId3"/>
           <a:stretch>
             <a:fillRect/>
           </a:stretch>
@@ -23709,7 +26381,7 @@
           <p:nvPr/>
         </p:nvPicPr>
         <p:blipFill>
-          <a:blip r:embed="rId3"/>
+          <a:blip r:embed="rId4"/>
           <a:stretch>
             <a:fillRect/>
           </a:stretch>
@@ -24288,7 +26960,7 @@
           <p:nvPr/>
         </p:nvPicPr>
         <p:blipFill>
-          <a:blip r:embed="rId2"/>
+          <a:blip r:embed="rId3"/>
           <a:stretch>
             <a:fillRect/>
           </a:stretch>
@@ -24468,7 +27140,7 @@
           <p:nvPr/>
         </p:nvPicPr>
         <p:blipFill>
-          <a:blip r:embed="rId3">
+          <a:blip r:embed="rId4">
             <a:extLst>
               <a:ext uri="{28A0092B-C50C-407E-A947-70E740481C1C}">
                 <a14:useLocalDpi xmlns:a14="http://schemas.microsoft.com/office/drawing/2010/main" val="0"/>
@@ -25010,7 +27682,7 @@
           <p:nvPr/>
         </p:nvPicPr>
         <p:blipFill>
-          <a:blip r:embed="rId2"/>
+          <a:blip r:embed="rId3"/>
           <a:stretch>
             <a:fillRect/>
           </a:stretch>
@@ -26199,7 +28871,7 @@
           <p:nvPr/>
         </p:nvPicPr>
         <p:blipFill>
-          <a:blip r:embed="rId2"/>
+          <a:blip r:embed="rId3"/>
           <a:stretch>
             <a:fillRect/>
           </a:stretch>
@@ -26376,7 +29048,7 @@
           <p:nvPr/>
         </p:nvPicPr>
         <p:blipFill>
-          <a:blip r:embed="rId3">
+          <a:blip r:embed="rId4">
             <a:extLst>
               <a:ext uri="{28A0092B-C50C-407E-A947-70E740481C1C}">
                 <a14:useLocalDpi xmlns:a14="http://schemas.microsoft.com/office/drawing/2010/main" val="0"/>
@@ -26779,7 +29451,7 @@
           <p:nvPr/>
         </p:nvPicPr>
         <p:blipFill>
-          <a:blip r:embed="rId2"/>
+          <a:blip r:embed="rId3"/>
           <a:stretch>
             <a:fillRect/>
           </a:stretch>
@@ -27440,7 +30112,7 @@
           <p:nvPr/>
         </p:nvPicPr>
         <p:blipFill>
-          <a:blip r:embed="rId3">
+          <a:blip r:embed="rId4">
             <a:extLst>
               <a:ext uri="{28A0092B-C50C-407E-A947-70E740481C1C}">
                 <a14:useLocalDpi xmlns:a14="http://schemas.microsoft.com/office/drawing/2010/main" val="0"/>
@@ -28070,7 +30742,7 @@
               <a:rPr lang="en-US" dirty="0">
                 <a:latin typeface="Arial" panose="020B0604020202020204" pitchFamily="34" charset="0"/>
                 <a:cs typeface="Arial" panose="020B0604020202020204" pitchFamily="34" charset="0"/>
-                <a:hlinkClick r:id="rId2"/>
+                <a:hlinkClick r:id="rId3"/>
               </a:rPr>
               <a:t>https://github.com/Lawyar/ecsms/tree/master/libraries/database_library</a:t>
             </a:r>
@@ -28114,7 +30786,7 @@
               <a:rPr lang="en-US" dirty="0">
                 <a:latin typeface="Arial" panose="020B0604020202020204" pitchFamily="34" charset="0"/>
                 <a:cs typeface="Arial" panose="020B0604020202020204" pitchFamily="34" charset="0"/>
-                <a:hlinkClick r:id="rId3"/>
+                <a:hlinkClick r:id="rId4"/>
               </a:rPr>
               <a:t>https://github.com/Lawyar/ecsms/tree/master/tests/database_library_tests</a:t>
             </a:r>
@@ -28158,7 +30830,7 @@
               <a:rPr lang="en-US" dirty="0">
                 <a:latin typeface="Arial" panose="020B0604020202020204" pitchFamily="34" charset="0"/>
                 <a:cs typeface="Arial" panose="020B0604020202020204" pitchFamily="34" charset="0"/>
-                <a:hlinkClick r:id="rId4"/>
+                <a:hlinkClick r:id="rId5"/>
               </a:rPr>
               <a:t>https://akandrin.github.io/database_library_docs/annotated.html</a:t>
             </a:r>
@@ -28178,7 +30850,7 @@
           <p:nvPr/>
         </p:nvPicPr>
         <p:blipFill>
-          <a:blip r:embed="rId5"/>
+          <a:blip r:embed="rId6"/>
           <a:stretch>
             <a:fillRect/>
           </a:stretch>

--- a/вкр/дипломная_презентация.pptx
+++ b/вкр/дипломная_презентация.pptx
@@ -1124,7 +1124,19 @@
                 <a:ea typeface="+mn-ea"/>
                 <a:cs typeface="+mn-cs"/>
               </a:rPr>
-              <a:t>Важной особенностью этого интерфейса является то, что он позволяет единообразно работать со значениями разных типов, которые содержатся в таблицах значений. Достигается это за счет введения интерфейса </a:t>
+              <a:t>Важной особенностью этого интерфейса является то, что он позволяет единообразно работать со значениями разных типов, которые содержатся в таблицах значений. Достигается это за счет введения </a:t>
+            </a:r>
+            <a:r>
+              <a:rPr lang="ru-RU" sz="1200" kern="1200" dirty="0" smtClean="0">
+                <a:solidFill>
+                  <a:schemeClr val="tx1"/>
+                </a:solidFill>
+                <a:effectLst/>
+                <a:latin typeface="+mn-lt"/>
+                <a:ea typeface="+mn-ea"/>
+                <a:cs typeface="+mn-cs"/>
+              </a:rPr>
+              <a:t>специального интерфейса </a:t>
             </a:r>
             <a:r>
               <a:rPr lang="en-US" sz="1200" kern="1200" dirty="0" smtClean="0">
@@ -1668,10 +1680,10 @@
                 <a:ea typeface="+mn-ea"/>
                 <a:cs typeface="+mn-cs"/>
               </a:rPr>
-              <a:t>Пример конвертации, о которой идет речь, можно рассмотреть на примере </a:t>
-            </a:r>
-            <a:r>
-              <a:rPr lang="en-US" sz="1200" kern="1200" dirty="0" smtClean="0">
+              <a:t>Рассмотрим это на</a:t>
+            </a:r>
+            <a:r>
+              <a:rPr lang="ru-RU" sz="1200" kern="1200" baseline="0" dirty="0" smtClean="0">
                 <a:solidFill>
                   <a:schemeClr val="tx1"/>
                 </a:solidFill>
@@ -1680,7 +1692,7 @@
                 <a:ea typeface="+mn-ea"/>
                 <a:cs typeface="+mn-cs"/>
               </a:rPr>
-              <a:t>SQL</a:t>
+              <a:t> примере</a:t>
             </a:r>
             <a:r>
               <a:rPr lang="ru-RU" sz="1200" kern="1200" dirty="0" smtClean="0">
@@ -1692,7 +1704,7 @@
                 <a:ea typeface="+mn-ea"/>
                 <a:cs typeface="+mn-cs"/>
               </a:rPr>
-              <a:t>-переменной типа </a:t>
+              <a:t> примере </a:t>
             </a:r>
             <a:r>
               <a:rPr lang="en-US" sz="1200" kern="1200" dirty="0" smtClean="0">
@@ -1704,7 +1716,7 @@
                 <a:ea typeface="+mn-ea"/>
                 <a:cs typeface="+mn-cs"/>
               </a:rPr>
-              <a:t>BYTEA</a:t>
+              <a:t>SQL</a:t>
             </a:r>
             <a:r>
               <a:rPr lang="ru-RU" sz="1200" kern="1200" dirty="0" smtClean="0">
@@ -1716,7 +1728,7 @@
                 <a:ea typeface="+mn-ea"/>
                 <a:cs typeface="+mn-cs"/>
               </a:rPr>
-              <a:t>, которая позволяет в </a:t>
+              <a:t>-переменной типа </a:t>
             </a:r>
             <a:r>
               <a:rPr lang="en-US" sz="1200" kern="1200" dirty="0" smtClean="0">
@@ -1728,7 +1740,7 @@
                 <a:ea typeface="+mn-ea"/>
                 <a:cs typeface="+mn-cs"/>
               </a:rPr>
-              <a:t>PostgreSQL</a:t>
+              <a:t>BYTEA</a:t>
             </a:r>
             <a:r>
               <a:rPr lang="ru-RU" sz="1200" kern="1200" dirty="0" smtClean="0">
@@ -1740,10 +1752,8 @@
                 <a:ea typeface="+mn-ea"/>
                 <a:cs typeface="+mn-cs"/>
               </a:rPr>
-              <a:t> хранить массив байтов.</a:t>
-            </a:r>
-          </a:p>
-          <a:p>
+              <a:t>, которая </a:t>
+            </a:r>
             <a:r>
               <a:rPr lang="ru-RU" sz="1200" kern="1200" dirty="0" smtClean="0">
                 <a:solidFill>
@@ -1754,7 +1764,7 @@
                 <a:ea typeface="+mn-ea"/>
                 <a:cs typeface="+mn-cs"/>
               </a:rPr>
-              <a:t>При формировании </a:t>
+              <a:t>в </a:t>
             </a:r>
             <a:r>
               <a:rPr lang="en-US" sz="1200" kern="1200" dirty="0" smtClean="0">
@@ -1766,7 +1776,7 @@
                 <a:ea typeface="+mn-ea"/>
                 <a:cs typeface="+mn-cs"/>
               </a:rPr>
-              <a:t>SQL</a:t>
+              <a:t>PostgreSQL</a:t>
             </a:r>
             <a:r>
               <a:rPr lang="ru-RU" sz="1200" kern="1200" dirty="0" smtClean="0">
@@ -1778,10 +1788,10 @@
                 <a:ea typeface="+mn-ea"/>
                 <a:cs typeface="+mn-cs"/>
               </a:rPr>
-              <a:t> запроса мы хотим сконвертировать массив байтов </a:t>
-            </a:r>
-            <a:r>
-              <a:rPr lang="en-US" sz="1200" kern="1200" dirty="0" err="1" smtClean="0">
+              <a:t> позволяет хранить </a:t>
+            </a:r>
+            <a:r>
+              <a:rPr lang="ru-RU" sz="1200" kern="1200" dirty="0" smtClean="0">
                 <a:solidFill>
                   <a:schemeClr val="tx1"/>
                 </a:solidFill>
@@ -1790,8 +1800,10 @@
                 <a:ea typeface="+mn-ea"/>
                 <a:cs typeface="+mn-cs"/>
               </a:rPr>
-              <a:t>std</a:t>
-            </a:r>
+              <a:t>массив байтов.</a:t>
+            </a:r>
+          </a:p>
+          <a:p>
             <a:r>
               <a:rPr lang="ru-RU" sz="1200" kern="1200" dirty="0" smtClean="0">
                 <a:solidFill>
@@ -1802,7 +1814,7 @@
                 <a:ea typeface="+mn-ea"/>
                 <a:cs typeface="+mn-cs"/>
               </a:rPr>
-              <a:t>::</a:t>
+              <a:t>При формировании </a:t>
             </a:r>
             <a:r>
               <a:rPr lang="en-US" sz="1200" kern="1200" dirty="0" smtClean="0">
@@ -1814,7 +1826,7 @@
                 <a:ea typeface="+mn-ea"/>
                 <a:cs typeface="+mn-cs"/>
               </a:rPr>
-              <a:t>vector</a:t>
+              <a:t>SQL</a:t>
             </a:r>
             <a:r>
               <a:rPr lang="ru-RU" sz="1200" kern="1200" dirty="0" smtClean="0">
@@ -1826,10 +1838,10 @@
                 <a:ea typeface="+mn-ea"/>
                 <a:cs typeface="+mn-cs"/>
               </a:rPr>
-              <a:t>&lt;</a:t>
-            </a:r>
-            <a:r>
-              <a:rPr lang="en-US" sz="1200" kern="1200" dirty="0" smtClean="0">
+              <a:t> запроса мы хотим сконвертировать массив байтов </a:t>
+            </a:r>
+            <a:r>
+              <a:rPr lang="en-US" sz="1200" kern="1200" dirty="0" err="1" smtClean="0">
                 <a:solidFill>
                   <a:schemeClr val="tx1"/>
                 </a:solidFill>
@@ -1838,7 +1850,7 @@
                 <a:ea typeface="+mn-ea"/>
                 <a:cs typeface="+mn-cs"/>
               </a:rPr>
-              <a:t>char</a:t>
+              <a:t>std</a:t>
             </a:r>
             <a:r>
               <a:rPr lang="ru-RU" sz="1200" kern="1200" dirty="0" smtClean="0">
@@ -1850,7 +1862,79 @@
                 <a:ea typeface="+mn-ea"/>
                 <a:cs typeface="+mn-cs"/>
               </a:rPr>
-              <a:t>&gt; в представление, в котором он может быть использован в запросе – а именно конвертируем его в шестнадцатеричное представление и обрамляем апострофами.</a:t>
+              <a:t>::</a:t>
+            </a:r>
+            <a:r>
+              <a:rPr lang="en-US" sz="1200" kern="1200" dirty="0" smtClean="0">
+                <a:solidFill>
+                  <a:schemeClr val="tx1"/>
+                </a:solidFill>
+                <a:effectLst/>
+                <a:latin typeface="+mn-lt"/>
+                <a:ea typeface="+mn-ea"/>
+                <a:cs typeface="+mn-cs"/>
+              </a:rPr>
+              <a:t>vector</a:t>
+            </a:r>
+            <a:r>
+              <a:rPr lang="ru-RU" sz="1200" kern="1200" dirty="0" smtClean="0">
+                <a:solidFill>
+                  <a:schemeClr val="tx1"/>
+                </a:solidFill>
+                <a:effectLst/>
+                <a:latin typeface="+mn-lt"/>
+                <a:ea typeface="+mn-ea"/>
+                <a:cs typeface="+mn-cs"/>
+              </a:rPr>
+              <a:t>&lt;</a:t>
+            </a:r>
+            <a:r>
+              <a:rPr lang="en-US" sz="1200" kern="1200" dirty="0" smtClean="0">
+                <a:solidFill>
+                  <a:schemeClr val="tx1"/>
+                </a:solidFill>
+                <a:effectLst/>
+                <a:latin typeface="+mn-lt"/>
+                <a:ea typeface="+mn-ea"/>
+                <a:cs typeface="+mn-cs"/>
+              </a:rPr>
+              <a:t>char</a:t>
+            </a:r>
+            <a:r>
+              <a:rPr lang="ru-RU" sz="1200" kern="1200" dirty="0" smtClean="0">
+                <a:solidFill>
+                  <a:schemeClr val="tx1"/>
+                </a:solidFill>
+                <a:effectLst/>
+                <a:latin typeface="+mn-lt"/>
+                <a:ea typeface="+mn-ea"/>
+                <a:cs typeface="+mn-cs"/>
+              </a:rPr>
+              <a:t>&gt; в представление, в котором он может быть использован в запросе – а именно конвертируем его в </a:t>
+            </a:r>
+            <a:r>
+              <a:rPr lang="ru-RU" sz="1200" kern="1200" dirty="0" smtClean="0">
+                <a:solidFill>
+                  <a:schemeClr val="tx1"/>
+                </a:solidFill>
+                <a:effectLst/>
+                <a:latin typeface="+mn-lt"/>
+                <a:ea typeface="+mn-ea"/>
+                <a:cs typeface="+mn-cs"/>
+              </a:rPr>
+              <a:t>шестнадцатеричное представление </a:t>
+            </a:r>
+            <a:r>
+              <a:rPr lang="ru-RU" sz="1200" kern="1200" dirty="0" smtClean="0">
+                <a:solidFill>
+                  <a:schemeClr val="tx1"/>
+                </a:solidFill>
+                <a:effectLst/>
+                <a:latin typeface="+mn-lt"/>
+                <a:ea typeface="+mn-ea"/>
+                <a:cs typeface="+mn-cs"/>
+              </a:rPr>
+              <a:t>и обрамляем апострофами.</a:t>
             </a:r>
           </a:p>
           <a:p>
@@ -2265,7 +2349,7 @@
               <a:t>На слайде изображен пример </a:t>
             </a:r>
             <a:r>
-              <a:rPr lang="ru-RU" sz="1200" kern="1200" dirty="0" err="1" smtClean="0">
+              <a:rPr lang="ru-RU" sz="1200" kern="1200" dirty="0" smtClean="0">
                 <a:solidFill>
                   <a:schemeClr val="tx1"/>
                 </a:solidFill>
@@ -2274,7 +2358,7 @@
                 <a:ea typeface="+mn-ea"/>
                 <a:cs typeface="+mn-cs"/>
               </a:rPr>
-              <a:t>коментированного</a:t>
+              <a:t>комментированного </a:t>
             </a:r>
             <a:r>
               <a:rPr lang="ru-RU" sz="1200" kern="1200" dirty="0" smtClean="0">
@@ -2286,7 +2370,7 @@
                 <a:ea typeface="+mn-ea"/>
                 <a:cs typeface="+mn-cs"/>
               </a:rPr>
-              <a:t> куска кода и документации, которая была для него сгенерирована.</a:t>
+              <a:t>куска кода и документации, которая была для него сгенерирована.</a:t>
             </a:r>
             <a:endParaRPr lang="ru-RU" dirty="0"/>
           </a:p>
@@ -3009,8 +3093,41 @@
                 <a:ea typeface="+mn-ea"/>
                 <a:cs typeface="+mn-cs"/>
               </a:rPr>
-              <a:t>В свою очередь, нефункциональные требования к системе:</a:t>
-            </a:r>
+              <a:t>К</a:t>
+            </a:r>
+            <a:r>
+              <a:rPr lang="ru-RU" sz="1200" kern="1200" baseline="0" dirty="0" smtClean="0">
+                <a:solidFill>
+                  <a:schemeClr val="tx1"/>
+                </a:solidFill>
+                <a:effectLst/>
+                <a:latin typeface="+mn-lt"/>
+                <a:ea typeface="+mn-ea"/>
+                <a:cs typeface="+mn-cs"/>
+              </a:rPr>
+              <a:t> системе также выдвигались следующие </a:t>
+            </a:r>
+            <a:r>
+              <a:rPr lang="ru-RU" sz="1200" kern="1200" dirty="0" smtClean="0">
+                <a:solidFill>
+                  <a:schemeClr val="tx1"/>
+                </a:solidFill>
+                <a:effectLst/>
+                <a:latin typeface="+mn-lt"/>
+                <a:ea typeface="+mn-ea"/>
+                <a:cs typeface="+mn-cs"/>
+              </a:rPr>
+              <a:t>нефункциональные требования:</a:t>
+            </a:r>
+            <a:endParaRPr lang="ru-RU" sz="1200" kern="1200" dirty="0" smtClean="0">
+              <a:solidFill>
+                <a:schemeClr val="tx1"/>
+              </a:solidFill>
+              <a:effectLst/>
+              <a:latin typeface="+mn-lt"/>
+              <a:ea typeface="+mn-ea"/>
+              <a:cs typeface="+mn-cs"/>
+            </a:endParaRPr>
           </a:p>
           <a:p>
             <a:pPr lvl="0"/>
@@ -3164,7 +3281,31 @@
                 <a:ea typeface="+mn-ea"/>
                 <a:cs typeface="+mn-cs"/>
               </a:rPr>
-              <a:t>В соответствии с требованиями система хранения данных была разделена на два интерфейса:</a:t>
+              <a:t>В соответствии с </a:t>
+            </a:r>
+            <a:r>
+              <a:rPr lang="ru-RU" sz="1200" kern="1200" dirty="0" smtClean="0">
+                <a:solidFill>
+                  <a:schemeClr val="tx1"/>
+                </a:solidFill>
+                <a:effectLst/>
+                <a:latin typeface="+mn-lt"/>
+                <a:ea typeface="+mn-ea"/>
+                <a:cs typeface="+mn-cs"/>
+              </a:rPr>
+              <a:t>этими требованиями </a:t>
+            </a:r>
+            <a:r>
+              <a:rPr lang="ru-RU" sz="1200" kern="1200" dirty="0" smtClean="0">
+                <a:solidFill>
+                  <a:schemeClr val="tx1"/>
+                </a:solidFill>
+                <a:effectLst/>
+                <a:latin typeface="+mn-lt"/>
+                <a:ea typeface="+mn-ea"/>
+                <a:cs typeface="+mn-cs"/>
+              </a:rPr>
+              <a:t>система хранения данных была разделена на два интерфейса:</a:t>
             </a:r>
           </a:p>
           <a:p>

--- a/вкр/дипломная_презентация.pptx
+++ b/вкр/дипломная_презентация.pptx
@@ -857,7 +857,19 @@
                 <a:ea typeface="+mn-ea"/>
                 <a:cs typeface="+mn-cs"/>
               </a:rPr>
-              <a:t>Теперь мы для каждого поддерживаемого </a:t>
+              <a:t>В расширенной модели мы </a:t>
+            </a:r>
+            <a:r>
+              <a:rPr lang="ru-RU" sz="1200" kern="1200" dirty="0" smtClean="0">
+                <a:solidFill>
+                  <a:schemeClr val="tx1"/>
+                </a:solidFill>
+                <a:effectLst/>
+                <a:latin typeface="+mn-lt"/>
+                <a:ea typeface="+mn-ea"/>
+                <a:cs typeface="+mn-cs"/>
+              </a:rPr>
+              <a:t>для каждого поддерживаемого </a:t>
             </a:r>
             <a:r>
               <a:rPr lang="ru-RU" sz="1200" b="1" kern="1200" dirty="0" smtClean="0">
@@ -1005,11 +1017,8 @@
                 <a:ea typeface="+mn-ea"/>
                 <a:cs typeface="+mn-cs"/>
               </a:rPr>
-              <a:t>Этот интерфейс позволяет обращаться к базе данных, использующей данную модель, простым образом. А именно, данный интерфейс позволяет:</a:t>
-            </a:r>
-          </a:p>
-          <a:p>
-            <a:pPr lvl="0"/>
+              <a:t>Этот интерфейс позволяет обращаться к базе данных, использующей данную модель, </a:t>
+            </a:r>
             <a:r>
               <a:rPr lang="ru-RU" sz="1200" kern="1200" dirty="0" smtClean="0">
                 <a:solidFill>
@@ -1020,13 +1029,10 @@
                 <a:ea typeface="+mn-ea"/>
                 <a:cs typeface="+mn-cs"/>
               </a:rPr>
-              <a:t>1. Создавать все необходимые таблицы.</a:t>
-            </a:r>
-          </a:p>
-          <a:p>
-            <a:pPr lvl="0"/>
-            <a:r>
-              <a:rPr lang="ru-RU" sz="1200" kern="1200" dirty="0" smtClean="0">
+              <a:t>не с помощью </a:t>
+            </a:r>
+            <a:r>
+              <a:rPr lang="en-US" sz="1200" kern="1200" dirty="0" smtClean="0">
                 <a:solidFill>
                   <a:schemeClr val="tx1"/>
                 </a:solidFill>
@@ -1035,11 +1041,8 @@
                 <a:ea typeface="+mn-ea"/>
                 <a:cs typeface="+mn-cs"/>
               </a:rPr>
-              <a:t>2. Создавать новые экземпляры сущностей.</a:t>
-            </a:r>
-          </a:p>
-          <a:p>
-            <a:pPr lvl="0"/>
+              <a:t>SQL</a:t>
+            </a:r>
             <a:r>
               <a:rPr lang="ru-RU" sz="1200" kern="1200" dirty="0" smtClean="0">
                 <a:solidFill>
@@ -1050,13 +1053,10 @@
                 <a:ea typeface="+mn-ea"/>
                 <a:cs typeface="+mn-cs"/>
               </a:rPr>
-              <a:t>3. Получать идентификаторы уже созданных сущностей.</a:t>
-            </a:r>
-          </a:p>
-          <a:p>
-            <a:pPr lvl="0"/>
-            <a:r>
-              <a:rPr lang="ru-RU" sz="1200" kern="1200" dirty="0" smtClean="0">
+              <a:t>-запросов, а с помощью </a:t>
+            </a:r>
+            <a:r>
+              <a:rPr lang="en-US" sz="1200" kern="1200" dirty="0" smtClean="0">
                 <a:solidFill>
                   <a:schemeClr val="tx1"/>
                 </a:solidFill>
@@ -1065,11 +1065,8 @@
                 <a:ea typeface="+mn-ea"/>
                 <a:cs typeface="+mn-cs"/>
               </a:rPr>
-              <a:t>4. Получать названия атрибутов этих сущностей.</a:t>
-            </a:r>
-          </a:p>
-          <a:p>
-            <a:pPr lvl="0"/>
+              <a:t>C++</a:t>
+            </a:r>
             <a:r>
               <a:rPr lang="ru-RU" sz="1200" kern="1200" dirty="0" smtClean="0">
                 <a:solidFill>
@@ -1080,13 +1077,10 @@
                 <a:ea typeface="+mn-ea"/>
                 <a:cs typeface="+mn-cs"/>
               </a:rPr>
-              <a:t>5. Получать значения атрибутов сущностей.</a:t>
-            </a:r>
-          </a:p>
-          <a:p>
-            <a:pPr lvl="0"/>
-            <a:r>
-              <a:rPr lang="ru-RU" sz="1200" kern="1200" dirty="0" smtClean="0">
+              <a:t> методов, и выполнять такие</a:t>
+            </a:r>
+            <a:r>
+              <a:rPr lang="ru-RU" sz="1200" kern="1200" baseline="0" dirty="0" smtClean="0">
                 <a:solidFill>
                   <a:schemeClr val="tx1"/>
                 </a:solidFill>
@@ -1095,11 +1089,8 @@
                 <a:ea typeface="+mn-ea"/>
                 <a:cs typeface="+mn-cs"/>
               </a:rPr>
-              <a:t>6. Искать идентификаторы сущностей по значениям их атрибутов.</a:t>
-            </a:r>
-          </a:p>
-          <a:p>
-            <a:pPr lvl="0"/>
+              <a:t> операции как</a:t>
+            </a:r>
             <a:r>
               <a:rPr lang="ru-RU" sz="1200" kern="1200" dirty="0" smtClean="0">
                 <a:solidFill>
@@ -1110,10 +1101,20 @@
                 <a:ea typeface="+mn-ea"/>
                 <a:cs typeface="+mn-cs"/>
               </a:rPr>
-              <a:t>7. Вставлять и обновлять значения атрибутов сущностей.</a:t>
-            </a:r>
-          </a:p>
-          <a:p>
+              <a:t>:</a:t>
+            </a:r>
+            <a:endParaRPr lang="ru-RU" sz="1200" kern="1200" dirty="0" smtClean="0">
+              <a:solidFill>
+                <a:schemeClr val="tx1"/>
+              </a:solidFill>
+              <a:effectLst/>
+              <a:latin typeface="+mn-lt"/>
+              <a:ea typeface="+mn-ea"/>
+              <a:cs typeface="+mn-cs"/>
+            </a:endParaRPr>
+          </a:p>
+          <a:p>
+            <a:pPr lvl="0"/>
             <a:r>
               <a:rPr lang="ru-RU" sz="1200" kern="1200" dirty="0" smtClean="0">
                 <a:solidFill>
@@ -1124,7 +1125,7 @@
                 <a:ea typeface="+mn-ea"/>
                 <a:cs typeface="+mn-cs"/>
               </a:rPr>
-              <a:t>Важной особенностью этого интерфейса является то, что он позволяет единообразно работать со значениями разных типов, которые содержатся в таблицах значений. Достигается это за счет введения </a:t>
+              <a:t>1. </a:t>
             </a:r>
             <a:r>
               <a:rPr lang="ru-RU" sz="1200" kern="1200" dirty="0" smtClean="0">
@@ -1136,7 +1137,336 @@
                 <a:ea typeface="+mn-ea"/>
                 <a:cs typeface="+mn-cs"/>
               </a:rPr>
-              <a:t>специального интерфейса </a:t>
+              <a:t>Создание всех необходимых таблиц.</a:t>
+            </a:r>
+            <a:endParaRPr lang="ru-RU" sz="1200" kern="1200" dirty="0" smtClean="0">
+              <a:solidFill>
+                <a:schemeClr val="tx1"/>
+              </a:solidFill>
+              <a:effectLst/>
+              <a:latin typeface="+mn-lt"/>
+              <a:ea typeface="+mn-ea"/>
+              <a:cs typeface="+mn-cs"/>
+            </a:endParaRPr>
+          </a:p>
+          <a:p>
+            <a:pPr lvl="0"/>
+            <a:r>
+              <a:rPr lang="ru-RU" sz="1200" kern="1200" dirty="0" smtClean="0">
+                <a:solidFill>
+                  <a:schemeClr val="tx1"/>
+                </a:solidFill>
+                <a:effectLst/>
+                <a:latin typeface="+mn-lt"/>
+                <a:ea typeface="+mn-ea"/>
+                <a:cs typeface="+mn-cs"/>
+              </a:rPr>
+              <a:t>2. </a:t>
+            </a:r>
+            <a:r>
+              <a:rPr lang="ru-RU" sz="1200" kern="1200" dirty="0" smtClean="0">
+                <a:solidFill>
+                  <a:schemeClr val="tx1"/>
+                </a:solidFill>
+                <a:effectLst/>
+                <a:latin typeface="+mn-lt"/>
+                <a:ea typeface="+mn-ea"/>
+                <a:cs typeface="+mn-cs"/>
+              </a:rPr>
+              <a:t>Создание новых экземпляров </a:t>
+            </a:r>
+            <a:r>
+              <a:rPr lang="ru-RU" sz="1200" kern="1200" dirty="0" smtClean="0">
+                <a:solidFill>
+                  <a:schemeClr val="tx1"/>
+                </a:solidFill>
+                <a:effectLst/>
+                <a:latin typeface="+mn-lt"/>
+                <a:ea typeface="+mn-ea"/>
+                <a:cs typeface="+mn-cs"/>
+              </a:rPr>
+              <a:t>сущностей.</a:t>
+            </a:r>
+          </a:p>
+          <a:p>
+            <a:pPr lvl="0"/>
+            <a:r>
+              <a:rPr lang="ru-RU" sz="1200" kern="1200" dirty="0" smtClean="0">
+                <a:solidFill>
+                  <a:schemeClr val="tx1"/>
+                </a:solidFill>
+                <a:effectLst/>
+                <a:latin typeface="+mn-lt"/>
+                <a:ea typeface="+mn-ea"/>
+                <a:cs typeface="+mn-cs"/>
+              </a:rPr>
+              <a:t>3. </a:t>
+            </a:r>
+            <a:r>
+              <a:rPr lang="ru-RU" sz="1200" kern="1200" dirty="0" smtClean="0">
+                <a:solidFill>
+                  <a:schemeClr val="tx1"/>
+                </a:solidFill>
+                <a:effectLst/>
+                <a:latin typeface="+mn-lt"/>
+                <a:ea typeface="+mn-ea"/>
+                <a:cs typeface="+mn-cs"/>
+              </a:rPr>
+              <a:t>Получение</a:t>
+            </a:r>
+            <a:r>
+              <a:rPr lang="ru-RU" sz="1200" kern="1200" baseline="0" dirty="0" smtClean="0">
+                <a:solidFill>
+                  <a:schemeClr val="tx1"/>
+                </a:solidFill>
+                <a:effectLst/>
+                <a:latin typeface="+mn-lt"/>
+                <a:ea typeface="+mn-ea"/>
+                <a:cs typeface="+mn-cs"/>
+              </a:rPr>
+              <a:t> </a:t>
+            </a:r>
+            <a:r>
+              <a:rPr lang="ru-RU" sz="1200" kern="1200" dirty="0" smtClean="0">
+                <a:solidFill>
+                  <a:schemeClr val="tx1"/>
+                </a:solidFill>
+                <a:effectLst/>
+                <a:latin typeface="+mn-lt"/>
+                <a:ea typeface="+mn-ea"/>
+                <a:cs typeface="+mn-cs"/>
+              </a:rPr>
+              <a:t>идентификаторов </a:t>
+            </a:r>
+            <a:r>
+              <a:rPr lang="ru-RU" sz="1200" kern="1200" dirty="0" smtClean="0">
+                <a:solidFill>
+                  <a:schemeClr val="tx1"/>
+                </a:solidFill>
+                <a:effectLst/>
+                <a:latin typeface="+mn-lt"/>
+                <a:ea typeface="+mn-ea"/>
+                <a:cs typeface="+mn-cs"/>
+              </a:rPr>
+              <a:t>уже созданных сущностей.</a:t>
+            </a:r>
+          </a:p>
+          <a:p>
+            <a:pPr lvl="0"/>
+            <a:r>
+              <a:rPr lang="ru-RU" sz="1200" kern="1200" dirty="0" smtClean="0">
+                <a:solidFill>
+                  <a:schemeClr val="tx1"/>
+                </a:solidFill>
+                <a:effectLst/>
+                <a:latin typeface="+mn-lt"/>
+                <a:ea typeface="+mn-ea"/>
+                <a:cs typeface="+mn-cs"/>
+              </a:rPr>
+              <a:t>4. </a:t>
+            </a:r>
+            <a:r>
+              <a:rPr lang="ru-RU" sz="1200" kern="1200" dirty="0" smtClean="0">
+                <a:solidFill>
+                  <a:schemeClr val="tx1"/>
+                </a:solidFill>
+                <a:effectLst/>
+                <a:latin typeface="+mn-lt"/>
+                <a:ea typeface="+mn-ea"/>
+                <a:cs typeface="+mn-cs"/>
+              </a:rPr>
+              <a:t>Получение названий </a:t>
+            </a:r>
+            <a:r>
+              <a:rPr lang="ru-RU" sz="1200" kern="1200" dirty="0" smtClean="0">
+                <a:solidFill>
+                  <a:schemeClr val="tx1"/>
+                </a:solidFill>
+                <a:effectLst/>
+                <a:latin typeface="+mn-lt"/>
+                <a:ea typeface="+mn-ea"/>
+                <a:cs typeface="+mn-cs"/>
+              </a:rPr>
+              <a:t>атрибутов этих сущностей.</a:t>
+            </a:r>
+          </a:p>
+          <a:p>
+            <a:pPr lvl="0"/>
+            <a:r>
+              <a:rPr lang="ru-RU" sz="1200" kern="1200" dirty="0" smtClean="0">
+                <a:solidFill>
+                  <a:schemeClr val="tx1"/>
+                </a:solidFill>
+                <a:effectLst/>
+                <a:latin typeface="+mn-lt"/>
+                <a:ea typeface="+mn-ea"/>
+                <a:cs typeface="+mn-cs"/>
+              </a:rPr>
+              <a:t>5. </a:t>
+            </a:r>
+            <a:r>
+              <a:rPr lang="ru-RU" sz="1200" kern="1200" dirty="0" smtClean="0">
+                <a:solidFill>
+                  <a:schemeClr val="tx1"/>
+                </a:solidFill>
+                <a:effectLst/>
+                <a:latin typeface="+mn-lt"/>
+                <a:ea typeface="+mn-ea"/>
+                <a:cs typeface="+mn-cs"/>
+              </a:rPr>
+              <a:t>Получение значений </a:t>
+            </a:r>
+            <a:r>
+              <a:rPr lang="ru-RU" sz="1200" kern="1200" dirty="0" smtClean="0">
+                <a:solidFill>
+                  <a:schemeClr val="tx1"/>
+                </a:solidFill>
+                <a:effectLst/>
+                <a:latin typeface="+mn-lt"/>
+                <a:ea typeface="+mn-ea"/>
+                <a:cs typeface="+mn-cs"/>
+              </a:rPr>
+              <a:t>атрибутов сущностей.</a:t>
+            </a:r>
+          </a:p>
+          <a:p>
+            <a:pPr lvl="0"/>
+            <a:r>
+              <a:rPr lang="ru-RU" sz="1200" kern="1200" dirty="0" smtClean="0">
+                <a:solidFill>
+                  <a:schemeClr val="tx1"/>
+                </a:solidFill>
+                <a:effectLst/>
+                <a:latin typeface="+mn-lt"/>
+                <a:ea typeface="+mn-ea"/>
+                <a:cs typeface="+mn-cs"/>
+              </a:rPr>
+              <a:t>6. </a:t>
+            </a:r>
+            <a:r>
+              <a:rPr lang="ru-RU" sz="1200" kern="1200" dirty="0" smtClean="0">
+                <a:solidFill>
+                  <a:schemeClr val="tx1"/>
+                </a:solidFill>
+                <a:effectLst/>
+                <a:latin typeface="+mn-lt"/>
+                <a:ea typeface="+mn-ea"/>
+                <a:cs typeface="+mn-cs"/>
+              </a:rPr>
+              <a:t>Поиск идентификаторов </a:t>
+            </a:r>
+            <a:r>
+              <a:rPr lang="ru-RU" sz="1200" kern="1200" dirty="0" smtClean="0">
+                <a:solidFill>
+                  <a:schemeClr val="tx1"/>
+                </a:solidFill>
+                <a:effectLst/>
+                <a:latin typeface="+mn-lt"/>
+                <a:ea typeface="+mn-ea"/>
+                <a:cs typeface="+mn-cs"/>
+              </a:rPr>
+              <a:t>сущностей по значениям их атрибутов.</a:t>
+            </a:r>
+          </a:p>
+          <a:p>
+            <a:pPr lvl="0"/>
+            <a:r>
+              <a:rPr lang="ru-RU" sz="1200" kern="1200" dirty="0" smtClean="0">
+                <a:solidFill>
+                  <a:schemeClr val="tx1"/>
+                </a:solidFill>
+                <a:effectLst/>
+                <a:latin typeface="+mn-lt"/>
+                <a:ea typeface="+mn-ea"/>
+                <a:cs typeface="+mn-cs"/>
+              </a:rPr>
+              <a:t>7. </a:t>
+            </a:r>
+            <a:r>
+              <a:rPr lang="ru-RU" sz="1200" kern="1200" dirty="0" smtClean="0">
+                <a:solidFill>
+                  <a:schemeClr val="tx1"/>
+                </a:solidFill>
+                <a:effectLst/>
+                <a:latin typeface="+mn-lt"/>
+                <a:ea typeface="+mn-ea"/>
+                <a:cs typeface="+mn-cs"/>
+              </a:rPr>
+              <a:t>Вставка </a:t>
+            </a:r>
+            <a:r>
+              <a:rPr lang="ru-RU" sz="1200" kern="1200" dirty="0" smtClean="0">
+                <a:solidFill>
+                  <a:schemeClr val="tx1"/>
+                </a:solidFill>
+                <a:effectLst/>
+                <a:latin typeface="+mn-lt"/>
+                <a:ea typeface="+mn-ea"/>
+                <a:cs typeface="+mn-cs"/>
+              </a:rPr>
+              <a:t>и </a:t>
+            </a:r>
+            <a:r>
+              <a:rPr lang="ru-RU" sz="1200" kern="1200" dirty="0" smtClean="0">
+                <a:solidFill>
+                  <a:schemeClr val="tx1"/>
+                </a:solidFill>
+                <a:effectLst/>
+                <a:latin typeface="+mn-lt"/>
+                <a:ea typeface="+mn-ea"/>
+                <a:cs typeface="+mn-cs"/>
+              </a:rPr>
+              <a:t>обновление</a:t>
+            </a:r>
+            <a:r>
+              <a:rPr lang="ru-RU" sz="1200" kern="1200" baseline="0" dirty="0" smtClean="0">
+                <a:solidFill>
+                  <a:schemeClr val="tx1"/>
+                </a:solidFill>
+                <a:effectLst/>
+                <a:latin typeface="+mn-lt"/>
+                <a:ea typeface="+mn-ea"/>
+                <a:cs typeface="+mn-cs"/>
+              </a:rPr>
+              <a:t> </a:t>
+            </a:r>
+            <a:r>
+              <a:rPr lang="ru-RU" sz="1200" kern="1200" dirty="0" smtClean="0">
+                <a:solidFill>
+                  <a:schemeClr val="tx1"/>
+                </a:solidFill>
+                <a:effectLst/>
+                <a:latin typeface="+mn-lt"/>
+                <a:ea typeface="+mn-ea"/>
+                <a:cs typeface="+mn-cs"/>
+              </a:rPr>
+              <a:t>значений </a:t>
+            </a:r>
+            <a:r>
+              <a:rPr lang="ru-RU" sz="1200" kern="1200" dirty="0" smtClean="0">
+                <a:solidFill>
+                  <a:schemeClr val="tx1"/>
+                </a:solidFill>
+                <a:effectLst/>
+                <a:latin typeface="+mn-lt"/>
+                <a:ea typeface="+mn-ea"/>
+                <a:cs typeface="+mn-cs"/>
+              </a:rPr>
+              <a:t>атрибутов сущностей.</a:t>
+            </a:r>
+          </a:p>
+          <a:p>
+            <a:r>
+              <a:rPr lang="ru-RU" sz="1200" kern="1200" dirty="0" smtClean="0">
+                <a:solidFill>
+                  <a:schemeClr val="tx1"/>
+                </a:solidFill>
+                <a:effectLst/>
+                <a:latin typeface="+mn-lt"/>
+                <a:ea typeface="+mn-ea"/>
+                <a:cs typeface="+mn-cs"/>
+              </a:rPr>
+              <a:t>Важной особенностью этого интерфейса является то, что он позволяет единообразно работать со значениями разных типов, которые содержатся в таблицах значений. Достигается это за счет введения специального интерфейса </a:t>
             </a:r>
             <a:r>
               <a:rPr lang="en-US" sz="1200" kern="1200" dirty="0" smtClean="0">
@@ -1342,10 +1672,10 @@
                 <a:ea typeface="+mn-ea"/>
                 <a:cs typeface="+mn-cs"/>
               </a:rPr>
-              <a:t>Для этого у интерфейса </a:t>
-            </a:r>
-            <a:r>
-              <a:rPr lang="en-US" sz="1200" kern="1200" dirty="0" smtClean="0">
+              <a:t>Для этого </a:t>
+            </a:r>
+            <a:r>
+              <a:rPr lang="ru-RU" sz="1200" kern="1200" dirty="0" smtClean="0">
                 <a:solidFill>
                   <a:schemeClr val="tx1"/>
                 </a:solidFill>
@@ -1354,10 +1684,10 @@
                 <a:ea typeface="+mn-ea"/>
                 <a:cs typeface="+mn-cs"/>
               </a:rPr>
-              <a:t>SQL</a:t>
-            </a:r>
-            <a:r>
-              <a:rPr lang="ru-RU" sz="1200" kern="1200" dirty="0" smtClean="0">
+              <a:t>интерфейса </a:t>
+            </a:r>
+            <a:r>
+              <a:rPr lang="en-US" sz="1200" kern="1200" dirty="0" smtClean="0">
                 <a:solidFill>
                   <a:schemeClr val="tx1"/>
                 </a:solidFill>
@@ -1366,10 +1696,10 @@
                 <a:ea typeface="+mn-ea"/>
                 <a:cs typeface="+mn-cs"/>
               </a:rPr>
-              <a:t>-переменной есть наследники, которые определяют правила конкретной конвертации. Так, </a:t>
-            </a:r>
-            <a:r>
-              <a:rPr lang="en-US" sz="1200" kern="1200" dirty="0" err="1" smtClean="0">
+              <a:t>SQL</a:t>
+            </a:r>
+            <a:r>
+              <a:rPr lang="ru-RU" sz="1200" kern="1200" dirty="0" smtClean="0">
                 <a:solidFill>
                   <a:schemeClr val="tx1"/>
                 </a:solidFill>
@@ -1378,7 +1708,7 @@
                 <a:ea typeface="+mn-ea"/>
                 <a:cs typeface="+mn-cs"/>
               </a:rPr>
-              <a:t>ISQLTypeInteger</a:t>
+              <a:t>-переменной </a:t>
             </a:r>
             <a:r>
               <a:rPr lang="ru-RU" sz="1200" kern="1200" dirty="0" smtClean="0">
@@ -1390,10 +1720,10 @@
                 <a:ea typeface="+mn-ea"/>
                 <a:cs typeface="+mn-cs"/>
               </a:rPr>
-              <a:t> – определяет правила конвертации для </a:t>
-            </a:r>
-            <a:r>
-              <a:rPr lang="en-US" sz="1200" kern="1200" dirty="0" smtClean="0">
+              <a:t>определяет методы – </a:t>
+            </a:r>
+            <a:r>
+              <a:rPr lang="en-US" sz="1200" kern="1200" dirty="0" err="1" smtClean="0">
                 <a:solidFill>
                   <a:schemeClr val="tx1"/>
                 </a:solidFill>
@@ -1402,7 +1732,7 @@
                 <a:ea typeface="+mn-ea"/>
                 <a:cs typeface="+mn-cs"/>
               </a:rPr>
-              <a:t>SQL</a:t>
+              <a:t>ToSQLString</a:t>
             </a:r>
             <a:r>
               <a:rPr lang="ru-RU" sz="1200" kern="1200" dirty="0" smtClean="0">
@@ -1414,10 +1744,10 @@
                 <a:ea typeface="+mn-ea"/>
                 <a:cs typeface="+mn-cs"/>
               </a:rPr>
-              <a:t> переменной типа </a:t>
-            </a:r>
-            <a:r>
-              <a:rPr lang="en-US" sz="1200" kern="1200" dirty="0" smtClean="0">
+              <a:t> и </a:t>
+            </a:r>
+            <a:r>
+              <a:rPr lang="en-US" sz="1200" kern="1200" dirty="0" err="1" smtClean="0">
                 <a:solidFill>
                   <a:schemeClr val="tx1"/>
                 </a:solidFill>
@@ -1426,7 +1756,7 @@
                 <a:ea typeface="+mn-ea"/>
                 <a:cs typeface="+mn-cs"/>
               </a:rPr>
-              <a:t>INTEGER</a:t>
+              <a:t>ReadFromSQL</a:t>
             </a:r>
             <a:r>
               <a:rPr lang="ru-RU" sz="1200" kern="1200" dirty="0" smtClean="0">
@@ -1438,10 +1768,10 @@
                 <a:ea typeface="+mn-ea"/>
                 <a:cs typeface="+mn-cs"/>
               </a:rPr>
-              <a:t>, а </a:t>
-            </a:r>
-            <a:r>
-              <a:rPr lang="en-US" sz="1200" kern="1200" dirty="0" err="1" smtClean="0">
+              <a:t> соответственно</a:t>
+            </a:r>
+            <a:r>
+              <a:rPr lang="en-US" sz="1200" kern="1200" dirty="0" smtClean="0">
                 <a:solidFill>
                   <a:schemeClr val="tx1"/>
                 </a:solidFill>
@@ -1450,10 +1780,10 @@
                 <a:ea typeface="+mn-ea"/>
                 <a:cs typeface="+mn-cs"/>
               </a:rPr>
-              <a:t>ISQLTypeText</a:t>
-            </a:r>
-            <a:r>
-              <a:rPr lang="en-US" sz="1200" kern="1200" dirty="0" smtClean="0">
+              <a:t>.</a:t>
+            </a:r>
+            <a:r>
+              <a:rPr lang="ru-RU" sz="1200" kern="1200" dirty="0" smtClean="0">
                 <a:solidFill>
                   <a:schemeClr val="tx1"/>
                 </a:solidFill>
@@ -1462,10 +1792,10 @@
                 <a:ea typeface="+mn-ea"/>
                 <a:cs typeface="+mn-cs"/>
               </a:rPr>
-              <a:t> </a:t>
-            </a:r>
-            <a:r>
-              <a:rPr lang="ru-RU" sz="1200" kern="1200" dirty="0" smtClean="0">
+              <a:t> Наследники этого</a:t>
+            </a:r>
+            <a:r>
+              <a:rPr lang="ru-RU" sz="1200" kern="1200" baseline="0" dirty="0" smtClean="0">
                 <a:solidFill>
                   <a:schemeClr val="tx1"/>
                 </a:solidFill>
@@ -1474,10 +1804,10 @@
                 <a:ea typeface="+mn-ea"/>
                 <a:cs typeface="+mn-cs"/>
               </a:rPr>
-              <a:t>– для </a:t>
-            </a:r>
-            <a:r>
-              <a:rPr lang="en-US" sz="1200" kern="1200" dirty="0" smtClean="0">
+              <a:t> интерфейса </a:t>
+            </a:r>
+            <a:r>
+              <a:rPr lang="ru-RU" sz="1200" kern="1200" dirty="0" smtClean="0">
                 <a:solidFill>
                   <a:schemeClr val="tx1"/>
                 </a:solidFill>
@@ -1486,7 +1816,7 @@
                 <a:ea typeface="+mn-ea"/>
                 <a:cs typeface="+mn-cs"/>
               </a:rPr>
-              <a:t>SQL</a:t>
+              <a:t>определяют </a:t>
             </a:r>
             <a:r>
               <a:rPr lang="ru-RU" sz="1200" kern="1200" dirty="0" smtClean="0">
@@ -1498,10 +1828,10 @@
                 <a:ea typeface="+mn-ea"/>
                 <a:cs typeface="+mn-cs"/>
               </a:rPr>
-              <a:t>-переменной типа </a:t>
-            </a:r>
-            <a:r>
-              <a:rPr lang="en-US" sz="1200" kern="1200" dirty="0" smtClean="0">
+              <a:t>правила конкретной конвертации. Так, </a:t>
+            </a:r>
+            <a:r>
+              <a:rPr lang="en-US" sz="1200" kern="1200" dirty="0" err="1" smtClean="0">
                 <a:solidFill>
                   <a:schemeClr val="tx1"/>
                 </a:solidFill>
@@ -1510,7 +1840,7 @@
                 <a:ea typeface="+mn-ea"/>
                 <a:cs typeface="+mn-cs"/>
               </a:rPr>
-              <a:t>Text</a:t>
+              <a:t>ISQLTypeInteger</a:t>
             </a:r>
             <a:r>
               <a:rPr lang="ru-RU" sz="1200" kern="1200" dirty="0" smtClean="0">
@@ -1522,7 +1852,151 @@
                 <a:ea typeface="+mn-ea"/>
                 <a:cs typeface="+mn-cs"/>
               </a:rPr>
-              <a:t> и так далее.</a:t>
+              <a:t> – определяет правила конвертации для </a:t>
+            </a:r>
+            <a:r>
+              <a:rPr lang="en-US" sz="1200" kern="1200" dirty="0" smtClean="0">
+                <a:solidFill>
+                  <a:schemeClr val="tx1"/>
+                </a:solidFill>
+                <a:effectLst/>
+                <a:latin typeface="+mn-lt"/>
+                <a:ea typeface="+mn-ea"/>
+                <a:cs typeface="+mn-cs"/>
+              </a:rPr>
+              <a:t>SQL</a:t>
+            </a:r>
+            <a:r>
+              <a:rPr lang="ru-RU" sz="1200" kern="1200" dirty="0" smtClean="0">
+                <a:solidFill>
+                  <a:schemeClr val="tx1"/>
+                </a:solidFill>
+                <a:effectLst/>
+                <a:latin typeface="+mn-lt"/>
+                <a:ea typeface="+mn-ea"/>
+                <a:cs typeface="+mn-cs"/>
+              </a:rPr>
+              <a:t> переменной типа </a:t>
+            </a:r>
+            <a:r>
+              <a:rPr lang="en-US" sz="1200" kern="1200" dirty="0" smtClean="0">
+                <a:solidFill>
+                  <a:schemeClr val="tx1"/>
+                </a:solidFill>
+                <a:effectLst/>
+                <a:latin typeface="+mn-lt"/>
+                <a:ea typeface="+mn-ea"/>
+                <a:cs typeface="+mn-cs"/>
+              </a:rPr>
+              <a:t>INTEGER</a:t>
+            </a:r>
+            <a:r>
+              <a:rPr lang="ru-RU" sz="1200" kern="1200" dirty="0" smtClean="0">
+                <a:solidFill>
+                  <a:schemeClr val="tx1"/>
+                </a:solidFill>
+                <a:effectLst/>
+                <a:latin typeface="+mn-lt"/>
+                <a:ea typeface="+mn-ea"/>
+                <a:cs typeface="+mn-cs"/>
+              </a:rPr>
+              <a:t>, а </a:t>
+            </a:r>
+            <a:r>
+              <a:rPr lang="en-US" sz="1200" kern="1200" dirty="0" err="1" smtClean="0">
+                <a:solidFill>
+                  <a:schemeClr val="tx1"/>
+                </a:solidFill>
+                <a:effectLst/>
+                <a:latin typeface="+mn-lt"/>
+                <a:ea typeface="+mn-ea"/>
+                <a:cs typeface="+mn-cs"/>
+              </a:rPr>
+              <a:t>ISQLTypeText</a:t>
+            </a:r>
+            <a:r>
+              <a:rPr lang="en-US" sz="1200" kern="1200" dirty="0" smtClean="0">
+                <a:solidFill>
+                  <a:schemeClr val="tx1"/>
+                </a:solidFill>
+                <a:effectLst/>
+                <a:latin typeface="+mn-lt"/>
+                <a:ea typeface="+mn-ea"/>
+                <a:cs typeface="+mn-cs"/>
+              </a:rPr>
+              <a:t> </a:t>
+            </a:r>
+            <a:r>
+              <a:rPr lang="ru-RU" sz="1200" kern="1200" dirty="0" smtClean="0">
+                <a:solidFill>
+                  <a:schemeClr val="tx1"/>
+                </a:solidFill>
+                <a:effectLst/>
+                <a:latin typeface="+mn-lt"/>
+                <a:ea typeface="+mn-ea"/>
+                <a:cs typeface="+mn-cs"/>
+              </a:rPr>
+              <a:t>– для </a:t>
+            </a:r>
+            <a:r>
+              <a:rPr lang="en-US" sz="1200" kern="1200" dirty="0" smtClean="0">
+                <a:solidFill>
+                  <a:schemeClr val="tx1"/>
+                </a:solidFill>
+                <a:effectLst/>
+                <a:latin typeface="+mn-lt"/>
+                <a:ea typeface="+mn-ea"/>
+                <a:cs typeface="+mn-cs"/>
+              </a:rPr>
+              <a:t>SQL</a:t>
+            </a:r>
+            <a:r>
+              <a:rPr lang="ru-RU" sz="1200" kern="1200" dirty="0" smtClean="0">
+                <a:solidFill>
+                  <a:schemeClr val="tx1"/>
+                </a:solidFill>
+                <a:effectLst/>
+                <a:latin typeface="+mn-lt"/>
+                <a:ea typeface="+mn-ea"/>
+                <a:cs typeface="+mn-cs"/>
+              </a:rPr>
+              <a:t>-переменной типа </a:t>
+            </a:r>
+            <a:r>
+              <a:rPr lang="en-US" sz="1200" kern="1200" dirty="0" smtClean="0">
+                <a:solidFill>
+                  <a:schemeClr val="tx1"/>
+                </a:solidFill>
+                <a:effectLst/>
+                <a:latin typeface="+mn-lt"/>
+                <a:ea typeface="+mn-ea"/>
+                <a:cs typeface="+mn-cs"/>
+              </a:rPr>
+              <a:t>TEXT</a:t>
+            </a:r>
+            <a:r>
+              <a:rPr lang="ru-RU" sz="1200" kern="1200" dirty="0" smtClean="0">
+                <a:solidFill>
+                  <a:schemeClr val="tx1"/>
+                </a:solidFill>
+                <a:effectLst/>
+                <a:latin typeface="+mn-lt"/>
+                <a:ea typeface="+mn-ea"/>
+                <a:cs typeface="+mn-cs"/>
+              </a:rPr>
+              <a:t> </a:t>
+            </a:r>
+            <a:r>
+              <a:rPr lang="ru-RU" sz="1200" kern="1200" dirty="0" smtClean="0">
+                <a:solidFill>
+                  <a:schemeClr val="tx1"/>
+                </a:solidFill>
+                <a:effectLst/>
+                <a:latin typeface="+mn-lt"/>
+                <a:ea typeface="+mn-ea"/>
+                <a:cs typeface="+mn-cs"/>
+              </a:rPr>
+              <a:t>и так далее.</a:t>
             </a:r>
           </a:p>
           <a:p>
@@ -1680,7 +2154,7 @@
                 <a:ea typeface="+mn-ea"/>
                 <a:cs typeface="+mn-cs"/>
               </a:rPr>
-              <a:t>Рассмотрим это на</a:t>
+              <a:t>На</a:t>
             </a:r>
             <a:r>
               <a:rPr lang="ru-RU" sz="1200" kern="1200" baseline="0" dirty="0" smtClean="0">
@@ -1692,10 +2166,12 @@
                 <a:ea typeface="+mn-ea"/>
                 <a:cs typeface="+mn-cs"/>
               </a:rPr>
-              <a:t> примере</a:t>
-            </a:r>
-            <a:r>
-              <a:rPr lang="ru-RU" sz="1200" kern="1200" dirty="0" smtClean="0">
+              <a:t> данном слайде представлен конкретный пример такой конвертации.</a:t>
+            </a:r>
+          </a:p>
+          <a:p>
+            <a:r>
+              <a:rPr lang="ru-RU" sz="1200" kern="1200" baseline="0" dirty="0" smtClean="0">
                 <a:solidFill>
                   <a:schemeClr val="tx1"/>
                 </a:solidFill>
@@ -1704,10 +2180,10 @@
                 <a:ea typeface="+mn-ea"/>
                 <a:cs typeface="+mn-cs"/>
               </a:rPr>
-              <a:t> примере </a:t>
-            </a:r>
-            <a:r>
-              <a:rPr lang="en-US" sz="1200" kern="1200" dirty="0" smtClean="0">
+              <a:t>Здесь мы конвертируем </a:t>
+            </a:r>
+            <a:r>
+              <a:rPr lang="en-US" sz="1200" kern="1200" baseline="0" dirty="0" smtClean="0">
                 <a:solidFill>
                   <a:schemeClr val="tx1"/>
                 </a:solidFill>
@@ -1716,10 +2192,10 @@
                 <a:ea typeface="+mn-ea"/>
                 <a:cs typeface="+mn-cs"/>
               </a:rPr>
-              <a:t>SQL</a:t>
-            </a:r>
-            <a:r>
-              <a:rPr lang="ru-RU" sz="1200" kern="1200" dirty="0" smtClean="0">
+              <a:t>C++</a:t>
+            </a:r>
+            <a:r>
+              <a:rPr lang="ru-RU" sz="1200" kern="1200" baseline="0" dirty="0" smtClean="0">
                 <a:solidFill>
                   <a:schemeClr val="tx1"/>
                 </a:solidFill>
@@ -1728,10 +2204,10 @@
                 <a:ea typeface="+mn-ea"/>
                 <a:cs typeface="+mn-cs"/>
               </a:rPr>
-              <a:t>-переменной типа </a:t>
-            </a:r>
-            <a:r>
-              <a:rPr lang="en-US" sz="1200" kern="1200" dirty="0" smtClean="0">
+              <a:t> массив байтов – </a:t>
+            </a:r>
+            <a:r>
+              <a:rPr lang="en-US" sz="1200" kern="1200" baseline="0" dirty="0" err="1" smtClean="0">
                 <a:solidFill>
                   <a:schemeClr val="tx1"/>
                 </a:solidFill>
@@ -1740,10 +2216,10 @@
                 <a:ea typeface="+mn-ea"/>
                 <a:cs typeface="+mn-cs"/>
               </a:rPr>
-              <a:t>BYTEA</a:t>
-            </a:r>
-            <a:r>
-              <a:rPr lang="ru-RU" sz="1200" kern="1200" dirty="0" smtClean="0">
+              <a:t>std</a:t>
+            </a:r>
+            <a:r>
+              <a:rPr lang="en-US" sz="1200" kern="1200" baseline="0" dirty="0" smtClean="0">
                 <a:solidFill>
                   <a:schemeClr val="tx1"/>
                 </a:solidFill>
@@ -1752,10 +2228,10 @@
                 <a:ea typeface="+mn-ea"/>
                 <a:cs typeface="+mn-cs"/>
               </a:rPr>
-              <a:t>, которая </a:t>
-            </a:r>
-            <a:r>
-              <a:rPr lang="ru-RU" sz="1200" kern="1200" dirty="0" smtClean="0">
+              <a:t>::vector&lt;char&gt;</a:t>
+            </a:r>
+            <a:r>
+              <a:rPr lang="ru-RU" sz="1200" kern="1200" baseline="0" dirty="0" smtClean="0">
                 <a:solidFill>
                   <a:schemeClr val="tx1"/>
                 </a:solidFill>
@@ -1764,10 +2240,10 @@
                 <a:ea typeface="+mn-ea"/>
                 <a:cs typeface="+mn-cs"/>
               </a:rPr>
-              <a:t>в </a:t>
-            </a:r>
-            <a:r>
-              <a:rPr lang="en-US" sz="1200" kern="1200" dirty="0" smtClean="0">
+              <a:t> – в такое представление, в котором он может использоваться в </a:t>
+            </a:r>
+            <a:r>
+              <a:rPr lang="en-US" sz="1200" kern="1200" baseline="0" dirty="0" smtClean="0">
                 <a:solidFill>
                   <a:schemeClr val="tx1"/>
                 </a:solidFill>
@@ -1776,10 +2252,10 @@
                 <a:ea typeface="+mn-ea"/>
                 <a:cs typeface="+mn-cs"/>
               </a:rPr>
-              <a:t>PostgreSQL</a:t>
-            </a:r>
-            <a:r>
-              <a:rPr lang="ru-RU" sz="1200" kern="1200" dirty="0" smtClean="0">
+              <a:t>SQL</a:t>
+            </a:r>
+            <a:r>
+              <a:rPr lang="ru-RU" sz="1200" kern="1200" baseline="0" dirty="0" smtClean="0">
                 <a:solidFill>
                   <a:schemeClr val="tx1"/>
                 </a:solidFill>
@@ -1788,10 +2264,10 @@
                 <a:ea typeface="+mn-ea"/>
                 <a:cs typeface="+mn-cs"/>
               </a:rPr>
-              <a:t> позволяет хранить </a:t>
-            </a:r>
-            <a:r>
-              <a:rPr lang="ru-RU" sz="1200" kern="1200" dirty="0" smtClean="0">
+              <a:t>-запросе, то есть в </a:t>
+            </a:r>
+            <a:r>
+              <a:rPr lang="en-US" sz="1200" kern="1200" baseline="0" dirty="0" smtClean="0">
                 <a:solidFill>
                   <a:schemeClr val="tx1"/>
                 </a:solidFill>
@@ -1800,12 +2276,10 @@
                 <a:ea typeface="+mn-ea"/>
                 <a:cs typeface="+mn-cs"/>
               </a:rPr>
-              <a:t>массив байтов.</a:t>
-            </a:r>
-          </a:p>
-          <a:p>
-            <a:r>
-              <a:rPr lang="ru-RU" sz="1200" kern="1200" dirty="0" smtClean="0">
+              <a:t>SQL</a:t>
+            </a:r>
+            <a:r>
+              <a:rPr lang="ru-RU" sz="1200" kern="1200" baseline="0" dirty="0" smtClean="0">
                 <a:solidFill>
                   <a:schemeClr val="tx1"/>
                 </a:solidFill>
@@ -1814,10 +2288,10 @@
                 <a:ea typeface="+mn-ea"/>
                 <a:cs typeface="+mn-cs"/>
               </a:rPr>
-              <a:t>При формировании </a:t>
-            </a:r>
-            <a:r>
-              <a:rPr lang="en-US" sz="1200" kern="1200" dirty="0" smtClean="0">
+              <a:t> массив байтов – </a:t>
+            </a:r>
+            <a:r>
+              <a:rPr lang="en-US" sz="1200" kern="1200" baseline="0" dirty="0" smtClean="0">
                 <a:solidFill>
                   <a:schemeClr val="tx1"/>
                 </a:solidFill>
@@ -1826,10 +2300,10 @@
                 <a:ea typeface="+mn-ea"/>
                 <a:cs typeface="+mn-cs"/>
               </a:rPr>
-              <a:t>SQL</a:t>
-            </a:r>
-            <a:r>
-              <a:rPr lang="ru-RU" sz="1200" kern="1200" dirty="0" smtClean="0">
+              <a:t>BYTEA.</a:t>
+            </a:r>
+            <a:r>
+              <a:rPr lang="ru-RU" sz="1200" kern="1200" baseline="0" dirty="0" smtClean="0">
                 <a:solidFill>
                   <a:schemeClr val="tx1"/>
                 </a:solidFill>
@@ -1838,10 +2312,10 @@
                 <a:ea typeface="+mn-ea"/>
                 <a:cs typeface="+mn-cs"/>
               </a:rPr>
-              <a:t> запроса мы хотим сконвертировать массив байтов </a:t>
-            </a:r>
-            <a:r>
-              <a:rPr lang="en-US" sz="1200" kern="1200" dirty="0" err="1" smtClean="0">
+              <a:t/>
+            </a:r>
+            <a:br>
+              <a:rPr lang="ru-RU" sz="1200" kern="1200" baseline="0" dirty="0" smtClean="0">
                 <a:solidFill>
                   <a:schemeClr val="tx1"/>
                 </a:solidFill>
@@ -1850,10 +2324,9 @@
                 <a:ea typeface="+mn-ea"/>
                 <a:cs typeface="+mn-cs"/>
               </a:rPr>
-              <a:t>std</a:t>
-            </a:r>
-            <a:r>
-              <a:rPr lang="ru-RU" sz="1200" kern="1200" dirty="0" smtClean="0">
+            </a:br>
+            <a:r>
+              <a:rPr lang="ru-RU" sz="1200" kern="1200" baseline="0" dirty="0" smtClean="0">
                 <a:solidFill>
                   <a:schemeClr val="tx1"/>
                 </a:solidFill>
@@ -1862,10 +2335,10 @@
                 <a:ea typeface="+mn-ea"/>
                 <a:cs typeface="+mn-cs"/>
               </a:rPr>
-              <a:t>::</a:t>
-            </a:r>
-            <a:r>
-              <a:rPr lang="en-US" sz="1200" kern="1200" dirty="0" smtClean="0">
+              <a:t>Для этого массив байтов переводится в строку, содержащую </a:t>
+            </a:r>
+            <a:r>
+              <a:rPr lang="en-US" sz="1200" kern="1200" baseline="0" dirty="0" smtClean="0">
                 <a:solidFill>
                   <a:schemeClr val="tx1"/>
                 </a:solidFill>
@@ -1874,10 +2347,10 @@
                 <a:ea typeface="+mn-ea"/>
                 <a:cs typeface="+mn-cs"/>
               </a:rPr>
-              <a:t>vector</a:t>
-            </a:r>
-            <a:r>
-              <a:rPr lang="ru-RU" sz="1200" kern="1200" dirty="0" smtClean="0">
+              <a:t>HEX</a:t>
+            </a:r>
+            <a:r>
+              <a:rPr lang="ru-RU" sz="1200" kern="1200" baseline="0" dirty="0" smtClean="0">
                 <a:solidFill>
                   <a:schemeClr val="tx1"/>
                 </a:solidFill>
@@ -1886,167 +2359,31 @@
                 <a:ea typeface="+mn-ea"/>
                 <a:cs typeface="+mn-cs"/>
               </a:rPr>
-              <a:t>&lt;</a:t>
-            </a:r>
-            <a:r>
-              <a:rPr lang="en-US" sz="1200" kern="1200" dirty="0" smtClean="0">
-                <a:solidFill>
-                  <a:schemeClr val="tx1"/>
-                </a:solidFill>
-                <a:effectLst/>
-                <a:latin typeface="+mn-lt"/>
-                <a:ea typeface="+mn-ea"/>
-                <a:cs typeface="+mn-cs"/>
-              </a:rPr>
-              <a:t>char</a:t>
-            </a:r>
-            <a:r>
-              <a:rPr lang="ru-RU" sz="1200" kern="1200" dirty="0" smtClean="0">
-                <a:solidFill>
-                  <a:schemeClr val="tx1"/>
-                </a:solidFill>
-                <a:effectLst/>
-                <a:latin typeface="+mn-lt"/>
-                <a:ea typeface="+mn-ea"/>
-                <a:cs typeface="+mn-cs"/>
-              </a:rPr>
-              <a:t>&gt; в представление, в котором он может быть использован в запросе – а именно конвертируем его в </a:t>
-            </a:r>
-            <a:r>
-              <a:rPr lang="ru-RU" sz="1200" kern="1200" dirty="0" smtClean="0">
-                <a:solidFill>
-                  <a:schemeClr val="tx1"/>
-                </a:solidFill>
-                <a:effectLst/>
-                <a:latin typeface="+mn-lt"/>
-                <a:ea typeface="+mn-ea"/>
-                <a:cs typeface="+mn-cs"/>
-              </a:rPr>
-              <a:t>шестнадцатеричное представление </a:t>
-            </a:r>
-            <a:r>
-              <a:rPr lang="ru-RU" sz="1200" kern="1200" dirty="0" smtClean="0">
-                <a:solidFill>
-                  <a:schemeClr val="tx1"/>
-                </a:solidFill>
-                <a:effectLst/>
-                <a:latin typeface="+mn-lt"/>
-                <a:ea typeface="+mn-ea"/>
-                <a:cs typeface="+mn-cs"/>
-              </a:rPr>
-              <a:t>и обрамляем апострофами.</a:t>
-            </a:r>
-          </a:p>
-          <a:p>
-            <a:r>
-              <a:rPr lang="ru-RU" sz="1200" kern="1200" dirty="0" smtClean="0">
-                <a:solidFill>
-                  <a:schemeClr val="tx1"/>
-                </a:solidFill>
-                <a:effectLst/>
-                <a:latin typeface="+mn-lt"/>
-                <a:ea typeface="+mn-ea"/>
-                <a:cs typeface="+mn-cs"/>
-              </a:rPr>
-              <a:t>При чтении </a:t>
-            </a:r>
-            <a:r>
-              <a:rPr lang="en-US" sz="1200" kern="1200" dirty="0" smtClean="0">
-                <a:solidFill>
-                  <a:schemeClr val="tx1"/>
-                </a:solidFill>
-                <a:effectLst/>
-                <a:latin typeface="+mn-lt"/>
-                <a:ea typeface="+mn-ea"/>
-                <a:cs typeface="+mn-cs"/>
-              </a:rPr>
+              <a:t>-представление этого массива.</a:t>
+            </a:r>
+            <a:endParaRPr lang="ru-RU" sz="1200" kern="1200" dirty="0" smtClean="0">
+              <a:solidFill>
+                <a:schemeClr val="tx1"/>
+              </a:solidFill>
+              <a:effectLst/>
+              <a:latin typeface="+mn-lt"/>
+              <a:ea typeface="+mn-ea"/>
+              <a:cs typeface="+mn-cs"/>
+            </a:endParaRPr>
+          </a:p>
+          <a:p>
+            <a:r>
+              <a:rPr lang="ru-RU" baseline="0" dirty="0" smtClean="0"/>
+              <a:t>Аналогичным образом происходит и обратная конвертация, которая используется при интерпретации </a:t>
+            </a:r>
+            <a:r>
+              <a:rPr lang="en-US" baseline="0" dirty="0" smtClean="0"/>
               <a:t>SQL</a:t>
             </a:r>
             <a:r>
-              <a:rPr lang="ru-RU" sz="1200" kern="1200" dirty="0" smtClean="0">
-                <a:solidFill>
-                  <a:schemeClr val="tx1"/>
-                </a:solidFill>
-                <a:effectLst/>
-                <a:latin typeface="+mn-lt"/>
-                <a:ea typeface="+mn-ea"/>
-                <a:cs typeface="+mn-cs"/>
-              </a:rPr>
-              <a:t> ответа мы выполняем обратную операцию – конвертируем строку с шестнадцатеричным представлением обратно в </a:t>
-            </a:r>
-            <a:r>
-              <a:rPr lang="en-US" sz="1200" kern="1200" dirty="0" err="1" smtClean="0">
-                <a:solidFill>
-                  <a:schemeClr val="tx1"/>
-                </a:solidFill>
-                <a:effectLst/>
-                <a:latin typeface="+mn-lt"/>
-                <a:ea typeface="+mn-ea"/>
-                <a:cs typeface="+mn-cs"/>
-              </a:rPr>
-              <a:t>std</a:t>
-            </a:r>
-            <a:r>
-              <a:rPr lang="ru-RU" sz="1200" kern="1200" dirty="0" smtClean="0">
-                <a:solidFill>
-                  <a:schemeClr val="tx1"/>
-                </a:solidFill>
-                <a:effectLst/>
-                <a:latin typeface="+mn-lt"/>
-                <a:ea typeface="+mn-ea"/>
-                <a:cs typeface="+mn-cs"/>
-              </a:rPr>
-              <a:t>::</a:t>
-            </a:r>
-            <a:r>
-              <a:rPr lang="en-US" sz="1200" kern="1200" dirty="0" smtClean="0">
-                <a:solidFill>
-                  <a:schemeClr val="tx1"/>
-                </a:solidFill>
-                <a:effectLst/>
-                <a:latin typeface="+mn-lt"/>
-                <a:ea typeface="+mn-ea"/>
-                <a:cs typeface="+mn-cs"/>
-              </a:rPr>
-              <a:t>vector</a:t>
-            </a:r>
-            <a:r>
-              <a:rPr lang="ru-RU" sz="1200" kern="1200" dirty="0" smtClean="0">
-                <a:solidFill>
-                  <a:schemeClr val="tx1"/>
-                </a:solidFill>
-                <a:effectLst/>
-                <a:latin typeface="+mn-lt"/>
-                <a:ea typeface="+mn-ea"/>
-                <a:cs typeface="+mn-cs"/>
-              </a:rPr>
-              <a:t>&lt;</a:t>
-            </a:r>
-            <a:r>
-              <a:rPr lang="en-US" sz="1200" kern="1200" dirty="0" smtClean="0">
-                <a:solidFill>
-                  <a:schemeClr val="tx1"/>
-                </a:solidFill>
-                <a:effectLst/>
-                <a:latin typeface="+mn-lt"/>
-                <a:ea typeface="+mn-ea"/>
-                <a:cs typeface="+mn-cs"/>
-              </a:rPr>
-              <a:t>char</a:t>
-            </a:r>
-            <a:r>
-              <a:rPr lang="ru-RU" sz="1200" kern="1200" dirty="0" smtClean="0">
-                <a:solidFill>
-                  <a:schemeClr val="tx1"/>
-                </a:solidFill>
-                <a:effectLst/>
-                <a:latin typeface="+mn-lt"/>
-                <a:ea typeface="+mn-ea"/>
-                <a:cs typeface="+mn-cs"/>
-              </a:rPr>
-              <a:t>&gt;.</a:t>
-            </a:r>
-            <a:endParaRPr lang="ru-RU" dirty="0"/>
+              <a:rPr lang="ru-RU" baseline="0" dirty="0" smtClean="0"/>
+              <a:t>-ответа.</a:t>
+            </a:r>
           </a:p>
         </p:txBody>
       </p:sp>
@@ -2346,31 +2683,7 @@
                 <a:ea typeface="+mn-ea"/>
                 <a:cs typeface="+mn-cs"/>
               </a:rPr>
-              <a:t>На слайде изображен пример </a:t>
-            </a:r>
-            <a:r>
-              <a:rPr lang="ru-RU" sz="1200" kern="1200" dirty="0" smtClean="0">
-                <a:solidFill>
-                  <a:schemeClr val="tx1"/>
-                </a:solidFill>
-                <a:effectLst/>
-                <a:latin typeface="+mn-lt"/>
-                <a:ea typeface="+mn-ea"/>
-                <a:cs typeface="+mn-cs"/>
-              </a:rPr>
-              <a:t>комментированного </a:t>
-            </a:r>
-            <a:r>
-              <a:rPr lang="ru-RU" sz="1200" kern="1200" dirty="0" smtClean="0">
-                <a:solidFill>
-                  <a:schemeClr val="tx1"/>
-                </a:solidFill>
-                <a:effectLst/>
-                <a:latin typeface="+mn-lt"/>
-                <a:ea typeface="+mn-ea"/>
-                <a:cs typeface="+mn-cs"/>
-              </a:rPr>
-              <a:t>куска кода и документации, которая была для него сгенерирована.</a:t>
+              <a:t>На слайде изображен пример комментированного куска кода и документации, которая была для него сгенерирована.</a:t>
             </a:r>
             <a:endParaRPr lang="ru-RU" dirty="0"/>
           </a:p>
@@ -3119,15 +3432,6 @@
               </a:rPr>
               <a:t>нефункциональные требования:</a:t>
             </a:r>
-            <a:endParaRPr lang="ru-RU" sz="1200" kern="1200" dirty="0" smtClean="0">
-              <a:solidFill>
-                <a:schemeClr val="tx1"/>
-              </a:solidFill>
-              <a:effectLst/>
-              <a:latin typeface="+mn-lt"/>
-              <a:ea typeface="+mn-ea"/>
-              <a:cs typeface="+mn-cs"/>
-            </a:endParaRPr>
           </a:p>
           <a:p>
             <a:pPr lvl="0"/>
@@ -3141,7 +3445,31 @@
                 <a:ea typeface="+mn-ea"/>
                 <a:cs typeface="+mn-cs"/>
               </a:rPr>
-              <a:t>1. Схема базы данных для хранения данных эксперимента должна быть гибко изменяемой, так как в будущем возможны изменения структуры данных.</a:t>
+              <a:t>1. Схема базы данных </a:t>
+            </a:r>
+            <a:r>
+              <a:rPr lang="ru-RU" sz="1200" kern="1200" dirty="0" smtClean="0">
+                <a:solidFill>
+                  <a:schemeClr val="tx1"/>
+                </a:solidFill>
+                <a:effectLst/>
+                <a:latin typeface="+mn-lt"/>
+                <a:ea typeface="+mn-ea"/>
+                <a:cs typeface="+mn-cs"/>
+              </a:rPr>
+              <a:t>должна </a:t>
+            </a:r>
+            <a:r>
+              <a:rPr lang="ru-RU" sz="1200" kern="1200" dirty="0" smtClean="0">
+                <a:solidFill>
+                  <a:schemeClr val="tx1"/>
+                </a:solidFill>
+                <a:effectLst/>
+                <a:latin typeface="+mn-lt"/>
+                <a:ea typeface="+mn-ea"/>
+                <a:cs typeface="+mn-cs"/>
+              </a:rPr>
+              <a:t>быть гибко изменяемой, так как в будущем возможны изменения структуры данных.</a:t>
             </a:r>
           </a:p>
           <a:p>
@@ -3281,31 +3609,7 @@
                 <a:ea typeface="+mn-ea"/>
                 <a:cs typeface="+mn-cs"/>
               </a:rPr>
-              <a:t>В соответствии с </a:t>
-            </a:r>
-            <a:r>
-              <a:rPr lang="ru-RU" sz="1200" kern="1200" dirty="0" smtClean="0">
-                <a:solidFill>
-                  <a:schemeClr val="tx1"/>
-                </a:solidFill>
-                <a:effectLst/>
-                <a:latin typeface="+mn-lt"/>
-                <a:ea typeface="+mn-ea"/>
-                <a:cs typeface="+mn-cs"/>
-              </a:rPr>
-              <a:t>этими требованиями </a:t>
-            </a:r>
-            <a:r>
-              <a:rPr lang="ru-RU" sz="1200" kern="1200" dirty="0" smtClean="0">
-                <a:solidFill>
-                  <a:schemeClr val="tx1"/>
-                </a:solidFill>
-                <a:effectLst/>
-                <a:latin typeface="+mn-lt"/>
-                <a:ea typeface="+mn-ea"/>
-                <a:cs typeface="+mn-cs"/>
-              </a:rPr>
-              <a:t>система хранения данных была разделена на два интерфейса:</a:t>
+              <a:t>В соответствии с этими требованиями система хранения данных была разделена на два интерфейса:</a:t>
             </a:r>
           </a:p>
           <a:p>
@@ -3526,8 +3830,21 @@
             </a:r>
             <a:r>
               <a:rPr lang="ru-RU" dirty="0" smtClean="0"/>
-              <a:t> позволяет также работать с большими бинарными объектами на сервере. Это такие сущности, которые позволяют работать с большими объемами данных в потоковом режиме.</a:t>
-            </a:r>
+              <a:t> позволяет также работать с большими бинарными объектами на сервере. </a:t>
+            </a:r>
+            <a:r>
+              <a:rPr lang="ru-RU" dirty="0" smtClean="0"/>
+              <a:t>Это </a:t>
+            </a:r>
+            <a:r>
+              <a:rPr lang="ru-RU" dirty="0" smtClean="0"/>
+              <a:t>такие сущности, которые </a:t>
+            </a:r>
+            <a:r>
+              <a:rPr lang="ru-RU" dirty="0" smtClean="0"/>
+              <a:t>хранят большие объемы данных, и позволяют работать с ними в потоковом режиме.</a:t>
+            </a:r>
+            <a:endParaRPr lang="ru-RU" dirty="0" smtClean="0"/>
           </a:p>
           <a:p>
             <a:r>
@@ -27395,6 +27712,13 @@
   <p:clrMapOvr>
     <a:masterClrMapping/>
   </p:clrMapOvr>
+  <p:timing>
+    <p:tnLst>
+      <p:par>
+        <p:cTn id="1" dur="indefinite" restart="never" nodeType="tmRoot"/>
+      </p:par>
+    </p:tnLst>
+  </p:timing>
 </p:sld>
 </file>
 
@@ -28748,6 +29072,13 @@
   <p:clrMapOvr>
     <a:masterClrMapping/>
   </p:clrMapOvr>
+  <p:timing>
+    <p:tnLst>
+      <p:par>
+        <p:cTn id="1" dur="indefinite" restart="never" nodeType="tmRoot"/>
+      </p:par>
+    </p:tnLst>
+  </p:timing>
 </p:sld>
 </file>
 
@@ -29303,6 +29634,13 @@
   <p:clrMapOvr>
     <a:masterClrMapping/>
   </p:clrMapOvr>
+  <p:timing>
+    <p:tnLst>
+      <p:par>
+        <p:cTn id="1" dur="indefinite" restart="never" nodeType="tmRoot"/>
+      </p:par>
+    </p:tnLst>
+  </p:timing>
 </p:sld>
 </file>
 
@@ -30356,6 +30694,13 @@
   <p:clrMapOvr>
     <a:masterClrMapping/>
   </p:clrMapOvr>
+  <p:timing>
+    <p:tnLst>
+      <p:par>
+        <p:cTn id="1" dur="indefinite" restart="never" nodeType="tmRoot"/>
+      </p:par>
+    </p:tnLst>
+  </p:timing>
 </p:sld>
 </file>
 
@@ -31011,6 +31356,13 @@
   <p:clrMapOvr>
     <a:masterClrMapping/>
   </p:clrMapOvr>
+  <p:timing>
+    <p:tnLst>
+      <p:par>
+        <p:cTn id="1" dur="indefinite" restart="never" nodeType="tmRoot"/>
+      </p:par>
+    </p:tnLst>
+  </p:timing>
 </p:sld>
 </file>
 
@@ -31873,6 +32225,13 @@
   <p:clrMapOvr>
     <a:masterClrMapping/>
   </p:clrMapOvr>
+  <p:timing>
+    <p:tnLst>
+      <p:par>
+        <p:cTn id="1" dur="indefinite" restart="never" nodeType="tmRoot"/>
+      </p:par>
+    </p:tnLst>
+  </p:timing>
 </p:sld>
 </file>
 
